--- a/TA/5112100036-PPT.pptx
+++ b/TA/5112100036-PPT.pptx
@@ -3,16 +3,25 @@
 <p:presentation xmlns:a="http://schemas.openxmlformats.org/drawingml/2006/main" xmlns:r="http://schemas.openxmlformats.org/officeDocument/2006/relationships" xmlns:p="http://schemas.openxmlformats.org/presentationml/2006/main" autoCompressPictures="0">
   <p:sldMasterIdLst>
     <p:sldMasterId id="2147483648" r:id="rId1"/>
+    <p:sldMasterId id="2147483665" r:id="rId2"/>
   </p:sldMasterIdLst>
   <p:sldIdLst>
-    <p:sldId id="256" r:id="rId2"/>
-    <p:sldId id="257" r:id="rId3"/>
-    <p:sldId id="261" r:id="rId4"/>
-    <p:sldId id="262" r:id="rId5"/>
-    <p:sldId id="263" r:id="rId6"/>
-    <p:sldId id="258" r:id="rId7"/>
-    <p:sldId id="259" r:id="rId8"/>
-    <p:sldId id="260" r:id="rId9"/>
+    <p:sldId id="256" r:id="rId3"/>
+    <p:sldId id="257" r:id="rId4"/>
+    <p:sldId id="261" r:id="rId5"/>
+    <p:sldId id="262" r:id="rId6"/>
+    <p:sldId id="263" r:id="rId7"/>
+    <p:sldId id="258" r:id="rId8"/>
+    <p:sldId id="265" r:id="rId9"/>
+    <p:sldId id="266" r:id="rId10"/>
+    <p:sldId id="267" r:id="rId11"/>
+    <p:sldId id="268" r:id="rId12"/>
+    <p:sldId id="259" r:id="rId13"/>
+    <p:sldId id="269" r:id="rId14"/>
+    <p:sldId id="271" r:id="rId15"/>
+    <p:sldId id="270" r:id="rId16"/>
+    <p:sldId id="260" r:id="rId17"/>
+    <p:sldId id="264" r:id="rId18"/>
   </p:sldIdLst>
   <p:sldSz cx="12192000" cy="6858000"/>
   <p:notesSz cx="6858000" cy="9144000"/>
@@ -119,6 +128,2358 @@
 </p:presentation>
 </file>
 
+<file path=ppt/charts/chart1.xml><?xml version="1.0" encoding="utf-8"?>
+<c:chartSpace xmlns:c="http://schemas.openxmlformats.org/drawingml/2006/chart" xmlns:a="http://schemas.openxmlformats.org/drawingml/2006/main" xmlns:r="http://schemas.openxmlformats.org/officeDocument/2006/relationships" xmlns:c16r2="http://schemas.microsoft.com/office/drawing/2015/06/chart">
+  <c:date1904 val="0"/>
+  <c:lang val="en-US"/>
+  <c:roundedCorners val="0"/>
+  <mc:AlternateContent xmlns:mc="http://schemas.openxmlformats.org/markup-compatibility/2006">
+    <mc:Choice xmlns:c14="http://schemas.microsoft.com/office/drawing/2007/8/2/chart" Requires="c14">
+      <c14:style val="102"/>
+    </mc:Choice>
+    <mc:Fallback>
+      <c:style val="2"/>
+    </mc:Fallback>
+  </mc:AlternateContent>
+  <c:chart>
+    <c:title>
+      <c:tx>
+        <c:rich>
+          <a:bodyPr rot="0" spcFirstLastPara="1" vertOverflow="ellipsis" vert="horz" wrap="square" anchor="ctr" anchorCtr="1"/>
+          <a:lstStyle/>
+          <a:p>
+            <a:pPr>
+              <a:defRPr sz="1400" b="0" i="0" u="none" strike="noStrike" kern="1200" spc="0" baseline="0">
+                <a:solidFill>
+                  <a:schemeClr val="tx1">
+                    <a:lumMod val="65000"/>
+                    <a:lumOff val="35000"/>
+                  </a:schemeClr>
+                </a:solidFill>
+                <a:latin typeface="+mn-lt"/>
+                <a:ea typeface="+mn-ea"/>
+                <a:cs typeface="+mn-cs"/>
+              </a:defRPr>
+            </a:pPr>
+            <a:r>
+              <a:rPr lang="id-ID"/>
+              <a:t>Utilitas CPU</a:t>
+            </a:r>
+          </a:p>
+        </c:rich>
+      </c:tx>
+      <c:layout/>
+      <c:overlay val="0"/>
+      <c:spPr>
+        <a:noFill/>
+        <a:ln>
+          <a:noFill/>
+        </a:ln>
+        <a:effectLst/>
+      </c:spPr>
+      <c:txPr>
+        <a:bodyPr rot="0" spcFirstLastPara="1" vertOverflow="ellipsis" vert="horz" wrap="square" anchor="ctr" anchorCtr="1"/>
+        <a:lstStyle/>
+        <a:p>
+          <a:pPr>
+            <a:defRPr sz="1400" b="0" i="0" u="none" strike="noStrike" kern="1200" spc="0" baseline="0">
+              <a:solidFill>
+                <a:schemeClr val="tx1">
+                  <a:lumMod val="65000"/>
+                  <a:lumOff val="35000"/>
+                </a:schemeClr>
+              </a:solidFill>
+              <a:latin typeface="+mn-lt"/>
+              <a:ea typeface="+mn-ea"/>
+              <a:cs typeface="+mn-cs"/>
+            </a:defRPr>
+          </a:pPr>
+          <a:endParaRPr lang="id-ID"/>
+        </a:p>
+      </c:txPr>
+    </c:title>
+    <c:autoTitleDeleted val="0"/>
+    <c:plotArea>
+      <c:layout/>
+      <c:barChart>
+        <c:barDir val="col"/>
+        <c:grouping val="clustered"/>
+        <c:varyColors val="0"/>
+        <c:ser>
+          <c:idx val="0"/>
+          <c:order val="0"/>
+          <c:tx>
+            <c:strRef>
+              <c:f>Sheet1!$B$1</c:f>
+              <c:strCache>
+                <c:ptCount val="1"/>
+                <c:pt idx="0">
+                  <c:v>Core 1</c:v>
+                </c:pt>
+              </c:strCache>
+            </c:strRef>
+          </c:tx>
+          <c:spPr>
+            <a:solidFill>
+              <a:schemeClr val="accent1"/>
+            </a:solidFill>
+            <a:ln>
+              <a:noFill/>
+            </a:ln>
+            <a:effectLst/>
+          </c:spPr>
+          <c:invertIfNegative val="0"/>
+          <c:cat>
+            <c:strRef>
+              <c:f>Sheet1!$A$2:$A$4</c:f>
+              <c:strCache>
+                <c:ptCount val="3"/>
+                <c:pt idx="0">
+                  <c:v>Normal</c:v>
+                </c:pt>
+                <c:pt idx="1">
+                  <c:v>Training</c:v>
+                </c:pt>
+                <c:pt idx="2">
+                  <c:v>Identifikasi</c:v>
+                </c:pt>
+              </c:strCache>
+            </c:strRef>
+          </c:cat>
+          <c:val>
+            <c:numRef>
+              <c:f>Sheet1!$B$2:$B$4</c:f>
+              <c:numCache>
+                <c:formatCode>General</c:formatCode>
+                <c:ptCount val="3"/>
+                <c:pt idx="0">
+                  <c:v>0</c:v>
+                </c:pt>
+                <c:pt idx="1">
+                  <c:v>99.3</c:v>
+                </c:pt>
+                <c:pt idx="2">
+                  <c:v>52.7</c:v>
+                </c:pt>
+              </c:numCache>
+            </c:numRef>
+          </c:val>
+          <c:extLst>
+            <c:ext xmlns:c16="http://schemas.microsoft.com/office/drawing/2014/chart" uri="{C3380CC4-5D6E-409C-BE32-E72D297353CC}">
+              <c16:uniqueId val="{00000000-A0F4-4B81-A98B-977445193722}"/>
+            </c:ext>
+          </c:extLst>
+        </c:ser>
+        <c:ser>
+          <c:idx val="1"/>
+          <c:order val="1"/>
+          <c:tx>
+            <c:strRef>
+              <c:f>Sheet1!$C$1</c:f>
+              <c:strCache>
+                <c:ptCount val="1"/>
+                <c:pt idx="0">
+                  <c:v>Core 2</c:v>
+                </c:pt>
+              </c:strCache>
+            </c:strRef>
+          </c:tx>
+          <c:spPr>
+            <a:solidFill>
+              <a:schemeClr val="accent2"/>
+            </a:solidFill>
+            <a:ln>
+              <a:noFill/>
+            </a:ln>
+            <a:effectLst/>
+          </c:spPr>
+          <c:invertIfNegative val="0"/>
+          <c:cat>
+            <c:strRef>
+              <c:f>Sheet1!$A$2:$A$4</c:f>
+              <c:strCache>
+                <c:ptCount val="3"/>
+                <c:pt idx="0">
+                  <c:v>Normal</c:v>
+                </c:pt>
+                <c:pt idx="1">
+                  <c:v>Training</c:v>
+                </c:pt>
+                <c:pt idx="2">
+                  <c:v>Identifikasi</c:v>
+                </c:pt>
+              </c:strCache>
+            </c:strRef>
+          </c:cat>
+          <c:val>
+            <c:numRef>
+              <c:f>Sheet1!$C$2:$C$4</c:f>
+              <c:numCache>
+                <c:formatCode>General</c:formatCode>
+                <c:ptCount val="3"/>
+                <c:pt idx="0">
+                  <c:v>0</c:v>
+                </c:pt>
+                <c:pt idx="1">
+                  <c:v>99.3</c:v>
+                </c:pt>
+                <c:pt idx="2">
+                  <c:v>52.8</c:v>
+                </c:pt>
+              </c:numCache>
+            </c:numRef>
+          </c:val>
+          <c:extLst>
+            <c:ext xmlns:c16="http://schemas.microsoft.com/office/drawing/2014/chart" uri="{C3380CC4-5D6E-409C-BE32-E72D297353CC}">
+              <c16:uniqueId val="{00000001-A0F4-4B81-A98B-977445193722}"/>
+            </c:ext>
+          </c:extLst>
+        </c:ser>
+        <c:ser>
+          <c:idx val="2"/>
+          <c:order val="2"/>
+          <c:tx>
+            <c:strRef>
+              <c:f>Sheet1!$D$1</c:f>
+              <c:strCache>
+                <c:ptCount val="1"/>
+                <c:pt idx="0">
+                  <c:v>Core 3</c:v>
+                </c:pt>
+              </c:strCache>
+            </c:strRef>
+          </c:tx>
+          <c:spPr>
+            <a:solidFill>
+              <a:schemeClr val="accent3"/>
+            </a:solidFill>
+            <a:ln>
+              <a:noFill/>
+            </a:ln>
+            <a:effectLst/>
+          </c:spPr>
+          <c:invertIfNegative val="0"/>
+          <c:cat>
+            <c:strRef>
+              <c:f>Sheet1!$A$2:$A$4</c:f>
+              <c:strCache>
+                <c:ptCount val="3"/>
+                <c:pt idx="0">
+                  <c:v>Normal</c:v>
+                </c:pt>
+                <c:pt idx="1">
+                  <c:v>Training</c:v>
+                </c:pt>
+                <c:pt idx="2">
+                  <c:v>Identifikasi</c:v>
+                </c:pt>
+              </c:strCache>
+            </c:strRef>
+          </c:cat>
+          <c:val>
+            <c:numRef>
+              <c:f>Sheet1!$D$2:$D$4</c:f>
+              <c:numCache>
+                <c:formatCode>General</c:formatCode>
+                <c:ptCount val="3"/>
+                <c:pt idx="0">
+                  <c:v>0.7</c:v>
+                </c:pt>
+                <c:pt idx="1">
+                  <c:v>99.3</c:v>
+                </c:pt>
+                <c:pt idx="2">
+                  <c:v>55.5</c:v>
+                </c:pt>
+              </c:numCache>
+            </c:numRef>
+          </c:val>
+          <c:extLst>
+            <c:ext xmlns:c16="http://schemas.microsoft.com/office/drawing/2014/chart" uri="{C3380CC4-5D6E-409C-BE32-E72D297353CC}">
+              <c16:uniqueId val="{00000002-A0F4-4B81-A98B-977445193722}"/>
+            </c:ext>
+          </c:extLst>
+        </c:ser>
+        <c:ser>
+          <c:idx val="3"/>
+          <c:order val="3"/>
+          <c:tx>
+            <c:strRef>
+              <c:f>Sheet1!$E$1</c:f>
+              <c:strCache>
+                <c:ptCount val="1"/>
+                <c:pt idx="0">
+                  <c:v>Core 4</c:v>
+                </c:pt>
+              </c:strCache>
+            </c:strRef>
+          </c:tx>
+          <c:spPr>
+            <a:solidFill>
+              <a:schemeClr val="accent4"/>
+            </a:solidFill>
+            <a:ln>
+              <a:noFill/>
+            </a:ln>
+            <a:effectLst/>
+          </c:spPr>
+          <c:invertIfNegative val="0"/>
+          <c:cat>
+            <c:strRef>
+              <c:f>Sheet1!$A$2:$A$4</c:f>
+              <c:strCache>
+                <c:ptCount val="3"/>
+                <c:pt idx="0">
+                  <c:v>Normal</c:v>
+                </c:pt>
+                <c:pt idx="1">
+                  <c:v>Training</c:v>
+                </c:pt>
+                <c:pt idx="2">
+                  <c:v>Identifikasi</c:v>
+                </c:pt>
+              </c:strCache>
+            </c:strRef>
+          </c:cat>
+          <c:val>
+            <c:numRef>
+              <c:f>Sheet1!$E$2:$E$4</c:f>
+              <c:numCache>
+                <c:formatCode>General</c:formatCode>
+                <c:ptCount val="3"/>
+                <c:pt idx="0">
+                  <c:v>0</c:v>
+                </c:pt>
+                <c:pt idx="1">
+                  <c:v>99.3</c:v>
+                </c:pt>
+                <c:pt idx="2">
+                  <c:v>49</c:v>
+                </c:pt>
+              </c:numCache>
+            </c:numRef>
+          </c:val>
+          <c:extLst>
+            <c:ext xmlns:c16="http://schemas.microsoft.com/office/drawing/2014/chart" uri="{C3380CC4-5D6E-409C-BE32-E72D297353CC}">
+              <c16:uniqueId val="{00000003-A0F4-4B81-A98B-977445193722}"/>
+            </c:ext>
+          </c:extLst>
+        </c:ser>
+        <c:dLbls>
+          <c:showLegendKey val="0"/>
+          <c:showVal val="0"/>
+          <c:showCatName val="0"/>
+          <c:showSerName val="0"/>
+          <c:showPercent val="0"/>
+          <c:showBubbleSize val="0"/>
+        </c:dLbls>
+        <c:gapWidth val="219"/>
+        <c:overlap val="-27"/>
+        <c:axId val="648360719"/>
+        <c:axId val="648361551"/>
+      </c:barChart>
+      <c:catAx>
+        <c:axId val="648360719"/>
+        <c:scaling>
+          <c:orientation val="minMax"/>
+        </c:scaling>
+        <c:delete val="0"/>
+        <c:axPos val="b"/>
+        <c:title>
+          <c:tx>
+            <c:rich>
+              <a:bodyPr rot="0" spcFirstLastPara="1" vertOverflow="ellipsis" vert="horz" wrap="square" anchor="ctr" anchorCtr="1"/>
+              <a:lstStyle/>
+              <a:p>
+                <a:pPr>
+                  <a:defRPr sz="1000" b="0" i="0" u="none" strike="noStrike" kern="1200" baseline="0">
+                    <a:solidFill>
+                      <a:schemeClr val="tx1">
+                        <a:lumMod val="65000"/>
+                        <a:lumOff val="35000"/>
+                      </a:schemeClr>
+                    </a:solidFill>
+                    <a:latin typeface="+mn-lt"/>
+                    <a:ea typeface="+mn-ea"/>
+                    <a:cs typeface="+mn-cs"/>
+                  </a:defRPr>
+                </a:pPr>
+                <a:r>
+                  <a:rPr lang="id-ID"/>
+                  <a:t>Proses</a:t>
+                </a:r>
+              </a:p>
+            </c:rich>
+          </c:tx>
+          <c:layout/>
+          <c:overlay val="0"/>
+          <c:spPr>
+            <a:noFill/>
+            <a:ln>
+              <a:noFill/>
+            </a:ln>
+            <a:effectLst/>
+          </c:spPr>
+          <c:txPr>
+            <a:bodyPr rot="0" spcFirstLastPara="1" vertOverflow="ellipsis" vert="horz" wrap="square" anchor="ctr" anchorCtr="1"/>
+            <a:lstStyle/>
+            <a:p>
+              <a:pPr>
+                <a:defRPr sz="1000" b="0" i="0" u="none" strike="noStrike" kern="1200" baseline="0">
+                  <a:solidFill>
+                    <a:schemeClr val="tx1">
+                      <a:lumMod val="65000"/>
+                      <a:lumOff val="35000"/>
+                    </a:schemeClr>
+                  </a:solidFill>
+                  <a:latin typeface="+mn-lt"/>
+                  <a:ea typeface="+mn-ea"/>
+                  <a:cs typeface="+mn-cs"/>
+                </a:defRPr>
+              </a:pPr>
+              <a:endParaRPr lang="id-ID"/>
+            </a:p>
+          </c:txPr>
+        </c:title>
+        <c:numFmt formatCode="General" sourceLinked="1"/>
+        <c:majorTickMark val="none"/>
+        <c:minorTickMark val="none"/>
+        <c:tickLblPos val="nextTo"/>
+        <c:spPr>
+          <a:noFill/>
+          <a:ln w="9525" cap="flat" cmpd="sng" algn="ctr">
+            <a:solidFill>
+              <a:schemeClr val="tx1">
+                <a:lumMod val="15000"/>
+                <a:lumOff val="85000"/>
+              </a:schemeClr>
+            </a:solidFill>
+            <a:round/>
+          </a:ln>
+          <a:effectLst/>
+        </c:spPr>
+        <c:txPr>
+          <a:bodyPr rot="-60000000" spcFirstLastPara="1" vertOverflow="ellipsis" vert="horz" wrap="square" anchor="ctr" anchorCtr="1"/>
+          <a:lstStyle/>
+          <a:p>
+            <a:pPr>
+              <a:defRPr sz="900" b="0" i="0" u="none" strike="noStrike" kern="1200" baseline="0">
+                <a:solidFill>
+                  <a:schemeClr val="tx1">
+                    <a:lumMod val="65000"/>
+                    <a:lumOff val="35000"/>
+                  </a:schemeClr>
+                </a:solidFill>
+                <a:latin typeface="+mn-lt"/>
+                <a:ea typeface="+mn-ea"/>
+                <a:cs typeface="+mn-cs"/>
+              </a:defRPr>
+            </a:pPr>
+            <a:endParaRPr lang="id-ID"/>
+          </a:p>
+        </c:txPr>
+        <c:crossAx val="648361551"/>
+        <c:crosses val="autoZero"/>
+        <c:auto val="1"/>
+        <c:lblAlgn val="ctr"/>
+        <c:lblOffset val="100"/>
+        <c:noMultiLvlLbl val="0"/>
+      </c:catAx>
+      <c:valAx>
+        <c:axId val="648361551"/>
+        <c:scaling>
+          <c:orientation val="minMax"/>
+        </c:scaling>
+        <c:delete val="0"/>
+        <c:axPos val="l"/>
+        <c:majorGridlines>
+          <c:spPr>
+            <a:ln w="9525" cap="flat" cmpd="sng" algn="ctr">
+              <a:solidFill>
+                <a:schemeClr val="tx1">
+                  <a:lumMod val="15000"/>
+                  <a:lumOff val="85000"/>
+                </a:schemeClr>
+              </a:solidFill>
+              <a:round/>
+            </a:ln>
+            <a:effectLst/>
+          </c:spPr>
+        </c:majorGridlines>
+        <c:title>
+          <c:tx>
+            <c:rich>
+              <a:bodyPr rot="-5400000" spcFirstLastPara="1" vertOverflow="ellipsis" vert="horz" wrap="square" anchor="ctr" anchorCtr="1"/>
+              <a:lstStyle/>
+              <a:p>
+                <a:pPr>
+                  <a:defRPr sz="1000" b="0" i="0" u="none" strike="noStrike" kern="1200" baseline="0">
+                    <a:solidFill>
+                      <a:schemeClr val="tx1">
+                        <a:lumMod val="65000"/>
+                        <a:lumOff val="35000"/>
+                      </a:schemeClr>
+                    </a:solidFill>
+                    <a:latin typeface="+mn-lt"/>
+                    <a:ea typeface="+mn-ea"/>
+                    <a:cs typeface="+mn-cs"/>
+                  </a:defRPr>
+                </a:pPr>
+                <a:r>
+                  <a:rPr lang="id-ID"/>
+                  <a:t>Load CPU (%)</a:t>
+                </a:r>
+              </a:p>
+            </c:rich>
+          </c:tx>
+          <c:layout/>
+          <c:overlay val="0"/>
+          <c:spPr>
+            <a:noFill/>
+            <a:ln>
+              <a:noFill/>
+            </a:ln>
+            <a:effectLst/>
+          </c:spPr>
+          <c:txPr>
+            <a:bodyPr rot="-5400000" spcFirstLastPara="1" vertOverflow="ellipsis" vert="horz" wrap="square" anchor="ctr" anchorCtr="1"/>
+            <a:lstStyle/>
+            <a:p>
+              <a:pPr>
+                <a:defRPr sz="1000" b="0" i="0" u="none" strike="noStrike" kern="1200" baseline="0">
+                  <a:solidFill>
+                    <a:schemeClr val="tx1">
+                      <a:lumMod val="65000"/>
+                      <a:lumOff val="35000"/>
+                    </a:schemeClr>
+                  </a:solidFill>
+                  <a:latin typeface="+mn-lt"/>
+                  <a:ea typeface="+mn-ea"/>
+                  <a:cs typeface="+mn-cs"/>
+                </a:defRPr>
+              </a:pPr>
+              <a:endParaRPr lang="id-ID"/>
+            </a:p>
+          </c:txPr>
+        </c:title>
+        <c:numFmt formatCode="General" sourceLinked="1"/>
+        <c:majorTickMark val="none"/>
+        <c:minorTickMark val="none"/>
+        <c:tickLblPos val="nextTo"/>
+        <c:spPr>
+          <a:noFill/>
+          <a:ln>
+            <a:noFill/>
+          </a:ln>
+          <a:effectLst/>
+        </c:spPr>
+        <c:txPr>
+          <a:bodyPr rot="-60000000" spcFirstLastPara="1" vertOverflow="ellipsis" vert="horz" wrap="square" anchor="ctr" anchorCtr="1"/>
+          <a:lstStyle/>
+          <a:p>
+            <a:pPr>
+              <a:defRPr sz="900" b="0" i="0" u="none" strike="noStrike" kern="1200" baseline="0">
+                <a:solidFill>
+                  <a:schemeClr val="tx1">
+                    <a:lumMod val="65000"/>
+                    <a:lumOff val="35000"/>
+                  </a:schemeClr>
+                </a:solidFill>
+                <a:latin typeface="+mn-lt"/>
+                <a:ea typeface="+mn-ea"/>
+                <a:cs typeface="+mn-cs"/>
+              </a:defRPr>
+            </a:pPr>
+            <a:endParaRPr lang="id-ID"/>
+          </a:p>
+        </c:txPr>
+        <c:crossAx val="648360719"/>
+        <c:crosses val="autoZero"/>
+        <c:crossBetween val="between"/>
+      </c:valAx>
+      <c:spPr>
+        <a:noFill/>
+        <a:ln>
+          <a:noFill/>
+        </a:ln>
+        <a:effectLst/>
+      </c:spPr>
+    </c:plotArea>
+    <c:legend>
+      <c:legendPos val="b"/>
+      <c:layout/>
+      <c:overlay val="0"/>
+      <c:spPr>
+        <a:noFill/>
+        <a:ln>
+          <a:noFill/>
+        </a:ln>
+        <a:effectLst/>
+      </c:spPr>
+      <c:txPr>
+        <a:bodyPr rot="0" spcFirstLastPara="1" vertOverflow="ellipsis" vert="horz" wrap="square" anchor="ctr" anchorCtr="1"/>
+        <a:lstStyle/>
+        <a:p>
+          <a:pPr>
+            <a:defRPr sz="900" b="0" i="0" u="none" strike="noStrike" kern="1200" baseline="0">
+              <a:solidFill>
+                <a:schemeClr val="tx1">
+                  <a:lumMod val="65000"/>
+                  <a:lumOff val="35000"/>
+                </a:schemeClr>
+              </a:solidFill>
+              <a:latin typeface="+mn-lt"/>
+              <a:ea typeface="+mn-ea"/>
+              <a:cs typeface="+mn-cs"/>
+            </a:defRPr>
+          </a:pPr>
+          <a:endParaRPr lang="id-ID"/>
+        </a:p>
+      </c:txPr>
+    </c:legend>
+    <c:plotVisOnly val="1"/>
+    <c:dispBlanksAs val="gap"/>
+    <c:showDLblsOverMax val="0"/>
+  </c:chart>
+  <c:spPr>
+    <a:noFill/>
+    <a:ln>
+      <a:noFill/>
+    </a:ln>
+    <a:effectLst/>
+  </c:spPr>
+  <c:txPr>
+    <a:bodyPr/>
+    <a:lstStyle/>
+    <a:p>
+      <a:pPr>
+        <a:defRPr/>
+      </a:pPr>
+      <a:endParaRPr lang="id-ID"/>
+    </a:p>
+  </c:txPr>
+  <c:externalData r:id="rId3">
+    <c:autoUpdate val="0"/>
+  </c:externalData>
+</c:chartSpace>
+</file>
+
+<file path=ppt/charts/chart2.xml><?xml version="1.0" encoding="utf-8"?>
+<c:chartSpace xmlns:c="http://schemas.openxmlformats.org/drawingml/2006/chart" xmlns:a="http://schemas.openxmlformats.org/drawingml/2006/main" xmlns:r="http://schemas.openxmlformats.org/officeDocument/2006/relationships" xmlns:c16r2="http://schemas.microsoft.com/office/drawing/2015/06/chart">
+  <c:date1904 val="0"/>
+  <c:lang val="en-US"/>
+  <c:roundedCorners val="0"/>
+  <mc:AlternateContent xmlns:mc="http://schemas.openxmlformats.org/markup-compatibility/2006">
+    <mc:Choice xmlns:c14="http://schemas.microsoft.com/office/drawing/2007/8/2/chart" Requires="c14">
+      <c14:style val="102"/>
+    </mc:Choice>
+    <mc:Fallback>
+      <c:style val="2"/>
+    </mc:Fallback>
+  </mc:AlternateContent>
+  <c:chart>
+    <c:title>
+      <c:tx>
+        <c:rich>
+          <a:bodyPr rot="0" spcFirstLastPara="1" vertOverflow="ellipsis" vert="horz" wrap="square" anchor="ctr" anchorCtr="1"/>
+          <a:lstStyle/>
+          <a:p>
+            <a:pPr>
+              <a:defRPr sz="1400" b="0" i="0" u="none" strike="noStrike" kern="1200" spc="0" baseline="0">
+                <a:solidFill>
+                  <a:schemeClr val="tx1">
+                    <a:lumMod val="65000"/>
+                    <a:lumOff val="35000"/>
+                  </a:schemeClr>
+                </a:solidFill>
+                <a:latin typeface="+mn-lt"/>
+                <a:ea typeface="+mn-ea"/>
+                <a:cs typeface="+mn-cs"/>
+              </a:defRPr>
+            </a:pPr>
+            <a:r>
+              <a:rPr lang="id-ID"/>
+              <a:t>Utilitas</a:t>
+            </a:r>
+            <a:r>
+              <a:rPr lang="id-ID" baseline="0"/>
+              <a:t> RAM</a:t>
+            </a:r>
+            <a:endParaRPr lang="id-ID"/>
+          </a:p>
+        </c:rich>
+      </c:tx>
+      <c:layout/>
+      <c:overlay val="0"/>
+      <c:spPr>
+        <a:noFill/>
+        <a:ln>
+          <a:noFill/>
+        </a:ln>
+        <a:effectLst/>
+      </c:spPr>
+      <c:txPr>
+        <a:bodyPr rot="0" spcFirstLastPara="1" vertOverflow="ellipsis" vert="horz" wrap="square" anchor="ctr" anchorCtr="1"/>
+        <a:lstStyle/>
+        <a:p>
+          <a:pPr>
+            <a:defRPr sz="1400" b="0" i="0" u="none" strike="noStrike" kern="1200" spc="0" baseline="0">
+              <a:solidFill>
+                <a:schemeClr val="tx1">
+                  <a:lumMod val="65000"/>
+                  <a:lumOff val="35000"/>
+                </a:schemeClr>
+              </a:solidFill>
+              <a:latin typeface="+mn-lt"/>
+              <a:ea typeface="+mn-ea"/>
+              <a:cs typeface="+mn-cs"/>
+            </a:defRPr>
+          </a:pPr>
+          <a:endParaRPr lang="id-ID"/>
+        </a:p>
+      </c:txPr>
+    </c:title>
+    <c:autoTitleDeleted val="0"/>
+    <c:plotArea>
+      <c:layout/>
+      <c:barChart>
+        <c:barDir val="col"/>
+        <c:grouping val="clustered"/>
+        <c:varyColors val="0"/>
+        <c:ser>
+          <c:idx val="0"/>
+          <c:order val="0"/>
+          <c:tx>
+            <c:strRef>
+              <c:f>Sheet1!$B$1</c:f>
+              <c:strCache>
+                <c:ptCount val="1"/>
+                <c:pt idx="0">
+                  <c:v>Memory</c:v>
+                </c:pt>
+              </c:strCache>
+            </c:strRef>
+          </c:tx>
+          <c:spPr>
+            <a:solidFill>
+              <a:schemeClr val="accent1"/>
+            </a:solidFill>
+            <a:ln>
+              <a:noFill/>
+            </a:ln>
+            <a:effectLst/>
+          </c:spPr>
+          <c:invertIfNegative val="0"/>
+          <c:dLbls>
+            <c:spPr>
+              <a:noFill/>
+              <a:ln>
+                <a:noFill/>
+              </a:ln>
+              <a:effectLst/>
+            </c:spPr>
+            <c:txPr>
+              <a:bodyPr rot="0" spcFirstLastPara="1" vertOverflow="ellipsis" vert="horz" wrap="square" lIns="38100" tIns="19050" rIns="38100" bIns="19050" anchor="ctr" anchorCtr="1">
+                <a:spAutoFit/>
+              </a:bodyPr>
+              <a:lstStyle/>
+              <a:p>
+                <a:pPr>
+                  <a:defRPr sz="900" b="0" i="0" u="none" strike="noStrike" kern="1200" baseline="0">
+                    <a:solidFill>
+                      <a:schemeClr val="tx1">
+                        <a:lumMod val="75000"/>
+                        <a:lumOff val="25000"/>
+                      </a:schemeClr>
+                    </a:solidFill>
+                    <a:latin typeface="+mn-lt"/>
+                    <a:ea typeface="+mn-ea"/>
+                    <a:cs typeface="+mn-cs"/>
+                  </a:defRPr>
+                </a:pPr>
+                <a:endParaRPr lang="id-ID"/>
+              </a:p>
+            </c:txPr>
+            <c:dLblPos val="outEnd"/>
+            <c:showLegendKey val="0"/>
+            <c:showVal val="1"/>
+            <c:showCatName val="0"/>
+            <c:showSerName val="0"/>
+            <c:showPercent val="0"/>
+            <c:showBubbleSize val="0"/>
+            <c:showLeaderLines val="0"/>
+            <c:extLst>
+              <c:ext xmlns:c15="http://schemas.microsoft.com/office/drawing/2012/chart" uri="{CE6537A1-D6FC-4f65-9D91-7224C49458BB}">
+                <c15:layout/>
+                <c15:showLeaderLines val="1"/>
+                <c15:leaderLines>
+                  <c:spPr>
+                    <a:ln w="9525" cap="flat" cmpd="sng" algn="ctr">
+                      <a:solidFill>
+                        <a:schemeClr val="tx1">
+                          <a:lumMod val="35000"/>
+                          <a:lumOff val="65000"/>
+                        </a:schemeClr>
+                      </a:solidFill>
+                      <a:round/>
+                    </a:ln>
+                    <a:effectLst/>
+                  </c:spPr>
+                </c15:leaderLines>
+              </c:ext>
+            </c:extLst>
+          </c:dLbls>
+          <c:cat>
+            <c:strRef>
+              <c:f>Sheet1!$A$2:$A$4</c:f>
+              <c:strCache>
+                <c:ptCount val="3"/>
+                <c:pt idx="0">
+                  <c:v>Normal</c:v>
+                </c:pt>
+                <c:pt idx="1">
+                  <c:v>Training</c:v>
+                </c:pt>
+                <c:pt idx="2">
+                  <c:v>Identifikasi</c:v>
+                </c:pt>
+              </c:strCache>
+            </c:strRef>
+          </c:cat>
+          <c:val>
+            <c:numRef>
+              <c:f>Sheet1!$B$2:$B$4</c:f>
+              <c:numCache>
+                <c:formatCode>General</c:formatCode>
+                <c:ptCount val="3"/>
+                <c:pt idx="0">
+                  <c:v>318</c:v>
+                </c:pt>
+                <c:pt idx="1">
+                  <c:v>3880</c:v>
+                </c:pt>
+                <c:pt idx="2">
+                  <c:v>6890</c:v>
+                </c:pt>
+              </c:numCache>
+            </c:numRef>
+          </c:val>
+          <c:extLst>
+            <c:ext xmlns:c16="http://schemas.microsoft.com/office/drawing/2014/chart" uri="{C3380CC4-5D6E-409C-BE32-E72D297353CC}">
+              <c16:uniqueId val="{00000000-116D-4D21-9AED-C24A46465630}"/>
+            </c:ext>
+          </c:extLst>
+        </c:ser>
+        <c:ser>
+          <c:idx val="1"/>
+          <c:order val="1"/>
+          <c:tx>
+            <c:strRef>
+              <c:f>Sheet1!$C$1</c:f>
+              <c:strCache>
+                <c:ptCount val="1"/>
+                <c:pt idx="0">
+                  <c:v>Swap</c:v>
+                </c:pt>
+              </c:strCache>
+            </c:strRef>
+          </c:tx>
+          <c:spPr>
+            <a:solidFill>
+              <a:schemeClr val="accent2"/>
+            </a:solidFill>
+            <a:ln>
+              <a:noFill/>
+            </a:ln>
+            <a:effectLst/>
+          </c:spPr>
+          <c:invertIfNegative val="0"/>
+          <c:dLbls>
+            <c:spPr>
+              <a:noFill/>
+              <a:ln>
+                <a:noFill/>
+              </a:ln>
+              <a:effectLst/>
+            </c:spPr>
+            <c:txPr>
+              <a:bodyPr rot="0" spcFirstLastPara="1" vertOverflow="ellipsis" vert="horz" wrap="square" lIns="38100" tIns="19050" rIns="38100" bIns="19050" anchor="ctr" anchorCtr="1">
+                <a:spAutoFit/>
+              </a:bodyPr>
+              <a:lstStyle/>
+              <a:p>
+                <a:pPr>
+                  <a:defRPr sz="900" b="0" i="0" u="none" strike="noStrike" kern="1200" baseline="0">
+                    <a:solidFill>
+                      <a:schemeClr val="tx1">
+                        <a:lumMod val="75000"/>
+                        <a:lumOff val="25000"/>
+                      </a:schemeClr>
+                    </a:solidFill>
+                    <a:latin typeface="+mn-lt"/>
+                    <a:ea typeface="+mn-ea"/>
+                    <a:cs typeface="+mn-cs"/>
+                  </a:defRPr>
+                </a:pPr>
+                <a:endParaRPr lang="id-ID"/>
+              </a:p>
+            </c:txPr>
+            <c:dLblPos val="outEnd"/>
+            <c:showLegendKey val="0"/>
+            <c:showVal val="1"/>
+            <c:showCatName val="0"/>
+            <c:showSerName val="0"/>
+            <c:showPercent val="0"/>
+            <c:showBubbleSize val="0"/>
+            <c:showLeaderLines val="0"/>
+            <c:extLst>
+              <c:ext xmlns:c15="http://schemas.microsoft.com/office/drawing/2012/chart" uri="{CE6537A1-D6FC-4f65-9D91-7224C49458BB}">
+                <c15:layout/>
+                <c15:showLeaderLines val="1"/>
+                <c15:leaderLines>
+                  <c:spPr>
+                    <a:ln w="9525" cap="flat" cmpd="sng" algn="ctr">
+                      <a:solidFill>
+                        <a:schemeClr val="tx1">
+                          <a:lumMod val="35000"/>
+                          <a:lumOff val="65000"/>
+                        </a:schemeClr>
+                      </a:solidFill>
+                      <a:round/>
+                    </a:ln>
+                    <a:effectLst/>
+                  </c:spPr>
+                </c15:leaderLines>
+              </c:ext>
+            </c:extLst>
+          </c:dLbls>
+          <c:cat>
+            <c:strRef>
+              <c:f>Sheet1!$A$2:$A$4</c:f>
+              <c:strCache>
+                <c:ptCount val="3"/>
+                <c:pt idx="0">
+                  <c:v>Normal</c:v>
+                </c:pt>
+                <c:pt idx="1">
+                  <c:v>Training</c:v>
+                </c:pt>
+                <c:pt idx="2">
+                  <c:v>Identifikasi</c:v>
+                </c:pt>
+              </c:strCache>
+            </c:strRef>
+          </c:cat>
+          <c:val>
+            <c:numRef>
+              <c:f>Sheet1!$C$2:$C$4</c:f>
+              <c:numCache>
+                <c:formatCode>General</c:formatCode>
+                <c:ptCount val="3"/>
+                <c:pt idx="0">
+                  <c:v>0</c:v>
+                </c:pt>
+                <c:pt idx="1">
+                  <c:v>0</c:v>
+                </c:pt>
+                <c:pt idx="2">
+                  <c:v>10.6</c:v>
+                </c:pt>
+              </c:numCache>
+            </c:numRef>
+          </c:val>
+          <c:extLst>
+            <c:ext xmlns:c16="http://schemas.microsoft.com/office/drawing/2014/chart" uri="{C3380CC4-5D6E-409C-BE32-E72D297353CC}">
+              <c16:uniqueId val="{00000001-116D-4D21-9AED-C24A46465630}"/>
+            </c:ext>
+          </c:extLst>
+        </c:ser>
+        <c:dLbls>
+          <c:dLblPos val="outEnd"/>
+          <c:showLegendKey val="0"/>
+          <c:showVal val="1"/>
+          <c:showCatName val="0"/>
+          <c:showSerName val="0"/>
+          <c:showPercent val="0"/>
+          <c:showBubbleSize val="0"/>
+        </c:dLbls>
+        <c:gapWidth val="219"/>
+        <c:overlap val="-27"/>
+        <c:axId val="785524479"/>
+        <c:axId val="785526143"/>
+      </c:barChart>
+      <c:catAx>
+        <c:axId val="785524479"/>
+        <c:scaling>
+          <c:orientation val="minMax"/>
+        </c:scaling>
+        <c:delete val="0"/>
+        <c:axPos val="b"/>
+        <c:title>
+          <c:tx>
+            <c:rich>
+              <a:bodyPr rot="0" spcFirstLastPara="1" vertOverflow="ellipsis" vert="horz" wrap="square" anchor="ctr" anchorCtr="1"/>
+              <a:lstStyle/>
+              <a:p>
+                <a:pPr>
+                  <a:defRPr sz="1000" b="0" i="0" u="none" strike="noStrike" kern="1200" baseline="0">
+                    <a:solidFill>
+                      <a:schemeClr val="tx1">
+                        <a:lumMod val="65000"/>
+                        <a:lumOff val="35000"/>
+                      </a:schemeClr>
+                    </a:solidFill>
+                    <a:latin typeface="+mn-lt"/>
+                    <a:ea typeface="+mn-ea"/>
+                    <a:cs typeface="+mn-cs"/>
+                  </a:defRPr>
+                </a:pPr>
+                <a:r>
+                  <a:rPr lang="id-ID"/>
+                  <a:t>Proses</a:t>
+                </a:r>
+              </a:p>
+            </c:rich>
+          </c:tx>
+          <c:layout/>
+          <c:overlay val="0"/>
+          <c:spPr>
+            <a:noFill/>
+            <a:ln>
+              <a:noFill/>
+            </a:ln>
+            <a:effectLst/>
+          </c:spPr>
+          <c:txPr>
+            <a:bodyPr rot="0" spcFirstLastPara="1" vertOverflow="ellipsis" vert="horz" wrap="square" anchor="ctr" anchorCtr="1"/>
+            <a:lstStyle/>
+            <a:p>
+              <a:pPr>
+                <a:defRPr sz="1000" b="0" i="0" u="none" strike="noStrike" kern="1200" baseline="0">
+                  <a:solidFill>
+                    <a:schemeClr val="tx1">
+                      <a:lumMod val="65000"/>
+                      <a:lumOff val="35000"/>
+                    </a:schemeClr>
+                  </a:solidFill>
+                  <a:latin typeface="+mn-lt"/>
+                  <a:ea typeface="+mn-ea"/>
+                  <a:cs typeface="+mn-cs"/>
+                </a:defRPr>
+              </a:pPr>
+              <a:endParaRPr lang="id-ID"/>
+            </a:p>
+          </c:txPr>
+        </c:title>
+        <c:numFmt formatCode="General" sourceLinked="1"/>
+        <c:majorTickMark val="none"/>
+        <c:minorTickMark val="none"/>
+        <c:tickLblPos val="nextTo"/>
+        <c:spPr>
+          <a:noFill/>
+          <a:ln w="9525" cap="flat" cmpd="sng" algn="ctr">
+            <a:solidFill>
+              <a:schemeClr val="tx1">
+                <a:lumMod val="15000"/>
+                <a:lumOff val="85000"/>
+              </a:schemeClr>
+            </a:solidFill>
+            <a:round/>
+          </a:ln>
+          <a:effectLst/>
+        </c:spPr>
+        <c:txPr>
+          <a:bodyPr rot="-60000000" spcFirstLastPara="1" vertOverflow="ellipsis" vert="horz" wrap="square" anchor="ctr" anchorCtr="1"/>
+          <a:lstStyle/>
+          <a:p>
+            <a:pPr>
+              <a:defRPr sz="900" b="0" i="0" u="none" strike="noStrike" kern="1200" baseline="0">
+                <a:solidFill>
+                  <a:schemeClr val="tx1">
+                    <a:lumMod val="65000"/>
+                    <a:lumOff val="35000"/>
+                  </a:schemeClr>
+                </a:solidFill>
+                <a:latin typeface="+mn-lt"/>
+                <a:ea typeface="+mn-ea"/>
+                <a:cs typeface="+mn-cs"/>
+              </a:defRPr>
+            </a:pPr>
+            <a:endParaRPr lang="id-ID"/>
+          </a:p>
+        </c:txPr>
+        <c:crossAx val="785526143"/>
+        <c:crosses val="autoZero"/>
+        <c:auto val="1"/>
+        <c:lblAlgn val="ctr"/>
+        <c:lblOffset val="100"/>
+        <c:noMultiLvlLbl val="0"/>
+      </c:catAx>
+      <c:valAx>
+        <c:axId val="785526143"/>
+        <c:scaling>
+          <c:orientation val="minMax"/>
+        </c:scaling>
+        <c:delete val="0"/>
+        <c:axPos val="l"/>
+        <c:majorGridlines>
+          <c:spPr>
+            <a:ln w="9525" cap="flat" cmpd="sng" algn="ctr">
+              <a:solidFill>
+                <a:schemeClr val="tx1">
+                  <a:lumMod val="15000"/>
+                  <a:lumOff val="85000"/>
+                </a:schemeClr>
+              </a:solidFill>
+              <a:round/>
+            </a:ln>
+            <a:effectLst/>
+          </c:spPr>
+        </c:majorGridlines>
+        <c:title>
+          <c:tx>
+            <c:rich>
+              <a:bodyPr rot="-5400000" spcFirstLastPara="1" vertOverflow="ellipsis" vert="horz" wrap="square" anchor="ctr" anchorCtr="1"/>
+              <a:lstStyle/>
+              <a:p>
+                <a:pPr>
+                  <a:defRPr sz="1000" b="0" i="0" u="none" strike="noStrike" kern="1200" baseline="0">
+                    <a:solidFill>
+                      <a:schemeClr val="tx1">
+                        <a:lumMod val="65000"/>
+                        <a:lumOff val="35000"/>
+                      </a:schemeClr>
+                    </a:solidFill>
+                    <a:latin typeface="+mn-lt"/>
+                    <a:ea typeface="+mn-ea"/>
+                    <a:cs typeface="+mn-cs"/>
+                  </a:defRPr>
+                </a:pPr>
+                <a:r>
+                  <a:rPr lang="id-ID"/>
+                  <a:t>Penggunaan (MB)</a:t>
+                </a:r>
+              </a:p>
+            </c:rich>
+          </c:tx>
+          <c:layout/>
+          <c:overlay val="0"/>
+          <c:spPr>
+            <a:noFill/>
+            <a:ln>
+              <a:noFill/>
+            </a:ln>
+            <a:effectLst/>
+          </c:spPr>
+          <c:txPr>
+            <a:bodyPr rot="-5400000" spcFirstLastPara="1" vertOverflow="ellipsis" vert="horz" wrap="square" anchor="ctr" anchorCtr="1"/>
+            <a:lstStyle/>
+            <a:p>
+              <a:pPr>
+                <a:defRPr sz="1000" b="0" i="0" u="none" strike="noStrike" kern="1200" baseline="0">
+                  <a:solidFill>
+                    <a:schemeClr val="tx1">
+                      <a:lumMod val="65000"/>
+                      <a:lumOff val="35000"/>
+                    </a:schemeClr>
+                  </a:solidFill>
+                  <a:latin typeface="+mn-lt"/>
+                  <a:ea typeface="+mn-ea"/>
+                  <a:cs typeface="+mn-cs"/>
+                </a:defRPr>
+              </a:pPr>
+              <a:endParaRPr lang="id-ID"/>
+            </a:p>
+          </c:txPr>
+        </c:title>
+        <c:numFmt formatCode="General" sourceLinked="1"/>
+        <c:majorTickMark val="none"/>
+        <c:minorTickMark val="none"/>
+        <c:tickLblPos val="nextTo"/>
+        <c:spPr>
+          <a:noFill/>
+          <a:ln>
+            <a:noFill/>
+          </a:ln>
+          <a:effectLst/>
+        </c:spPr>
+        <c:txPr>
+          <a:bodyPr rot="-60000000" spcFirstLastPara="1" vertOverflow="ellipsis" vert="horz" wrap="square" anchor="ctr" anchorCtr="1"/>
+          <a:lstStyle/>
+          <a:p>
+            <a:pPr>
+              <a:defRPr sz="900" b="0" i="0" u="none" strike="noStrike" kern="1200" baseline="0">
+                <a:solidFill>
+                  <a:schemeClr val="tx1">
+                    <a:lumMod val="65000"/>
+                    <a:lumOff val="35000"/>
+                  </a:schemeClr>
+                </a:solidFill>
+                <a:latin typeface="+mn-lt"/>
+                <a:ea typeface="+mn-ea"/>
+                <a:cs typeface="+mn-cs"/>
+              </a:defRPr>
+            </a:pPr>
+            <a:endParaRPr lang="id-ID"/>
+          </a:p>
+        </c:txPr>
+        <c:crossAx val="785524479"/>
+        <c:crosses val="autoZero"/>
+        <c:crossBetween val="between"/>
+      </c:valAx>
+      <c:spPr>
+        <a:noFill/>
+        <a:ln>
+          <a:noFill/>
+        </a:ln>
+        <a:effectLst/>
+      </c:spPr>
+    </c:plotArea>
+    <c:legend>
+      <c:legendPos val="b"/>
+      <c:layout/>
+      <c:overlay val="0"/>
+      <c:spPr>
+        <a:noFill/>
+        <a:ln>
+          <a:noFill/>
+        </a:ln>
+        <a:effectLst/>
+      </c:spPr>
+      <c:txPr>
+        <a:bodyPr rot="0" spcFirstLastPara="1" vertOverflow="ellipsis" vert="horz" wrap="square" anchor="ctr" anchorCtr="1"/>
+        <a:lstStyle/>
+        <a:p>
+          <a:pPr>
+            <a:defRPr sz="900" b="0" i="0" u="none" strike="noStrike" kern="1200" baseline="0">
+              <a:solidFill>
+                <a:schemeClr val="tx1">
+                  <a:lumMod val="65000"/>
+                  <a:lumOff val="35000"/>
+                </a:schemeClr>
+              </a:solidFill>
+              <a:latin typeface="+mn-lt"/>
+              <a:ea typeface="+mn-ea"/>
+              <a:cs typeface="+mn-cs"/>
+            </a:defRPr>
+          </a:pPr>
+          <a:endParaRPr lang="id-ID"/>
+        </a:p>
+      </c:txPr>
+    </c:legend>
+    <c:plotVisOnly val="1"/>
+    <c:dispBlanksAs val="gap"/>
+    <c:showDLblsOverMax val="0"/>
+  </c:chart>
+  <c:spPr>
+    <a:noFill/>
+    <a:ln>
+      <a:noFill/>
+    </a:ln>
+    <a:effectLst/>
+  </c:spPr>
+  <c:txPr>
+    <a:bodyPr/>
+    <a:lstStyle/>
+    <a:p>
+      <a:pPr>
+        <a:defRPr/>
+      </a:pPr>
+      <a:endParaRPr lang="id-ID"/>
+    </a:p>
+  </c:txPr>
+  <c:externalData r:id="rId3">
+    <c:autoUpdate val="0"/>
+  </c:externalData>
+</c:chartSpace>
+</file>
+
+<file path=ppt/charts/colors1.xml><?xml version="1.0" encoding="utf-8"?>
+<cs:colorStyle xmlns:cs="http://schemas.microsoft.com/office/drawing/2012/chartStyle" xmlns:a="http://schemas.openxmlformats.org/drawingml/2006/main" meth="cycle" id="10">
+  <a:schemeClr val="accent1"/>
+  <a:schemeClr val="accent2"/>
+  <a:schemeClr val="accent3"/>
+  <a:schemeClr val="accent4"/>
+  <a:schemeClr val="accent5"/>
+  <a:schemeClr val="accent6"/>
+  <cs:variation/>
+  <cs:variation>
+    <a:lumMod val="60000"/>
+  </cs:variation>
+  <cs:variation>
+    <a:lumMod val="80000"/>
+    <a:lumOff val="20000"/>
+  </cs:variation>
+  <cs:variation>
+    <a:lumMod val="80000"/>
+  </cs:variation>
+  <cs:variation>
+    <a:lumMod val="60000"/>
+    <a:lumOff val="40000"/>
+  </cs:variation>
+  <cs:variation>
+    <a:lumMod val="50000"/>
+  </cs:variation>
+  <cs:variation>
+    <a:lumMod val="70000"/>
+    <a:lumOff val="30000"/>
+  </cs:variation>
+  <cs:variation>
+    <a:lumMod val="70000"/>
+  </cs:variation>
+  <cs:variation>
+    <a:lumMod val="50000"/>
+    <a:lumOff val="50000"/>
+  </cs:variation>
+</cs:colorStyle>
+</file>
+
+<file path=ppt/charts/colors2.xml><?xml version="1.0" encoding="utf-8"?>
+<cs:colorStyle xmlns:cs="http://schemas.microsoft.com/office/drawing/2012/chartStyle" xmlns:a="http://schemas.openxmlformats.org/drawingml/2006/main" meth="cycle" id="10">
+  <a:schemeClr val="accent1"/>
+  <a:schemeClr val="accent2"/>
+  <a:schemeClr val="accent3"/>
+  <a:schemeClr val="accent4"/>
+  <a:schemeClr val="accent5"/>
+  <a:schemeClr val="accent6"/>
+  <cs:variation/>
+  <cs:variation>
+    <a:lumMod val="60000"/>
+  </cs:variation>
+  <cs:variation>
+    <a:lumMod val="80000"/>
+    <a:lumOff val="20000"/>
+  </cs:variation>
+  <cs:variation>
+    <a:lumMod val="80000"/>
+  </cs:variation>
+  <cs:variation>
+    <a:lumMod val="60000"/>
+    <a:lumOff val="40000"/>
+  </cs:variation>
+  <cs:variation>
+    <a:lumMod val="50000"/>
+  </cs:variation>
+  <cs:variation>
+    <a:lumMod val="70000"/>
+    <a:lumOff val="30000"/>
+  </cs:variation>
+  <cs:variation>
+    <a:lumMod val="70000"/>
+  </cs:variation>
+  <cs:variation>
+    <a:lumMod val="50000"/>
+    <a:lumOff val="50000"/>
+  </cs:variation>
+</cs:colorStyle>
+</file>
+
+<file path=ppt/charts/style1.xml><?xml version="1.0" encoding="utf-8"?>
+<cs:chartStyle xmlns:cs="http://schemas.microsoft.com/office/drawing/2012/chartStyle" xmlns:a="http://schemas.openxmlformats.org/drawingml/2006/main" id="201">
+  <cs:axisTitle>
+    <cs:lnRef idx="0"/>
+    <cs:fillRef idx="0"/>
+    <cs:effectRef idx="0"/>
+    <cs:fontRef idx="minor">
+      <a:schemeClr val="tx1">
+        <a:lumMod val="65000"/>
+        <a:lumOff val="35000"/>
+      </a:schemeClr>
+    </cs:fontRef>
+    <cs:defRPr sz="1000" kern="1200"/>
+  </cs:axisTitle>
+  <cs:categoryAxis>
+    <cs:lnRef idx="0"/>
+    <cs:fillRef idx="0"/>
+    <cs:effectRef idx="0"/>
+    <cs:fontRef idx="minor">
+      <a:schemeClr val="tx1">
+        <a:lumMod val="65000"/>
+        <a:lumOff val="35000"/>
+      </a:schemeClr>
+    </cs:fontRef>
+    <cs:spPr>
+      <a:ln w="9525" cap="flat" cmpd="sng" algn="ctr">
+        <a:solidFill>
+          <a:schemeClr val="tx1">
+            <a:lumMod val="15000"/>
+            <a:lumOff val="85000"/>
+          </a:schemeClr>
+        </a:solidFill>
+        <a:round/>
+      </a:ln>
+    </cs:spPr>
+    <cs:defRPr sz="900" kern="1200"/>
+  </cs:categoryAxis>
+  <cs:chartArea mods="allowNoFillOverride allowNoLineOverride">
+    <cs:lnRef idx="0"/>
+    <cs:fillRef idx="0"/>
+    <cs:effectRef idx="0"/>
+    <cs:fontRef idx="minor">
+      <a:schemeClr val="tx1"/>
+    </cs:fontRef>
+    <cs:spPr>
+      <a:solidFill>
+        <a:schemeClr val="bg1"/>
+      </a:solidFill>
+      <a:ln w="9525" cap="flat" cmpd="sng" algn="ctr">
+        <a:solidFill>
+          <a:schemeClr val="tx1">
+            <a:lumMod val="15000"/>
+            <a:lumOff val="85000"/>
+          </a:schemeClr>
+        </a:solidFill>
+        <a:round/>
+      </a:ln>
+    </cs:spPr>
+    <cs:defRPr sz="1000" kern="1200"/>
+  </cs:chartArea>
+  <cs:dataLabel>
+    <cs:lnRef idx="0"/>
+    <cs:fillRef idx="0"/>
+    <cs:effectRef idx="0"/>
+    <cs:fontRef idx="minor">
+      <a:schemeClr val="tx1">
+        <a:lumMod val="75000"/>
+        <a:lumOff val="25000"/>
+      </a:schemeClr>
+    </cs:fontRef>
+    <cs:defRPr sz="900" kern="1200"/>
+  </cs:dataLabel>
+  <cs:dataLabelCallout>
+    <cs:lnRef idx="0"/>
+    <cs:fillRef idx="0"/>
+    <cs:effectRef idx="0"/>
+    <cs:fontRef idx="minor">
+      <a:schemeClr val="dk1">
+        <a:lumMod val="65000"/>
+        <a:lumOff val="35000"/>
+      </a:schemeClr>
+    </cs:fontRef>
+    <cs:spPr>
+      <a:solidFill>
+        <a:schemeClr val="lt1"/>
+      </a:solidFill>
+      <a:ln>
+        <a:solidFill>
+          <a:schemeClr val="dk1">
+            <a:lumMod val="25000"/>
+            <a:lumOff val="75000"/>
+          </a:schemeClr>
+        </a:solidFill>
+      </a:ln>
+    </cs:spPr>
+    <cs:defRPr sz="900" kern="1200"/>
+    <cs:bodyPr rot="0" spcFirstLastPara="1" vertOverflow="clip" horzOverflow="clip" vert="horz" wrap="square" lIns="36576" tIns="18288" rIns="36576" bIns="18288" anchor="ctr" anchorCtr="1">
+      <a:spAutoFit/>
+    </cs:bodyPr>
+  </cs:dataLabelCallout>
+  <cs:dataPoint>
+    <cs:lnRef idx="0"/>
+    <cs:fillRef idx="1">
+      <cs:styleClr val="auto"/>
+    </cs:fillRef>
+    <cs:effectRef idx="0"/>
+    <cs:fontRef idx="minor">
+      <a:schemeClr val="tx1"/>
+    </cs:fontRef>
+  </cs:dataPoint>
+  <cs:dataPoint3D>
+    <cs:lnRef idx="0"/>
+    <cs:fillRef idx="1">
+      <cs:styleClr val="auto"/>
+    </cs:fillRef>
+    <cs:effectRef idx="0"/>
+    <cs:fontRef idx="minor">
+      <a:schemeClr val="tx1"/>
+    </cs:fontRef>
+  </cs:dataPoint3D>
+  <cs:dataPointLine>
+    <cs:lnRef idx="0">
+      <cs:styleClr val="auto"/>
+    </cs:lnRef>
+    <cs:fillRef idx="1"/>
+    <cs:effectRef idx="0"/>
+    <cs:fontRef idx="minor">
+      <a:schemeClr val="tx1"/>
+    </cs:fontRef>
+    <cs:spPr>
+      <a:ln w="28575" cap="rnd">
+        <a:solidFill>
+          <a:schemeClr val="phClr"/>
+        </a:solidFill>
+        <a:round/>
+      </a:ln>
+    </cs:spPr>
+  </cs:dataPointLine>
+  <cs:dataPointMarker>
+    <cs:lnRef idx="0">
+      <cs:styleClr val="auto"/>
+    </cs:lnRef>
+    <cs:fillRef idx="1">
+      <cs:styleClr val="auto"/>
+    </cs:fillRef>
+    <cs:effectRef idx="0"/>
+    <cs:fontRef idx="minor">
+      <a:schemeClr val="tx1"/>
+    </cs:fontRef>
+    <cs:spPr>
+      <a:ln w="9525">
+        <a:solidFill>
+          <a:schemeClr val="phClr"/>
+        </a:solidFill>
+      </a:ln>
+    </cs:spPr>
+  </cs:dataPointMarker>
+  <cs:dataPointMarkerLayout symbol="circle" size="5"/>
+  <cs:dataPointWireframe>
+    <cs:lnRef idx="0">
+      <cs:styleClr val="auto"/>
+    </cs:lnRef>
+    <cs:fillRef idx="1"/>
+    <cs:effectRef idx="0"/>
+    <cs:fontRef idx="minor">
+      <a:schemeClr val="tx1"/>
+    </cs:fontRef>
+    <cs:spPr>
+      <a:ln w="9525" cap="rnd">
+        <a:solidFill>
+          <a:schemeClr val="phClr"/>
+        </a:solidFill>
+        <a:round/>
+      </a:ln>
+    </cs:spPr>
+  </cs:dataPointWireframe>
+  <cs:dataTable>
+    <cs:lnRef idx="0"/>
+    <cs:fillRef idx="0"/>
+    <cs:effectRef idx="0"/>
+    <cs:fontRef idx="minor">
+      <a:schemeClr val="tx1">
+        <a:lumMod val="65000"/>
+        <a:lumOff val="35000"/>
+      </a:schemeClr>
+    </cs:fontRef>
+    <cs:spPr>
+      <a:noFill/>
+      <a:ln w="9525" cap="flat" cmpd="sng" algn="ctr">
+        <a:solidFill>
+          <a:schemeClr val="tx1">
+            <a:lumMod val="15000"/>
+            <a:lumOff val="85000"/>
+          </a:schemeClr>
+        </a:solidFill>
+        <a:round/>
+      </a:ln>
+    </cs:spPr>
+    <cs:defRPr sz="900" kern="1200"/>
+  </cs:dataTable>
+  <cs:downBar>
+    <cs:lnRef idx="0"/>
+    <cs:fillRef idx="0"/>
+    <cs:effectRef idx="0"/>
+    <cs:fontRef idx="minor">
+      <a:schemeClr val="dk1"/>
+    </cs:fontRef>
+    <cs:spPr>
+      <a:solidFill>
+        <a:schemeClr val="dk1">
+          <a:lumMod val="65000"/>
+          <a:lumOff val="35000"/>
+        </a:schemeClr>
+      </a:solidFill>
+      <a:ln w="9525">
+        <a:solidFill>
+          <a:schemeClr val="tx1">
+            <a:lumMod val="65000"/>
+            <a:lumOff val="35000"/>
+          </a:schemeClr>
+        </a:solidFill>
+      </a:ln>
+    </cs:spPr>
+  </cs:downBar>
+  <cs:dropLine>
+    <cs:lnRef idx="0"/>
+    <cs:fillRef idx="0"/>
+    <cs:effectRef idx="0"/>
+    <cs:fontRef idx="minor">
+      <a:schemeClr val="tx1"/>
+    </cs:fontRef>
+    <cs:spPr>
+      <a:ln w="9525" cap="flat" cmpd="sng" algn="ctr">
+        <a:solidFill>
+          <a:schemeClr val="tx1">
+            <a:lumMod val="35000"/>
+            <a:lumOff val="65000"/>
+          </a:schemeClr>
+        </a:solidFill>
+        <a:round/>
+      </a:ln>
+    </cs:spPr>
+  </cs:dropLine>
+  <cs:errorBar>
+    <cs:lnRef idx="0"/>
+    <cs:fillRef idx="0"/>
+    <cs:effectRef idx="0"/>
+    <cs:fontRef idx="minor">
+      <a:schemeClr val="tx1"/>
+    </cs:fontRef>
+    <cs:spPr>
+      <a:ln w="9525" cap="flat" cmpd="sng" algn="ctr">
+        <a:solidFill>
+          <a:schemeClr val="tx1">
+            <a:lumMod val="65000"/>
+            <a:lumOff val="35000"/>
+          </a:schemeClr>
+        </a:solidFill>
+        <a:round/>
+      </a:ln>
+    </cs:spPr>
+  </cs:errorBar>
+  <cs:floor>
+    <cs:lnRef idx="0"/>
+    <cs:fillRef idx="0"/>
+    <cs:effectRef idx="0"/>
+    <cs:fontRef idx="minor">
+      <a:schemeClr val="tx1"/>
+    </cs:fontRef>
+    <cs:spPr>
+      <a:noFill/>
+      <a:ln>
+        <a:noFill/>
+      </a:ln>
+    </cs:spPr>
+  </cs:floor>
+  <cs:gridlineMajor>
+    <cs:lnRef idx="0"/>
+    <cs:fillRef idx="0"/>
+    <cs:effectRef idx="0"/>
+    <cs:fontRef idx="minor">
+      <a:schemeClr val="tx1"/>
+    </cs:fontRef>
+    <cs:spPr>
+      <a:ln w="9525" cap="flat" cmpd="sng" algn="ctr">
+        <a:solidFill>
+          <a:schemeClr val="tx1">
+            <a:lumMod val="15000"/>
+            <a:lumOff val="85000"/>
+          </a:schemeClr>
+        </a:solidFill>
+        <a:round/>
+      </a:ln>
+    </cs:spPr>
+  </cs:gridlineMajor>
+  <cs:gridlineMinor>
+    <cs:lnRef idx="0"/>
+    <cs:fillRef idx="0"/>
+    <cs:effectRef idx="0"/>
+    <cs:fontRef idx="minor">
+      <a:schemeClr val="tx1"/>
+    </cs:fontRef>
+    <cs:spPr>
+      <a:ln w="9525" cap="flat" cmpd="sng" algn="ctr">
+        <a:solidFill>
+          <a:schemeClr val="tx1">
+            <a:lumMod val="5000"/>
+            <a:lumOff val="95000"/>
+          </a:schemeClr>
+        </a:solidFill>
+        <a:round/>
+      </a:ln>
+    </cs:spPr>
+  </cs:gridlineMinor>
+  <cs:hiLoLine>
+    <cs:lnRef idx="0"/>
+    <cs:fillRef idx="0"/>
+    <cs:effectRef idx="0"/>
+    <cs:fontRef idx="minor">
+      <a:schemeClr val="tx1"/>
+    </cs:fontRef>
+    <cs:spPr>
+      <a:ln w="9525" cap="flat" cmpd="sng" algn="ctr">
+        <a:solidFill>
+          <a:schemeClr val="tx1">
+            <a:lumMod val="75000"/>
+            <a:lumOff val="25000"/>
+          </a:schemeClr>
+        </a:solidFill>
+        <a:round/>
+      </a:ln>
+    </cs:spPr>
+  </cs:hiLoLine>
+  <cs:leaderLine>
+    <cs:lnRef idx="0"/>
+    <cs:fillRef idx="0"/>
+    <cs:effectRef idx="0"/>
+    <cs:fontRef idx="minor">
+      <a:schemeClr val="tx1"/>
+    </cs:fontRef>
+    <cs:spPr>
+      <a:ln w="9525" cap="flat" cmpd="sng" algn="ctr">
+        <a:solidFill>
+          <a:schemeClr val="tx1">
+            <a:lumMod val="35000"/>
+            <a:lumOff val="65000"/>
+          </a:schemeClr>
+        </a:solidFill>
+        <a:round/>
+      </a:ln>
+    </cs:spPr>
+  </cs:leaderLine>
+  <cs:legend>
+    <cs:lnRef idx="0"/>
+    <cs:fillRef idx="0"/>
+    <cs:effectRef idx="0"/>
+    <cs:fontRef idx="minor">
+      <a:schemeClr val="tx1">
+        <a:lumMod val="65000"/>
+        <a:lumOff val="35000"/>
+      </a:schemeClr>
+    </cs:fontRef>
+    <cs:defRPr sz="900" kern="1200"/>
+  </cs:legend>
+  <cs:plotArea mods="allowNoFillOverride allowNoLineOverride">
+    <cs:lnRef idx="0"/>
+    <cs:fillRef idx="0"/>
+    <cs:effectRef idx="0"/>
+    <cs:fontRef idx="minor">
+      <a:schemeClr val="tx1"/>
+    </cs:fontRef>
+  </cs:plotArea>
+  <cs:plotArea3D mods="allowNoFillOverride allowNoLineOverride">
+    <cs:lnRef idx="0"/>
+    <cs:fillRef idx="0"/>
+    <cs:effectRef idx="0"/>
+    <cs:fontRef idx="minor">
+      <a:schemeClr val="tx1"/>
+    </cs:fontRef>
+  </cs:plotArea3D>
+  <cs:seriesAxis>
+    <cs:lnRef idx="0"/>
+    <cs:fillRef idx="0"/>
+    <cs:effectRef idx="0"/>
+    <cs:fontRef idx="minor">
+      <a:schemeClr val="tx1">
+        <a:lumMod val="65000"/>
+        <a:lumOff val="35000"/>
+      </a:schemeClr>
+    </cs:fontRef>
+    <cs:defRPr sz="900" kern="1200"/>
+  </cs:seriesAxis>
+  <cs:seriesLine>
+    <cs:lnRef idx="0"/>
+    <cs:fillRef idx="0"/>
+    <cs:effectRef idx="0"/>
+    <cs:fontRef idx="minor">
+      <a:schemeClr val="tx1"/>
+    </cs:fontRef>
+    <cs:spPr>
+      <a:ln w="9525" cap="flat" cmpd="sng" algn="ctr">
+        <a:solidFill>
+          <a:schemeClr val="tx1">
+            <a:lumMod val="35000"/>
+            <a:lumOff val="65000"/>
+          </a:schemeClr>
+        </a:solidFill>
+        <a:round/>
+      </a:ln>
+    </cs:spPr>
+  </cs:seriesLine>
+  <cs:title>
+    <cs:lnRef idx="0"/>
+    <cs:fillRef idx="0"/>
+    <cs:effectRef idx="0"/>
+    <cs:fontRef idx="minor">
+      <a:schemeClr val="tx1">
+        <a:lumMod val="65000"/>
+        <a:lumOff val="35000"/>
+      </a:schemeClr>
+    </cs:fontRef>
+    <cs:defRPr sz="1400" b="0" kern="1200" spc="0" baseline="0"/>
+  </cs:title>
+  <cs:trendline>
+    <cs:lnRef idx="0">
+      <cs:styleClr val="auto"/>
+    </cs:lnRef>
+    <cs:fillRef idx="0"/>
+    <cs:effectRef idx="0"/>
+    <cs:fontRef idx="minor">
+      <a:schemeClr val="tx1"/>
+    </cs:fontRef>
+    <cs:spPr>
+      <a:ln w="19050" cap="rnd">
+        <a:solidFill>
+          <a:schemeClr val="phClr"/>
+        </a:solidFill>
+        <a:prstDash val="sysDot"/>
+      </a:ln>
+    </cs:spPr>
+  </cs:trendline>
+  <cs:trendlineLabel>
+    <cs:lnRef idx="0"/>
+    <cs:fillRef idx="0"/>
+    <cs:effectRef idx="0"/>
+    <cs:fontRef idx="minor">
+      <a:schemeClr val="tx1">
+        <a:lumMod val="65000"/>
+        <a:lumOff val="35000"/>
+      </a:schemeClr>
+    </cs:fontRef>
+    <cs:defRPr sz="900" kern="1200"/>
+  </cs:trendlineLabel>
+  <cs:upBar>
+    <cs:lnRef idx="0"/>
+    <cs:fillRef idx="0"/>
+    <cs:effectRef idx="0"/>
+    <cs:fontRef idx="minor">
+      <a:schemeClr val="dk1"/>
+    </cs:fontRef>
+    <cs:spPr>
+      <a:solidFill>
+        <a:schemeClr val="lt1"/>
+      </a:solidFill>
+      <a:ln w="9525">
+        <a:solidFill>
+          <a:schemeClr val="tx1">
+            <a:lumMod val="15000"/>
+            <a:lumOff val="85000"/>
+          </a:schemeClr>
+        </a:solidFill>
+      </a:ln>
+    </cs:spPr>
+  </cs:upBar>
+  <cs:valueAxis>
+    <cs:lnRef idx="0"/>
+    <cs:fillRef idx="0"/>
+    <cs:effectRef idx="0"/>
+    <cs:fontRef idx="minor">
+      <a:schemeClr val="tx1">
+        <a:lumMod val="65000"/>
+        <a:lumOff val="35000"/>
+      </a:schemeClr>
+    </cs:fontRef>
+    <cs:defRPr sz="900" kern="1200"/>
+  </cs:valueAxis>
+  <cs:wall>
+    <cs:lnRef idx="0"/>
+    <cs:fillRef idx="0"/>
+    <cs:effectRef idx="0"/>
+    <cs:fontRef idx="minor">
+      <a:schemeClr val="tx1"/>
+    </cs:fontRef>
+    <cs:spPr>
+      <a:noFill/>
+      <a:ln>
+        <a:noFill/>
+      </a:ln>
+    </cs:spPr>
+  </cs:wall>
+</cs:chartStyle>
+</file>
+
+<file path=ppt/charts/style2.xml><?xml version="1.0" encoding="utf-8"?>
+<cs:chartStyle xmlns:cs="http://schemas.microsoft.com/office/drawing/2012/chartStyle" xmlns:a="http://schemas.openxmlformats.org/drawingml/2006/main" id="201">
+  <cs:axisTitle>
+    <cs:lnRef idx="0"/>
+    <cs:fillRef idx="0"/>
+    <cs:effectRef idx="0"/>
+    <cs:fontRef idx="minor">
+      <a:schemeClr val="tx1">
+        <a:lumMod val="65000"/>
+        <a:lumOff val="35000"/>
+      </a:schemeClr>
+    </cs:fontRef>
+    <cs:defRPr sz="1000" kern="1200"/>
+  </cs:axisTitle>
+  <cs:categoryAxis>
+    <cs:lnRef idx="0"/>
+    <cs:fillRef idx="0"/>
+    <cs:effectRef idx="0"/>
+    <cs:fontRef idx="minor">
+      <a:schemeClr val="tx1">
+        <a:lumMod val="65000"/>
+        <a:lumOff val="35000"/>
+      </a:schemeClr>
+    </cs:fontRef>
+    <cs:spPr>
+      <a:ln w="9525" cap="flat" cmpd="sng" algn="ctr">
+        <a:solidFill>
+          <a:schemeClr val="tx1">
+            <a:lumMod val="15000"/>
+            <a:lumOff val="85000"/>
+          </a:schemeClr>
+        </a:solidFill>
+        <a:round/>
+      </a:ln>
+    </cs:spPr>
+    <cs:defRPr sz="900" kern="1200"/>
+  </cs:categoryAxis>
+  <cs:chartArea mods="allowNoFillOverride allowNoLineOverride">
+    <cs:lnRef idx="0"/>
+    <cs:fillRef idx="0"/>
+    <cs:effectRef idx="0"/>
+    <cs:fontRef idx="minor">
+      <a:schemeClr val="tx1"/>
+    </cs:fontRef>
+    <cs:spPr>
+      <a:solidFill>
+        <a:schemeClr val="bg1"/>
+      </a:solidFill>
+      <a:ln w="9525" cap="flat" cmpd="sng" algn="ctr">
+        <a:solidFill>
+          <a:schemeClr val="tx1">
+            <a:lumMod val="15000"/>
+            <a:lumOff val="85000"/>
+          </a:schemeClr>
+        </a:solidFill>
+        <a:round/>
+      </a:ln>
+    </cs:spPr>
+    <cs:defRPr sz="1000" kern="1200"/>
+  </cs:chartArea>
+  <cs:dataLabel>
+    <cs:lnRef idx="0"/>
+    <cs:fillRef idx="0"/>
+    <cs:effectRef idx="0"/>
+    <cs:fontRef idx="minor">
+      <a:schemeClr val="tx1">
+        <a:lumMod val="75000"/>
+        <a:lumOff val="25000"/>
+      </a:schemeClr>
+    </cs:fontRef>
+    <cs:defRPr sz="900" kern="1200"/>
+  </cs:dataLabel>
+  <cs:dataLabelCallout>
+    <cs:lnRef idx="0"/>
+    <cs:fillRef idx="0"/>
+    <cs:effectRef idx="0"/>
+    <cs:fontRef idx="minor">
+      <a:schemeClr val="dk1">
+        <a:lumMod val="65000"/>
+        <a:lumOff val="35000"/>
+      </a:schemeClr>
+    </cs:fontRef>
+    <cs:spPr>
+      <a:solidFill>
+        <a:schemeClr val="lt1"/>
+      </a:solidFill>
+      <a:ln>
+        <a:solidFill>
+          <a:schemeClr val="dk1">
+            <a:lumMod val="25000"/>
+            <a:lumOff val="75000"/>
+          </a:schemeClr>
+        </a:solidFill>
+      </a:ln>
+    </cs:spPr>
+    <cs:defRPr sz="900" kern="1200"/>
+    <cs:bodyPr rot="0" spcFirstLastPara="1" vertOverflow="clip" horzOverflow="clip" vert="horz" wrap="square" lIns="36576" tIns="18288" rIns="36576" bIns="18288" anchor="ctr" anchorCtr="1">
+      <a:spAutoFit/>
+    </cs:bodyPr>
+  </cs:dataLabelCallout>
+  <cs:dataPoint>
+    <cs:lnRef idx="0"/>
+    <cs:fillRef idx="1">
+      <cs:styleClr val="auto"/>
+    </cs:fillRef>
+    <cs:effectRef idx="0"/>
+    <cs:fontRef idx="minor">
+      <a:schemeClr val="tx1"/>
+    </cs:fontRef>
+  </cs:dataPoint>
+  <cs:dataPoint3D>
+    <cs:lnRef idx="0"/>
+    <cs:fillRef idx="1">
+      <cs:styleClr val="auto"/>
+    </cs:fillRef>
+    <cs:effectRef idx="0"/>
+    <cs:fontRef idx="minor">
+      <a:schemeClr val="tx1"/>
+    </cs:fontRef>
+  </cs:dataPoint3D>
+  <cs:dataPointLine>
+    <cs:lnRef idx="0">
+      <cs:styleClr val="auto"/>
+    </cs:lnRef>
+    <cs:fillRef idx="1"/>
+    <cs:effectRef idx="0"/>
+    <cs:fontRef idx="minor">
+      <a:schemeClr val="tx1"/>
+    </cs:fontRef>
+    <cs:spPr>
+      <a:ln w="28575" cap="rnd">
+        <a:solidFill>
+          <a:schemeClr val="phClr"/>
+        </a:solidFill>
+        <a:round/>
+      </a:ln>
+    </cs:spPr>
+  </cs:dataPointLine>
+  <cs:dataPointMarker>
+    <cs:lnRef idx="0">
+      <cs:styleClr val="auto"/>
+    </cs:lnRef>
+    <cs:fillRef idx="1">
+      <cs:styleClr val="auto"/>
+    </cs:fillRef>
+    <cs:effectRef idx="0"/>
+    <cs:fontRef idx="minor">
+      <a:schemeClr val="tx1"/>
+    </cs:fontRef>
+    <cs:spPr>
+      <a:ln w="9525">
+        <a:solidFill>
+          <a:schemeClr val="phClr"/>
+        </a:solidFill>
+      </a:ln>
+    </cs:spPr>
+  </cs:dataPointMarker>
+  <cs:dataPointMarkerLayout symbol="circle" size="5"/>
+  <cs:dataPointWireframe>
+    <cs:lnRef idx="0">
+      <cs:styleClr val="auto"/>
+    </cs:lnRef>
+    <cs:fillRef idx="1"/>
+    <cs:effectRef idx="0"/>
+    <cs:fontRef idx="minor">
+      <a:schemeClr val="tx1"/>
+    </cs:fontRef>
+    <cs:spPr>
+      <a:ln w="9525" cap="rnd">
+        <a:solidFill>
+          <a:schemeClr val="phClr"/>
+        </a:solidFill>
+        <a:round/>
+      </a:ln>
+    </cs:spPr>
+  </cs:dataPointWireframe>
+  <cs:dataTable>
+    <cs:lnRef idx="0"/>
+    <cs:fillRef idx="0"/>
+    <cs:effectRef idx="0"/>
+    <cs:fontRef idx="minor">
+      <a:schemeClr val="tx1">
+        <a:lumMod val="65000"/>
+        <a:lumOff val="35000"/>
+      </a:schemeClr>
+    </cs:fontRef>
+    <cs:spPr>
+      <a:noFill/>
+      <a:ln w="9525" cap="flat" cmpd="sng" algn="ctr">
+        <a:solidFill>
+          <a:schemeClr val="tx1">
+            <a:lumMod val="15000"/>
+            <a:lumOff val="85000"/>
+          </a:schemeClr>
+        </a:solidFill>
+        <a:round/>
+      </a:ln>
+    </cs:spPr>
+    <cs:defRPr sz="900" kern="1200"/>
+  </cs:dataTable>
+  <cs:downBar>
+    <cs:lnRef idx="0"/>
+    <cs:fillRef idx="0"/>
+    <cs:effectRef idx="0"/>
+    <cs:fontRef idx="minor">
+      <a:schemeClr val="dk1"/>
+    </cs:fontRef>
+    <cs:spPr>
+      <a:solidFill>
+        <a:schemeClr val="dk1">
+          <a:lumMod val="65000"/>
+          <a:lumOff val="35000"/>
+        </a:schemeClr>
+      </a:solidFill>
+      <a:ln w="9525">
+        <a:solidFill>
+          <a:schemeClr val="tx1">
+            <a:lumMod val="65000"/>
+            <a:lumOff val="35000"/>
+          </a:schemeClr>
+        </a:solidFill>
+      </a:ln>
+    </cs:spPr>
+  </cs:downBar>
+  <cs:dropLine>
+    <cs:lnRef idx="0"/>
+    <cs:fillRef idx="0"/>
+    <cs:effectRef idx="0"/>
+    <cs:fontRef idx="minor">
+      <a:schemeClr val="tx1"/>
+    </cs:fontRef>
+    <cs:spPr>
+      <a:ln w="9525" cap="flat" cmpd="sng" algn="ctr">
+        <a:solidFill>
+          <a:schemeClr val="tx1">
+            <a:lumMod val="35000"/>
+            <a:lumOff val="65000"/>
+          </a:schemeClr>
+        </a:solidFill>
+        <a:round/>
+      </a:ln>
+    </cs:spPr>
+  </cs:dropLine>
+  <cs:errorBar>
+    <cs:lnRef idx="0"/>
+    <cs:fillRef idx="0"/>
+    <cs:effectRef idx="0"/>
+    <cs:fontRef idx="minor">
+      <a:schemeClr val="tx1"/>
+    </cs:fontRef>
+    <cs:spPr>
+      <a:ln w="9525" cap="flat" cmpd="sng" algn="ctr">
+        <a:solidFill>
+          <a:schemeClr val="tx1">
+            <a:lumMod val="65000"/>
+            <a:lumOff val="35000"/>
+          </a:schemeClr>
+        </a:solidFill>
+        <a:round/>
+      </a:ln>
+    </cs:spPr>
+  </cs:errorBar>
+  <cs:floor>
+    <cs:lnRef idx="0"/>
+    <cs:fillRef idx="0"/>
+    <cs:effectRef idx="0"/>
+    <cs:fontRef idx="minor">
+      <a:schemeClr val="tx1"/>
+    </cs:fontRef>
+    <cs:spPr>
+      <a:noFill/>
+      <a:ln>
+        <a:noFill/>
+      </a:ln>
+    </cs:spPr>
+  </cs:floor>
+  <cs:gridlineMajor>
+    <cs:lnRef idx="0"/>
+    <cs:fillRef idx="0"/>
+    <cs:effectRef idx="0"/>
+    <cs:fontRef idx="minor">
+      <a:schemeClr val="tx1"/>
+    </cs:fontRef>
+    <cs:spPr>
+      <a:ln w="9525" cap="flat" cmpd="sng" algn="ctr">
+        <a:solidFill>
+          <a:schemeClr val="tx1">
+            <a:lumMod val="15000"/>
+            <a:lumOff val="85000"/>
+          </a:schemeClr>
+        </a:solidFill>
+        <a:round/>
+      </a:ln>
+    </cs:spPr>
+  </cs:gridlineMajor>
+  <cs:gridlineMinor>
+    <cs:lnRef idx="0"/>
+    <cs:fillRef idx="0"/>
+    <cs:effectRef idx="0"/>
+    <cs:fontRef idx="minor">
+      <a:schemeClr val="tx1"/>
+    </cs:fontRef>
+    <cs:spPr>
+      <a:ln w="9525" cap="flat" cmpd="sng" algn="ctr">
+        <a:solidFill>
+          <a:schemeClr val="tx1">
+            <a:lumMod val="5000"/>
+            <a:lumOff val="95000"/>
+          </a:schemeClr>
+        </a:solidFill>
+        <a:round/>
+      </a:ln>
+    </cs:spPr>
+  </cs:gridlineMinor>
+  <cs:hiLoLine>
+    <cs:lnRef idx="0"/>
+    <cs:fillRef idx="0"/>
+    <cs:effectRef idx="0"/>
+    <cs:fontRef idx="minor">
+      <a:schemeClr val="tx1"/>
+    </cs:fontRef>
+    <cs:spPr>
+      <a:ln w="9525" cap="flat" cmpd="sng" algn="ctr">
+        <a:solidFill>
+          <a:schemeClr val="tx1">
+            <a:lumMod val="75000"/>
+            <a:lumOff val="25000"/>
+          </a:schemeClr>
+        </a:solidFill>
+        <a:round/>
+      </a:ln>
+    </cs:spPr>
+  </cs:hiLoLine>
+  <cs:leaderLine>
+    <cs:lnRef idx="0"/>
+    <cs:fillRef idx="0"/>
+    <cs:effectRef idx="0"/>
+    <cs:fontRef idx="minor">
+      <a:schemeClr val="tx1"/>
+    </cs:fontRef>
+    <cs:spPr>
+      <a:ln w="9525" cap="flat" cmpd="sng" algn="ctr">
+        <a:solidFill>
+          <a:schemeClr val="tx1">
+            <a:lumMod val="35000"/>
+            <a:lumOff val="65000"/>
+          </a:schemeClr>
+        </a:solidFill>
+        <a:round/>
+      </a:ln>
+    </cs:spPr>
+  </cs:leaderLine>
+  <cs:legend>
+    <cs:lnRef idx="0"/>
+    <cs:fillRef idx="0"/>
+    <cs:effectRef idx="0"/>
+    <cs:fontRef idx="minor">
+      <a:schemeClr val="tx1">
+        <a:lumMod val="65000"/>
+        <a:lumOff val="35000"/>
+      </a:schemeClr>
+    </cs:fontRef>
+    <cs:defRPr sz="900" kern="1200"/>
+  </cs:legend>
+  <cs:plotArea mods="allowNoFillOverride allowNoLineOverride">
+    <cs:lnRef idx="0"/>
+    <cs:fillRef idx="0"/>
+    <cs:effectRef idx="0"/>
+    <cs:fontRef idx="minor">
+      <a:schemeClr val="tx1"/>
+    </cs:fontRef>
+  </cs:plotArea>
+  <cs:plotArea3D mods="allowNoFillOverride allowNoLineOverride">
+    <cs:lnRef idx="0"/>
+    <cs:fillRef idx="0"/>
+    <cs:effectRef idx="0"/>
+    <cs:fontRef idx="minor">
+      <a:schemeClr val="tx1"/>
+    </cs:fontRef>
+  </cs:plotArea3D>
+  <cs:seriesAxis>
+    <cs:lnRef idx="0"/>
+    <cs:fillRef idx="0"/>
+    <cs:effectRef idx="0"/>
+    <cs:fontRef idx="minor">
+      <a:schemeClr val="tx1">
+        <a:lumMod val="65000"/>
+        <a:lumOff val="35000"/>
+      </a:schemeClr>
+    </cs:fontRef>
+    <cs:defRPr sz="900" kern="1200"/>
+  </cs:seriesAxis>
+  <cs:seriesLine>
+    <cs:lnRef idx="0"/>
+    <cs:fillRef idx="0"/>
+    <cs:effectRef idx="0"/>
+    <cs:fontRef idx="minor">
+      <a:schemeClr val="tx1"/>
+    </cs:fontRef>
+    <cs:spPr>
+      <a:ln w="9525" cap="flat" cmpd="sng" algn="ctr">
+        <a:solidFill>
+          <a:schemeClr val="tx1">
+            <a:lumMod val="35000"/>
+            <a:lumOff val="65000"/>
+          </a:schemeClr>
+        </a:solidFill>
+        <a:round/>
+      </a:ln>
+    </cs:spPr>
+  </cs:seriesLine>
+  <cs:title>
+    <cs:lnRef idx="0"/>
+    <cs:fillRef idx="0"/>
+    <cs:effectRef idx="0"/>
+    <cs:fontRef idx="minor">
+      <a:schemeClr val="tx1">
+        <a:lumMod val="65000"/>
+        <a:lumOff val="35000"/>
+      </a:schemeClr>
+    </cs:fontRef>
+    <cs:defRPr sz="1400" b="0" kern="1200" spc="0" baseline="0"/>
+  </cs:title>
+  <cs:trendline>
+    <cs:lnRef idx="0">
+      <cs:styleClr val="auto"/>
+    </cs:lnRef>
+    <cs:fillRef idx="0"/>
+    <cs:effectRef idx="0"/>
+    <cs:fontRef idx="minor">
+      <a:schemeClr val="tx1"/>
+    </cs:fontRef>
+    <cs:spPr>
+      <a:ln w="19050" cap="rnd">
+        <a:solidFill>
+          <a:schemeClr val="phClr"/>
+        </a:solidFill>
+        <a:prstDash val="sysDot"/>
+      </a:ln>
+    </cs:spPr>
+  </cs:trendline>
+  <cs:trendlineLabel>
+    <cs:lnRef idx="0"/>
+    <cs:fillRef idx="0"/>
+    <cs:effectRef idx="0"/>
+    <cs:fontRef idx="minor">
+      <a:schemeClr val="tx1">
+        <a:lumMod val="65000"/>
+        <a:lumOff val="35000"/>
+      </a:schemeClr>
+    </cs:fontRef>
+    <cs:defRPr sz="900" kern="1200"/>
+  </cs:trendlineLabel>
+  <cs:upBar>
+    <cs:lnRef idx="0"/>
+    <cs:fillRef idx="0"/>
+    <cs:effectRef idx="0"/>
+    <cs:fontRef idx="minor">
+      <a:schemeClr val="dk1"/>
+    </cs:fontRef>
+    <cs:spPr>
+      <a:solidFill>
+        <a:schemeClr val="lt1"/>
+      </a:solidFill>
+      <a:ln w="9525">
+        <a:solidFill>
+          <a:schemeClr val="tx1">
+            <a:lumMod val="15000"/>
+            <a:lumOff val="85000"/>
+          </a:schemeClr>
+        </a:solidFill>
+      </a:ln>
+    </cs:spPr>
+  </cs:upBar>
+  <cs:valueAxis>
+    <cs:lnRef idx="0"/>
+    <cs:fillRef idx="0"/>
+    <cs:effectRef idx="0"/>
+    <cs:fontRef idx="minor">
+      <a:schemeClr val="tx1">
+        <a:lumMod val="65000"/>
+        <a:lumOff val="35000"/>
+      </a:schemeClr>
+    </cs:fontRef>
+    <cs:defRPr sz="900" kern="1200"/>
+  </cs:valueAxis>
+  <cs:wall>
+    <cs:lnRef idx="0"/>
+    <cs:fillRef idx="0"/>
+    <cs:effectRef idx="0"/>
+    <cs:fontRef idx="minor">
+      <a:schemeClr val="tx1"/>
+    </cs:fontRef>
+    <cs:spPr>
+      <a:noFill/>
+      <a:ln>
+        <a:noFill/>
+      </a:ln>
+    </cs:spPr>
+  </cs:wall>
+</cs:chartStyle>
+</file>
+
 <file path=ppt/slideLayouts/slideLayout1.xml><?xml version="1.0" encoding="utf-8"?>
 <p:sldLayout xmlns:a="http://schemas.openxmlformats.org/drawingml/2006/main" xmlns:r="http://schemas.openxmlformats.org/officeDocument/2006/relationships" xmlns:p="http://schemas.openxmlformats.org/presentationml/2006/main" type="title" preserve="1">
   <p:cSld name="Title Slide">
@@ -308,7 +2669,7 @@
             <a:fld id="{B61BEF0D-F0BB-DE4B-95CE-6DB70DBA9567}" type="datetimeFigureOut">
               <a:rPr lang="en-US" dirty="0"/>
               <a:pPr/>
-              <a:t>7/16/2016</a:t>
+              <a:t>7/17/2016</a:t>
             </a:fld>
             <a:endParaRPr lang="en-US" dirty="0"/>
           </a:p>
@@ -643,7 +3004,7 @@
             <a:fld id="{B61BEF0D-F0BB-DE4B-95CE-6DB70DBA9567}" type="datetimeFigureOut">
               <a:rPr lang="en-US" dirty="0"/>
               <a:pPr/>
-              <a:t>7/16/2016</a:t>
+              <a:t>7/17/2016</a:t>
             </a:fld>
             <a:endParaRPr lang="en-US" dirty="0"/>
           </a:p>
@@ -1041,7 +3402,7 @@
             <a:fld id="{B61BEF0D-F0BB-DE4B-95CE-6DB70DBA9567}" type="datetimeFigureOut">
               <a:rPr lang="en-US" dirty="0"/>
               <a:pPr/>
-              <a:t>7/16/2016</a:t>
+              <a:t>7/17/2016</a:t>
             </a:fld>
             <a:endParaRPr lang="en-US" dirty="0"/>
           </a:p>
@@ -1374,7 +3735,7 @@
             <a:fld id="{B61BEF0D-F0BB-DE4B-95CE-6DB70DBA9567}" type="datetimeFigureOut">
               <a:rPr lang="en-US" dirty="0"/>
               <a:pPr/>
-              <a:t>7/16/2016</a:t>
+              <a:t>7/17/2016</a:t>
             </a:fld>
             <a:endParaRPr lang="en-US" dirty="0"/>
           </a:p>
@@ -1691,7 +4052,7 @@
             <a:fld id="{B61BEF0D-F0BB-DE4B-95CE-6DB70DBA9567}" type="datetimeFigureOut">
               <a:rPr lang="en-US" dirty="0"/>
               <a:pPr/>
-              <a:t>7/16/2016</a:t>
+              <a:t>7/17/2016</a:t>
             </a:fld>
             <a:endParaRPr lang="en-US" dirty="0"/>
           </a:p>
@@ -2084,7 +4445,7 @@
             <a:fld id="{B61BEF0D-F0BB-DE4B-95CE-6DB70DBA9567}" type="datetimeFigureOut">
               <a:rPr lang="en-US" dirty="0"/>
               <a:pPr/>
-              <a:t>7/16/2016</a:t>
+              <a:t>7/17/2016</a:t>
             </a:fld>
             <a:endParaRPr lang="en-US" dirty="0"/>
           </a:p>
@@ -2338,7 +4699,7 @@
             <a:fld id="{B61BEF0D-F0BB-DE4B-95CE-6DB70DBA9567}" type="datetimeFigureOut">
               <a:rPr lang="en-US" dirty="0"/>
               <a:pPr/>
-              <a:t>7/16/2016</a:t>
+              <a:t>7/17/2016</a:t>
             </a:fld>
             <a:endParaRPr lang="en-US" dirty="0"/>
           </a:p>
@@ -2597,7 +4958,7 @@
             <a:fld id="{B61BEF0D-F0BB-DE4B-95CE-6DB70DBA9567}" type="datetimeFigureOut">
               <a:rPr lang="en-US" dirty="0"/>
               <a:pPr/>
-              <a:t>7/16/2016</a:t>
+              <a:t>7/17/2016</a:t>
             </a:fld>
             <a:endParaRPr lang="en-US" dirty="0"/>
           </a:p>
@@ -2736,6 +5097,620 @@
 </p:sldLayout>
 </file>
 
+<file path=ppt/slideLayouts/slideLayout17.xml><?xml version="1.0" encoding="utf-8"?>
+<p:sldLayout xmlns:a="http://schemas.openxmlformats.org/drawingml/2006/main" xmlns:r="http://schemas.openxmlformats.org/officeDocument/2006/relationships" xmlns:p="http://schemas.openxmlformats.org/presentationml/2006/main" type="title" preserve="1">
+  <p:cSld name="Title Slide">
+    <p:spTree>
+      <p:nvGrpSpPr>
+        <p:cNvPr id="1" name=""/>
+        <p:cNvGrpSpPr/>
+        <p:nvPr/>
+      </p:nvGrpSpPr>
+      <p:grpSpPr>
+        <a:xfrm>
+          <a:off x="0" y="0"/>
+          <a:ext cx="0" cy="0"/>
+          <a:chOff x="0" y="0"/>
+          <a:chExt cx="0" cy="0"/>
+        </a:xfrm>
+      </p:grpSpPr>
+      <p:sp>
+        <p:nvSpPr>
+          <p:cNvPr id="2" name="Title 1"/>
+          <p:cNvSpPr>
+            <a:spLocks noGrp="1"/>
+          </p:cNvSpPr>
+          <p:nvPr>
+            <p:ph type="ctrTitle"/>
+          </p:nvPr>
+        </p:nvSpPr>
+        <p:spPr>
+          <a:xfrm>
+            <a:off x="1524000" y="1122363"/>
+            <a:ext cx="9144000" cy="2387600"/>
+          </a:xfrm>
+        </p:spPr>
+        <p:txBody>
+          <a:bodyPr anchor="b"/>
+          <a:lstStyle>
+            <a:lvl1pPr algn="ctr">
+              <a:defRPr sz="6000"/>
+            </a:lvl1pPr>
+          </a:lstStyle>
+          <a:p>
+            <a:r>
+              <a:rPr lang="en-US" smtClean="0"/>
+              <a:t>Click to edit Master title style</a:t>
+            </a:r>
+            <a:endParaRPr lang="id-ID"/>
+          </a:p>
+        </p:txBody>
+      </p:sp>
+      <p:sp>
+        <p:nvSpPr>
+          <p:cNvPr id="3" name="Subtitle 2"/>
+          <p:cNvSpPr>
+            <a:spLocks noGrp="1"/>
+          </p:cNvSpPr>
+          <p:nvPr>
+            <p:ph type="subTitle" idx="1"/>
+          </p:nvPr>
+        </p:nvSpPr>
+        <p:spPr>
+          <a:xfrm>
+            <a:off x="1524000" y="3602038"/>
+            <a:ext cx="9144000" cy="1655762"/>
+          </a:xfrm>
+        </p:spPr>
+        <p:txBody>
+          <a:bodyPr/>
+          <a:lstStyle>
+            <a:lvl1pPr marL="0" indent="0" algn="ctr">
+              <a:buNone/>
+              <a:defRPr sz="2400"/>
+            </a:lvl1pPr>
+            <a:lvl2pPr marL="457200" indent="0" algn="ctr">
+              <a:buNone/>
+              <a:defRPr sz="2000"/>
+            </a:lvl2pPr>
+            <a:lvl3pPr marL="914400" indent="0" algn="ctr">
+              <a:buNone/>
+              <a:defRPr sz="1800"/>
+            </a:lvl3pPr>
+            <a:lvl4pPr marL="1371600" indent="0" algn="ctr">
+              <a:buNone/>
+              <a:defRPr sz="1600"/>
+            </a:lvl4pPr>
+            <a:lvl5pPr marL="1828800" indent="0" algn="ctr">
+              <a:buNone/>
+              <a:defRPr sz="1600"/>
+            </a:lvl5pPr>
+            <a:lvl6pPr marL="2286000" indent="0" algn="ctr">
+              <a:buNone/>
+              <a:defRPr sz="1600"/>
+            </a:lvl6pPr>
+            <a:lvl7pPr marL="2743200" indent="0" algn="ctr">
+              <a:buNone/>
+              <a:defRPr sz="1600"/>
+            </a:lvl7pPr>
+            <a:lvl8pPr marL="3200400" indent="0" algn="ctr">
+              <a:buNone/>
+              <a:defRPr sz="1600"/>
+            </a:lvl8pPr>
+            <a:lvl9pPr marL="3657600" indent="0" algn="ctr">
+              <a:buNone/>
+              <a:defRPr sz="1600"/>
+            </a:lvl9pPr>
+          </a:lstStyle>
+          <a:p>
+            <a:r>
+              <a:rPr lang="en-US" smtClean="0"/>
+              <a:t>Click to edit Master subtitle style</a:t>
+            </a:r>
+            <a:endParaRPr lang="id-ID"/>
+          </a:p>
+        </p:txBody>
+      </p:sp>
+      <p:sp>
+        <p:nvSpPr>
+          <p:cNvPr id="4" name="Date Placeholder 3"/>
+          <p:cNvSpPr>
+            <a:spLocks noGrp="1"/>
+          </p:cNvSpPr>
+          <p:nvPr>
+            <p:ph type="dt" sz="half" idx="10"/>
+          </p:nvPr>
+        </p:nvSpPr>
+        <p:spPr/>
+        <p:txBody>
+          <a:bodyPr/>
+          <a:lstStyle/>
+          <a:p>
+            <a:fld id="{B61BEF0D-F0BB-DE4B-95CE-6DB70DBA9567}" type="datetimeFigureOut">
+              <a:rPr lang="en-US" smtClean="0"/>
+              <a:pPr/>
+              <a:t>7/17/2016</a:t>
+            </a:fld>
+            <a:endParaRPr lang="en-US" dirty="0"/>
+          </a:p>
+        </p:txBody>
+      </p:sp>
+      <p:sp>
+        <p:nvSpPr>
+          <p:cNvPr id="5" name="Footer Placeholder 4"/>
+          <p:cNvSpPr>
+            <a:spLocks noGrp="1"/>
+          </p:cNvSpPr>
+          <p:nvPr>
+            <p:ph type="ftr" sz="quarter" idx="11"/>
+          </p:nvPr>
+        </p:nvSpPr>
+        <p:spPr/>
+        <p:txBody>
+          <a:bodyPr/>
+          <a:lstStyle/>
+          <a:p>
+            <a:endParaRPr lang="en-US" dirty="0"/>
+          </a:p>
+        </p:txBody>
+      </p:sp>
+      <p:sp>
+        <p:nvSpPr>
+          <p:cNvPr id="6" name="Slide Number Placeholder 5"/>
+          <p:cNvSpPr>
+            <a:spLocks noGrp="1"/>
+          </p:cNvSpPr>
+          <p:nvPr>
+            <p:ph type="sldNum" sz="quarter" idx="12"/>
+          </p:nvPr>
+        </p:nvSpPr>
+        <p:spPr/>
+        <p:txBody>
+          <a:bodyPr/>
+          <a:lstStyle/>
+          <a:p>
+            <a:fld id="{D57F1E4F-1CFF-5643-939E-217C01CDF565}" type="slidenum">
+              <a:rPr lang="en-US" smtClean="0"/>
+              <a:pPr/>
+              <a:t>‹#›</a:t>
+            </a:fld>
+            <a:endParaRPr lang="en-US" dirty="0"/>
+          </a:p>
+        </p:txBody>
+      </p:sp>
+    </p:spTree>
+    <p:extLst>
+      <p:ext uri="{BB962C8B-B14F-4D97-AF65-F5344CB8AC3E}">
+        <p14:creationId xmlns:p14="http://schemas.microsoft.com/office/powerpoint/2010/main" val="3844241745"/>
+      </p:ext>
+    </p:extLst>
+  </p:cSld>
+  <p:clrMapOvr>
+    <a:masterClrMapping/>
+  </p:clrMapOvr>
+</p:sldLayout>
+</file>
+
+<file path=ppt/slideLayouts/slideLayout18.xml><?xml version="1.0" encoding="utf-8"?>
+<p:sldLayout xmlns:a="http://schemas.openxmlformats.org/drawingml/2006/main" xmlns:r="http://schemas.openxmlformats.org/officeDocument/2006/relationships" xmlns:p="http://schemas.openxmlformats.org/presentationml/2006/main" type="obj" preserve="1">
+  <p:cSld name="Title and Content">
+    <p:spTree>
+      <p:nvGrpSpPr>
+        <p:cNvPr id="1" name=""/>
+        <p:cNvGrpSpPr/>
+        <p:nvPr/>
+      </p:nvGrpSpPr>
+      <p:grpSpPr>
+        <a:xfrm>
+          <a:off x="0" y="0"/>
+          <a:ext cx="0" cy="0"/>
+          <a:chOff x="0" y="0"/>
+          <a:chExt cx="0" cy="0"/>
+        </a:xfrm>
+      </p:grpSpPr>
+      <p:sp>
+        <p:nvSpPr>
+          <p:cNvPr id="2" name="Title 1"/>
+          <p:cNvSpPr>
+            <a:spLocks noGrp="1"/>
+          </p:cNvSpPr>
+          <p:nvPr>
+            <p:ph type="title"/>
+          </p:nvPr>
+        </p:nvSpPr>
+        <p:spPr/>
+        <p:txBody>
+          <a:bodyPr/>
+          <a:lstStyle/>
+          <a:p>
+            <a:r>
+              <a:rPr lang="en-US" smtClean="0"/>
+              <a:t>Click to edit Master title style</a:t>
+            </a:r>
+            <a:endParaRPr lang="id-ID"/>
+          </a:p>
+        </p:txBody>
+      </p:sp>
+      <p:sp>
+        <p:nvSpPr>
+          <p:cNvPr id="3" name="Content Placeholder 2"/>
+          <p:cNvSpPr>
+            <a:spLocks noGrp="1"/>
+          </p:cNvSpPr>
+          <p:nvPr>
+            <p:ph idx="1"/>
+          </p:nvPr>
+        </p:nvSpPr>
+        <p:spPr/>
+        <p:txBody>
+          <a:bodyPr/>
+          <a:lstStyle/>
+          <a:p>
+            <a:pPr lvl="0"/>
+            <a:r>
+              <a:rPr lang="en-US" smtClean="0"/>
+              <a:t>Edit Master text styles</a:t>
+            </a:r>
+          </a:p>
+          <a:p>
+            <a:pPr lvl="1"/>
+            <a:r>
+              <a:rPr lang="en-US" smtClean="0"/>
+              <a:t>Second level</a:t>
+            </a:r>
+          </a:p>
+          <a:p>
+            <a:pPr lvl="2"/>
+            <a:r>
+              <a:rPr lang="en-US" smtClean="0"/>
+              <a:t>Third level</a:t>
+            </a:r>
+          </a:p>
+          <a:p>
+            <a:pPr lvl="3"/>
+            <a:r>
+              <a:rPr lang="en-US" smtClean="0"/>
+              <a:t>Fourth level</a:t>
+            </a:r>
+          </a:p>
+          <a:p>
+            <a:pPr lvl="4"/>
+            <a:r>
+              <a:rPr lang="en-US" smtClean="0"/>
+              <a:t>Fifth level</a:t>
+            </a:r>
+            <a:endParaRPr lang="id-ID"/>
+          </a:p>
+        </p:txBody>
+      </p:sp>
+      <p:sp>
+        <p:nvSpPr>
+          <p:cNvPr id="4" name="Date Placeholder 3"/>
+          <p:cNvSpPr>
+            <a:spLocks noGrp="1"/>
+          </p:cNvSpPr>
+          <p:nvPr>
+            <p:ph type="dt" sz="half" idx="10"/>
+          </p:nvPr>
+        </p:nvSpPr>
+        <p:spPr/>
+        <p:txBody>
+          <a:bodyPr/>
+          <a:lstStyle/>
+          <a:p>
+            <a:fld id="{B61BEF0D-F0BB-DE4B-95CE-6DB70DBA9567}" type="datetimeFigureOut">
+              <a:rPr lang="en-US" smtClean="0"/>
+              <a:pPr/>
+              <a:t>7/17/2016</a:t>
+            </a:fld>
+            <a:endParaRPr lang="en-US" dirty="0"/>
+          </a:p>
+        </p:txBody>
+      </p:sp>
+      <p:sp>
+        <p:nvSpPr>
+          <p:cNvPr id="5" name="Footer Placeholder 4"/>
+          <p:cNvSpPr>
+            <a:spLocks noGrp="1"/>
+          </p:cNvSpPr>
+          <p:nvPr>
+            <p:ph type="ftr" sz="quarter" idx="11"/>
+          </p:nvPr>
+        </p:nvSpPr>
+        <p:spPr/>
+        <p:txBody>
+          <a:bodyPr/>
+          <a:lstStyle/>
+          <a:p>
+            <a:endParaRPr lang="en-US" dirty="0"/>
+          </a:p>
+        </p:txBody>
+      </p:sp>
+      <p:sp>
+        <p:nvSpPr>
+          <p:cNvPr id="6" name="Slide Number Placeholder 5"/>
+          <p:cNvSpPr>
+            <a:spLocks noGrp="1"/>
+          </p:cNvSpPr>
+          <p:nvPr>
+            <p:ph type="sldNum" sz="quarter" idx="12"/>
+          </p:nvPr>
+        </p:nvSpPr>
+        <p:spPr/>
+        <p:txBody>
+          <a:bodyPr/>
+          <a:lstStyle/>
+          <a:p>
+            <a:fld id="{D57F1E4F-1CFF-5643-939E-217C01CDF565}" type="slidenum">
+              <a:rPr lang="en-US" smtClean="0"/>
+              <a:pPr/>
+              <a:t>‹#›</a:t>
+            </a:fld>
+            <a:endParaRPr lang="en-US" dirty="0"/>
+          </a:p>
+        </p:txBody>
+      </p:sp>
+    </p:spTree>
+    <p:extLst>
+      <p:ext uri="{BB962C8B-B14F-4D97-AF65-F5344CB8AC3E}">
+        <p14:creationId xmlns:p14="http://schemas.microsoft.com/office/powerpoint/2010/main" val="2495615349"/>
+      </p:ext>
+    </p:extLst>
+  </p:cSld>
+  <p:clrMapOvr>
+    <a:masterClrMapping/>
+  </p:clrMapOvr>
+</p:sldLayout>
+</file>
+
+<file path=ppt/slideLayouts/slideLayout19.xml><?xml version="1.0" encoding="utf-8"?>
+<p:sldLayout xmlns:a="http://schemas.openxmlformats.org/drawingml/2006/main" xmlns:r="http://schemas.openxmlformats.org/officeDocument/2006/relationships" xmlns:p="http://schemas.openxmlformats.org/presentationml/2006/main" type="secHead" preserve="1">
+  <p:cSld name="Section Header">
+    <p:spTree>
+      <p:nvGrpSpPr>
+        <p:cNvPr id="1" name=""/>
+        <p:cNvGrpSpPr/>
+        <p:nvPr/>
+      </p:nvGrpSpPr>
+      <p:grpSpPr>
+        <a:xfrm>
+          <a:off x="0" y="0"/>
+          <a:ext cx="0" cy="0"/>
+          <a:chOff x="0" y="0"/>
+          <a:chExt cx="0" cy="0"/>
+        </a:xfrm>
+      </p:grpSpPr>
+      <p:sp>
+        <p:nvSpPr>
+          <p:cNvPr id="2" name="Title 1"/>
+          <p:cNvSpPr>
+            <a:spLocks noGrp="1"/>
+          </p:cNvSpPr>
+          <p:nvPr>
+            <p:ph type="title"/>
+          </p:nvPr>
+        </p:nvSpPr>
+        <p:spPr>
+          <a:xfrm>
+            <a:off x="831850" y="1709738"/>
+            <a:ext cx="10515600" cy="2852737"/>
+          </a:xfrm>
+        </p:spPr>
+        <p:txBody>
+          <a:bodyPr anchor="b"/>
+          <a:lstStyle>
+            <a:lvl1pPr>
+              <a:defRPr sz="6000"/>
+            </a:lvl1pPr>
+          </a:lstStyle>
+          <a:p>
+            <a:r>
+              <a:rPr lang="en-US" smtClean="0"/>
+              <a:t>Click to edit Master title style</a:t>
+            </a:r>
+            <a:endParaRPr lang="id-ID"/>
+          </a:p>
+        </p:txBody>
+      </p:sp>
+      <p:sp>
+        <p:nvSpPr>
+          <p:cNvPr id="3" name="Text Placeholder 2"/>
+          <p:cNvSpPr>
+            <a:spLocks noGrp="1"/>
+          </p:cNvSpPr>
+          <p:nvPr>
+            <p:ph type="body" idx="1"/>
+          </p:nvPr>
+        </p:nvSpPr>
+        <p:spPr>
+          <a:xfrm>
+            <a:off x="831850" y="4589463"/>
+            <a:ext cx="10515600" cy="1500187"/>
+          </a:xfrm>
+        </p:spPr>
+        <p:txBody>
+          <a:bodyPr/>
+          <a:lstStyle>
+            <a:lvl1pPr marL="0" indent="0">
+              <a:buNone/>
+              <a:defRPr sz="2400">
+                <a:solidFill>
+                  <a:schemeClr val="tx1">
+                    <a:tint val="75000"/>
+                  </a:schemeClr>
+                </a:solidFill>
+              </a:defRPr>
+            </a:lvl1pPr>
+            <a:lvl2pPr marL="457200" indent="0">
+              <a:buNone/>
+              <a:defRPr sz="2000">
+                <a:solidFill>
+                  <a:schemeClr val="tx1">
+                    <a:tint val="75000"/>
+                  </a:schemeClr>
+                </a:solidFill>
+              </a:defRPr>
+            </a:lvl2pPr>
+            <a:lvl3pPr marL="914400" indent="0">
+              <a:buNone/>
+              <a:defRPr sz="1800">
+                <a:solidFill>
+                  <a:schemeClr val="tx1">
+                    <a:tint val="75000"/>
+                  </a:schemeClr>
+                </a:solidFill>
+              </a:defRPr>
+            </a:lvl3pPr>
+            <a:lvl4pPr marL="1371600" indent="0">
+              <a:buNone/>
+              <a:defRPr sz="1600">
+                <a:solidFill>
+                  <a:schemeClr val="tx1">
+                    <a:tint val="75000"/>
+                  </a:schemeClr>
+                </a:solidFill>
+              </a:defRPr>
+            </a:lvl4pPr>
+            <a:lvl5pPr marL="1828800" indent="0">
+              <a:buNone/>
+              <a:defRPr sz="1600">
+                <a:solidFill>
+                  <a:schemeClr val="tx1">
+                    <a:tint val="75000"/>
+                  </a:schemeClr>
+                </a:solidFill>
+              </a:defRPr>
+            </a:lvl5pPr>
+            <a:lvl6pPr marL="2286000" indent="0">
+              <a:buNone/>
+              <a:defRPr sz="1600">
+                <a:solidFill>
+                  <a:schemeClr val="tx1">
+                    <a:tint val="75000"/>
+                  </a:schemeClr>
+                </a:solidFill>
+              </a:defRPr>
+            </a:lvl6pPr>
+            <a:lvl7pPr marL="2743200" indent="0">
+              <a:buNone/>
+              <a:defRPr sz="1600">
+                <a:solidFill>
+                  <a:schemeClr val="tx1">
+                    <a:tint val="75000"/>
+                  </a:schemeClr>
+                </a:solidFill>
+              </a:defRPr>
+            </a:lvl7pPr>
+            <a:lvl8pPr marL="3200400" indent="0">
+              <a:buNone/>
+              <a:defRPr sz="1600">
+                <a:solidFill>
+                  <a:schemeClr val="tx1">
+                    <a:tint val="75000"/>
+                  </a:schemeClr>
+                </a:solidFill>
+              </a:defRPr>
+            </a:lvl8pPr>
+            <a:lvl9pPr marL="3657600" indent="0">
+              <a:buNone/>
+              <a:defRPr sz="1600">
+                <a:solidFill>
+                  <a:schemeClr val="tx1">
+                    <a:tint val="75000"/>
+                  </a:schemeClr>
+                </a:solidFill>
+              </a:defRPr>
+            </a:lvl9pPr>
+          </a:lstStyle>
+          <a:p>
+            <a:pPr lvl="0"/>
+            <a:r>
+              <a:rPr lang="en-US" smtClean="0"/>
+              <a:t>Edit Master text styles</a:t>
+            </a:r>
+          </a:p>
+        </p:txBody>
+      </p:sp>
+      <p:sp>
+        <p:nvSpPr>
+          <p:cNvPr id="4" name="Date Placeholder 3"/>
+          <p:cNvSpPr>
+            <a:spLocks noGrp="1"/>
+          </p:cNvSpPr>
+          <p:nvPr>
+            <p:ph type="dt" sz="half" idx="10"/>
+          </p:nvPr>
+        </p:nvSpPr>
+        <p:spPr/>
+        <p:txBody>
+          <a:bodyPr/>
+          <a:lstStyle/>
+          <a:p>
+            <a:fld id="{B61BEF0D-F0BB-DE4B-95CE-6DB70DBA9567}" type="datetimeFigureOut">
+              <a:rPr lang="en-US" smtClean="0"/>
+              <a:pPr/>
+              <a:t>7/17/2016</a:t>
+            </a:fld>
+            <a:endParaRPr lang="en-US" dirty="0"/>
+          </a:p>
+        </p:txBody>
+      </p:sp>
+      <p:sp>
+        <p:nvSpPr>
+          <p:cNvPr id="5" name="Footer Placeholder 4"/>
+          <p:cNvSpPr>
+            <a:spLocks noGrp="1"/>
+          </p:cNvSpPr>
+          <p:nvPr>
+            <p:ph type="ftr" sz="quarter" idx="11"/>
+          </p:nvPr>
+        </p:nvSpPr>
+        <p:spPr/>
+        <p:txBody>
+          <a:bodyPr/>
+          <a:lstStyle/>
+          <a:p>
+            <a:endParaRPr lang="en-US" dirty="0"/>
+          </a:p>
+        </p:txBody>
+      </p:sp>
+      <p:sp>
+        <p:nvSpPr>
+          <p:cNvPr id="6" name="Slide Number Placeholder 5"/>
+          <p:cNvSpPr>
+            <a:spLocks noGrp="1"/>
+          </p:cNvSpPr>
+          <p:nvPr>
+            <p:ph type="sldNum" sz="quarter" idx="12"/>
+          </p:nvPr>
+        </p:nvSpPr>
+        <p:spPr/>
+        <p:txBody>
+          <a:bodyPr/>
+          <a:lstStyle/>
+          <a:p>
+            <a:fld id="{D57F1E4F-1CFF-5643-939E-217C01CDF565}" type="slidenum">
+              <a:rPr lang="en-US" smtClean="0"/>
+              <a:pPr/>
+              <a:t>‹#›</a:t>
+            </a:fld>
+            <a:endParaRPr lang="en-US" dirty="0"/>
+          </a:p>
+        </p:txBody>
+      </p:sp>
+    </p:spTree>
+    <p:extLst>
+      <p:ext uri="{BB962C8B-B14F-4D97-AF65-F5344CB8AC3E}">
+        <p14:creationId xmlns:p14="http://schemas.microsoft.com/office/powerpoint/2010/main" val="3249729595"/>
+      </p:ext>
+    </p:extLst>
+  </p:cSld>
+  <p:clrMapOvr>
+    <a:masterClrMapping/>
+  </p:clrMapOvr>
+</p:sldLayout>
+</file>
+
 <file path=ppt/slideLayouts/slideLayout2.xml><?xml version="1.0" encoding="utf-8"?>
 <p:sldLayout xmlns:a="http://schemas.openxmlformats.org/drawingml/2006/main" xmlns:r="http://schemas.openxmlformats.org/officeDocument/2006/relationships" xmlns:p="http://schemas.openxmlformats.org/presentationml/2006/main" type="obj" preserve="1">
   <p:cSld name="Title and Content">
@@ -2856,7 +5831,7 @@
             <a:fld id="{B61BEF0D-F0BB-DE4B-95CE-6DB70DBA9567}" type="datetimeFigureOut">
               <a:rPr lang="en-US" dirty="0"/>
               <a:pPr/>
-              <a:t>7/16/2016</a:t>
+              <a:t>7/17/2016</a:t>
             </a:fld>
             <a:endParaRPr lang="en-US" dirty="0"/>
           </a:p>
@@ -2995,6 +5970,1714 @@
 </p:sldLayout>
 </file>
 
+<file path=ppt/slideLayouts/slideLayout20.xml><?xml version="1.0" encoding="utf-8"?>
+<p:sldLayout xmlns:a="http://schemas.openxmlformats.org/drawingml/2006/main" xmlns:r="http://schemas.openxmlformats.org/officeDocument/2006/relationships" xmlns:p="http://schemas.openxmlformats.org/presentationml/2006/main" type="twoObj" preserve="1">
+  <p:cSld name="Two Content">
+    <p:spTree>
+      <p:nvGrpSpPr>
+        <p:cNvPr id="1" name=""/>
+        <p:cNvGrpSpPr/>
+        <p:nvPr/>
+      </p:nvGrpSpPr>
+      <p:grpSpPr>
+        <a:xfrm>
+          <a:off x="0" y="0"/>
+          <a:ext cx="0" cy="0"/>
+          <a:chOff x="0" y="0"/>
+          <a:chExt cx="0" cy="0"/>
+        </a:xfrm>
+      </p:grpSpPr>
+      <p:sp>
+        <p:nvSpPr>
+          <p:cNvPr id="2" name="Title 1"/>
+          <p:cNvSpPr>
+            <a:spLocks noGrp="1"/>
+          </p:cNvSpPr>
+          <p:nvPr>
+            <p:ph type="title"/>
+          </p:nvPr>
+        </p:nvSpPr>
+        <p:spPr/>
+        <p:txBody>
+          <a:bodyPr/>
+          <a:lstStyle/>
+          <a:p>
+            <a:r>
+              <a:rPr lang="en-US" smtClean="0"/>
+              <a:t>Click to edit Master title style</a:t>
+            </a:r>
+            <a:endParaRPr lang="id-ID"/>
+          </a:p>
+        </p:txBody>
+      </p:sp>
+      <p:sp>
+        <p:nvSpPr>
+          <p:cNvPr id="3" name="Content Placeholder 2"/>
+          <p:cNvSpPr>
+            <a:spLocks noGrp="1"/>
+          </p:cNvSpPr>
+          <p:nvPr>
+            <p:ph sz="half" idx="1"/>
+          </p:nvPr>
+        </p:nvSpPr>
+        <p:spPr>
+          <a:xfrm>
+            <a:off x="838200" y="1825625"/>
+            <a:ext cx="5181600" cy="4351338"/>
+          </a:xfrm>
+        </p:spPr>
+        <p:txBody>
+          <a:bodyPr/>
+          <a:lstStyle/>
+          <a:p>
+            <a:pPr lvl="0"/>
+            <a:r>
+              <a:rPr lang="en-US" smtClean="0"/>
+              <a:t>Edit Master text styles</a:t>
+            </a:r>
+          </a:p>
+          <a:p>
+            <a:pPr lvl="1"/>
+            <a:r>
+              <a:rPr lang="en-US" smtClean="0"/>
+              <a:t>Second level</a:t>
+            </a:r>
+          </a:p>
+          <a:p>
+            <a:pPr lvl="2"/>
+            <a:r>
+              <a:rPr lang="en-US" smtClean="0"/>
+              <a:t>Third level</a:t>
+            </a:r>
+          </a:p>
+          <a:p>
+            <a:pPr lvl="3"/>
+            <a:r>
+              <a:rPr lang="en-US" smtClean="0"/>
+              <a:t>Fourth level</a:t>
+            </a:r>
+          </a:p>
+          <a:p>
+            <a:pPr lvl="4"/>
+            <a:r>
+              <a:rPr lang="en-US" smtClean="0"/>
+              <a:t>Fifth level</a:t>
+            </a:r>
+            <a:endParaRPr lang="id-ID"/>
+          </a:p>
+        </p:txBody>
+      </p:sp>
+      <p:sp>
+        <p:nvSpPr>
+          <p:cNvPr id="4" name="Content Placeholder 3"/>
+          <p:cNvSpPr>
+            <a:spLocks noGrp="1"/>
+          </p:cNvSpPr>
+          <p:nvPr>
+            <p:ph sz="half" idx="2"/>
+          </p:nvPr>
+        </p:nvSpPr>
+        <p:spPr>
+          <a:xfrm>
+            <a:off x="6172200" y="1825625"/>
+            <a:ext cx="5181600" cy="4351338"/>
+          </a:xfrm>
+        </p:spPr>
+        <p:txBody>
+          <a:bodyPr/>
+          <a:lstStyle/>
+          <a:p>
+            <a:pPr lvl="0"/>
+            <a:r>
+              <a:rPr lang="en-US" smtClean="0"/>
+              <a:t>Edit Master text styles</a:t>
+            </a:r>
+          </a:p>
+          <a:p>
+            <a:pPr lvl="1"/>
+            <a:r>
+              <a:rPr lang="en-US" smtClean="0"/>
+              <a:t>Second level</a:t>
+            </a:r>
+          </a:p>
+          <a:p>
+            <a:pPr lvl="2"/>
+            <a:r>
+              <a:rPr lang="en-US" smtClean="0"/>
+              <a:t>Third level</a:t>
+            </a:r>
+          </a:p>
+          <a:p>
+            <a:pPr lvl="3"/>
+            <a:r>
+              <a:rPr lang="en-US" smtClean="0"/>
+              <a:t>Fourth level</a:t>
+            </a:r>
+          </a:p>
+          <a:p>
+            <a:pPr lvl="4"/>
+            <a:r>
+              <a:rPr lang="en-US" smtClean="0"/>
+              <a:t>Fifth level</a:t>
+            </a:r>
+            <a:endParaRPr lang="id-ID"/>
+          </a:p>
+        </p:txBody>
+      </p:sp>
+      <p:sp>
+        <p:nvSpPr>
+          <p:cNvPr id="5" name="Date Placeholder 4"/>
+          <p:cNvSpPr>
+            <a:spLocks noGrp="1"/>
+          </p:cNvSpPr>
+          <p:nvPr>
+            <p:ph type="dt" sz="half" idx="10"/>
+          </p:nvPr>
+        </p:nvSpPr>
+        <p:spPr/>
+        <p:txBody>
+          <a:bodyPr/>
+          <a:lstStyle/>
+          <a:p>
+            <a:fld id="{B61BEF0D-F0BB-DE4B-95CE-6DB70DBA9567}" type="datetimeFigureOut">
+              <a:rPr lang="en-US" smtClean="0"/>
+              <a:pPr/>
+              <a:t>7/17/2016</a:t>
+            </a:fld>
+            <a:endParaRPr lang="en-US" dirty="0"/>
+          </a:p>
+        </p:txBody>
+      </p:sp>
+      <p:sp>
+        <p:nvSpPr>
+          <p:cNvPr id="6" name="Footer Placeholder 5"/>
+          <p:cNvSpPr>
+            <a:spLocks noGrp="1"/>
+          </p:cNvSpPr>
+          <p:nvPr>
+            <p:ph type="ftr" sz="quarter" idx="11"/>
+          </p:nvPr>
+        </p:nvSpPr>
+        <p:spPr/>
+        <p:txBody>
+          <a:bodyPr/>
+          <a:lstStyle/>
+          <a:p>
+            <a:endParaRPr lang="en-US" dirty="0"/>
+          </a:p>
+        </p:txBody>
+      </p:sp>
+      <p:sp>
+        <p:nvSpPr>
+          <p:cNvPr id="7" name="Slide Number Placeholder 6"/>
+          <p:cNvSpPr>
+            <a:spLocks noGrp="1"/>
+          </p:cNvSpPr>
+          <p:nvPr>
+            <p:ph type="sldNum" sz="quarter" idx="12"/>
+          </p:nvPr>
+        </p:nvSpPr>
+        <p:spPr/>
+        <p:txBody>
+          <a:bodyPr/>
+          <a:lstStyle/>
+          <a:p>
+            <a:fld id="{D57F1E4F-1CFF-5643-939E-217C01CDF565}" type="slidenum">
+              <a:rPr lang="en-US" smtClean="0"/>
+              <a:pPr/>
+              <a:t>‹#›</a:t>
+            </a:fld>
+            <a:endParaRPr lang="en-US" dirty="0"/>
+          </a:p>
+        </p:txBody>
+      </p:sp>
+    </p:spTree>
+    <p:extLst>
+      <p:ext uri="{BB962C8B-B14F-4D97-AF65-F5344CB8AC3E}">
+        <p14:creationId xmlns:p14="http://schemas.microsoft.com/office/powerpoint/2010/main" val="908505671"/>
+      </p:ext>
+    </p:extLst>
+  </p:cSld>
+  <p:clrMapOvr>
+    <a:masterClrMapping/>
+  </p:clrMapOvr>
+</p:sldLayout>
+</file>
+
+<file path=ppt/slideLayouts/slideLayout21.xml><?xml version="1.0" encoding="utf-8"?>
+<p:sldLayout xmlns:a="http://schemas.openxmlformats.org/drawingml/2006/main" xmlns:r="http://schemas.openxmlformats.org/officeDocument/2006/relationships" xmlns:p="http://schemas.openxmlformats.org/presentationml/2006/main" type="twoTxTwoObj" preserve="1">
+  <p:cSld name="Comparison">
+    <p:spTree>
+      <p:nvGrpSpPr>
+        <p:cNvPr id="1" name=""/>
+        <p:cNvGrpSpPr/>
+        <p:nvPr/>
+      </p:nvGrpSpPr>
+      <p:grpSpPr>
+        <a:xfrm>
+          <a:off x="0" y="0"/>
+          <a:ext cx="0" cy="0"/>
+          <a:chOff x="0" y="0"/>
+          <a:chExt cx="0" cy="0"/>
+        </a:xfrm>
+      </p:grpSpPr>
+      <p:sp>
+        <p:nvSpPr>
+          <p:cNvPr id="2" name="Title 1"/>
+          <p:cNvSpPr>
+            <a:spLocks noGrp="1"/>
+          </p:cNvSpPr>
+          <p:nvPr>
+            <p:ph type="title"/>
+          </p:nvPr>
+        </p:nvSpPr>
+        <p:spPr>
+          <a:xfrm>
+            <a:off x="839788" y="365125"/>
+            <a:ext cx="10515600" cy="1325563"/>
+          </a:xfrm>
+        </p:spPr>
+        <p:txBody>
+          <a:bodyPr/>
+          <a:lstStyle/>
+          <a:p>
+            <a:r>
+              <a:rPr lang="en-US" smtClean="0"/>
+              <a:t>Click to edit Master title style</a:t>
+            </a:r>
+            <a:endParaRPr lang="id-ID"/>
+          </a:p>
+        </p:txBody>
+      </p:sp>
+      <p:sp>
+        <p:nvSpPr>
+          <p:cNvPr id="3" name="Text Placeholder 2"/>
+          <p:cNvSpPr>
+            <a:spLocks noGrp="1"/>
+          </p:cNvSpPr>
+          <p:nvPr>
+            <p:ph type="body" idx="1"/>
+          </p:nvPr>
+        </p:nvSpPr>
+        <p:spPr>
+          <a:xfrm>
+            <a:off x="839788" y="1681163"/>
+            <a:ext cx="5157787" cy="823912"/>
+          </a:xfrm>
+        </p:spPr>
+        <p:txBody>
+          <a:bodyPr anchor="b"/>
+          <a:lstStyle>
+            <a:lvl1pPr marL="0" indent="0">
+              <a:buNone/>
+              <a:defRPr sz="2400" b="1"/>
+            </a:lvl1pPr>
+            <a:lvl2pPr marL="457200" indent="0">
+              <a:buNone/>
+              <a:defRPr sz="2000" b="1"/>
+            </a:lvl2pPr>
+            <a:lvl3pPr marL="914400" indent="0">
+              <a:buNone/>
+              <a:defRPr sz="1800" b="1"/>
+            </a:lvl3pPr>
+            <a:lvl4pPr marL="1371600" indent="0">
+              <a:buNone/>
+              <a:defRPr sz="1600" b="1"/>
+            </a:lvl4pPr>
+            <a:lvl5pPr marL="1828800" indent="0">
+              <a:buNone/>
+              <a:defRPr sz="1600" b="1"/>
+            </a:lvl5pPr>
+            <a:lvl6pPr marL="2286000" indent="0">
+              <a:buNone/>
+              <a:defRPr sz="1600" b="1"/>
+            </a:lvl6pPr>
+            <a:lvl7pPr marL="2743200" indent="0">
+              <a:buNone/>
+              <a:defRPr sz="1600" b="1"/>
+            </a:lvl7pPr>
+            <a:lvl8pPr marL="3200400" indent="0">
+              <a:buNone/>
+              <a:defRPr sz="1600" b="1"/>
+            </a:lvl8pPr>
+            <a:lvl9pPr marL="3657600" indent="0">
+              <a:buNone/>
+              <a:defRPr sz="1600" b="1"/>
+            </a:lvl9pPr>
+          </a:lstStyle>
+          <a:p>
+            <a:pPr lvl="0"/>
+            <a:r>
+              <a:rPr lang="en-US" smtClean="0"/>
+              <a:t>Edit Master text styles</a:t>
+            </a:r>
+          </a:p>
+        </p:txBody>
+      </p:sp>
+      <p:sp>
+        <p:nvSpPr>
+          <p:cNvPr id="4" name="Content Placeholder 3"/>
+          <p:cNvSpPr>
+            <a:spLocks noGrp="1"/>
+          </p:cNvSpPr>
+          <p:nvPr>
+            <p:ph sz="half" idx="2"/>
+          </p:nvPr>
+        </p:nvSpPr>
+        <p:spPr>
+          <a:xfrm>
+            <a:off x="839788" y="2505075"/>
+            <a:ext cx="5157787" cy="3684588"/>
+          </a:xfrm>
+        </p:spPr>
+        <p:txBody>
+          <a:bodyPr/>
+          <a:lstStyle/>
+          <a:p>
+            <a:pPr lvl="0"/>
+            <a:r>
+              <a:rPr lang="en-US" smtClean="0"/>
+              <a:t>Edit Master text styles</a:t>
+            </a:r>
+          </a:p>
+          <a:p>
+            <a:pPr lvl="1"/>
+            <a:r>
+              <a:rPr lang="en-US" smtClean="0"/>
+              <a:t>Second level</a:t>
+            </a:r>
+          </a:p>
+          <a:p>
+            <a:pPr lvl="2"/>
+            <a:r>
+              <a:rPr lang="en-US" smtClean="0"/>
+              <a:t>Third level</a:t>
+            </a:r>
+          </a:p>
+          <a:p>
+            <a:pPr lvl="3"/>
+            <a:r>
+              <a:rPr lang="en-US" smtClean="0"/>
+              <a:t>Fourth level</a:t>
+            </a:r>
+          </a:p>
+          <a:p>
+            <a:pPr lvl="4"/>
+            <a:r>
+              <a:rPr lang="en-US" smtClean="0"/>
+              <a:t>Fifth level</a:t>
+            </a:r>
+            <a:endParaRPr lang="id-ID"/>
+          </a:p>
+        </p:txBody>
+      </p:sp>
+      <p:sp>
+        <p:nvSpPr>
+          <p:cNvPr id="5" name="Text Placeholder 4"/>
+          <p:cNvSpPr>
+            <a:spLocks noGrp="1"/>
+          </p:cNvSpPr>
+          <p:nvPr>
+            <p:ph type="body" sz="quarter" idx="3"/>
+          </p:nvPr>
+        </p:nvSpPr>
+        <p:spPr>
+          <a:xfrm>
+            <a:off x="6172200" y="1681163"/>
+            <a:ext cx="5183188" cy="823912"/>
+          </a:xfrm>
+        </p:spPr>
+        <p:txBody>
+          <a:bodyPr anchor="b"/>
+          <a:lstStyle>
+            <a:lvl1pPr marL="0" indent="0">
+              <a:buNone/>
+              <a:defRPr sz="2400" b="1"/>
+            </a:lvl1pPr>
+            <a:lvl2pPr marL="457200" indent="0">
+              <a:buNone/>
+              <a:defRPr sz="2000" b="1"/>
+            </a:lvl2pPr>
+            <a:lvl3pPr marL="914400" indent="0">
+              <a:buNone/>
+              <a:defRPr sz="1800" b="1"/>
+            </a:lvl3pPr>
+            <a:lvl4pPr marL="1371600" indent="0">
+              <a:buNone/>
+              <a:defRPr sz="1600" b="1"/>
+            </a:lvl4pPr>
+            <a:lvl5pPr marL="1828800" indent="0">
+              <a:buNone/>
+              <a:defRPr sz="1600" b="1"/>
+            </a:lvl5pPr>
+            <a:lvl6pPr marL="2286000" indent="0">
+              <a:buNone/>
+              <a:defRPr sz="1600" b="1"/>
+            </a:lvl6pPr>
+            <a:lvl7pPr marL="2743200" indent="0">
+              <a:buNone/>
+              <a:defRPr sz="1600" b="1"/>
+            </a:lvl7pPr>
+            <a:lvl8pPr marL="3200400" indent="0">
+              <a:buNone/>
+              <a:defRPr sz="1600" b="1"/>
+            </a:lvl8pPr>
+            <a:lvl9pPr marL="3657600" indent="0">
+              <a:buNone/>
+              <a:defRPr sz="1600" b="1"/>
+            </a:lvl9pPr>
+          </a:lstStyle>
+          <a:p>
+            <a:pPr lvl="0"/>
+            <a:r>
+              <a:rPr lang="en-US" smtClean="0"/>
+              <a:t>Edit Master text styles</a:t>
+            </a:r>
+          </a:p>
+        </p:txBody>
+      </p:sp>
+      <p:sp>
+        <p:nvSpPr>
+          <p:cNvPr id="6" name="Content Placeholder 5"/>
+          <p:cNvSpPr>
+            <a:spLocks noGrp="1"/>
+          </p:cNvSpPr>
+          <p:nvPr>
+            <p:ph sz="quarter" idx="4"/>
+          </p:nvPr>
+        </p:nvSpPr>
+        <p:spPr>
+          <a:xfrm>
+            <a:off x="6172200" y="2505075"/>
+            <a:ext cx="5183188" cy="3684588"/>
+          </a:xfrm>
+        </p:spPr>
+        <p:txBody>
+          <a:bodyPr/>
+          <a:lstStyle/>
+          <a:p>
+            <a:pPr lvl="0"/>
+            <a:r>
+              <a:rPr lang="en-US" smtClean="0"/>
+              <a:t>Edit Master text styles</a:t>
+            </a:r>
+          </a:p>
+          <a:p>
+            <a:pPr lvl="1"/>
+            <a:r>
+              <a:rPr lang="en-US" smtClean="0"/>
+              <a:t>Second level</a:t>
+            </a:r>
+          </a:p>
+          <a:p>
+            <a:pPr lvl="2"/>
+            <a:r>
+              <a:rPr lang="en-US" smtClean="0"/>
+              <a:t>Third level</a:t>
+            </a:r>
+          </a:p>
+          <a:p>
+            <a:pPr lvl="3"/>
+            <a:r>
+              <a:rPr lang="en-US" smtClean="0"/>
+              <a:t>Fourth level</a:t>
+            </a:r>
+          </a:p>
+          <a:p>
+            <a:pPr lvl="4"/>
+            <a:r>
+              <a:rPr lang="en-US" smtClean="0"/>
+              <a:t>Fifth level</a:t>
+            </a:r>
+            <a:endParaRPr lang="id-ID"/>
+          </a:p>
+        </p:txBody>
+      </p:sp>
+      <p:sp>
+        <p:nvSpPr>
+          <p:cNvPr id="7" name="Date Placeholder 6"/>
+          <p:cNvSpPr>
+            <a:spLocks noGrp="1"/>
+          </p:cNvSpPr>
+          <p:nvPr>
+            <p:ph type="dt" sz="half" idx="10"/>
+          </p:nvPr>
+        </p:nvSpPr>
+        <p:spPr/>
+        <p:txBody>
+          <a:bodyPr/>
+          <a:lstStyle/>
+          <a:p>
+            <a:fld id="{B61BEF0D-F0BB-DE4B-95CE-6DB70DBA9567}" type="datetimeFigureOut">
+              <a:rPr lang="en-US" smtClean="0"/>
+              <a:pPr/>
+              <a:t>7/17/2016</a:t>
+            </a:fld>
+            <a:endParaRPr lang="en-US" dirty="0"/>
+          </a:p>
+        </p:txBody>
+      </p:sp>
+      <p:sp>
+        <p:nvSpPr>
+          <p:cNvPr id="8" name="Footer Placeholder 7"/>
+          <p:cNvSpPr>
+            <a:spLocks noGrp="1"/>
+          </p:cNvSpPr>
+          <p:nvPr>
+            <p:ph type="ftr" sz="quarter" idx="11"/>
+          </p:nvPr>
+        </p:nvSpPr>
+        <p:spPr/>
+        <p:txBody>
+          <a:bodyPr/>
+          <a:lstStyle/>
+          <a:p>
+            <a:endParaRPr lang="en-US" dirty="0"/>
+          </a:p>
+        </p:txBody>
+      </p:sp>
+      <p:sp>
+        <p:nvSpPr>
+          <p:cNvPr id="9" name="Slide Number Placeholder 8"/>
+          <p:cNvSpPr>
+            <a:spLocks noGrp="1"/>
+          </p:cNvSpPr>
+          <p:nvPr>
+            <p:ph type="sldNum" sz="quarter" idx="12"/>
+          </p:nvPr>
+        </p:nvSpPr>
+        <p:spPr/>
+        <p:txBody>
+          <a:bodyPr/>
+          <a:lstStyle/>
+          <a:p>
+            <a:fld id="{D57F1E4F-1CFF-5643-939E-217C01CDF565}" type="slidenum">
+              <a:rPr lang="en-US" smtClean="0"/>
+              <a:pPr/>
+              <a:t>‹#›</a:t>
+            </a:fld>
+            <a:endParaRPr lang="en-US" dirty="0"/>
+          </a:p>
+        </p:txBody>
+      </p:sp>
+    </p:spTree>
+    <p:extLst>
+      <p:ext uri="{BB962C8B-B14F-4D97-AF65-F5344CB8AC3E}">
+        <p14:creationId xmlns:p14="http://schemas.microsoft.com/office/powerpoint/2010/main" val="861138025"/>
+      </p:ext>
+    </p:extLst>
+  </p:cSld>
+  <p:clrMapOvr>
+    <a:masterClrMapping/>
+  </p:clrMapOvr>
+</p:sldLayout>
+</file>
+
+<file path=ppt/slideLayouts/slideLayout22.xml><?xml version="1.0" encoding="utf-8"?>
+<p:sldLayout xmlns:a="http://schemas.openxmlformats.org/drawingml/2006/main" xmlns:r="http://schemas.openxmlformats.org/officeDocument/2006/relationships" xmlns:p="http://schemas.openxmlformats.org/presentationml/2006/main" type="titleOnly" preserve="1">
+  <p:cSld name="Title Only">
+    <p:spTree>
+      <p:nvGrpSpPr>
+        <p:cNvPr id="1" name=""/>
+        <p:cNvGrpSpPr/>
+        <p:nvPr/>
+      </p:nvGrpSpPr>
+      <p:grpSpPr>
+        <a:xfrm>
+          <a:off x="0" y="0"/>
+          <a:ext cx="0" cy="0"/>
+          <a:chOff x="0" y="0"/>
+          <a:chExt cx="0" cy="0"/>
+        </a:xfrm>
+      </p:grpSpPr>
+      <p:sp>
+        <p:nvSpPr>
+          <p:cNvPr id="2" name="Title 1"/>
+          <p:cNvSpPr>
+            <a:spLocks noGrp="1"/>
+          </p:cNvSpPr>
+          <p:nvPr>
+            <p:ph type="title"/>
+          </p:nvPr>
+        </p:nvSpPr>
+        <p:spPr/>
+        <p:txBody>
+          <a:bodyPr/>
+          <a:lstStyle/>
+          <a:p>
+            <a:r>
+              <a:rPr lang="en-US" smtClean="0"/>
+              <a:t>Click to edit Master title style</a:t>
+            </a:r>
+            <a:endParaRPr lang="id-ID"/>
+          </a:p>
+        </p:txBody>
+      </p:sp>
+      <p:sp>
+        <p:nvSpPr>
+          <p:cNvPr id="3" name="Date Placeholder 2"/>
+          <p:cNvSpPr>
+            <a:spLocks noGrp="1"/>
+          </p:cNvSpPr>
+          <p:nvPr>
+            <p:ph type="dt" sz="half" idx="10"/>
+          </p:nvPr>
+        </p:nvSpPr>
+        <p:spPr/>
+        <p:txBody>
+          <a:bodyPr/>
+          <a:lstStyle/>
+          <a:p>
+            <a:fld id="{B61BEF0D-F0BB-DE4B-95CE-6DB70DBA9567}" type="datetimeFigureOut">
+              <a:rPr lang="en-US" smtClean="0"/>
+              <a:pPr/>
+              <a:t>7/17/2016</a:t>
+            </a:fld>
+            <a:endParaRPr lang="en-US" dirty="0"/>
+          </a:p>
+        </p:txBody>
+      </p:sp>
+      <p:sp>
+        <p:nvSpPr>
+          <p:cNvPr id="4" name="Footer Placeholder 3"/>
+          <p:cNvSpPr>
+            <a:spLocks noGrp="1"/>
+          </p:cNvSpPr>
+          <p:nvPr>
+            <p:ph type="ftr" sz="quarter" idx="11"/>
+          </p:nvPr>
+        </p:nvSpPr>
+        <p:spPr/>
+        <p:txBody>
+          <a:bodyPr/>
+          <a:lstStyle/>
+          <a:p>
+            <a:endParaRPr lang="en-US" dirty="0"/>
+          </a:p>
+        </p:txBody>
+      </p:sp>
+      <p:sp>
+        <p:nvSpPr>
+          <p:cNvPr id="5" name="Slide Number Placeholder 4"/>
+          <p:cNvSpPr>
+            <a:spLocks noGrp="1"/>
+          </p:cNvSpPr>
+          <p:nvPr>
+            <p:ph type="sldNum" sz="quarter" idx="12"/>
+          </p:nvPr>
+        </p:nvSpPr>
+        <p:spPr/>
+        <p:txBody>
+          <a:bodyPr/>
+          <a:lstStyle/>
+          <a:p>
+            <a:fld id="{D57F1E4F-1CFF-5643-939E-217C01CDF565}" type="slidenum">
+              <a:rPr lang="en-US" smtClean="0"/>
+              <a:pPr/>
+              <a:t>‹#›</a:t>
+            </a:fld>
+            <a:endParaRPr lang="en-US" dirty="0"/>
+          </a:p>
+        </p:txBody>
+      </p:sp>
+    </p:spTree>
+    <p:extLst>
+      <p:ext uri="{BB962C8B-B14F-4D97-AF65-F5344CB8AC3E}">
+        <p14:creationId xmlns:p14="http://schemas.microsoft.com/office/powerpoint/2010/main" val="1438659250"/>
+      </p:ext>
+    </p:extLst>
+  </p:cSld>
+  <p:clrMapOvr>
+    <a:masterClrMapping/>
+  </p:clrMapOvr>
+</p:sldLayout>
+</file>
+
+<file path=ppt/slideLayouts/slideLayout23.xml><?xml version="1.0" encoding="utf-8"?>
+<p:sldLayout xmlns:a="http://schemas.openxmlformats.org/drawingml/2006/main" xmlns:r="http://schemas.openxmlformats.org/officeDocument/2006/relationships" xmlns:p="http://schemas.openxmlformats.org/presentationml/2006/main" type="blank" preserve="1">
+  <p:cSld name="Blank">
+    <p:spTree>
+      <p:nvGrpSpPr>
+        <p:cNvPr id="1" name=""/>
+        <p:cNvGrpSpPr/>
+        <p:nvPr/>
+      </p:nvGrpSpPr>
+      <p:grpSpPr>
+        <a:xfrm>
+          <a:off x="0" y="0"/>
+          <a:ext cx="0" cy="0"/>
+          <a:chOff x="0" y="0"/>
+          <a:chExt cx="0" cy="0"/>
+        </a:xfrm>
+      </p:grpSpPr>
+      <p:sp>
+        <p:nvSpPr>
+          <p:cNvPr id="2" name="Date Placeholder 1"/>
+          <p:cNvSpPr>
+            <a:spLocks noGrp="1"/>
+          </p:cNvSpPr>
+          <p:nvPr>
+            <p:ph type="dt" sz="half" idx="10"/>
+          </p:nvPr>
+        </p:nvSpPr>
+        <p:spPr/>
+        <p:txBody>
+          <a:bodyPr/>
+          <a:lstStyle/>
+          <a:p>
+            <a:fld id="{B61BEF0D-F0BB-DE4B-95CE-6DB70DBA9567}" type="datetimeFigureOut">
+              <a:rPr lang="en-US" smtClean="0"/>
+              <a:pPr/>
+              <a:t>7/17/2016</a:t>
+            </a:fld>
+            <a:endParaRPr lang="en-US" dirty="0"/>
+          </a:p>
+        </p:txBody>
+      </p:sp>
+      <p:sp>
+        <p:nvSpPr>
+          <p:cNvPr id="3" name="Footer Placeholder 2"/>
+          <p:cNvSpPr>
+            <a:spLocks noGrp="1"/>
+          </p:cNvSpPr>
+          <p:nvPr>
+            <p:ph type="ftr" sz="quarter" idx="11"/>
+          </p:nvPr>
+        </p:nvSpPr>
+        <p:spPr/>
+        <p:txBody>
+          <a:bodyPr/>
+          <a:lstStyle/>
+          <a:p>
+            <a:endParaRPr lang="en-US" dirty="0"/>
+          </a:p>
+        </p:txBody>
+      </p:sp>
+      <p:sp>
+        <p:nvSpPr>
+          <p:cNvPr id="4" name="Slide Number Placeholder 3"/>
+          <p:cNvSpPr>
+            <a:spLocks noGrp="1"/>
+          </p:cNvSpPr>
+          <p:nvPr>
+            <p:ph type="sldNum" sz="quarter" idx="12"/>
+          </p:nvPr>
+        </p:nvSpPr>
+        <p:spPr/>
+        <p:txBody>
+          <a:bodyPr/>
+          <a:lstStyle/>
+          <a:p>
+            <a:fld id="{D57F1E4F-1CFF-5643-939E-217C01CDF565}" type="slidenum">
+              <a:rPr lang="en-US" smtClean="0"/>
+              <a:pPr/>
+              <a:t>‹#›</a:t>
+            </a:fld>
+            <a:endParaRPr lang="en-US" dirty="0"/>
+          </a:p>
+        </p:txBody>
+      </p:sp>
+    </p:spTree>
+    <p:extLst>
+      <p:ext uri="{BB962C8B-B14F-4D97-AF65-F5344CB8AC3E}">
+        <p14:creationId xmlns:p14="http://schemas.microsoft.com/office/powerpoint/2010/main" val="215098073"/>
+      </p:ext>
+    </p:extLst>
+  </p:cSld>
+  <p:clrMapOvr>
+    <a:masterClrMapping/>
+  </p:clrMapOvr>
+</p:sldLayout>
+</file>
+
+<file path=ppt/slideLayouts/slideLayout24.xml><?xml version="1.0" encoding="utf-8"?>
+<p:sldLayout xmlns:a="http://schemas.openxmlformats.org/drawingml/2006/main" xmlns:r="http://schemas.openxmlformats.org/officeDocument/2006/relationships" xmlns:p="http://schemas.openxmlformats.org/presentationml/2006/main" type="objTx" preserve="1">
+  <p:cSld name="Content with Caption">
+    <p:spTree>
+      <p:nvGrpSpPr>
+        <p:cNvPr id="1" name=""/>
+        <p:cNvGrpSpPr/>
+        <p:nvPr/>
+      </p:nvGrpSpPr>
+      <p:grpSpPr>
+        <a:xfrm>
+          <a:off x="0" y="0"/>
+          <a:ext cx="0" cy="0"/>
+          <a:chOff x="0" y="0"/>
+          <a:chExt cx="0" cy="0"/>
+        </a:xfrm>
+      </p:grpSpPr>
+      <p:sp>
+        <p:nvSpPr>
+          <p:cNvPr id="2" name="Title 1"/>
+          <p:cNvSpPr>
+            <a:spLocks noGrp="1"/>
+          </p:cNvSpPr>
+          <p:nvPr>
+            <p:ph type="title"/>
+          </p:nvPr>
+        </p:nvSpPr>
+        <p:spPr>
+          <a:xfrm>
+            <a:off x="839788" y="457200"/>
+            <a:ext cx="3932237" cy="1600200"/>
+          </a:xfrm>
+        </p:spPr>
+        <p:txBody>
+          <a:bodyPr anchor="b"/>
+          <a:lstStyle>
+            <a:lvl1pPr>
+              <a:defRPr sz="3200"/>
+            </a:lvl1pPr>
+          </a:lstStyle>
+          <a:p>
+            <a:r>
+              <a:rPr lang="en-US" smtClean="0"/>
+              <a:t>Click to edit Master title style</a:t>
+            </a:r>
+            <a:endParaRPr lang="id-ID"/>
+          </a:p>
+        </p:txBody>
+      </p:sp>
+      <p:sp>
+        <p:nvSpPr>
+          <p:cNvPr id="3" name="Content Placeholder 2"/>
+          <p:cNvSpPr>
+            <a:spLocks noGrp="1"/>
+          </p:cNvSpPr>
+          <p:nvPr>
+            <p:ph idx="1"/>
+          </p:nvPr>
+        </p:nvSpPr>
+        <p:spPr>
+          <a:xfrm>
+            <a:off x="5183188" y="987425"/>
+            <a:ext cx="6172200" cy="4873625"/>
+          </a:xfrm>
+        </p:spPr>
+        <p:txBody>
+          <a:bodyPr/>
+          <a:lstStyle>
+            <a:lvl1pPr>
+              <a:defRPr sz="3200"/>
+            </a:lvl1pPr>
+            <a:lvl2pPr>
+              <a:defRPr sz="2800"/>
+            </a:lvl2pPr>
+            <a:lvl3pPr>
+              <a:defRPr sz="2400"/>
+            </a:lvl3pPr>
+            <a:lvl4pPr>
+              <a:defRPr sz="2000"/>
+            </a:lvl4pPr>
+            <a:lvl5pPr>
+              <a:defRPr sz="2000"/>
+            </a:lvl5pPr>
+            <a:lvl6pPr>
+              <a:defRPr sz="2000"/>
+            </a:lvl6pPr>
+            <a:lvl7pPr>
+              <a:defRPr sz="2000"/>
+            </a:lvl7pPr>
+            <a:lvl8pPr>
+              <a:defRPr sz="2000"/>
+            </a:lvl8pPr>
+            <a:lvl9pPr>
+              <a:defRPr sz="2000"/>
+            </a:lvl9pPr>
+          </a:lstStyle>
+          <a:p>
+            <a:pPr lvl="0"/>
+            <a:r>
+              <a:rPr lang="en-US" smtClean="0"/>
+              <a:t>Edit Master text styles</a:t>
+            </a:r>
+          </a:p>
+          <a:p>
+            <a:pPr lvl="1"/>
+            <a:r>
+              <a:rPr lang="en-US" smtClean="0"/>
+              <a:t>Second level</a:t>
+            </a:r>
+          </a:p>
+          <a:p>
+            <a:pPr lvl="2"/>
+            <a:r>
+              <a:rPr lang="en-US" smtClean="0"/>
+              <a:t>Third level</a:t>
+            </a:r>
+          </a:p>
+          <a:p>
+            <a:pPr lvl="3"/>
+            <a:r>
+              <a:rPr lang="en-US" smtClean="0"/>
+              <a:t>Fourth level</a:t>
+            </a:r>
+          </a:p>
+          <a:p>
+            <a:pPr lvl="4"/>
+            <a:r>
+              <a:rPr lang="en-US" smtClean="0"/>
+              <a:t>Fifth level</a:t>
+            </a:r>
+            <a:endParaRPr lang="id-ID"/>
+          </a:p>
+        </p:txBody>
+      </p:sp>
+      <p:sp>
+        <p:nvSpPr>
+          <p:cNvPr id="4" name="Text Placeholder 3"/>
+          <p:cNvSpPr>
+            <a:spLocks noGrp="1"/>
+          </p:cNvSpPr>
+          <p:nvPr>
+            <p:ph type="body" sz="half" idx="2"/>
+          </p:nvPr>
+        </p:nvSpPr>
+        <p:spPr>
+          <a:xfrm>
+            <a:off x="839788" y="2057400"/>
+            <a:ext cx="3932237" cy="3811588"/>
+          </a:xfrm>
+        </p:spPr>
+        <p:txBody>
+          <a:bodyPr/>
+          <a:lstStyle>
+            <a:lvl1pPr marL="0" indent="0">
+              <a:buNone/>
+              <a:defRPr sz="1600"/>
+            </a:lvl1pPr>
+            <a:lvl2pPr marL="457200" indent="0">
+              <a:buNone/>
+              <a:defRPr sz="1400"/>
+            </a:lvl2pPr>
+            <a:lvl3pPr marL="914400" indent="0">
+              <a:buNone/>
+              <a:defRPr sz="1200"/>
+            </a:lvl3pPr>
+            <a:lvl4pPr marL="1371600" indent="0">
+              <a:buNone/>
+              <a:defRPr sz="1000"/>
+            </a:lvl4pPr>
+            <a:lvl5pPr marL="1828800" indent="0">
+              <a:buNone/>
+              <a:defRPr sz="1000"/>
+            </a:lvl5pPr>
+            <a:lvl6pPr marL="2286000" indent="0">
+              <a:buNone/>
+              <a:defRPr sz="1000"/>
+            </a:lvl6pPr>
+            <a:lvl7pPr marL="2743200" indent="0">
+              <a:buNone/>
+              <a:defRPr sz="1000"/>
+            </a:lvl7pPr>
+            <a:lvl8pPr marL="3200400" indent="0">
+              <a:buNone/>
+              <a:defRPr sz="1000"/>
+            </a:lvl8pPr>
+            <a:lvl9pPr marL="3657600" indent="0">
+              <a:buNone/>
+              <a:defRPr sz="1000"/>
+            </a:lvl9pPr>
+          </a:lstStyle>
+          <a:p>
+            <a:pPr lvl="0"/>
+            <a:r>
+              <a:rPr lang="en-US" smtClean="0"/>
+              <a:t>Edit Master text styles</a:t>
+            </a:r>
+          </a:p>
+        </p:txBody>
+      </p:sp>
+      <p:sp>
+        <p:nvSpPr>
+          <p:cNvPr id="5" name="Date Placeholder 4"/>
+          <p:cNvSpPr>
+            <a:spLocks noGrp="1"/>
+          </p:cNvSpPr>
+          <p:nvPr>
+            <p:ph type="dt" sz="half" idx="10"/>
+          </p:nvPr>
+        </p:nvSpPr>
+        <p:spPr/>
+        <p:txBody>
+          <a:bodyPr/>
+          <a:lstStyle/>
+          <a:p>
+            <a:fld id="{B61BEF0D-F0BB-DE4B-95CE-6DB70DBA9567}" type="datetimeFigureOut">
+              <a:rPr lang="en-US" smtClean="0"/>
+              <a:pPr/>
+              <a:t>7/17/2016</a:t>
+            </a:fld>
+            <a:endParaRPr lang="en-US" dirty="0"/>
+          </a:p>
+        </p:txBody>
+      </p:sp>
+      <p:sp>
+        <p:nvSpPr>
+          <p:cNvPr id="6" name="Footer Placeholder 5"/>
+          <p:cNvSpPr>
+            <a:spLocks noGrp="1"/>
+          </p:cNvSpPr>
+          <p:nvPr>
+            <p:ph type="ftr" sz="quarter" idx="11"/>
+          </p:nvPr>
+        </p:nvSpPr>
+        <p:spPr/>
+        <p:txBody>
+          <a:bodyPr/>
+          <a:lstStyle/>
+          <a:p>
+            <a:endParaRPr lang="en-US" dirty="0"/>
+          </a:p>
+        </p:txBody>
+      </p:sp>
+      <p:sp>
+        <p:nvSpPr>
+          <p:cNvPr id="7" name="Slide Number Placeholder 6"/>
+          <p:cNvSpPr>
+            <a:spLocks noGrp="1"/>
+          </p:cNvSpPr>
+          <p:nvPr>
+            <p:ph type="sldNum" sz="quarter" idx="12"/>
+          </p:nvPr>
+        </p:nvSpPr>
+        <p:spPr/>
+        <p:txBody>
+          <a:bodyPr/>
+          <a:lstStyle/>
+          <a:p>
+            <a:fld id="{D57F1E4F-1CFF-5643-939E-217C01CDF565}" type="slidenum">
+              <a:rPr lang="en-US" smtClean="0"/>
+              <a:pPr/>
+              <a:t>‹#›</a:t>
+            </a:fld>
+            <a:endParaRPr lang="en-US" dirty="0"/>
+          </a:p>
+        </p:txBody>
+      </p:sp>
+    </p:spTree>
+    <p:extLst>
+      <p:ext uri="{BB962C8B-B14F-4D97-AF65-F5344CB8AC3E}">
+        <p14:creationId xmlns:p14="http://schemas.microsoft.com/office/powerpoint/2010/main" val="3388978554"/>
+      </p:ext>
+    </p:extLst>
+  </p:cSld>
+  <p:clrMapOvr>
+    <a:masterClrMapping/>
+  </p:clrMapOvr>
+</p:sldLayout>
+</file>
+
+<file path=ppt/slideLayouts/slideLayout25.xml><?xml version="1.0" encoding="utf-8"?>
+<p:sldLayout xmlns:a="http://schemas.openxmlformats.org/drawingml/2006/main" xmlns:r="http://schemas.openxmlformats.org/officeDocument/2006/relationships" xmlns:p="http://schemas.openxmlformats.org/presentationml/2006/main" type="picTx" preserve="1">
+  <p:cSld name="Picture with Caption">
+    <p:spTree>
+      <p:nvGrpSpPr>
+        <p:cNvPr id="1" name=""/>
+        <p:cNvGrpSpPr/>
+        <p:nvPr/>
+      </p:nvGrpSpPr>
+      <p:grpSpPr>
+        <a:xfrm>
+          <a:off x="0" y="0"/>
+          <a:ext cx="0" cy="0"/>
+          <a:chOff x="0" y="0"/>
+          <a:chExt cx="0" cy="0"/>
+        </a:xfrm>
+      </p:grpSpPr>
+      <p:sp>
+        <p:nvSpPr>
+          <p:cNvPr id="2" name="Title 1"/>
+          <p:cNvSpPr>
+            <a:spLocks noGrp="1"/>
+          </p:cNvSpPr>
+          <p:nvPr>
+            <p:ph type="title"/>
+          </p:nvPr>
+        </p:nvSpPr>
+        <p:spPr>
+          <a:xfrm>
+            <a:off x="839788" y="457200"/>
+            <a:ext cx="3932237" cy="1600200"/>
+          </a:xfrm>
+        </p:spPr>
+        <p:txBody>
+          <a:bodyPr anchor="b"/>
+          <a:lstStyle>
+            <a:lvl1pPr>
+              <a:defRPr sz="3200"/>
+            </a:lvl1pPr>
+          </a:lstStyle>
+          <a:p>
+            <a:r>
+              <a:rPr lang="en-US" smtClean="0"/>
+              <a:t>Click to edit Master title style</a:t>
+            </a:r>
+            <a:endParaRPr lang="id-ID"/>
+          </a:p>
+        </p:txBody>
+      </p:sp>
+      <p:sp>
+        <p:nvSpPr>
+          <p:cNvPr id="3" name="Picture Placeholder 2"/>
+          <p:cNvSpPr>
+            <a:spLocks noGrp="1"/>
+          </p:cNvSpPr>
+          <p:nvPr>
+            <p:ph type="pic" idx="1"/>
+          </p:nvPr>
+        </p:nvSpPr>
+        <p:spPr>
+          <a:xfrm>
+            <a:off x="5183188" y="987425"/>
+            <a:ext cx="6172200" cy="4873625"/>
+          </a:xfrm>
+        </p:spPr>
+        <p:txBody>
+          <a:bodyPr/>
+          <a:lstStyle>
+            <a:lvl1pPr marL="0" indent="0">
+              <a:buNone/>
+              <a:defRPr sz="3200"/>
+            </a:lvl1pPr>
+            <a:lvl2pPr marL="457200" indent="0">
+              <a:buNone/>
+              <a:defRPr sz="2800"/>
+            </a:lvl2pPr>
+            <a:lvl3pPr marL="914400" indent="0">
+              <a:buNone/>
+              <a:defRPr sz="2400"/>
+            </a:lvl3pPr>
+            <a:lvl4pPr marL="1371600" indent="0">
+              <a:buNone/>
+              <a:defRPr sz="2000"/>
+            </a:lvl4pPr>
+            <a:lvl5pPr marL="1828800" indent="0">
+              <a:buNone/>
+              <a:defRPr sz="2000"/>
+            </a:lvl5pPr>
+            <a:lvl6pPr marL="2286000" indent="0">
+              <a:buNone/>
+              <a:defRPr sz="2000"/>
+            </a:lvl6pPr>
+            <a:lvl7pPr marL="2743200" indent="0">
+              <a:buNone/>
+              <a:defRPr sz="2000"/>
+            </a:lvl7pPr>
+            <a:lvl8pPr marL="3200400" indent="0">
+              <a:buNone/>
+              <a:defRPr sz="2000"/>
+            </a:lvl8pPr>
+            <a:lvl9pPr marL="3657600" indent="0">
+              <a:buNone/>
+              <a:defRPr sz="2000"/>
+            </a:lvl9pPr>
+          </a:lstStyle>
+          <a:p>
+            <a:endParaRPr lang="id-ID"/>
+          </a:p>
+        </p:txBody>
+      </p:sp>
+      <p:sp>
+        <p:nvSpPr>
+          <p:cNvPr id="4" name="Text Placeholder 3"/>
+          <p:cNvSpPr>
+            <a:spLocks noGrp="1"/>
+          </p:cNvSpPr>
+          <p:nvPr>
+            <p:ph type="body" sz="half" idx="2"/>
+          </p:nvPr>
+        </p:nvSpPr>
+        <p:spPr>
+          <a:xfrm>
+            <a:off x="839788" y="2057400"/>
+            <a:ext cx="3932237" cy="3811588"/>
+          </a:xfrm>
+        </p:spPr>
+        <p:txBody>
+          <a:bodyPr/>
+          <a:lstStyle>
+            <a:lvl1pPr marL="0" indent="0">
+              <a:buNone/>
+              <a:defRPr sz="1600"/>
+            </a:lvl1pPr>
+            <a:lvl2pPr marL="457200" indent="0">
+              <a:buNone/>
+              <a:defRPr sz="1400"/>
+            </a:lvl2pPr>
+            <a:lvl3pPr marL="914400" indent="0">
+              <a:buNone/>
+              <a:defRPr sz="1200"/>
+            </a:lvl3pPr>
+            <a:lvl4pPr marL="1371600" indent="0">
+              <a:buNone/>
+              <a:defRPr sz="1000"/>
+            </a:lvl4pPr>
+            <a:lvl5pPr marL="1828800" indent="0">
+              <a:buNone/>
+              <a:defRPr sz="1000"/>
+            </a:lvl5pPr>
+            <a:lvl6pPr marL="2286000" indent="0">
+              <a:buNone/>
+              <a:defRPr sz="1000"/>
+            </a:lvl6pPr>
+            <a:lvl7pPr marL="2743200" indent="0">
+              <a:buNone/>
+              <a:defRPr sz="1000"/>
+            </a:lvl7pPr>
+            <a:lvl8pPr marL="3200400" indent="0">
+              <a:buNone/>
+              <a:defRPr sz="1000"/>
+            </a:lvl8pPr>
+            <a:lvl9pPr marL="3657600" indent="0">
+              <a:buNone/>
+              <a:defRPr sz="1000"/>
+            </a:lvl9pPr>
+          </a:lstStyle>
+          <a:p>
+            <a:pPr lvl="0"/>
+            <a:r>
+              <a:rPr lang="en-US" smtClean="0"/>
+              <a:t>Edit Master text styles</a:t>
+            </a:r>
+          </a:p>
+        </p:txBody>
+      </p:sp>
+      <p:sp>
+        <p:nvSpPr>
+          <p:cNvPr id="5" name="Date Placeholder 4"/>
+          <p:cNvSpPr>
+            <a:spLocks noGrp="1"/>
+          </p:cNvSpPr>
+          <p:nvPr>
+            <p:ph type="dt" sz="half" idx="10"/>
+          </p:nvPr>
+        </p:nvSpPr>
+        <p:spPr/>
+        <p:txBody>
+          <a:bodyPr/>
+          <a:lstStyle/>
+          <a:p>
+            <a:fld id="{B61BEF0D-F0BB-DE4B-95CE-6DB70DBA9567}" type="datetimeFigureOut">
+              <a:rPr lang="en-US" smtClean="0"/>
+              <a:pPr/>
+              <a:t>7/17/2016</a:t>
+            </a:fld>
+            <a:endParaRPr lang="en-US" dirty="0"/>
+          </a:p>
+        </p:txBody>
+      </p:sp>
+      <p:sp>
+        <p:nvSpPr>
+          <p:cNvPr id="6" name="Footer Placeholder 5"/>
+          <p:cNvSpPr>
+            <a:spLocks noGrp="1"/>
+          </p:cNvSpPr>
+          <p:nvPr>
+            <p:ph type="ftr" sz="quarter" idx="11"/>
+          </p:nvPr>
+        </p:nvSpPr>
+        <p:spPr/>
+        <p:txBody>
+          <a:bodyPr/>
+          <a:lstStyle/>
+          <a:p>
+            <a:endParaRPr lang="en-US" dirty="0"/>
+          </a:p>
+        </p:txBody>
+      </p:sp>
+      <p:sp>
+        <p:nvSpPr>
+          <p:cNvPr id="7" name="Slide Number Placeholder 6"/>
+          <p:cNvSpPr>
+            <a:spLocks noGrp="1"/>
+          </p:cNvSpPr>
+          <p:nvPr>
+            <p:ph type="sldNum" sz="quarter" idx="12"/>
+          </p:nvPr>
+        </p:nvSpPr>
+        <p:spPr/>
+        <p:txBody>
+          <a:bodyPr/>
+          <a:lstStyle/>
+          <a:p>
+            <a:fld id="{D57F1E4F-1CFF-5643-939E-217C01CDF565}" type="slidenum">
+              <a:rPr lang="en-US" smtClean="0"/>
+              <a:pPr/>
+              <a:t>‹#›</a:t>
+            </a:fld>
+            <a:endParaRPr lang="en-US" dirty="0"/>
+          </a:p>
+        </p:txBody>
+      </p:sp>
+    </p:spTree>
+    <p:extLst>
+      <p:ext uri="{BB962C8B-B14F-4D97-AF65-F5344CB8AC3E}">
+        <p14:creationId xmlns:p14="http://schemas.microsoft.com/office/powerpoint/2010/main" val="2842013640"/>
+      </p:ext>
+    </p:extLst>
+  </p:cSld>
+  <p:clrMapOvr>
+    <a:masterClrMapping/>
+  </p:clrMapOvr>
+</p:sldLayout>
+</file>
+
+<file path=ppt/slideLayouts/slideLayout26.xml><?xml version="1.0" encoding="utf-8"?>
+<p:sldLayout xmlns:a="http://schemas.openxmlformats.org/drawingml/2006/main" xmlns:r="http://schemas.openxmlformats.org/officeDocument/2006/relationships" xmlns:p="http://schemas.openxmlformats.org/presentationml/2006/main" type="vertTx" preserve="1">
+  <p:cSld name="Title and Vertical Text">
+    <p:spTree>
+      <p:nvGrpSpPr>
+        <p:cNvPr id="1" name=""/>
+        <p:cNvGrpSpPr/>
+        <p:nvPr/>
+      </p:nvGrpSpPr>
+      <p:grpSpPr>
+        <a:xfrm>
+          <a:off x="0" y="0"/>
+          <a:ext cx="0" cy="0"/>
+          <a:chOff x="0" y="0"/>
+          <a:chExt cx="0" cy="0"/>
+        </a:xfrm>
+      </p:grpSpPr>
+      <p:sp>
+        <p:nvSpPr>
+          <p:cNvPr id="2" name="Title 1"/>
+          <p:cNvSpPr>
+            <a:spLocks noGrp="1"/>
+          </p:cNvSpPr>
+          <p:nvPr>
+            <p:ph type="title"/>
+          </p:nvPr>
+        </p:nvSpPr>
+        <p:spPr/>
+        <p:txBody>
+          <a:bodyPr/>
+          <a:lstStyle/>
+          <a:p>
+            <a:r>
+              <a:rPr lang="en-US" smtClean="0"/>
+              <a:t>Click to edit Master title style</a:t>
+            </a:r>
+            <a:endParaRPr lang="id-ID"/>
+          </a:p>
+        </p:txBody>
+      </p:sp>
+      <p:sp>
+        <p:nvSpPr>
+          <p:cNvPr id="3" name="Vertical Text Placeholder 2"/>
+          <p:cNvSpPr>
+            <a:spLocks noGrp="1"/>
+          </p:cNvSpPr>
+          <p:nvPr>
+            <p:ph type="body" orient="vert" idx="1"/>
+          </p:nvPr>
+        </p:nvSpPr>
+        <p:spPr/>
+        <p:txBody>
+          <a:bodyPr vert="eaVert"/>
+          <a:lstStyle/>
+          <a:p>
+            <a:pPr lvl="0"/>
+            <a:r>
+              <a:rPr lang="en-US" smtClean="0"/>
+              <a:t>Edit Master text styles</a:t>
+            </a:r>
+          </a:p>
+          <a:p>
+            <a:pPr lvl="1"/>
+            <a:r>
+              <a:rPr lang="en-US" smtClean="0"/>
+              <a:t>Second level</a:t>
+            </a:r>
+          </a:p>
+          <a:p>
+            <a:pPr lvl="2"/>
+            <a:r>
+              <a:rPr lang="en-US" smtClean="0"/>
+              <a:t>Third level</a:t>
+            </a:r>
+          </a:p>
+          <a:p>
+            <a:pPr lvl="3"/>
+            <a:r>
+              <a:rPr lang="en-US" smtClean="0"/>
+              <a:t>Fourth level</a:t>
+            </a:r>
+          </a:p>
+          <a:p>
+            <a:pPr lvl="4"/>
+            <a:r>
+              <a:rPr lang="en-US" smtClean="0"/>
+              <a:t>Fifth level</a:t>
+            </a:r>
+            <a:endParaRPr lang="id-ID"/>
+          </a:p>
+        </p:txBody>
+      </p:sp>
+      <p:sp>
+        <p:nvSpPr>
+          <p:cNvPr id="4" name="Date Placeholder 3"/>
+          <p:cNvSpPr>
+            <a:spLocks noGrp="1"/>
+          </p:cNvSpPr>
+          <p:nvPr>
+            <p:ph type="dt" sz="half" idx="10"/>
+          </p:nvPr>
+        </p:nvSpPr>
+        <p:spPr/>
+        <p:txBody>
+          <a:bodyPr/>
+          <a:lstStyle/>
+          <a:p>
+            <a:fld id="{B61BEF0D-F0BB-DE4B-95CE-6DB70DBA9567}" type="datetimeFigureOut">
+              <a:rPr lang="en-US" smtClean="0"/>
+              <a:pPr/>
+              <a:t>7/17/2016</a:t>
+            </a:fld>
+            <a:endParaRPr lang="en-US" dirty="0"/>
+          </a:p>
+        </p:txBody>
+      </p:sp>
+      <p:sp>
+        <p:nvSpPr>
+          <p:cNvPr id="5" name="Footer Placeholder 4"/>
+          <p:cNvSpPr>
+            <a:spLocks noGrp="1"/>
+          </p:cNvSpPr>
+          <p:nvPr>
+            <p:ph type="ftr" sz="quarter" idx="11"/>
+          </p:nvPr>
+        </p:nvSpPr>
+        <p:spPr/>
+        <p:txBody>
+          <a:bodyPr/>
+          <a:lstStyle/>
+          <a:p>
+            <a:endParaRPr lang="en-US" dirty="0"/>
+          </a:p>
+        </p:txBody>
+      </p:sp>
+      <p:sp>
+        <p:nvSpPr>
+          <p:cNvPr id="6" name="Slide Number Placeholder 5"/>
+          <p:cNvSpPr>
+            <a:spLocks noGrp="1"/>
+          </p:cNvSpPr>
+          <p:nvPr>
+            <p:ph type="sldNum" sz="quarter" idx="12"/>
+          </p:nvPr>
+        </p:nvSpPr>
+        <p:spPr/>
+        <p:txBody>
+          <a:bodyPr/>
+          <a:lstStyle/>
+          <a:p>
+            <a:fld id="{D57F1E4F-1CFF-5643-939E-217C01CDF565}" type="slidenum">
+              <a:rPr lang="en-US" smtClean="0"/>
+              <a:pPr/>
+              <a:t>‹#›</a:t>
+            </a:fld>
+            <a:endParaRPr lang="en-US" dirty="0"/>
+          </a:p>
+        </p:txBody>
+      </p:sp>
+    </p:spTree>
+    <p:extLst>
+      <p:ext uri="{BB962C8B-B14F-4D97-AF65-F5344CB8AC3E}">
+        <p14:creationId xmlns:p14="http://schemas.microsoft.com/office/powerpoint/2010/main" val="3569396247"/>
+      </p:ext>
+    </p:extLst>
+  </p:cSld>
+  <p:clrMapOvr>
+    <a:masterClrMapping/>
+  </p:clrMapOvr>
+</p:sldLayout>
+</file>
+
+<file path=ppt/slideLayouts/slideLayout27.xml><?xml version="1.0" encoding="utf-8"?>
+<p:sldLayout xmlns:a="http://schemas.openxmlformats.org/drawingml/2006/main" xmlns:r="http://schemas.openxmlformats.org/officeDocument/2006/relationships" xmlns:p="http://schemas.openxmlformats.org/presentationml/2006/main" type="vertTitleAndTx" preserve="1">
+  <p:cSld name="Vertical Title and Text">
+    <p:spTree>
+      <p:nvGrpSpPr>
+        <p:cNvPr id="1" name=""/>
+        <p:cNvGrpSpPr/>
+        <p:nvPr/>
+      </p:nvGrpSpPr>
+      <p:grpSpPr>
+        <a:xfrm>
+          <a:off x="0" y="0"/>
+          <a:ext cx="0" cy="0"/>
+          <a:chOff x="0" y="0"/>
+          <a:chExt cx="0" cy="0"/>
+        </a:xfrm>
+      </p:grpSpPr>
+      <p:sp>
+        <p:nvSpPr>
+          <p:cNvPr id="2" name="Vertical Title 1"/>
+          <p:cNvSpPr>
+            <a:spLocks noGrp="1"/>
+          </p:cNvSpPr>
+          <p:nvPr>
+            <p:ph type="title" orient="vert"/>
+          </p:nvPr>
+        </p:nvSpPr>
+        <p:spPr>
+          <a:xfrm>
+            <a:off x="8724900" y="365125"/>
+            <a:ext cx="2628900" cy="5811838"/>
+          </a:xfrm>
+        </p:spPr>
+        <p:txBody>
+          <a:bodyPr vert="eaVert"/>
+          <a:lstStyle/>
+          <a:p>
+            <a:r>
+              <a:rPr lang="en-US" smtClean="0"/>
+              <a:t>Click to edit Master title style</a:t>
+            </a:r>
+            <a:endParaRPr lang="id-ID"/>
+          </a:p>
+        </p:txBody>
+      </p:sp>
+      <p:sp>
+        <p:nvSpPr>
+          <p:cNvPr id="3" name="Vertical Text Placeholder 2"/>
+          <p:cNvSpPr>
+            <a:spLocks noGrp="1"/>
+          </p:cNvSpPr>
+          <p:nvPr>
+            <p:ph type="body" orient="vert" idx="1"/>
+          </p:nvPr>
+        </p:nvSpPr>
+        <p:spPr>
+          <a:xfrm>
+            <a:off x="838200" y="365125"/>
+            <a:ext cx="7734300" cy="5811838"/>
+          </a:xfrm>
+        </p:spPr>
+        <p:txBody>
+          <a:bodyPr vert="eaVert"/>
+          <a:lstStyle/>
+          <a:p>
+            <a:pPr lvl="0"/>
+            <a:r>
+              <a:rPr lang="en-US" smtClean="0"/>
+              <a:t>Edit Master text styles</a:t>
+            </a:r>
+          </a:p>
+          <a:p>
+            <a:pPr lvl="1"/>
+            <a:r>
+              <a:rPr lang="en-US" smtClean="0"/>
+              <a:t>Second level</a:t>
+            </a:r>
+          </a:p>
+          <a:p>
+            <a:pPr lvl="2"/>
+            <a:r>
+              <a:rPr lang="en-US" smtClean="0"/>
+              <a:t>Third level</a:t>
+            </a:r>
+          </a:p>
+          <a:p>
+            <a:pPr lvl="3"/>
+            <a:r>
+              <a:rPr lang="en-US" smtClean="0"/>
+              <a:t>Fourth level</a:t>
+            </a:r>
+          </a:p>
+          <a:p>
+            <a:pPr lvl="4"/>
+            <a:r>
+              <a:rPr lang="en-US" smtClean="0"/>
+              <a:t>Fifth level</a:t>
+            </a:r>
+            <a:endParaRPr lang="id-ID"/>
+          </a:p>
+        </p:txBody>
+      </p:sp>
+      <p:sp>
+        <p:nvSpPr>
+          <p:cNvPr id="4" name="Date Placeholder 3"/>
+          <p:cNvSpPr>
+            <a:spLocks noGrp="1"/>
+          </p:cNvSpPr>
+          <p:nvPr>
+            <p:ph type="dt" sz="half" idx="10"/>
+          </p:nvPr>
+        </p:nvSpPr>
+        <p:spPr/>
+        <p:txBody>
+          <a:bodyPr/>
+          <a:lstStyle/>
+          <a:p>
+            <a:fld id="{B61BEF0D-F0BB-DE4B-95CE-6DB70DBA9567}" type="datetimeFigureOut">
+              <a:rPr lang="en-US" smtClean="0"/>
+              <a:pPr/>
+              <a:t>7/17/2016</a:t>
+            </a:fld>
+            <a:endParaRPr lang="en-US" dirty="0"/>
+          </a:p>
+        </p:txBody>
+      </p:sp>
+      <p:sp>
+        <p:nvSpPr>
+          <p:cNvPr id="5" name="Footer Placeholder 4"/>
+          <p:cNvSpPr>
+            <a:spLocks noGrp="1"/>
+          </p:cNvSpPr>
+          <p:nvPr>
+            <p:ph type="ftr" sz="quarter" idx="11"/>
+          </p:nvPr>
+        </p:nvSpPr>
+        <p:spPr/>
+        <p:txBody>
+          <a:bodyPr/>
+          <a:lstStyle/>
+          <a:p>
+            <a:endParaRPr lang="en-US" dirty="0"/>
+          </a:p>
+        </p:txBody>
+      </p:sp>
+      <p:sp>
+        <p:nvSpPr>
+          <p:cNvPr id="6" name="Slide Number Placeholder 5"/>
+          <p:cNvSpPr>
+            <a:spLocks noGrp="1"/>
+          </p:cNvSpPr>
+          <p:nvPr>
+            <p:ph type="sldNum" sz="quarter" idx="12"/>
+          </p:nvPr>
+        </p:nvSpPr>
+        <p:spPr/>
+        <p:txBody>
+          <a:bodyPr/>
+          <a:lstStyle/>
+          <a:p>
+            <a:fld id="{D57F1E4F-1CFF-5643-939E-217C01CDF565}" type="slidenum">
+              <a:rPr lang="en-US" smtClean="0"/>
+              <a:pPr/>
+              <a:t>‹#›</a:t>
+            </a:fld>
+            <a:endParaRPr lang="en-US" dirty="0"/>
+          </a:p>
+        </p:txBody>
+      </p:sp>
+    </p:spTree>
+    <p:extLst>
+      <p:ext uri="{BB962C8B-B14F-4D97-AF65-F5344CB8AC3E}">
+        <p14:creationId xmlns:p14="http://schemas.microsoft.com/office/powerpoint/2010/main" val="1674771671"/>
+      </p:ext>
+    </p:extLst>
+  </p:cSld>
+  <p:clrMapOvr>
+    <a:masterClrMapping/>
+  </p:clrMapOvr>
+</p:sldLayout>
+</file>
+
 <file path=ppt/slideLayouts/slideLayout3.xml><?xml version="1.0" encoding="utf-8"?>
 <p:sldLayout xmlns:a="http://schemas.openxmlformats.org/drawingml/2006/main" xmlns:r="http://schemas.openxmlformats.org/officeDocument/2006/relationships" xmlns:p="http://schemas.openxmlformats.org/presentationml/2006/main" type="secHead" preserve="1">
   <p:cSld name="Section Header">
@@ -3182,7 +7865,7 @@
             <a:fld id="{B61BEF0D-F0BB-DE4B-95CE-6DB70DBA9567}" type="datetimeFigureOut">
               <a:rPr lang="en-US" dirty="0"/>
               <a:pPr/>
-              <a:t>7/16/2016</a:t>
+              <a:t>7/17/2016</a:t>
             </a:fld>
             <a:endParaRPr lang="en-US" dirty="0"/>
           </a:p>
@@ -3502,7 +8185,7 @@
             <a:fld id="{B61BEF0D-F0BB-DE4B-95CE-6DB70DBA9567}" type="datetimeFigureOut">
               <a:rPr lang="en-US" dirty="0"/>
               <a:pPr/>
-              <a:t>7/16/2016</a:t>
+              <a:t>7/17/2016</a:t>
             </a:fld>
             <a:endParaRPr lang="en-US" dirty="0"/>
           </a:p>
@@ -3956,7 +8639,7 @@
             <a:fld id="{B61BEF0D-F0BB-DE4B-95CE-6DB70DBA9567}" type="datetimeFigureOut">
               <a:rPr lang="en-US" dirty="0"/>
               <a:pPr/>
-              <a:t>7/16/2016</a:t>
+              <a:t>7/17/2016</a:t>
             </a:fld>
             <a:endParaRPr lang="en-US" dirty="0"/>
           </a:p>
@@ -4158,7 +8841,7 @@
             <a:fld id="{B61BEF0D-F0BB-DE4B-95CE-6DB70DBA9567}" type="datetimeFigureOut">
               <a:rPr lang="en-US" dirty="0"/>
               <a:pPr/>
-              <a:t>7/16/2016</a:t>
+              <a:t>7/17/2016</a:t>
             </a:fld>
             <a:endParaRPr lang="en-US" dirty="0"/>
           </a:p>
@@ -4332,7 +9015,7 @@
             <a:fld id="{B61BEF0D-F0BB-DE4B-95CE-6DB70DBA9567}" type="datetimeFigureOut">
               <a:rPr lang="en-US" dirty="0"/>
               <a:pPr/>
-              <a:t>7/16/2016</a:t>
+              <a:t>7/17/2016</a:t>
             </a:fld>
             <a:endParaRPr lang="en-US" dirty="0"/>
           </a:p>
@@ -4662,7 +9345,7 @@
             <a:fld id="{B61BEF0D-F0BB-DE4B-95CE-6DB70DBA9567}" type="datetimeFigureOut">
               <a:rPr lang="en-US" dirty="0"/>
               <a:pPr/>
-              <a:t>7/16/2016</a:t>
+              <a:t>7/17/2016</a:t>
             </a:fld>
             <a:endParaRPr lang="en-US" dirty="0"/>
           </a:p>
@@ -5004,7 +9687,7 @@
             <a:fld id="{B61BEF0D-F0BB-DE4B-95CE-6DB70DBA9567}" type="datetimeFigureOut">
               <a:rPr lang="en-US" dirty="0"/>
               <a:pPr/>
-              <a:t>7/16/2016</a:t>
+              <a:t>7/17/2016</a:t>
             </a:fld>
             <a:endParaRPr lang="en-US" dirty="0"/>
           </a:p>
@@ -7118,7 +11801,7 @@
             <a:fld id="{B61BEF0D-F0BB-DE4B-95CE-6DB70DBA9567}" type="datetimeFigureOut">
               <a:rPr lang="en-US" dirty="0"/>
               <a:pPr/>
-              <a:t>7/16/2016</a:t>
+              <a:t>7/17/2016</a:t>
             </a:fld>
             <a:endParaRPr lang="en-US" dirty="0"/>
           </a:p>
@@ -7614,6 +12297,548 @@
 </p:sldMaster>
 </file>
 
+<file path=ppt/slideMasters/slideMaster2.xml><?xml version="1.0" encoding="utf-8"?>
+<p:sldMaster xmlns:a="http://schemas.openxmlformats.org/drawingml/2006/main" xmlns:r="http://schemas.openxmlformats.org/officeDocument/2006/relationships" xmlns:p="http://schemas.openxmlformats.org/presentationml/2006/main">
+  <p:cSld>
+    <p:bg>
+      <p:bgRef idx="1001">
+        <a:schemeClr val="bg1"/>
+      </p:bgRef>
+    </p:bg>
+    <p:spTree>
+      <p:nvGrpSpPr>
+        <p:cNvPr id="1" name=""/>
+        <p:cNvGrpSpPr/>
+        <p:nvPr/>
+      </p:nvGrpSpPr>
+      <p:grpSpPr>
+        <a:xfrm>
+          <a:off x="0" y="0"/>
+          <a:ext cx="0" cy="0"/>
+          <a:chOff x="0" y="0"/>
+          <a:chExt cx="0" cy="0"/>
+        </a:xfrm>
+      </p:grpSpPr>
+      <p:sp>
+        <p:nvSpPr>
+          <p:cNvPr id="2" name="Title Placeholder 1"/>
+          <p:cNvSpPr>
+            <a:spLocks noGrp="1"/>
+          </p:cNvSpPr>
+          <p:nvPr>
+            <p:ph type="title"/>
+          </p:nvPr>
+        </p:nvSpPr>
+        <p:spPr>
+          <a:xfrm>
+            <a:off x="838200" y="365125"/>
+            <a:ext cx="10515600" cy="1325563"/>
+          </a:xfrm>
+          <a:prstGeom prst="rect">
+            <a:avLst/>
+          </a:prstGeom>
+        </p:spPr>
+        <p:txBody>
+          <a:bodyPr vert="horz" lIns="91440" tIns="45720" rIns="91440" bIns="45720" rtlCol="0" anchor="ctr">
+            <a:normAutofit/>
+          </a:bodyPr>
+          <a:lstStyle/>
+          <a:p>
+            <a:r>
+              <a:rPr lang="en-US" smtClean="0"/>
+              <a:t>Click to edit Master title style</a:t>
+            </a:r>
+            <a:endParaRPr lang="id-ID"/>
+          </a:p>
+        </p:txBody>
+      </p:sp>
+      <p:sp>
+        <p:nvSpPr>
+          <p:cNvPr id="3" name="Text Placeholder 2"/>
+          <p:cNvSpPr>
+            <a:spLocks noGrp="1"/>
+          </p:cNvSpPr>
+          <p:nvPr>
+            <p:ph type="body" idx="1"/>
+          </p:nvPr>
+        </p:nvSpPr>
+        <p:spPr>
+          <a:xfrm>
+            <a:off x="838200" y="1825625"/>
+            <a:ext cx="10515600" cy="4351338"/>
+          </a:xfrm>
+          <a:prstGeom prst="rect">
+            <a:avLst/>
+          </a:prstGeom>
+        </p:spPr>
+        <p:txBody>
+          <a:bodyPr vert="horz" lIns="91440" tIns="45720" rIns="91440" bIns="45720" rtlCol="0">
+            <a:normAutofit/>
+          </a:bodyPr>
+          <a:lstStyle/>
+          <a:p>
+            <a:pPr lvl="0"/>
+            <a:r>
+              <a:rPr lang="en-US" smtClean="0"/>
+              <a:t>Edit Master text styles</a:t>
+            </a:r>
+          </a:p>
+          <a:p>
+            <a:pPr lvl="1"/>
+            <a:r>
+              <a:rPr lang="en-US" smtClean="0"/>
+              <a:t>Second level</a:t>
+            </a:r>
+          </a:p>
+          <a:p>
+            <a:pPr lvl="2"/>
+            <a:r>
+              <a:rPr lang="en-US" smtClean="0"/>
+              <a:t>Third level</a:t>
+            </a:r>
+          </a:p>
+          <a:p>
+            <a:pPr lvl="3"/>
+            <a:r>
+              <a:rPr lang="en-US" smtClean="0"/>
+              <a:t>Fourth level</a:t>
+            </a:r>
+          </a:p>
+          <a:p>
+            <a:pPr lvl="4"/>
+            <a:r>
+              <a:rPr lang="en-US" smtClean="0"/>
+              <a:t>Fifth level</a:t>
+            </a:r>
+            <a:endParaRPr lang="id-ID"/>
+          </a:p>
+        </p:txBody>
+      </p:sp>
+      <p:sp>
+        <p:nvSpPr>
+          <p:cNvPr id="4" name="Date Placeholder 3"/>
+          <p:cNvSpPr>
+            <a:spLocks noGrp="1"/>
+          </p:cNvSpPr>
+          <p:nvPr>
+            <p:ph type="dt" sz="half" idx="2"/>
+          </p:nvPr>
+        </p:nvSpPr>
+        <p:spPr>
+          <a:xfrm>
+            <a:off x="838200" y="6356350"/>
+            <a:ext cx="2743200" cy="365125"/>
+          </a:xfrm>
+          <a:prstGeom prst="rect">
+            <a:avLst/>
+          </a:prstGeom>
+        </p:spPr>
+        <p:txBody>
+          <a:bodyPr vert="horz" lIns="91440" tIns="45720" rIns="91440" bIns="45720" rtlCol="0" anchor="ctr"/>
+          <a:lstStyle>
+            <a:lvl1pPr algn="l">
+              <a:defRPr sz="1200">
+                <a:solidFill>
+                  <a:schemeClr val="tx1">
+                    <a:tint val="75000"/>
+                  </a:schemeClr>
+                </a:solidFill>
+              </a:defRPr>
+            </a:lvl1pPr>
+          </a:lstStyle>
+          <a:p>
+            <a:fld id="{B61BEF0D-F0BB-DE4B-95CE-6DB70DBA9567}" type="datetimeFigureOut">
+              <a:rPr lang="en-US" smtClean="0"/>
+              <a:pPr/>
+              <a:t>7/17/2016</a:t>
+            </a:fld>
+            <a:endParaRPr lang="en-US" dirty="0"/>
+          </a:p>
+        </p:txBody>
+      </p:sp>
+      <p:sp>
+        <p:nvSpPr>
+          <p:cNvPr id="5" name="Footer Placeholder 4"/>
+          <p:cNvSpPr>
+            <a:spLocks noGrp="1"/>
+          </p:cNvSpPr>
+          <p:nvPr>
+            <p:ph type="ftr" sz="quarter" idx="3"/>
+          </p:nvPr>
+        </p:nvSpPr>
+        <p:spPr>
+          <a:xfrm>
+            <a:off x="4038600" y="6356350"/>
+            <a:ext cx="4114800" cy="365125"/>
+          </a:xfrm>
+          <a:prstGeom prst="rect">
+            <a:avLst/>
+          </a:prstGeom>
+        </p:spPr>
+        <p:txBody>
+          <a:bodyPr vert="horz" lIns="91440" tIns="45720" rIns="91440" bIns="45720" rtlCol="0" anchor="ctr"/>
+          <a:lstStyle>
+            <a:lvl1pPr algn="ctr">
+              <a:defRPr sz="1200">
+                <a:solidFill>
+                  <a:schemeClr val="tx1">
+                    <a:tint val="75000"/>
+                  </a:schemeClr>
+                </a:solidFill>
+              </a:defRPr>
+            </a:lvl1pPr>
+          </a:lstStyle>
+          <a:p>
+            <a:endParaRPr lang="en-US" dirty="0"/>
+          </a:p>
+        </p:txBody>
+      </p:sp>
+      <p:sp>
+        <p:nvSpPr>
+          <p:cNvPr id="6" name="Slide Number Placeholder 5"/>
+          <p:cNvSpPr>
+            <a:spLocks noGrp="1"/>
+          </p:cNvSpPr>
+          <p:nvPr>
+            <p:ph type="sldNum" sz="quarter" idx="4"/>
+          </p:nvPr>
+        </p:nvSpPr>
+        <p:spPr>
+          <a:xfrm>
+            <a:off x="8610600" y="6356350"/>
+            <a:ext cx="2743200" cy="365125"/>
+          </a:xfrm>
+          <a:prstGeom prst="rect">
+            <a:avLst/>
+          </a:prstGeom>
+        </p:spPr>
+        <p:txBody>
+          <a:bodyPr vert="horz" lIns="91440" tIns="45720" rIns="91440" bIns="45720" rtlCol="0" anchor="ctr"/>
+          <a:lstStyle>
+            <a:lvl1pPr algn="r">
+              <a:defRPr sz="1200">
+                <a:solidFill>
+                  <a:schemeClr val="tx1">
+                    <a:tint val="75000"/>
+                  </a:schemeClr>
+                </a:solidFill>
+              </a:defRPr>
+            </a:lvl1pPr>
+          </a:lstStyle>
+          <a:p>
+            <a:fld id="{D57F1E4F-1CFF-5643-939E-217C01CDF565}" type="slidenum">
+              <a:rPr lang="en-US" smtClean="0"/>
+              <a:pPr/>
+              <a:t>‹#›</a:t>
+            </a:fld>
+            <a:endParaRPr lang="en-US" dirty="0"/>
+          </a:p>
+        </p:txBody>
+      </p:sp>
+    </p:spTree>
+    <p:extLst>
+      <p:ext uri="{BB962C8B-B14F-4D97-AF65-F5344CB8AC3E}">
+        <p14:creationId xmlns:p14="http://schemas.microsoft.com/office/powerpoint/2010/main" val="286132972"/>
+      </p:ext>
+    </p:extLst>
+  </p:cSld>
+  <p:clrMap bg1="lt1" tx1="dk1" bg2="lt2" tx2="dk2" accent1="accent1" accent2="accent2" accent3="accent3" accent4="accent4" accent5="accent5" accent6="accent6" hlink="hlink" folHlink="folHlink"/>
+  <p:sldLayoutIdLst>
+    <p:sldLayoutId id="2147483666" r:id="rId1"/>
+    <p:sldLayoutId id="2147483667" r:id="rId2"/>
+    <p:sldLayoutId id="2147483668" r:id="rId3"/>
+    <p:sldLayoutId id="2147483669" r:id="rId4"/>
+    <p:sldLayoutId id="2147483670" r:id="rId5"/>
+    <p:sldLayoutId id="2147483671" r:id="rId6"/>
+    <p:sldLayoutId id="2147483672" r:id="rId7"/>
+    <p:sldLayoutId id="2147483673" r:id="rId8"/>
+    <p:sldLayoutId id="2147483674" r:id="rId9"/>
+    <p:sldLayoutId id="2147483675" r:id="rId10"/>
+    <p:sldLayoutId id="2147483676" r:id="rId11"/>
+  </p:sldLayoutIdLst>
+  <p:txStyles>
+    <p:titleStyle>
+      <a:lvl1pPr algn="l" defTabSz="914400" rtl="0" eaLnBrk="1" latinLnBrk="0" hangingPunct="1">
+        <a:lnSpc>
+          <a:spcPct val="90000"/>
+        </a:lnSpc>
+        <a:spcBef>
+          <a:spcPct val="0"/>
+        </a:spcBef>
+        <a:buNone/>
+        <a:defRPr sz="4400" kern="1200">
+          <a:solidFill>
+            <a:schemeClr val="tx1"/>
+          </a:solidFill>
+          <a:latin typeface="+mj-lt"/>
+          <a:ea typeface="+mj-ea"/>
+          <a:cs typeface="+mj-cs"/>
+        </a:defRPr>
+      </a:lvl1pPr>
+    </p:titleStyle>
+    <p:bodyStyle>
+      <a:lvl1pPr marL="228600" indent="-228600" algn="l" defTabSz="914400" rtl="0" eaLnBrk="1" latinLnBrk="0" hangingPunct="1">
+        <a:lnSpc>
+          <a:spcPct val="90000"/>
+        </a:lnSpc>
+        <a:spcBef>
+          <a:spcPts val="1000"/>
+        </a:spcBef>
+        <a:buFont typeface="Arial" panose="020B0604020202020204" pitchFamily="34" charset="0"/>
+        <a:buChar char="•"/>
+        <a:defRPr sz="2800" kern="1200">
+          <a:solidFill>
+            <a:schemeClr val="tx1"/>
+          </a:solidFill>
+          <a:latin typeface="+mn-lt"/>
+          <a:ea typeface="+mn-ea"/>
+          <a:cs typeface="+mn-cs"/>
+        </a:defRPr>
+      </a:lvl1pPr>
+      <a:lvl2pPr marL="685800" indent="-228600" algn="l" defTabSz="914400" rtl="0" eaLnBrk="1" latinLnBrk="0" hangingPunct="1">
+        <a:lnSpc>
+          <a:spcPct val="90000"/>
+        </a:lnSpc>
+        <a:spcBef>
+          <a:spcPts val="500"/>
+        </a:spcBef>
+        <a:buFont typeface="Arial" panose="020B0604020202020204" pitchFamily="34" charset="0"/>
+        <a:buChar char="•"/>
+        <a:defRPr sz="2400" kern="1200">
+          <a:solidFill>
+            <a:schemeClr val="tx1"/>
+          </a:solidFill>
+          <a:latin typeface="+mn-lt"/>
+          <a:ea typeface="+mn-ea"/>
+          <a:cs typeface="+mn-cs"/>
+        </a:defRPr>
+      </a:lvl2pPr>
+      <a:lvl3pPr marL="1143000" indent="-228600" algn="l" defTabSz="914400" rtl="0" eaLnBrk="1" latinLnBrk="0" hangingPunct="1">
+        <a:lnSpc>
+          <a:spcPct val="90000"/>
+        </a:lnSpc>
+        <a:spcBef>
+          <a:spcPts val="500"/>
+        </a:spcBef>
+        <a:buFont typeface="Arial" panose="020B0604020202020204" pitchFamily="34" charset="0"/>
+        <a:buChar char="•"/>
+        <a:defRPr sz="2000" kern="1200">
+          <a:solidFill>
+            <a:schemeClr val="tx1"/>
+          </a:solidFill>
+          <a:latin typeface="+mn-lt"/>
+          <a:ea typeface="+mn-ea"/>
+          <a:cs typeface="+mn-cs"/>
+        </a:defRPr>
+      </a:lvl3pPr>
+      <a:lvl4pPr marL="1600200" indent="-228600" algn="l" defTabSz="914400" rtl="0" eaLnBrk="1" latinLnBrk="0" hangingPunct="1">
+        <a:lnSpc>
+          <a:spcPct val="90000"/>
+        </a:lnSpc>
+        <a:spcBef>
+          <a:spcPts val="500"/>
+        </a:spcBef>
+        <a:buFont typeface="Arial" panose="020B0604020202020204" pitchFamily="34" charset="0"/>
+        <a:buChar char="•"/>
+        <a:defRPr sz="1800" kern="1200">
+          <a:solidFill>
+            <a:schemeClr val="tx1"/>
+          </a:solidFill>
+          <a:latin typeface="+mn-lt"/>
+          <a:ea typeface="+mn-ea"/>
+          <a:cs typeface="+mn-cs"/>
+        </a:defRPr>
+      </a:lvl4pPr>
+      <a:lvl5pPr marL="2057400" indent="-228600" algn="l" defTabSz="914400" rtl="0" eaLnBrk="1" latinLnBrk="0" hangingPunct="1">
+        <a:lnSpc>
+          <a:spcPct val="90000"/>
+        </a:lnSpc>
+        <a:spcBef>
+          <a:spcPts val="500"/>
+        </a:spcBef>
+        <a:buFont typeface="Arial" panose="020B0604020202020204" pitchFamily="34" charset="0"/>
+        <a:buChar char="•"/>
+        <a:defRPr sz="1800" kern="1200">
+          <a:solidFill>
+            <a:schemeClr val="tx1"/>
+          </a:solidFill>
+          <a:latin typeface="+mn-lt"/>
+          <a:ea typeface="+mn-ea"/>
+          <a:cs typeface="+mn-cs"/>
+        </a:defRPr>
+      </a:lvl5pPr>
+      <a:lvl6pPr marL="2514600" indent="-228600" algn="l" defTabSz="914400" rtl="0" eaLnBrk="1" latinLnBrk="0" hangingPunct="1">
+        <a:lnSpc>
+          <a:spcPct val="90000"/>
+        </a:lnSpc>
+        <a:spcBef>
+          <a:spcPts val="500"/>
+        </a:spcBef>
+        <a:buFont typeface="Arial" panose="020B0604020202020204" pitchFamily="34" charset="0"/>
+        <a:buChar char="•"/>
+        <a:defRPr sz="1800" kern="1200">
+          <a:solidFill>
+            <a:schemeClr val="tx1"/>
+          </a:solidFill>
+          <a:latin typeface="+mn-lt"/>
+          <a:ea typeface="+mn-ea"/>
+          <a:cs typeface="+mn-cs"/>
+        </a:defRPr>
+      </a:lvl6pPr>
+      <a:lvl7pPr marL="2971800" indent="-228600" algn="l" defTabSz="914400" rtl="0" eaLnBrk="1" latinLnBrk="0" hangingPunct="1">
+        <a:lnSpc>
+          <a:spcPct val="90000"/>
+        </a:lnSpc>
+        <a:spcBef>
+          <a:spcPts val="500"/>
+        </a:spcBef>
+        <a:buFont typeface="Arial" panose="020B0604020202020204" pitchFamily="34" charset="0"/>
+        <a:buChar char="•"/>
+        <a:defRPr sz="1800" kern="1200">
+          <a:solidFill>
+            <a:schemeClr val="tx1"/>
+          </a:solidFill>
+          <a:latin typeface="+mn-lt"/>
+          <a:ea typeface="+mn-ea"/>
+          <a:cs typeface="+mn-cs"/>
+        </a:defRPr>
+      </a:lvl7pPr>
+      <a:lvl8pPr marL="3429000" indent="-228600" algn="l" defTabSz="914400" rtl="0" eaLnBrk="1" latinLnBrk="0" hangingPunct="1">
+        <a:lnSpc>
+          <a:spcPct val="90000"/>
+        </a:lnSpc>
+        <a:spcBef>
+          <a:spcPts val="500"/>
+        </a:spcBef>
+        <a:buFont typeface="Arial" panose="020B0604020202020204" pitchFamily="34" charset="0"/>
+        <a:buChar char="•"/>
+        <a:defRPr sz="1800" kern="1200">
+          <a:solidFill>
+            <a:schemeClr val="tx1"/>
+          </a:solidFill>
+          <a:latin typeface="+mn-lt"/>
+          <a:ea typeface="+mn-ea"/>
+          <a:cs typeface="+mn-cs"/>
+        </a:defRPr>
+      </a:lvl8pPr>
+      <a:lvl9pPr marL="3886200" indent="-228600" algn="l" defTabSz="914400" rtl="0" eaLnBrk="1" latinLnBrk="0" hangingPunct="1">
+        <a:lnSpc>
+          <a:spcPct val="90000"/>
+        </a:lnSpc>
+        <a:spcBef>
+          <a:spcPts val="500"/>
+        </a:spcBef>
+        <a:buFont typeface="Arial" panose="020B0604020202020204" pitchFamily="34" charset="0"/>
+        <a:buChar char="•"/>
+        <a:defRPr sz="1800" kern="1200">
+          <a:solidFill>
+            <a:schemeClr val="tx1"/>
+          </a:solidFill>
+          <a:latin typeface="+mn-lt"/>
+          <a:ea typeface="+mn-ea"/>
+          <a:cs typeface="+mn-cs"/>
+        </a:defRPr>
+      </a:lvl9pPr>
+    </p:bodyStyle>
+    <p:otherStyle>
+      <a:defPPr>
+        <a:defRPr lang="id-ID"/>
+      </a:defPPr>
+      <a:lvl1pPr marL="0" algn="l" defTabSz="914400" rtl="0" eaLnBrk="1" latinLnBrk="0" hangingPunct="1">
+        <a:defRPr sz="1800" kern="1200">
+          <a:solidFill>
+            <a:schemeClr val="tx1"/>
+          </a:solidFill>
+          <a:latin typeface="+mn-lt"/>
+          <a:ea typeface="+mn-ea"/>
+          <a:cs typeface="+mn-cs"/>
+        </a:defRPr>
+      </a:lvl1pPr>
+      <a:lvl2pPr marL="457200" algn="l" defTabSz="914400" rtl="0" eaLnBrk="1" latinLnBrk="0" hangingPunct="1">
+        <a:defRPr sz="1800" kern="1200">
+          <a:solidFill>
+            <a:schemeClr val="tx1"/>
+          </a:solidFill>
+          <a:latin typeface="+mn-lt"/>
+          <a:ea typeface="+mn-ea"/>
+          <a:cs typeface="+mn-cs"/>
+        </a:defRPr>
+      </a:lvl2pPr>
+      <a:lvl3pPr marL="914400" algn="l" defTabSz="914400" rtl="0" eaLnBrk="1" latinLnBrk="0" hangingPunct="1">
+        <a:defRPr sz="1800" kern="1200">
+          <a:solidFill>
+            <a:schemeClr val="tx1"/>
+          </a:solidFill>
+          <a:latin typeface="+mn-lt"/>
+          <a:ea typeface="+mn-ea"/>
+          <a:cs typeface="+mn-cs"/>
+        </a:defRPr>
+      </a:lvl3pPr>
+      <a:lvl4pPr marL="1371600" algn="l" defTabSz="914400" rtl="0" eaLnBrk="1" latinLnBrk="0" hangingPunct="1">
+        <a:defRPr sz="1800" kern="1200">
+          <a:solidFill>
+            <a:schemeClr val="tx1"/>
+          </a:solidFill>
+          <a:latin typeface="+mn-lt"/>
+          <a:ea typeface="+mn-ea"/>
+          <a:cs typeface="+mn-cs"/>
+        </a:defRPr>
+      </a:lvl4pPr>
+      <a:lvl5pPr marL="1828800" algn="l" defTabSz="914400" rtl="0" eaLnBrk="1" latinLnBrk="0" hangingPunct="1">
+        <a:defRPr sz="1800" kern="1200">
+          <a:solidFill>
+            <a:schemeClr val="tx1"/>
+          </a:solidFill>
+          <a:latin typeface="+mn-lt"/>
+          <a:ea typeface="+mn-ea"/>
+          <a:cs typeface="+mn-cs"/>
+        </a:defRPr>
+      </a:lvl5pPr>
+      <a:lvl6pPr marL="2286000" algn="l" defTabSz="914400" rtl="0" eaLnBrk="1" latinLnBrk="0" hangingPunct="1">
+        <a:defRPr sz="1800" kern="1200">
+          <a:solidFill>
+            <a:schemeClr val="tx1"/>
+          </a:solidFill>
+          <a:latin typeface="+mn-lt"/>
+          <a:ea typeface="+mn-ea"/>
+          <a:cs typeface="+mn-cs"/>
+        </a:defRPr>
+      </a:lvl6pPr>
+      <a:lvl7pPr marL="2743200" algn="l" defTabSz="914400" rtl="0" eaLnBrk="1" latinLnBrk="0" hangingPunct="1">
+        <a:defRPr sz="1800" kern="1200">
+          <a:solidFill>
+            <a:schemeClr val="tx1"/>
+          </a:solidFill>
+          <a:latin typeface="+mn-lt"/>
+          <a:ea typeface="+mn-ea"/>
+          <a:cs typeface="+mn-cs"/>
+        </a:defRPr>
+      </a:lvl7pPr>
+      <a:lvl8pPr marL="3200400" algn="l" defTabSz="914400" rtl="0" eaLnBrk="1" latinLnBrk="0" hangingPunct="1">
+        <a:defRPr sz="1800" kern="1200">
+          <a:solidFill>
+            <a:schemeClr val="tx1"/>
+          </a:solidFill>
+          <a:latin typeface="+mn-lt"/>
+          <a:ea typeface="+mn-ea"/>
+          <a:cs typeface="+mn-cs"/>
+        </a:defRPr>
+      </a:lvl8pPr>
+      <a:lvl9pPr marL="3657600" algn="l" defTabSz="914400" rtl="0" eaLnBrk="1" latinLnBrk="0" hangingPunct="1">
+        <a:defRPr sz="1800" kern="1200">
+          <a:solidFill>
+            <a:schemeClr val="tx1"/>
+          </a:solidFill>
+          <a:latin typeface="+mn-lt"/>
+          <a:ea typeface="+mn-ea"/>
+          <a:cs typeface="+mn-cs"/>
+        </a:defRPr>
+      </a:lvl9pPr>
+    </p:otherStyle>
+  </p:txStyles>
+</p:sldMaster>
+</file>
+
 <file path=ppt/slides/slide1.xml><?xml version="1.0" encoding="utf-8"?>
 <p:sld xmlns:a="http://schemas.openxmlformats.org/drawingml/2006/main" xmlns:r="http://schemas.openxmlformats.org/officeDocument/2006/relationships" xmlns:p="http://schemas.openxmlformats.org/presentationml/2006/main">
   <p:cSld>
@@ -8373,6 +13598,1038 @@
     <p:extLst>
       <p:ext uri="{BB962C8B-B14F-4D97-AF65-F5344CB8AC3E}">
         <p14:creationId xmlns:p14="http://schemas.microsoft.com/office/powerpoint/2010/main" val="2667416165"/>
+      </p:ext>
+    </p:extLst>
+  </p:cSld>
+  <p:clrMapOvr>
+    <a:masterClrMapping/>
+  </p:clrMapOvr>
+  <p:timing>
+    <p:tnLst>
+      <p:par>
+        <p:cTn id="1" dur="indefinite" restart="never" nodeType="tmRoot"/>
+      </p:par>
+    </p:tnLst>
+  </p:timing>
+</p:sld>
+</file>
+
+<file path=ppt/slides/slide10.xml><?xml version="1.0" encoding="utf-8"?>
+<p:sld xmlns:a="http://schemas.openxmlformats.org/drawingml/2006/main" xmlns:r="http://schemas.openxmlformats.org/officeDocument/2006/relationships" xmlns:p="http://schemas.openxmlformats.org/presentationml/2006/main">
+  <p:cSld>
+    <p:spTree>
+      <p:nvGrpSpPr>
+        <p:cNvPr id="1" name=""/>
+        <p:cNvGrpSpPr/>
+        <p:nvPr/>
+      </p:nvGrpSpPr>
+      <p:grpSpPr>
+        <a:xfrm>
+          <a:off x="0" y="0"/>
+          <a:ext cx="0" cy="0"/>
+          <a:chOff x="0" y="0"/>
+          <a:chExt cx="0" cy="0"/>
+        </a:xfrm>
+      </p:grpSpPr>
+      <p:sp>
+        <p:nvSpPr>
+          <p:cNvPr id="2" name="Title 1"/>
+          <p:cNvSpPr>
+            <a:spLocks noGrp="1"/>
+          </p:cNvSpPr>
+          <p:nvPr>
+            <p:ph type="title"/>
+          </p:nvPr>
+        </p:nvSpPr>
+        <p:spPr/>
+        <p:txBody>
+          <a:bodyPr/>
+          <a:lstStyle/>
+          <a:p>
+            <a:r>
+              <a:rPr lang="en-US" b="1" dirty="0" smtClean="0">
+                <a:solidFill>
+                  <a:schemeClr val="tx1"/>
+                </a:solidFill>
+                <a:latin typeface="Helvetica" panose="020B0604020202020204" pitchFamily="34" charset="0"/>
+                <a:cs typeface="Helvetica" panose="020B0604020202020204" pitchFamily="34" charset="0"/>
+              </a:rPr>
+              <a:t>Proses </a:t>
+            </a:r>
+            <a:r>
+              <a:rPr lang="en-US" b="1" dirty="0" err="1" smtClean="0">
+                <a:solidFill>
+                  <a:schemeClr val="tx1"/>
+                </a:solidFill>
+                <a:latin typeface="Helvetica" panose="020B0604020202020204" pitchFamily="34" charset="0"/>
+                <a:cs typeface="Helvetica" panose="020B0604020202020204" pitchFamily="34" charset="0"/>
+              </a:rPr>
+              <a:t>Identifikasi</a:t>
+            </a:r>
+            <a:endParaRPr lang="id-ID" b="1" dirty="0">
+              <a:solidFill>
+                <a:schemeClr val="tx1"/>
+              </a:solidFill>
+              <a:latin typeface="Helvetica" panose="020B0604020202020204" pitchFamily="34" charset="0"/>
+              <a:cs typeface="Helvetica" panose="020B0604020202020204" pitchFamily="34" charset="0"/>
+            </a:endParaRPr>
+          </a:p>
+        </p:txBody>
+      </p:sp>
+      <p:sp>
+        <p:nvSpPr>
+          <p:cNvPr id="7" name="Content Placeholder 6"/>
+          <p:cNvSpPr>
+            <a:spLocks noGrp="1"/>
+          </p:cNvSpPr>
+          <p:nvPr>
+            <p:ph idx="1"/>
+          </p:nvPr>
+        </p:nvSpPr>
+        <p:spPr>
+          <a:xfrm>
+            <a:off x="2589212" y="2133600"/>
+            <a:ext cx="5329837" cy="3777622"/>
+          </a:xfrm>
+        </p:spPr>
+        <p:txBody>
+          <a:bodyPr>
+            <a:normAutofit/>
+          </a:bodyPr>
+          <a:lstStyle/>
+          <a:p>
+            <a:r>
+              <a:rPr lang="en-US" sz="2000" dirty="0" err="1" smtClean="0">
+                <a:latin typeface="Helvetica" panose="020B0604020202020204" pitchFamily="34" charset="0"/>
+                <a:cs typeface="Helvetica" panose="020B0604020202020204" pitchFamily="34" charset="0"/>
+              </a:rPr>
+              <a:t>Masukkan</a:t>
+            </a:r>
+            <a:r>
+              <a:rPr lang="en-US" sz="2000" dirty="0" smtClean="0">
+                <a:latin typeface="Helvetica" panose="020B0604020202020204" pitchFamily="34" charset="0"/>
+                <a:cs typeface="Helvetica" panose="020B0604020202020204" pitchFamily="34" charset="0"/>
+              </a:rPr>
+              <a:t> </a:t>
+            </a:r>
+            <a:r>
+              <a:rPr lang="en-US" sz="2000" dirty="0" err="1" smtClean="0">
+                <a:latin typeface="Helvetica" panose="020B0604020202020204" pitchFamily="34" charset="0"/>
+                <a:cs typeface="Helvetica" panose="020B0604020202020204" pitchFamily="34" charset="0"/>
+              </a:rPr>
+              <a:t>paket</a:t>
+            </a:r>
+            <a:r>
+              <a:rPr lang="en-US" sz="2000" dirty="0" smtClean="0">
+                <a:latin typeface="Helvetica" panose="020B0604020202020204" pitchFamily="34" charset="0"/>
+                <a:cs typeface="Helvetica" panose="020B0604020202020204" pitchFamily="34" charset="0"/>
+              </a:rPr>
+              <a:t> data</a:t>
+            </a:r>
+          </a:p>
+          <a:p>
+            <a:r>
+              <a:rPr lang="en-US" sz="2000" dirty="0" err="1" smtClean="0">
+                <a:latin typeface="Helvetica" panose="020B0604020202020204" pitchFamily="34" charset="0"/>
+                <a:cs typeface="Helvetica" panose="020B0604020202020204" pitchFamily="34" charset="0"/>
+              </a:rPr>
+              <a:t>Menghitung</a:t>
+            </a:r>
+            <a:r>
+              <a:rPr lang="en-US" sz="2000" dirty="0" smtClean="0">
+                <a:latin typeface="Helvetica" panose="020B0604020202020204" pitchFamily="34" charset="0"/>
+                <a:cs typeface="Helvetica" panose="020B0604020202020204" pitchFamily="34" charset="0"/>
+              </a:rPr>
+              <a:t> </a:t>
+            </a:r>
+            <a:r>
+              <a:rPr lang="en-US" sz="2000" dirty="0" err="1" smtClean="0">
+                <a:latin typeface="Helvetica" panose="020B0604020202020204" pitchFamily="34" charset="0"/>
+                <a:cs typeface="Helvetica" panose="020B0604020202020204" pitchFamily="34" charset="0"/>
+              </a:rPr>
+              <a:t>jarak</a:t>
+            </a:r>
+            <a:r>
+              <a:rPr lang="en-US" sz="2000" dirty="0" smtClean="0">
+                <a:latin typeface="Helvetica" panose="020B0604020202020204" pitchFamily="34" charset="0"/>
+                <a:cs typeface="Helvetica" panose="020B0604020202020204" pitchFamily="34" charset="0"/>
+              </a:rPr>
+              <a:t> </a:t>
+            </a:r>
+            <a:r>
+              <a:rPr lang="en-US" sz="2000" dirty="0" err="1" smtClean="0">
+                <a:latin typeface="Helvetica" panose="020B0604020202020204" pitchFamily="34" charset="0"/>
+                <a:cs typeface="Helvetica" panose="020B0604020202020204" pitchFamily="34" charset="0"/>
+              </a:rPr>
+              <a:t>mahalanobis</a:t>
+            </a:r>
+            <a:r>
+              <a:rPr lang="en-US" sz="2000" dirty="0" smtClean="0">
+                <a:latin typeface="Helvetica" panose="020B0604020202020204" pitchFamily="34" charset="0"/>
+                <a:cs typeface="Helvetica" panose="020B0604020202020204" pitchFamily="34" charset="0"/>
+              </a:rPr>
+              <a:t> </a:t>
+            </a:r>
+          </a:p>
+          <a:p>
+            <a:r>
+              <a:rPr lang="en-US" sz="2000" dirty="0" err="1" smtClean="0">
+                <a:latin typeface="Helvetica" panose="020B0604020202020204" pitchFamily="34" charset="0"/>
+                <a:cs typeface="Helvetica" panose="020B0604020202020204" pitchFamily="34" charset="0"/>
+              </a:rPr>
+              <a:t>Membandingkan</a:t>
+            </a:r>
+            <a:r>
+              <a:rPr lang="en-US" sz="2000" dirty="0" smtClean="0">
+                <a:latin typeface="Helvetica" panose="020B0604020202020204" pitchFamily="34" charset="0"/>
+                <a:cs typeface="Helvetica" panose="020B0604020202020204" pitchFamily="34" charset="0"/>
+              </a:rPr>
+              <a:t> </a:t>
+            </a:r>
+            <a:r>
+              <a:rPr lang="en-US" sz="2000" dirty="0" err="1" smtClean="0">
+                <a:latin typeface="Helvetica" panose="020B0604020202020204" pitchFamily="34" charset="0"/>
+                <a:cs typeface="Helvetica" panose="020B0604020202020204" pitchFamily="34" charset="0"/>
+              </a:rPr>
+              <a:t>jarak</a:t>
+            </a:r>
+            <a:r>
+              <a:rPr lang="en-US" sz="2000" dirty="0" smtClean="0">
+                <a:latin typeface="Helvetica" panose="020B0604020202020204" pitchFamily="34" charset="0"/>
+                <a:cs typeface="Helvetica" panose="020B0604020202020204" pitchFamily="34" charset="0"/>
+              </a:rPr>
+              <a:t> </a:t>
+            </a:r>
+            <a:r>
+              <a:rPr lang="en-US" sz="2000" dirty="0" err="1" smtClean="0">
+                <a:latin typeface="Helvetica" panose="020B0604020202020204" pitchFamily="34" charset="0"/>
+                <a:cs typeface="Helvetica" panose="020B0604020202020204" pitchFamily="34" charset="0"/>
+              </a:rPr>
+              <a:t>mahalanobis</a:t>
+            </a:r>
+            <a:r>
+              <a:rPr lang="en-US" sz="2000" dirty="0" smtClean="0">
+                <a:latin typeface="Helvetica" panose="020B0604020202020204" pitchFamily="34" charset="0"/>
+                <a:cs typeface="Helvetica" panose="020B0604020202020204" pitchFamily="34" charset="0"/>
+              </a:rPr>
+              <a:t> </a:t>
+            </a:r>
+            <a:r>
+              <a:rPr lang="en-US" sz="2000" dirty="0" err="1" smtClean="0">
+                <a:latin typeface="Helvetica" panose="020B0604020202020204" pitchFamily="34" charset="0"/>
+                <a:cs typeface="Helvetica" panose="020B0604020202020204" pitchFamily="34" charset="0"/>
+              </a:rPr>
+              <a:t>dengan</a:t>
+            </a:r>
+            <a:r>
+              <a:rPr lang="en-US" sz="2000" dirty="0" smtClean="0">
+                <a:latin typeface="Helvetica" panose="020B0604020202020204" pitchFamily="34" charset="0"/>
+                <a:cs typeface="Helvetica" panose="020B0604020202020204" pitchFamily="34" charset="0"/>
+              </a:rPr>
+              <a:t> </a:t>
+            </a:r>
+            <a:r>
+              <a:rPr lang="en-US" sz="2000" dirty="0" err="1" smtClean="0">
+                <a:latin typeface="Helvetica" panose="020B0604020202020204" pitchFamily="34" charset="0"/>
+                <a:cs typeface="Helvetica" panose="020B0604020202020204" pitchFamily="34" charset="0"/>
+              </a:rPr>
+              <a:t>nilai</a:t>
+            </a:r>
+            <a:r>
+              <a:rPr lang="en-US" sz="2000" dirty="0" smtClean="0">
+                <a:latin typeface="Helvetica" panose="020B0604020202020204" pitchFamily="34" charset="0"/>
+                <a:cs typeface="Helvetica" panose="020B0604020202020204" pitchFamily="34" charset="0"/>
+              </a:rPr>
+              <a:t> threshold</a:t>
+            </a:r>
+          </a:p>
+          <a:p>
+            <a:r>
+              <a:rPr lang="en-US" sz="2000" dirty="0" err="1" smtClean="0">
+                <a:latin typeface="Helvetica" panose="020B0604020202020204" pitchFamily="34" charset="0"/>
+                <a:cs typeface="Helvetica" panose="020B0604020202020204" pitchFamily="34" charset="0"/>
+              </a:rPr>
+              <a:t>Menulis</a:t>
+            </a:r>
+            <a:r>
+              <a:rPr lang="en-US" sz="2000" dirty="0" smtClean="0">
+                <a:latin typeface="Helvetica" panose="020B0604020202020204" pitchFamily="34" charset="0"/>
+                <a:cs typeface="Helvetica" panose="020B0604020202020204" pitchFamily="34" charset="0"/>
+              </a:rPr>
+              <a:t> </a:t>
+            </a:r>
+            <a:r>
+              <a:rPr lang="en-US" sz="2000" dirty="0" err="1" smtClean="0">
+                <a:latin typeface="Helvetica" panose="020B0604020202020204" pitchFamily="34" charset="0"/>
+                <a:cs typeface="Helvetica" panose="020B0604020202020204" pitchFamily="34" charset="0"/>
+              </a:rPr>
+              <a:t>hasil</a:t>
+            </a:r>
+            <a:r>
+              <a:rPr lang="en-US" sz="2000" dirty="0" smtClean="0">
+                <a:latin typeface="Helvetica" panose="020B0604020202020204" pitchFamily="34" charset="0"/>
+                <a:cs typeface="Helvetica" panose="020B0604020202020204" pitchFamily="34" charset="0"/>
+              </a:rPr>
+              <a:t> </a:t>
+            </a:r>
+            <a:r>
+              <a:rPr lang="en-US" sz="2000" dirty="0" err="1" smtClean="0">
+                <a:latin typeface="Helvetica" panose="020B0604020202020204" pitchFamily="34" charset="0"/>
+                <a:cs typeface="Helvetica" panose="020B0604020202020204" pitchFamily="34" charset="0"/>
+              </a:rPr>
+              <a:t>perhitungan</a:t>
+            </a:r>
+            <a:r>
+              <a:rPr lang="en-US" sz="2000" dirty="0" smtClean="0">
+                <a:latin typeface="Helvetica" panose="020B0604020202020204" pitchFamily="34" charset="0"/>
+                <a:cs typeface="Helvetica" panose="020B0604020202020204" pitchFamily="34" charset="0"/>
+              </a:rPr>
+              <a:t> </a:t>
+            </a:r>
+            <a:r>
+              <a:rPr lang="en-US" sz="2000" dirty="0" err="1" smtClean="0">
+                <a:latin typeface="Helvetica" panose="020B0604020202020204" pitchFamily="34" charset="0"/>
+                <a:cs typeface="Helvetica" panose="020B0604020202020204" pitchFamily="34" charset="0"/>
+              </a:rPr>
+              <a:t>ke</a:t>
+            </a:r>
+            <a:r>
+              <a:rPr lang="en-US" sz="2000" dirty="0" smtClean="0">
+                <a:latin typeface="Helvetica" panose="020B0604020202020204" pitchFamily="34" charset="0"/>
+                <a:cs typeface="Helvetica" panose="020B0604020202020204" pitchFamily="34" charset="0"/>
+              </a:rPr>
+              <a:t> file log</a:t>
+            </a:r>
+            <a:endParaRPr lang="id-ID" sz="2000" dirty="0">
+              <a:latin typeface="Helvetica" panose="020B0604020202020204" pitchFamily="34" charset="0"/>
+              <a:cs typeface="Helvetica" panose="020B0604020202020204" pitchFamily="34" charset="0"/>
+            </a:endParaRPr>
+          </a:p>
+        </p:txBody>
+      </p:sp>
+      <p:pic>
+        <p:nvPicPr>
+          <p:cNvPr id="8" name="Picture 7"/>
+          <p:cNvPicPr>
+            <a:picLocks noChangeAspect="1"/>
+          </p:cNvPicPr>
+          <p:nvPr/>
+        </p:nvPicPr>
+        <p:blipFill>
+          <a:blip r:embed="rId2">
+            <a:extLst>
+              <a:ext uri="{28A0092B-C50C-407E-A947-70E740481C1C}">
+                <a14:useLocalDpi xmlns:a14="http://schemas.microsoft.com/office/drawing/2010/main" val="0"/>
+              </a:ext>
+            </a:extLst>
+          </a:blip>
+          <a:stretch>
+            <a:fillRect/>
+          </a:stretch>
+        </p:blipFill>
+        <p:spPr>
+          <a:xfrm>
+            <a:off x="7919049" y="2133600"/>
+            <a:ext cx="3585563" cy="3701567"/>
+          </a:xfrm>
+          <a:prstGeom prst="rect">
+            <a:avLst/>
+          </a:prstGeom>
+        </p:spPr>
+      </p:pic>
+    </p:spTree>
+    <p:extLst>
+      <p:ext uri="{BB962C8B-B14F-4D97-AF65-F5344CB8AC3E}">
+        <p14:creationId xmlns:p14="http://schemas.microsoft.com/office/powerpoint/2010/main" val="1000554405"/>
+      </p:ext>
+    </p:extLst>
+  </p:cSld>
+  <p:clrMapOvr>
+    <a:masterClrMapping/>
+  </p:clrMapOvr>
+  <p:timing>
+    <p:tnLst>
+      <p:par>
+        <p:cTn id="1" dur="indefinite" restart="never" nodeType="tmRoot"/>
+      </p:par>
+    </p:tnLst>
+  </p:timing>
+</p:sld>
+</file>
+
+<file path=ppt/slides/slide11.xml><?xml version="1.0" encoding="utf-8"?>
+<p:sld xmlns:a="http://schemas.openxmlformats.org/drawingml/2006/main" xmlns:r="http://schemas.openxmlformats.org/officeDocument/2006/relationships" xmlns:p="http://schemas.openxmlformats.org/presentationml/2006/main">
+  <p:cSld>
+    <p:spTree>
+      <p:nvGrpSpPr>
+        <p:cNvPr id="1" name=""/>
+        <p:cNvGrpSpPr/>
+        <p:nvPr/>
+      </p:nvGrpSpPr>
+      <p:grpSpPr>
+        <a:xfrm>
+          <a:off x="0" y="0"/>
+          <a:ext cx="0" cy="0"/>
+          <a:chOff x="0" y="0"/>
+          <a:chExt cx="0" cy="0"/>
+        </a:xfrm>
+      </p:grpSpPr>
+      <p:sp>
+        <p:nvSpPr>
+          <p:cNvPr id="2" name="Title 1"/>
+          <p:cNvSpPr>
+            <a:spLocks noGrp="1"/>
+          </p:cNvSpPr>
+          <p:nvPr>
+            <p:ph type="title"/>
+          </p:nvPr>
+        </p:nvSpPr>
+        <p:spPr/>
+        <p:txBody>
+          <a:bodyPr/>
+          <a:lstStyle/>
+          <a:p>
+            <a:r>
+              <a:rPr lang="en-US" b="1" dirty="0" smtClean="0">
+                <a:solidFill>
+                  <a:schemeClr val="tx1"/>
+                </a:solidFill>
+                <a:latin typeface="Helvetica" panose="020B0604020202020204" pitchFamily="34" charset="0"/>
+                <a:cs typeface="Helvetica" panose="020B0604020202020204" pitchFamily="34" charset="0"/>
+              </a:rPr>
+              <a:t>PENGUJIAN DAN EVALUASI</a:t>
+            </a:r>
+            <a:endParaRPr lang="id-ID" b="1" dirty="0">
+              <a:solidFill>
+                <a:schemeClr val="tx1"/>
+              </a:solidFill>
+              <a:latin typeface="Helvetica" panose="020B0604020202020204" pitchFamily="34" charset="0"/>
+              <a:cs typeface="Helvetica" panose="020B0604020202020204" pitchFamily="34" charset="0"/>
+            </a:endParaRPr>
+          </a:p>
+        </p:txBody>
+      </p:sp>
+      <p:sp>
+        <p:nvSpPr>
+          <p:cNvPr id="3" name="Content Placeholder 2"/>
+          <p:cNvSpPr>
+            <a:spLocks noGrp="1"/>
+          </p:cNvSpPr>
+          <p:nvPr>
+            <p:ph idx="1"/>
+          </p:nvPr>
+        </p:nvSpPr>
+        <p:spPr/>
+        <p:txBody>
+          <a:bodyPr/>
+          <a:lstStyle/>
+          <a:p>
+            <a:endParaRPr lang="id-ID" dirty="0">
+              <a:solidFill>
+                <a:schemeClr val="tx1"/>
+              </a:solidFill>
+              <a:latin typeface="Helvetica" panose="020B0604020202020204" pitchFamily="34" charset="0"/>
+              <a:cs typeface="Helvetica" panose="020B0604020202020204" pitchFamily="34" charset="0"/>
+            </a:endParaRPr>
+          </a:p>
+        </p:txBody>
+      </p:sp>
+    </p:spTree>
+    <p:extLst>
+      <p:ext uri="{BB962C8B-B14F-4D97-AF65-F5344CB8AC3E}">
+        <p14:creationId xmlns:p14="http://schemas.microsoft.com/office/powerpoint/2010/main" val="4159969278"/>
+      </p:ext>
+    </p:extLst>
+  </p:cSld>
+  <p:clrMapOvr>
+    <a:masterClrMapping/>
+  </p:clrMapOvr>
+  <p:timing>
+    <p:tnLst>
+      <p:par>
+        <p:cTn id="1" dur="indefinite" restart="never" nodeType="tmRoot"/>
+      </p:par>
+    </p:tnLst>
+  </p:timing>
+</p:sld>
+</file>
+
+<file path=ppt/slides/slide12.xml><?xml version="1.0" encoding="utf-8"?>
+<p:sld xmlns:a="http://schemas.openxmlformats.org/drawingml/2006/main" xmlns:r="http://schemas.openxmlformats.org/officeDocument/2006/relationships" xmlns:p="http://schemas.openxmlformats.org/presentationml/2006/main">
+  <p:cSld>
+    <p:spTree>
+      <p:nvGrpSpPr>
+        <p:cNvPr id="1" name=""/>
+        <p:cNvGrpSpPr/>
+        <p:nvPr/>
+      </p:nvGrpSpPr>
+      <p:grpSpPr>
+        <a:xfrm>
+          <a:off x="0" y="0"/>
+          <a:ext cx="0" cy="0"/>
+          <a:chOff x="0" y="0"/>
+          <a:chExt cx="0" cy="0"/>
+        </a:xfrm>
+      </p:grpSpPr>
+      <p:sp>
+        <p:nvSpPr>
+          <p:cNvPr id="2" name="Title 1"/>
+          <p:cNvSpPr>
+            <a:spLocks noGrp="1"/>
+          </p:cNvSpPr>
+          <p:nvPr>
+            <p:ph type="title"/>
+          </p:nvPr>
+        </p:nvSpPr>
+        <p:spPr/>
+        <p:txBody>
+          <a:bodyPr/>
+          <a:lstStyle/>
+          <a:p>
+            <a:r>
+              <a:rPr lang="en-US" b="1" dirty="0" err="1" smtClean="0">
+                <a:solidFill>
+                  <a:schemeClr val="tx1"/>
+                </a:solidFill>
+                <a:latin typeface="Helvetica" panose="020B0604020202020204" pitchFamily="34" charset="0"/>
+                <a:cs typeface="Helvetica" panose="020B0604020202020204" pitchFamily="34" charset="0"/>
+              </a:rPr>
+              <a:t>Uji</a:t>
+            </a:r>
+            <a:r>
+              <a:rPr lang="en-US" b="1" dirty="0" smtClean="0">
+                <a:solidFill>
+                  <a:schemeClr val="tx1"/>
+                </a:solidFill>
+                <a:latin typeface="Helvetica" panose="020B0604020202020204" pitchFamily="34" charset="0"/>
+                <a:cs typeface="Helvetica" panose="020B0604020202020204" pitchFamily="34" charset="0"/>
+              </a:rPr>
+              <a:t> </a:t>
+            </a:r>
+            <a:r>
+              <a:rPr lang="en-US" b="1" dirty="0" err="1">
+                <a:solidFill>
+                  <a:schemeClr val="tx1"/>
+                </a:solidFill>
+                <a:latin typeface="Helvetica" panose="020B0604020202020204" pitchFamily="34" charset="0"/>
+                <a:cs typeface="Helvetica" panose="020B0604020202020204" pitchFamily="34" charset="0"/>
+              </a:rPr>
+              <a:t>C</a:t>
+            </a:r>
+            <a:r>
+              <a:rPr lang="en-US" b="1" dirty="0" err="1" smtClean="0">
+                <a:solidFill>
+                  <a:schemeClr val="tx1"/>
+                </a:solidFill>
+                <a:latin typeface="Helvetica" panose="020B0604020202020204" pitchFamily="34" charset="0"/>
+                <a:cs typeface="Helvetica" panose="020B0604020202020204" pitchFamily="34" charset="0"/>
+              </a:rPr>
+              <a:t>oba</a:t>
+            </a:r>
+            <a:r>
+              <a:rPr lang="en-US" b="1" dirty="0" smtClean="0">
+                <a:solidFill>
+                  <a:schemeClr val="tx1"/>
+                </a:solidFill>
+                <a:latin typeface="Helvetica" panose="020B0604020202020204" pitchFamily="34" charset="0"/>
+                <a:cs typeface="Helvetica" panose="020B0604020202020204" pitchFamily="34" charset="0"/>
+              </a:rPr>
+              <a:t> Performa</a:t>
+            </a:r>
+            <a:endParaRPr lang="id-ID" b="1" dirty="0">
+              <a:solidFill>
+                <a:schemeClr val="tx1"/>
+              </a:solidFill>
+              <a:latin typeface="Helvetica" panose="020B0604020202020204" pitchFamily="34" charset="0"/>
+              <a:cs typeface="Helvetica" panose="020B0604020202020204" pitchFamily="34" charset="0"/>
+            </a:endParaRPr>
+          </a:p>
+        </p:txBody>
+      </p:sp>
+      <p:graphicFrame>
+        <p:nvGraphicFramePr>
+          <p:cNvPr id="4" name="Content Placeholder 3"/>
+          <p:cNvGraphicFramePr>
+            <a:graphicFrameLocks noGrp="1"/>
+          </p:cNvGraphicFramePr>
+          <p:nvPr>
+            <p:ph idx="1"/>
+          </p:nvPr>
+        </p:nvGraphicFramePr>
+        <p:xfrm>
+          <a:off x="2589213" y="2133600"/>
+          <a:ext cx="8915400" cy="3778250"/>
+        </p:xfrm>
+        <a:graphic>
+          <a:graphicData uri="http://schemas.openxmlformats.org/drawingml/2006/chart">
+            <c:chart xmlns:c="http://schemas.openxmlformats.org/drawingml/2006/chart" xmlns:r="http://schemas.openxmlformats.org/officeDocument/2006/relationships" r:id="rId2"/>
+          </a:graphicData>
+        </a:graphic>
+      </p:graphicFrame>
+    </p:spTree>
+    <p:extLst>
+      <p:ext uri="{BB962C8B-B14F-4D97-AF65-F5344CB8AC3E}">
+        <p14:creationId xmlns:p14="http://schemas.microsoft.com/office/powerpoint/2010/main" val="729756062"/>
+      </p:ext>
+    </p:extLst>
+  </p:cSld>
+  <p:clrMapOvr>
+    <a:masterClrMapping/>
+  </p:clrMapOvr>
+  <p:timing>
+    <p:tnLst>
+      <p:par>
+        <p:cTn id="1" dur="indefinite" restart="never" nodeType="tmRoot"/>
+      </p:par>
+    </p:tnLst>
+  </p:timing>
+</p:sld>
+</file>
+
+<file path=ppt/slides/slide13.xml><?xml version="1.0" encoding="utf-8"?>
+<p:sld xmlns:a="http://schemas.openxmlformats.org/drawingml/2006/main" xmlns:r="http://schemas.openxmlformats.org/officeDocument/2006/relationships" xmlns:p="http://schemas.openxmlformats.org/presentationml/2006/main">
+  <p:cSld>
+    <p:spTree>
+      <p:nvGrpSpPr>
+        <p:cNvPr id="1" name=""/>
+        <p:cNvGrpSpPr/>
+        <p:nvPr/>
+      </p:nvGrpSpPr>
+      <p:grpSpPr>
+        <a:xfrm>
+          <a:off x="0" y="0"/>
+          <a:ext cx="0" cy="0"/>
+          <a:chOff x="0" y="0"/>
+          <a:chExt cx="0" cy="0"/>
+        </a:xfrm>
+      </p:grpSpPr>
+      <p:sp>
+        <p:nvSpPr>
+          <p:cNvPr id="2" name="Title 1"/>
+          <p:cNvSpPr>
+            <a:spLocks noGrp="1"/>
+          </p:cNvSpPr>
+          <p:nvPr>
+            <p:ph type="title"/>
+          </p:nvPr>
+        </p:nvSpPr>
+        <p:spPr/>
+        <p:txBody>
+          <a:bodyPr/>
+          <a:lstStyle/>
+          <a:p>
+            <a:r>
+              <a:rPr lang="en-US" b="1" dirty="0" err="1">
+                <a:solidFill>
+                  <a:schemeClr val="tx1"/>
+                </a:solidFill>
+                <a:latin typeface="Helvetica" panose="020B0604020202020204" pitchFamily="34" charset="0"/>
+                <a:cs typeface="Helvetica" panose="020B0604020202020204" pitchFamily="34" charset="0"/>
+              </a:rPr>
+              <a:t>Uji</a:t>
+            </a:r>
+            <a:r>
+              <a:rPr lang="en-US" b="1" dirty="0">
+                <a:solidFill>
+                  <a:schemeClr val="tx1"/>
+                </a:solidFill>
+                <a:latin typeface="Helvetica" panose="020B0604020202020204" pitchFamily="34" charset="0"/>
+                <a:cs typeface="Helvetica" panose="020B0604020202020204" pitchFamily="34" charset="0"/>
+              </a:rPr>
+              <a:t> </a:t>
+            </a:r>
+            <a:r>
+              <a:rPr lang="en-US" b="1" dirty="0" err="1">
+                <a:solidFill>
+                  <a:schemeClr val="tx1"/>
+                </a:solidFill>
+                <a:latin typeface="Helvetica" panose="020B0604020202020204" pitchFamily="34" charset="0"/>
+                <a:cs typeface="Helvetica" panose="020B0604020202020204" pitchFamily="34" charset="0"/>
+              </a:rPr>
+              <a:t>Coba</a:t>
+            </a:r>
+            <a:r>
+              <a:rPr lang="en-US" b="1" dirty="0">
+                <a:solidFill>
+                  <a:schemeClr val="tx1"/>
+                </a:solidFill>
+                <a:latin typeface="Helvetica" panose="020B0604020202020204" pitchFamily="34" charset="0"/>
+                <a:cs typeface="Helvetica" panose="020B0604020202020204" pitchFamily="34" charset="0"/>
+              </a:rPr>
+              <a:t> </a:t>
+            </a:r>
+            <a:r>
+              <a:rPr lang="en-US" b="1" dirty="0" smtClean="0">
+                <a:solidFill>
+                  <a:schemeClr val="tx1"/>
+                </a:solidFill>
+                <a:latin typeface="Helvetica" panose="020B0604020202020204" pitchFamily="34" charset="0"/>
+                <a:cs typeface="Helvetica" panose="020B0604020202020204" pitchFamily="34" charset="0"/>
+              </a:rPr>
+              <a:t>Performa (2)</a:t>
+            </a:r>
+            <a:endParaRPr lang="id-ID" dirty="0"/>
+          </a:p>
+        </p:txBody>
+      </p:sp>
+      <p:graphicFrame>
+        <p:nvGraphicFramePr>
+          <p:cNvPr id="4" name="Content Placeholder 3"/>
+          <p:cNvGraphicFramePr>
+            <a:graphicFrameLocks noGrp="1"/>
+          </p:cNvGraphicFramePr>
+          <p:nvPr>
+            <p:ph idx="1"/>
+          </p:nvPr>
+        </p:nvGraphicFramePr>
+        <p:xfrm>
+          <a:off x="2589213" y="2133600"/>
+          <a:ext cx="8915400" cy="3778250"/>
+        </p:xfrm>
+        <a:graphic>
+          <a:graphicData uri="http://schemas.openxmlformats.org/drawingml/2006/chart">
+            <c:chart xmlns:c="http://schemas.openxmlformats.org/drawingml/2006/chart" xmlns:r="http://schemas.openxmlformats.org/officeDocument/2006/relationships" r:id="rId2"/>
+          </a:graphicData>
+        </a:graphic>
+      </p:graphicFrame>
+    </p:spTree>
+    <p:extLst>
+      <p:ext uri="{BB962C8B-B14F-4D97-AF65-F5344CB8AC3E}">
+        <p14:creationId xmlns:p14="http://schemas.microsoft.com/office/powerpoint/2010/main" val="3990359497"/>
+      </p:ext>
+    </p:extLst>
+  </p:cSld>
+  <p:clrMapOvr>
+    <a:masterClrMapping/>
+  </p:clrMapOvr>
+  <p:timing>
+    <p:tnLst>
+      <p:par>
+        <p:cTn id="1" dur="indefinite" restart="never" nodeType="tmRoot"/>
+      </p:par>
+    </p:tnLst>
+  </p:timing>
+</p:sld>
+</file>
+
+<file path=ppt/slides/slide14.xml><?xml version="1.0" encoding="utf-8"?>
+<p:sld xmlns:a="http://schemas.openxmlformats.org/drawingml/2006/main" xmlns:r="http://schemas.openxmlformats.org/officeDocument/2006/relationships" xmlns:p="http://schemas.openxmlformats.org/presentationml/2006/main">
+  <p:cSld>
+    <p:spTree>
+      <p:nvGrpSpPr>
+        <p:cNvPr id="1" name=""/>
+        <p:cNvGrpSpPr/>
+        <p:nvPr/>
+      </p:nvGrpSpPr>
+      <p:grpSpPr>
+        <a:xfrm>
+          <a:off x="0" y="0"/>
+          <a:ext cx="0" cy="0"/>
+          <a:chOff x="0" y="0"/>
+          <a:chExt cx="0" cy="0"/>
+        </a:xfrm>
+      </p:grpSpPr>
+      <p:sp>
+        <p:nvSpPr>
+          <p:cNvPr id="2" name="Title 1"/>
+          <p:cNvSpPr>
+            <a:spLocks noGrp="1"/>
+          </p:cNvSpPr>
+          <p:nvPr>
+            <p:ph type="title"/>
+          </p:nvPr>
+        </p:nvSpPr>
+        <p:spPr/>
+        <p:txBody>
+          <a:bodyPr/>
+          <a:lstStyle/>
+          <a:p>
+            <a:r>
+              <a:rPr lang="en-US" b="1" dirty="0" err="1" smtClean="0">
+                <a:solidFill>
+                  <a:schemeClr val="tx1"/>
+                </a:solidFill>
+                <a:latin typeface="Helvetica" panose="020B0604020202020204" pitchFamily="34" charset="0"/>
+                <a:cs typeface="Helvetica" panose="020B0604020202020204" pitchFamily="34" charset="0"/>
+              </a:rPr>
+              <a:t>Uji</a:t>
+            </a:r>
+            <a:r>
+              <a:rPr lang="en-US" b="1" dirty="0" smtClean="0">
+                <a:solidFill>
+                  <a:schemeClr val="tx1"/>
+                </a:solidFill>
+                <a:latin typeface="Helvetica" panose="020B0604020202020204" pitchFamily="34" charset="0"/>
+                <a:cs typeface="Helvetica" panose="020B0604020202020204" pitchFamily="34" charset="0"/>
+              </a:rPr>
+              <a:t> </a:t>
+            </a:r>
+            <a:r>
+              <a:rPr lang="en-US" b="1" dirty="0" err="1">
+                <a:solidFill>
+                  <a:schemeClr val="tx1"/>
+                </a:solidFill>
+                <a:latin typeface="Helvetica" panose="020B0604020202020204" pitchFamily="34" charset="0"/>
+                <a:cs typeface="Helvetica" panose="020B0604020202020204" pitchFamily="34" charset="0"/>
+              </a:rPr>
+              <a:t>C</a:t>
+            </a:r>
+            <a:r>
+              <a:rPr lang="en-US" b="1" dirty="0" err="1" smtClean="0">
+                <a:solidFill>
+                  <a:schemeClr val="tx1"/>
+                </a:solidFill>
+                <a:latin typeface="Helvetica" panose="020B0604020202020204" pitchFamily="34" charset="0"/>
+                <a:cs typeface="Helvetica" panose="020B0604020202020204" pitchFamily="34" charset="0"/>
+              </a:rPr>
+              <a:t>oba</a:t>
+            </a:r>
+            <a:r>
+              <a:rPr lang="en-US" b="1" dirty="0" smtClean="0">
+                <a:solidFill>
+                  <a:schemeClr val="tx1"/>
+                </a:solidFill>
+                <a:latin typeface="Helvetica" panose="020B0604020202020204" pitchFamily="34" charset="0"/>
+                <a:cs typeface="Helvetica" panose="020B0604020202020204" pitchFamily="34" charset="0"/>
+              </a:rPr>
+              <a:t> </a:t>
+            </a:r>
+            <a:r>
+              <a:rPr lang="en-US" b="1" dirty="0" err="1" smtClean="0">
+                <a:solidFill>
+                  <a:schemeClr val="tx1"/>
+                </a:solidFill>
+                <a:latin typeface="Helvetica" panose="020B0604020202020204" pitchFamily="34" charset="0"/>
+                <a:cs typeface="Helvetica" panose="020B0604020202020204" pitchFamily="34" charset="0"/>
+              </a:rPr>
+              <a:t>Akurasi</a:t>
+            </a:r>
+            <a:endParaRPr lang="id-ID" b="1" dirty="0">
+              <a:solidFill>
+                <a:schemeClr val="tx1"/>
+              </a:solidFill>
+              <a:latin typeface="Helvetica" panose="020B0604020202020204" pitchFamily="34" charset="0"/>
+              <a:cs typeface="Helvetica" panose="020B0604020202020204" pitchFamily="34" charset="0"/>
+            </a:endParaRPr>
+          </a:p>
+        </p:txBody>
+      </p:sp>
+      <p:sp>
+        <p:nvSpPr>
+          <p:cNvPr id="3" name="Content Placeholder 2"/>
+          <p:cNvSpPr>
+            <a:spLocks noGrp="1"/>
+          </p:cNvSpPr>
+          <p:nvPr>
+            <p:ph idx="1"/>
+          </p:nvPr>
+        </p:nvSpPr>
+        <p:spPr/>
+        <p:txBody>
+          <a:bodyPr/>
+          <a:lstStyle/>
+          <a:p>
+            <a:endParaRPr lang="id-ID" dirty="0"/>
+          </a:p>
+        </p:txBody>
+      </p:sp>
+    </p:spTree>
+    <p:extLst>
+      <p:ext uri="{BB962C8B-B14F-4D97-AF65-F5344CB8AC3E}">
+        <p14:creationId xmlns:p14="http://schemas.microsoft.com/office/powerpoint/2010/main" val="2042707475"/>
+      </p:ext>
+    </p:extLst>
+  </p:cSld>
+  <p:clrMapOvr>
+    <a:masterClrMapping/>
+  </p:clrMapOvr>
+  <p:timing>
+    <p:tnLst>
+      <p:par>
+        <p:cTn id="1" dur="indefinite" restart="never" nodeType="tmRoot"/>
+      </p:par>
+    </p:tnLst>
+  </p:timing>
+</p:sld>
+</file>
+
+<file path=ppt/slides/slide15.xml><?xml version="1.0" encoding="utf-8"?>
+<p:sld xmlns:a="http://schemas.openxmlformats.org/drawingml/2006/main" xmlns:r="http://schemas.openxmlformats.org/officeDocument/2006/relationships" xmlns:p="http://schemas.openxmlformats.org/presentationml/2006/main">
+  <p:cSld>
+    <p:spTree>
+      <p:nvGrpSpPr>
+        <p:cNvPr id="1" name=""/>
+        <p:cNvGrpSpPr/>
+        <p:nvPr/>
+      </p:nvGrpSpPr>
+      <p:grpSpPr>
+        <a:xfrm>
+          <a:off x="0" y="0"/>
+          <a:ext cx="0" cy="0"/>
+          <a:chOff x="0" y="0"/>
+          <a:chExt cx="0" cy="0"/>
+        </a:xfrm>
+      </p:grpSpPr>
+      <p:sp>
+        <p:nvSpPr>
+          <p:cNvPr id="2" name="Title 1"/>
+          <p:cNvSpPr>
+            <a:spLocks noGrp="1"/>
+          </p:cNvSpPr>
+          <p:nvPr>
+            <p:ph type="title"/>
+          </p:nvPr>
+        </p:nvSpPr>
+        <p:spPr/>
+        <p:txBody>
+          <a:bodyPr/>
+          <a:lstStyle/>
+          <a:p>
+            <a:r>
+              <a:rPr lang="en-US" b="1" dirty="0" smtClean="0">
+                <a:solidFill>
+                  <a:schemeClr val="tx1"/>
+                </a:solidFill>
+                <a:latin typeface="Helvetica" panose="020B0604020202020204" pitchFamily="34" charset="0"/>
+                <a:cs typeface="Helvetica" panose="020B0604020202020204" pitchFamily="34" charset="0"/>
+              </a:rPr>
+              <a:t>KESIMPULAN DAN SARAN</a:t>
+            </a:r>
+            <a:endParaRPr lang="id-ID" b="1" dirty="0">
+              <a:solidFill>
+                <a:schemeClr val="tx1"/>
+              </a:solidFill>
+              <a:latin typeface="Helvetica" panose="020B0604020202020204" pitchFamily="34" charset="0"/>
+              <a:cs typeface="Helvetica" panose="020B0604020202020204" pitchFamily="34" charset="0"/>
+            </a:endParaRPr>
+          </a:p>
+        </p:txBody>
+      </p:sp>
+      <p:sp>
+        <p:nvSpPr>
+          <p:cNvPr id="3" name="Content Placeholder 2"/>
+          <p:cNvSpPr>
+            <a:spLocks noGrp="1"/>
+          </p:cNvSpPr>
+          <p:nvPr>
+            <p:ph idx="1"/>
+          </p:nvPr>
+        </p:nvSpPr>
+        <p:spPr/>
+        <p:txBody>
+          <a:bodyPr/>
+          <a:lstStyle/>
+          <a:p>
+            <a:endParaRPr lang="id-ID" dirty="0">
+              <a:solidFill>
+                <a:schemeClr val="tx1"/>
+              </a:solidFill>
+              <a:latin typeface="Helvetica" panose="020B0604020202020204" pitchFamily="34" charset="0"/>
+              <a:cs typeface="Helvetica" panose="020B0604020202020204" pitchFamily="34" charset="0"/>
+            </a:endParaRPr>
+          </a:p>
+        </p:txBody>
+      </p:sp>
+    </p:spTree>
+    <p:extLst>
+      <p:ext uri="{BB962C8B-B14F-4D97-AF65-F5344CB8AC3E}">
+        <p14:creationId xmlns:p14="http://schemas.microsoft.com/office/powerpoint/2010/main" val="488804262"/>
+      </p:ext>
+    </p:extLst>
+  </p:cSld>
+  <p:clrMapOvr>
+    <a:masterClrMapping/>
+  </p:clrMapOvr>
+  <p:timing>
+    <p:tnLst>
+      <p:par>
+        <p:cTn id="1" dur="indefinite" restart="never" nodeType="tmRoot"/>
+      </p:par>
+    </p:tnLst>
+  </p:timing>
+</p:sld>
+</file>
+
+<file path=ppt/slides/slide16.xml><?xml version="1.0" encoding="utf-8"?>
+<p:sld xmlns:a="http://schemas.openxmlformats.org/drawingml/2006/main" xmlns:r="http://schemas.openxmlformats.org/officeDocument/2006/relationships" xmlns:p="http://schemas.openxmlformats.org/presentationml/2006/main">
+  <p:cSld>
+    <p:bg>
+      <p:bgPr>
+        <a:solidFill>
+          <a:schemeClr val="bg1"/>
+        </a:solidFill>
+        <a:effectLst/>
+      </p:bgPr>
+    </p:bg>
+    <p:spTree>
+      <p:nvGrpSpPr>
+        <p:cNvPr id="1" name=""/>
+        <p:cNvGrpSpPr/>
+        <p:nvPr/>
+      </p:nvGrpSpPr>
+      <p:grpSpPr>
+        <a:xfrm>
+          <a:off x="0" y="0"/>
+          <a:ext cx="0" cy="0"/>
+          <a:chOff x="0" y="0"/>
+          <a:chExt cx="0" cy="0"/>
+        </a:xfrm>
+      </p:grpSpPr>
+      <p:sp>
+        <p:nvSpPr>
+          <p:cNvPr id="2" name="Title 1"/>
+          <p:cNvSpPr>
+            <a:spLocks noGrp="1"/>
+          </p:cNvSpPr>
+          <p:nvPr>
+            <p:ph type="title"/>
+          </p:nvPr>
+        </p:nvSpPr>
+        <p:spPr/>
+        <p:txBody>
+          <a:bodyPr/>
+          <a:lstStyle/>
+          <a:p>
+            <a:endParaRPr lang="id-ID" dirty="0"/>
+          </a:p>
+        </p:txBody>
+      </p:sp>
+      <p:sp>
+        <p:nvSpPr>
+          <p:cNvPr id="3" name="Content Placeholder 2"/>
+          <p:cNvSpPr>
+            <a:spLocks noGrp="1"/>
+          </p:cNvSpPr>
+          <p:nvPr>
+            <p:ph idx="1"/>
+          </p:nvPr>
+        </p:nvSpPr>
+        <p:spPr/>
+        <p:txBody>
+          <a:bodyPr/>
+          <a:lstStyle/>
+          <a:p>
+            <a:pPr marL="0" indent="0" algn="ctr">
+              <a:buNone/>
+            </a:pPr>
+            <a:r>
+              <a:rPr lang="en-US" sz="6000" b="1" dirty="0" smtClean="0">
+                <a:latin typeface="Helvetica" panose="020B0604020202020204" pitchFamily="34" charset="0"/>
+                <a:cs typeface="Helvetica" panose="020B0604020202020204" pitchFamily="34" charset="0"/>
+              </a:rPr>
+              <a:t>TERIMA KASIH</a:t>
+            </a:r>
+            <a:endParaRPr lang="id-ID" b="1" dirty="0">
+              <a:latin typeface="Helvetica" panose="020B0604020202020204" pitchFamily="34" charset="0"/>
+              <a:cs typeface="Helvetica" panose="020B0604020202020204" pitchFamily="34" charset="0"/>
+            </a:endParaRPr>
+          </a:p>
+        </p:txBody>
+      </p:sp>
+    </p:spTree>
+    <p:extLst>
+      <p:ext uri="{BB962C8B-B14F-4D97-AF65-F5344CB8AC3E}">
+        <p14:creationId xmlns:p14="http://schemas.microsoft.com/office/powerpoint/2010/main" val="1882332389"/>
       </p:ext>
     </p:extLst>
   </p:cSld>
@@ -9601,9 +15858,39 @@
                 <a:latin typeface="Helvetica" panose="020B0604020202020204" pitchFamily="34" charset="0"/>
                 <a:cs typeface="Helvetica" panose="020B0604020202020204" pitchFamily="34" charset="0"/>
               </a:rPr>
+              <a:t> yang </a:t>
+            </a:r>
+            <a:r>
+              <a:rPr lang="en-US" sz="2400" dirty="0" err="1" smtClean="0">
+                <a:solidFill>
+                  <a:schemeClr val="tx1"/>
+                </a:solidFill>
+                <a:latin typeface="Helvetica" panose="020B0604020202020204" pitchFamily="34" charset="0"/>
+                <a:cs typeface="Helvetica" panose="020B0604020202020204" pitchFamily="34" charset="0"/>
+              </a:rPr>
+              <a:t>diperiksa</a:t>
+            </a:r>
+            <a:r>
+              <a:rPr lang="en-US" sz="2400" dirty="0" smtClean="0">
+                <a:solidFill>
+                  <a:schemeClr val="tx1"/>
+                </a:solidFill>
+                <a:latin typeface="Helvetica" panose="020B0604020202020204" pitchFamily="34" charset="0"/>
+                <a:cs typeface="Helvetica" panose="020B0604020202020204" pitchFamily="34" charset="0"/>
+              </a:rPr>
               <a:t> </a:t>
             </a:r>
             <a:r>
+              <a:rPr lang="en-US" sz="2400" dirty="0" err="1" smtClean="0">
+                <a:solidFill>
+                  <a:schemeClr val="tx1"/>
+                </a:solidFill>
+                <a:latin typeface="Helvetica" panose="020B0604020202020204" pitchFamily="34" charset="0"/>
+                <a:cs typeface="Helvetica" panose="020B0604020202020204" pitchFamily="34" charset="0"/>
+              </a:rPr>
+              <a:t>adalah</a:t>
+            </a:r>
+            <a:r>
               <a:rPr lang="en-US" sz="2400" dirty="0" smtClean="0">
                 <a:solidFill>
                   <a:schemeClr val="tx1"/>
@@ -9611,7 +15898,7 @@
                 <a:latin typeface="Helvetica" panose="020B0604020202020204" pitchFamily="34" charset="0"/>
                 <a:cs typeface="Helvetica" panose="020B0604020202020204" pitchFamily="34" charset="0"/>
               </a:rPr>
-              <a:t>yang </a:t>
+              <a:t> TCP </a:t>
             </a:r>
             <a:r>
               <a:rPr lang="en-US" sz="2400" dirty="0" err="1" smtClean="0">
@@ -9621,7 +15908,7 @@
                 <a:latin typeface="Helvetica" panose="020B0604020202020204" pitchFamily="34" charset="0"/>
                 <a:cs typeface="Helvetica" panose="020B0604020202020204" pitchFamily="34" charset="0"/>
               </a:rPr>
-              <a:t>diperiksa</a:t>
+              <a:t>dengan</a:t>
             </a:r>
             <a:r>
               <a:rPr lang="en-US" sz="2400" dirty="0" smtClean="0">
@@ -9631,7 +15918,7 @@
                 <a:latin typeface="Helvetica" panose="020B0604020202020204" pitchFamily="34" charset="0"/>
                 <a:cs typeface="Helvetica" panose="020B0604020202020204" pitchFamily="34" charset="0"/>
               </a:rPr>
-              <a:t> </a:t>
+              <a:t> port </a:t>
             </a:r>
             <a:r>
               <a:rPr lang="en-US" sz="2400" dirty="0" err="1" smtClean="0">
@@ -9641,7 +15928,7 @@
                 <a:latin typeface="Helvetica" panose="020B0604020202020204" pitchFamily="34" charset="0"/>
                 <a:cs typeface="Helvetica" panose="020B0604020202020204" pitchFamily="34" charset="0"/>
               </a:rPr>
-              <a:t>adalah</a:t>
+              <a:t>tujuan</a:t>
             </a:r>
             <a:r>
               <a:rPr lang="en-US" sz="2400" dirty="0" smtClean="0">
@@ -9651,7 +15938,7 @@
                 <a:latin typeface="Helvetica" panose="020B0604020202020204" pitchFamily="34" charset="0"/>
                 <a:cs typeface="Helvetica" panose="020B0604020202020204" pitchFamily="34" charset="0"/>
               </a:rPr>
-              <a:t> TCP </a:t>
+              <a:t> 21, 23, 25, 80 </a:t>
             </a:r>
             <a:r>
               <a:rPr lang="en-US" sz="2400" dirty="0" err="1" smtClean="0">
@@ -9661,6 +15948,26 @@
                 <a:latin typeface="Helvetica" panose="020B0604020202020204" pitchFamily="34" charset="0"/>
                 <a:cs typeface="Helvetica" panose="020B0604020202020204" pitchFamily="34" charset="0"/>
               </a:rPr>
+              <a:t>dan</a:t>
+            </a:r>
+            <a:r>
+              <a:rPr lang="en-US" sz="2400" dirty="0" smtClean="0">
+                <a:solidFill>
+                  <a:schemeClr val="tx1"/>
+                </a:solidFill>
+                <a:latin typeface="Helvetica" panose="020B0604020202020204" pitchFamily="34" charset="0"/>
+                <a:cs typeface="Helvetica" panose="020B0604020202020204" pitchFamily="34" charset="0"/>
+              </a:rPr>
+              <a:t> UDP </a:t>
+            </a:r>
+            <a:r>
+              <a:rPr lang="en-US" sz="2400" dirty="0" err="1" smtClean="0">
+                <a:solidFill>
+                  <a:schemeClr val="tx1"/>
+                </a:solidFill>
+                <a:latin typeface="Helvetica" panose="020B0604020202020204" pitchFamily="34" charset="0"/>
+                <a:cs typeface="Helvetica" panose="020B0604020202020204" pitchFamily="34" charset="0"/>
+              </a:rPr>
               <a:t>dengan</a:t>
             </a:r>
             <a:r>
@@ -9691,77 +15998,7 @@
                 <a:latin typeface="Helvetica" panose="020B0604020202020204" pitchFamily="34" charset="0"/>
                 <a:cs typeface="Helvetica" panose="020B0604020202020204" pitchFamily="34" charset="0"/>
               </a:rPr>
-              <a:t> 21, 23, 25, 80 </a:t>
-            </a:r>
-            <a:r>
-              <a:rPr lang="en-US" sz="2400" dirty="0" err="1" smtClean="0">
-                <a:solidFill>
-                  <a:schemeClr val="tx1"/>
-                </a:solidFill>
-                <a:latin typeface="Helvetica" panose="020B0604020202020204" pitchFamily="34" charset="0"/>
-                <a:cs typeface="Helvetica" panose="020B0604020202020204" pitchFamily="34" charset="0"/>
-              </a:rPr>
-              <a:t>dan</a:t>
-            </a:r>
-            <a:r>
-              <a:rPr lang="en-US" sz="2400" dirty="0" smtClean="0">
-                <a:solidFill>
-                  <a:schemeClr val="tx1"/>
-                </a:solidFill>
-                <a:latin typeface="Helvetica" panose="020B0604020202020204" pitchFamily="34" charset="0"/>
-                <a:cs typeface="Helvetica" panose="020B0604020202020204" pitchFamily="34" charset="0"/>
-              </a:rPr>
-              <a:t> UDP </a:t>
-            </a:r>
-            <a:r>
-              <a:rPr lang="en-US" sz="2400" dirty="0" err="1" smtClean="0">
-                <a:solidFill>
-                  <a:schemeClr val="tx1"/>
-                </a:solidFill>
-                <a:latin typeface="Helvetica" panose="020B0604020202020204" pitchFamily="34" charset="0"/>
-                <a:cs typeface="Helvetica" panose="020B0604020202020204" pitchFamily="34" charset="0"/>
-              </a:rPr>
-              <a:t>dengan</a:t>
-            </a:r>
-            <a:r>
-              <a:rPr lang="en-US" sz="2400" dirty="0" smtClean="0">
-                <a:solidFill>
-                  <a:schemeClr val="tx1"/>
-                </a:solidFill>
-                <a:latin typeface="Helvetica" panose="020B0604020202020204" pitchFamily="34" charset="0"/>
-                <a:cs typeface="Helvetica" panose="020B0604020202020204" pitchFamily="34" charset="0"/>
-              </a:rPr>
-              <a:t> port </a:t>
-            </a:r>
-            <a:r>
-              <a:rPr lang="en-US" sz="2400" dirty="0" err="1" smtClean="0">
-                <a:solidFill>
-                  <a:schemeClr val="tx1"/>
-                </a:solidFill>
-                <a:latin typeface="Helvetica" panose="020B0604020202020204" pitchFamily="34" charset="0"/>
-                <a:cs typeface="Helvetica" panose="020B0604020202020204" pitchFamily="34" charset="0"/>
-              </a:rPr>
-              <a:t>tujuan</a:t>
-            </a:r>
-            <a:r>
-              <a:rPr lang="en-US" sz="2400" dirty="0" smtClean="0">
-                <a:solidFill>
-                  <a:schemeClr val="tx1"/>
-                </a:solidFill>
-                <a:latin typeface="Helvetica" panose="020B0604020202020204" pitchFamily="34" charset="0"/>
-                <a:cs typeface="Helvetica" panose="020B0604020202020204" pitchFamily="34" charset="0"/>
-              </a:rPr>
-              <a:t> </a:t>
-            </a:r>
-            <a:r>
-              <a:rPr lang="en-US" sz="2400" dirty="0" smtClean="0">
-                <a:solidFill>
-                  <a:schemeClr val="tx1"/>
-                </a:solidFill>
-                <a:latin typeface="Helvetica" panose="020B0604020202020204" pitchFamily="34" charset="0"/>
-                <a:cs typeface="Helvetica" panose="020B0604020202020204" pitchFamily="34" charset="0"/>
-              </a:rPr>
-              <a:t>53.</a:t>
+              <a:t> 53.</a:t>
             </a:r>
             <a:endParaRPr lang="id-ID" sz="2400" dirty="0">
               <a:solidFill>
@@ -10492,7 +16729,7 @@
           <a:bodyPr/>
           <a:lstStyle/>
           <a:p>
-            <a:endParaRPr lang="id-ID"/>
+            <a:endParaRPr lang="id-ID" dirty="0"/>
           </a:p>
         </p:txBody>
       </p:sp>
@@ -10549,6 +16786,16 @@
           <a:lstStyle/>
           <a:p>
             <a:r>
+              <a:rPr lang="en-US" b="1" dirty="0" err="1" smtClean="0">
+                <a:solidFill>
+                  <a:schemeClr val="tx1"/>
+                </a:solidFill>
+                <a:latin typeface="Helvetica" panose="020B0604020202020204" pitchFamily="34" charset="0"/>
+                <a:cs typeface="Helvetica" panose="020B0604020202020204" pitchFamily="34" charset="0"/>
+              </a:rPr>
+              <a:t>Desain</a:t>
+            </a:r>
+            <a:r>
               <a:rPr lang="en-US" b="1" dirty="0" smtClean="0">
                 <a:solidFill>
                   <a:schemeClr val="tx1"/>
@@ -10556,7 +16803,37 @@
                 <a:latin typeface="Helvetica" panose="020B0604020202020204" pitchFamily="34" charset="0"/>
                 <a:cs typeface="Helvetica" panose="020B0604020202020204" pitchFamily="34" charset="0"/>
               </a:rPr>
-              <a:t>PENGUJIAN DAN EVALUASI</a:t>
+              <a:t> </a:t>
+            </a:r>
+            <a:r>
+              <a:rPr lang="en-US" b="1" dirty="0" err="1" smtClean="0">
+                <a:solidFill>
+                  <a:schemeClr val="tx1"/>
+                </a:solidFill>
+                <a:latin typeface="Helvetica" panose="020B0604020202020204" pitchFamily="34" charset="0"/>
+                <a:cs typeface="Helvetica" panose="020B0604020202020204" pitchFamily="34" charset="0"/>
+              </a:rPr>
+              <a:t>Arsitektur</a:t>
+            </a:r>
+            <a:r>
+              <a:rPr lang="en-US" b="1" dirty="0" smtClean="0">
+                <a:solidFill>
+                  <a:schemeClr val="tx1"/>
+                </a:solidFill>
+                <a:latin typeface="Helvetica" panose="020B0604020202020204" pitchFamily="34" charset="0"/>
+                <a:cs typeface="Helvetica" panose="020B0604020202020204" pitchFamily="34" charset="0"/>
+              </a:rPr>
+              <a:t> </a:t>
+            </a:r>
+            <a:r>
+              <a:rPr lang="en-US" b="1" dirty="0" err="1" smtClean="0">
+                <a:solidFill>
+                  <a:schemeClr val="tx1"/>
+                </a:solidFill>
+                <a:latin typeface="Helvetica" panose="020B0604020202020204" pitchFamily="34" charset="0"/>
+                <a:cs typeface="Helvetica" panose="020B0604020202020204" pitchFamily="34" charset="0"/>
+              </a:rPr>
+              <a:t>Jaringan</a:t>
             </a:r>
             <a:endParaRPr lang="id-ID" b="1" dirty="0">
               <a:solidFill>
@@ -10568,35 +16845,39 @@
           </a:p>
         </p:txBody>
       </p:sp>
-      <p:sp>
-        <p:nvSpPr>
-          <p:cNvPr id="3" name="Content Placeholder 2"/>
-          <p:cNvSpPr>
-            <a:spLocks noGrp="1"/>
-          </p:cNvSpPr>
+      <p:pic>
+        <p:nvPicPr>
+          <p:cNvPr id="4" name="Content Placeholder 3"/>
+          <p:cNvPicPr>
+            <a:picLocks noGrp="1" noChangeAspect="1"/>
+          </p:cNvPicPr>
           <p:nvPr>
             <p:ph idx="1"/>
           </p:nvPr>
-        </p:nvSpPr>
-        <p:spPr/>
-        <p:txBody>
-          <a:bodyPr/>
-          <a:lstStyle/>
-          <a:p>
-            <a:endParaRPr lang="id-ID" dirty="0">
-              <a:solidFill>
-                <a:schemeClr val="tx1"/>
-              </a:solidFill>
-              <a:latin typeface="Helvetica" panose="020B0604020202020204" pitchFamily="34" charset="0"/>
-              <a:cs typeface="Helvetica" panose="020B0604020202020204" pitchFamily="34" charset="0"/>
-            </a:endParaRPr>
-          </a:p>
-        </p:txBody>
-      </p:sp>
+        </p:nvPicPr>
+        <p:blipFill>
+          <a:blip r:embed="rId2">
+            <a:extLst>
+              <a:ext uri="{28A0092B-C50C-407E-A947-70E740481C1C}">
+                <a14:useLocalDpi xmlns:a14="http://schemas.microsoft.com/office/drawing/2010/main" val="0"/>
+              </a:ext>
+            </a:extLst>
+          </a:blip>
+          <a:stretch>
+            <a:fillRect/>
+          </a:stretch>
+        </p:blipFill>
+        <p:spPr>
+          <a:xfrm>
+            <a:off x="2592925" y="2477967"/>
+            <a:ext cx="6105525" cy="2847975"/>
+          </a:xfrm>
+        </p:spPr>
+      </p:pic>
     </p:spTree>
     <p:extLst>
       <p:ext uri="{BB962C8B-B14F-4D97-AF65-F5344CB8AC3E}">
-        <p14:creationId xmlns:p14="http://schemas.microsoft.com/office/powerpoint/2010/main" val="4159969278"/>
+        <p14:creationId xmlns:p14="http://schemas.microsoft.com/office/powerpoint/2010/main" val="364868986"/>
       </p:ext>
     </p:extLst>
   </p:cSld>
@@ -10653,7 +16934,7 @@
                 <a:latin typeface="Helvetica" panose="020B0604020202020204" pitchFamily="34" charset="0"/>
                 <a:cs typeface="Helvetica" panose="020B0604020202020204" pitchFamily="34" charset="0"/>
               </a:rPr>
-              <a:t>KESIMPULAN DAN SARAN</a:t>
+              <a:t>Proses Training Data Set</a:t>
             </a:r>
             <a:endParaRPr lang="id-ID" b="1" dirty="0">
               <a:solidFill>
@@ -10667,12 +16948,168 @@
       </p:sp>
       <p:sp>
         <p:nvSpPr>
-          <p:cNvPr id="3" name="Content Placeholder 2"/>
+          <p:cNvPr id="8" name="Content Placeholder 7"/>
           <p:cNvSpPr>
             <a:spLocks noGrp="1"/>
           </p:cNvSpPr>
           <p:nvPr>
             <p:ph idx="1"/>
+          </p:nvPr>
+        </p:nvSpPr>
+        <p:spPr>
+          <a:xfrm>
+            <a:off x="2589212" y="2133600"/>
+            <a:ext cx="5554124" cy="3777622"/>
+          </a:xfrm>
+        </p:spPr>
+        <p:txBody>
+          <a:bodyPr>
+            <a:normAutofit/>
+          </a:bodyPr>
+          <a:lstStyle/>
+          <a:p>
+            <a:r>
+              <a:rPr lang="en-US" sz="2400" dirty="0" err="1" smtClean="0">
+                <a:latin typeface="Helvetica" panose="020B0604020202020204" pitchFamily="34" charset="0"/>
+                <a:cs typeface="Helvetica" panose="020B0604020202020204" pitchFamily="34" charset="0"/>
+              </a:rPr>
+              <a:t>Membaca</a:t>
+            </a:r>
+            <a:r>
+              <a:rPr lang="en-US" sz="2400" dirty="0" smtClean="0">
+                <a:latin typeface="Helvetica" panose="020B0604020202020204" pitchFamily="34" charset="0"/>
+                <a:cs typeface="Helvetica" panose="020B0604020202020204" pitchFamily="34" charset="0"/>
+              </a:rPr>
+              <a:t> file data set</a:t>
+            </a:r>
+          </a:p>
+          <a:p>
+            <a:r>
+              <a:rPr lang="en-US" sz="2400" dirty="0" err="1" smtClean="0">
+                <a:latin typeface="Helvetica" panose="020B0604020202020204" pitchFamily="34" charset="0"/>
+                <a:cs typeface="Helvetica" panose="020B0604020202020204" pitchFamily="34" charset="0"/>
+              </a:rPr>
+              <a:t>Rekonstruksi</a:t>
+            </a:r>
+            <a:r>
+              <a:rPr lang="en-US" sz="2400" dirty="0" smtClean="0">
+                <a:latin typeface="Helvetica" panose="020B0604020202020204" pitchFamily="34" charset="0"/>
+                <a:cs typeface="Helvetica" panose="020B0604020202020204" pitchFamily="34" charset="0"/>
+              </a:rPr>
+              <a:t> </a:t>
+            </a:r>
+            <a:r>
+              <a:rPr lang="en-US" sz="2400" dirty="0" err="1" smtClean="0">
+                <a:latin typeface="Helvetica" panose="020B0604020202020204" pitchFamily="34" charset="0"/>
+                <a:cs typeface="Helvetica" panose="020B0604020202020204" pitchFamily="34" charset="0"/>
+              </a:rPr>
+              <a:t>paket</a:t>
+            </a:r>
+            <a:r>
+              <a:rPr lang="en-US" sz="2400" dirty="0" smtClean="0">
+                <a:latin typeface="Helvetica" panose="020B0604020202020204" pitchFamily="34" charset="0"/>
+                <a:cs typeface="Helvetica" panose="020B0604020202020204" pitchFamily="34" charset="0"/>
+              </a:rPr>
+              <a:t> data</a:t>
+            </a:r>
+          </a:p>
+          <a:p>
+            <a:r>
+              <a:rPr lang="en-US" sz="2400" dirty="0" err="1" smtClean="0">
+                <a:latin typeface="Helvetica" panose="020B0604020202020204" pitchFamily="34" charset="0"/>
+                <a:cs typeface="Helvetica" panose="020B0604020202020204" pitchFamily="34" charset="0"/>
+              </a:rPr>
+              <a:t>Membuat</a:t>
+            </a:r>
+            <a:r>
+              <a:rPr lang="en-US" sz="2400" dirty="0" smtClean="0">
+                <a:latin typeface="Helvetica" panose="020B0604020202020204" pitchFamily="34" charset="0"/>
+                <a:cs typeface="Helvetica" panose="020B0604020202020204" pitchFamily="34" charset="0"/>
+              </a:rPr>
+              <a:t> model data training</a:t>
+            </a:r>
+            <a:endParaRPr lang="id-ID" sz="2400" dirty="0">
+              <a:latin typeface="Helvetica" panose="020B0604020202020204" pitchFamily="34" charset="0"/>
+              <a:cs typeface="Helvetica" panose="020B0604020202020204" pitchFamily="34" charset="0"/>
+            </a:endParaRPr>
+          </a:p>
+        </p:txBody>
+      </p:sp>
+      <p:pic>
+        <p:nvPicPr>
+          <p:cNvPr id="13" name="Picture 12"/>
+          <p:cNvPicPr>
+            <a:picLocks noChangeAspect="1"/>
+          </p:cNvPicPr>
+          <p:nvPr/>
+        </p:nvPicPr>
+        <p:blipFill>
+          <a:blip r:embed="rId2">
+            <a:extLst>
+              <a:ext uri="{28A0092B-C50C-407E-A947-70E740481C1C}">
+                <a14:useLocalDpi xmlns:a14="http://schemas.microsoft.com/office/drawing/2010/main" val="0"/>
+              </a:ext>
+            </a:extLst>
+          </a:blip>
+          <a:stretch>
+            <a:fillRect/>
+          </a:stretch>
+        </p:blipFill>
+        <p:spPr>
+          <a:xfrm>
+            <a:off x="9790112" y="1326041"/>
+            <a:ext cx="1714500" cy="5172075"/>
+          </a:xfrm>
+          <a:prstGeom prst="rect">
+            <a:avLst/>
+          </a:prstGeom>
+        </p:spPr>
+      </p:pic>
+    </p:spTree>
+    <p:extLst>
+      <p:ext uri="{BB962C8B-B14F-4D97-AF65-F5344CB8AC3E}">
+        <p14:creationId xmlns:p14="http://schemas.microsoft.com/office/powerpoint/2010/main" val="2416312366"/>
+      </p:ext>
+    </p:extLst>
+  </p:cSld>
+  <p:clrMapOvr>
+    <a:masterClrMapping/>
+  </p:clrMapOvr>
+  <p:timing>
+    <p:tnLst>
+      <p:par>
+        <p:cTn id="1" dur="indefinite" restart="never" nodeType="tmRoot"/>
+      </p:par>
+    </p:tnLst>
+  </p:timing>
+</p:sld>
+</file>
+
+<file path=ppt/slides/slide9.xml><?xml version="1.0" encoding="utf-8"?>
+<p:sld xmlns:a="http://schemas.openxmlformats.org/drawingml/2006/main" xmlns:r="http://schemas.openxmlformats.org/officeDocument/2006/relationships" xmlns:p="http://schemas.openxmlformats.org/presentationml/2006/main">
+  <p:cSld>
+    <p:spTree>
+      <p:nvGrpSpPr>
+        <p:cNvPr id="1" name=""/>
+        <p:cNvGrpSpPr/>
+        <p:nvPr/>
+      </p:nvGrpSpPr>
+      <p:grpSpPr>
+        <a:xfrm>
+          <a:off x="0" y="0"/>
+          <a:ext cx="0" cy="0"/>
+          <a:chOff x="0" y="0"/>
+          <a:chExt cx="0" cy="0"/>
+        </a:xfrm>
+      </p:grpSpPr>
+      <p:sp>
+        <p:nvSpPr>
+          <p:cNvPr id="2" name="Title 1"/>
+          <p:cNvSpPr>
+            <a:spLocks noGrp="1"/>
+          </p:cNvSpPr>
+          <p:nvPr>
+            <p:ph type="title"/>
           </p:nvPr>
         </p:nvSpPr>
         <p:spPr/>
@@ -10680,7 +17117,47 @@
           <a:bodyPr/>
           <a:lstStyle/>
           <a:p>
-            <a:endParaRPr lang="id-ID" dirty="0">
+            <a:r>
+              <a:rPr lang="en-US" b="1" dirty="0" smtClean="0">
+                <a:solidFill>
+                  <a:schemeClr val="tx1"/>
+                </a:solidFill>
+                <a:latin typeface="Helvetica" panose="020B0604020202020204" pitchFamily="34" charset="0"/>
+                <a:cs typeface="Helvetica" panose="020B0604020202020204" pitchFamily="34" charset="0"/>
+              </a:rPr>
+              <a:t>Proses </a:t>
+            </a:r>
+            <a:r>
+              <a:rPr lang="en-US" b="1" dirty="0" err="1" smtClean="0">
+                <a:solidFill>
+                  <a:schemeClr val="tx1"/>
+                </a:solidFill>
+                <a:latin typeface="Helvetica" panose="020B0604020202020204" pitchFamily="34" charset="0"/>
+                <a:cs typeface="Helvetica" panose="020B0604020202020204" pitchFamily="34" charset="0"/>
+              </a:rPr>
+              <a:t>Penangkapan</a:t>
+            </a:r>
+            <a:r>
+              <a:rPr lang="en-US" b="1" dirty="0" smtClean="0">
+                <a:solidFill>
+                  <a:schemeClr val="tx1"/>
+                </a:solidFill>
+                <a:latin typeface="Helvetica" panose="020B0604020202020204" pitchFamily="34" charset="0"/>
+                <a:cs typeface="Helvetica" panose="020B0604020202020204" pitchFamily="34" charset="0"/>
+              </a:rPr>
+              <a:t> </a:t>
+            </a:r>
+            <a:r>
+              <a:rPr lang="en-US" b="1" dirty="0" err="1" smtClean="0">
+                <a:solidFill>
+                  <a:schemeClr val="tx1"/>
+                </a:solidFill>
+                <a:latin typeface="Helvetica" panose="020B0604020202020204" pitchFamily="34" charset="0"/>
+                <a:cs typeface="Helvetica" panose="020B0604020202020204" pitchFamily="34" charset="0"/>
+              </a:rPr>
+              <a:t>Paket</a:t>
+            </a:r>
+            <a:endParaRPr lang="id-ID" b="1" dirty="0">
               <a:solidFill>
                 <a:schemeClr val="tx1"/>
               </a:solidFill>
@@ -10690,10 +17167,185 @@
           </a:p>
         </p:txBody>
       </p:sp>
+      <p:sp>
+        <p:nvSpPr>
+          <p:cNvPr id="5" name="Content Placeholder 4"/>
+          <p:cNvSpPr>
+            <a:spLocks noGrp="1"/>
+          </p:cNvSpPr>
+          <p:nvPr>
+            <p:ph idx="1"/>
+          </p:nvPr>
+        </p:nvSpPr>
+        <p:spPr>
+          <a:xfrm>
+            <a:off x="2589212" y="2133600"/>
+            <a:ext cx="5165935" cy="3777622"/>
+          </a:xfrm>
+        </p:spPr>
+        <p:txBody>
+          <a:bodyPr>
+            <a:normAutofit/>
+          </a:bodyPr>
+          <a:lstStyle/>
+          <a:p>
+            <a:r>
+              <a:rPr lang="en-US" sz="2400" dirty="0" err="1" smtClean="0">
+                <a:latin typeface="Helvetica" panose="020B0604020202020204" pitchFamily="34" charset="0"/>
+                <a:cs typeface="Helvetica" panose="020B0604020202020204" pitchFamily="34" charset="0"/>
+              </a:rPr>
+              <a:t>Pilih</a:t>
+            </a:r>
+            <a:r>
+              <a:rPr lang="en-US" sz="2400" dirty="0" smtClean="0">
+                <a:latin typeface="Helvetica" panose="020B0604020202020204" pitchFamily="34" charset="0"/>
+                <a:cs typeface="Helvetica" panose="020B0604020202020204" pitchFamily="34" charset="0"/>
+              </a:rPr>
+              <a:t> </a:t>
+            </a:r>
+            <a:r>
+              <a:rPr lang="en-US" sz="2400" dirty="0" err="1" smtClean="0">
+                <a:latin typeface="Helvetica" panose="020B0604020202020204" pitchFamily="34" charset="0"/>
+                <a:cs typeface="Helvetica" panose="020B0604020202020204" pitchFamily="34" charset="0"/>
+              </a:rPr>
+              <a:t>metode</a:t>
+            </a:r>
+            <a:r>
+              <a:rPr lang="en-US" sz="2400" dirty="0" smtClean="0">
+                <a:latin typeface="Helvetica" panose="020B0604020202020204" pitchFamily="34" charset="0"/>
+                <a:cs typeface="Helvetica" panose="020B0604020202020204" pitchFamily="34" charset="0"/>
+              </a:rPr>
+              <a:t> input </a:t>
+            </a:r>
+            <a:r>
+              <a:rPr lang="en-US" sz="2400" dirty="0" err="1" smtClean="0">
+                <a:latin typeface="Helvetica" panose="020B0604020202020204" pitchFamily="34" charset="0"/>
+                <a:cs typeface="Helvetica" panose="020B0604020202020204" pitchFamily="34" charset="0"/>
+              </a:rPr>
+              <a:t>paket</a:t>
+            </a:r>
+            <a:r>
+              <a:rPr lang="en-US" sz="2400" dirty="0" smtClean="0">
+                <a:latin typeface="Helvetica" panose="020B0604020202020204" pitchFamily="34" charset="0"/>
+                <a:cs typeface="Helvetica" panose="020B0604020202020204" pitchFamily="34" charset="0"/>
+              </a:rPr>
+              <a:t> data</a:t>
+            </a:r>
+          </a:p>
+          <a:p>
+            <a:r>
+              <a:rPr lang="en-US" sz="2400" dirty="0" err="1" smtClean="0">
+                <a:latin typeface="Helvetica" panose="020B0604020202020204" pitchFamily="34" charset="0"/>
+                <a:cs typeface="Helvetica" panose="020B0604020202020204" pitchFamily="34" charset="0"/>
+              </a:rPr>
+              <a:t>Menangkap</a:t>
+            </a:r>
+            <a:r>
+              <a:rPr lang="en-US" sz="2400" dirty="0" smtClean="0">
+                <a:latin typeface="Helvetica" panose="020B0604020202020204" pitchFamily="34" charset="0"/>
+                <a:cs typeface="Helvetica" panose="020B0604020202020204" pitchFamily="34" charset="0"/>
+              </a:rPr>
+              <a:t> </a:t>
+            </a:r>
+            <a:r>
+              <a:rPr lang="en-US" sz="2400" dirty="0" err="1" smtClean="0">
+                <a:latin typeface="Helvetica" panose="020B0604020202020204" pitchFamily="34" charset="0"/>
+                <a:cs typeface="Helvetica" panose="020B0604020202020204" pitchFamily="34" charset="0"/>
+              </a:rPr>
+              <a:t>paket</a:t>
+            </a:r>
+            <a:r>
+              <a:rPr lang="en-US" sz="2400" dirty="0" smtClean="0">
+                <a:latin typeface="Helvetica" panose="020B0604020202020204" pitchFamily="34" charset="0"/>
+                <a:cs typeface="Helvetica" panose="020B0604020202020204" pitchFamily="34" charset="0"/>
+              </a:rPr>
+              <a:t> data</a:t>
+            </a:r>
+          </a:p>
+          <a:p>
+            <a:r>
+              <a:rPr lang="en-US" sz="2400" dirty="0" err="1" smtClean="0">
+                <a:latin typeface="Helvetica" panose="020B0604020202020204" pitchFamily="34" charset="0"/>
+                <a:cs typeface="Helvetica" panose="020B0604020202020204" pitchFamily="34" charset="0"/>
+              </a:rPr>
+              <a:t>Menyimpan</a:t>
+            </a:r>
+            <a:r>
+              <a:rPr lang="en-US" sz="2400" dirty="0" smtClean="0">
+                <a:latin typeface="Helvetica" panose="020B0604020202020204" pitchFamily="34" charset="0"/>
+                <a:cs typeface="Helvetica" panose="020B0604020202020204" pitchFamily="34" charset="0"/>
+              </a:rPr>
+              <a:t> </a:t>
+            </a:r>
+            <a:r>
+              <a:rPr lang="en-US" sz="2400" dirty="0" err="1" smtClean="0">
+                <a:latin typeface="Helvetica" panose="020B0604020202020204" pitchFamily="34" charset="0"/>
+                <a:cs typeface="Helvetica" panose="020B0604020202020204" pitchFamily="34" charset="0"/>
+              </a:rPr>
+              <a:t>informasi</a:t>
+            </a:r>
+            <a:r>
+              <a:rPr lang="en-US" sz="2400" dirty="0" smtClean="0">
+                <a:latin typeface="Helvetica" panose="020B0604020202020204" pitchFamily="34" charset="0"/>
+                <a:cs typeface="Helvetica" panose="020B0604020202020204" pitchFamily="34" charset="0"/>
+              </a:rPr>
+              <a:t> </a:t>
+            </a:r>
+            <a:r>
+              <a:rPr lang="en-US" sz="2400" dirty="0" err="1" smtClean="0">
+                <a:latin typeface="Helvetica" panose="020B0604020202020204" pitchFamily="34" charset="0"/>
+                <a:cs typeface="Helvetica" panose="020B0604020202020204" pitchFamily="34" charset="0"/>
+              </a:rPr>
+              <a:t>paket</a:t>
+            </a:r>
+            <a:r>
+              <a:rPr lang="en-US" sz="2400" dirty="0" smtClean="0">
+                <a:latin typeface="Helvetica" panose="020B0604020202020204" pitchFamily="34" charset="0"/>
+                <a:cs typeface="Helvetica" panose="020B0604020202020204" pitchFamily="34" charset="0"/>
+              </a:rPr>
+              <a:t> data</a:t>
+            </a:r>
+            <a:endParaRPr lang="id-ID" sz="2400" dirty="0">
+              <a:latin typeface="Helvetica" panose="020B0604020202020204" pitchFamily="34" charset="0"/>
+              <a:cs typeface="Helvetica" panose="020B0604020202020204" pitchFamily="34" charset="0"/>
+            </a:endParaRPr>
+          </a:p>
+        </p:txBody>
+      </p:sp>
+      <p:pic>
+        <p:nvPicPr>
+          <p:cNvPr id="6" name="Picture 5"/>
+          <p:cNvPicPr>
+            <a:picLocks noChangeAspect="1"/>
+          </p:cNvPicPr>
+          <p:nvPr/>
+        </p:nvPicPr>
+        <p:blipFill>
+          <a:blip r:embed="rId2">
+            <a:extLst>
+              <a:ext uri="{28A0092B-C50C-407E-A947-70E740481C1C}">
+                <a14:useLocalDpi xmlns:a14="http://schemas.microsoft.com/office/drawing/2010/main" val="0"/>
+              </a:ext>
+            </a:extLst>
+          </a:blip>
+          <a:stretch>
+            <a:fillRect/>
+          </a:stretch>
+        </p:blipFill>
+        <p:spPr>
+          <a:xfrm>
+            <a:off x="9952037" y="624110"/>
+            <a:ext cx="1552575" cy="5934075"/>
+          </a:xfrm>
+          <a:prstGeom prst="rect">
+            <a:avLst/>
+          </a:prstGeom>
+        </p:spPr>
+      </p:pic>
     </p:spTree>
     <p:extLst>
       <p:ext uri="{BB962C8B-B14F-4D97-AF65-F5344CB8AC3E}">
-        <p14:creationId xmlns:p14="http://schemas.microsoft.com/office/powerpoint/2010/main" val="488804262"/>
+        <p14:creationId xmlns:p14="http://schemas.microsoft.com/office/powerpoint/2010/main" val="102895740"/>
       </p:ext>
     </p:extLst>
   </p:cSld>
@@ -10951,4 +17603,265 @@
     </a:ext>
   </a:extLst>
 </a:theme>
+</file>
+
+<file path=ppt/theme/theme2.xml><?xml version="1.0" encoding="utf-8"?>
+<a:theme xmlns:a="http://schemas.openxmlformats.org/drawingml/2006/main" name="Office Theme">
+  <a:themeElements>
+    <a:clrScheme name="Green Yellow">
+      <a:dk1>
+        <a:sysClr val="windowText" lastClr="000000"/>
+      </a:dk1>
+      <a:lt1>
+        <a:sysClr val="window" lastClr="FFFFFF"/>
+      </a:lt1>
+      <a:dk2>
+        <a:srgbClr val="455F51"/>
+      </a:dk2>
+      <a:lt2>
+        <a:srgbClr val="E2DFCC"/>
+      </a:lt2>
+      <a:accent1>
+        <a:srgbClr val="99CB38"/>
+      </a:accent1>
+      <a:accent2>
+        <a:srgbClr val="63A537"/>
+      </a:accent2>
+      <a:accent3>
+        <a:srgbClr val="37A76F"/>
+      </a:accent3>
+      <a:accent4>
+        <a:srgbClr val="44C1A3"/>
+      </a:accent4>
+      <a:accent5>
+        <a:srgbClr val="4EB3CF"/>
+      </a:accent5>
+      <a:accent6>
+        <a:srgbClr val="51C3F9"/>
+      </a:accent6>
+      <a:hlink>
+        <a:srgbClr val="EE7B08"/>
+      </a:hlink>
+      <a:folHlink>
+        <a:srgbClr val="977B2D"/>
+      </a:folHlink>
+    </a:clrScheme>
+    <a:fontScheme name="Office">
+      <a:majorFont>
+        <a:latin typeface="Calibri Light" panose="020F0302020204030204"/>
+        <a:ea typeface=""/>
+        <a:cs typeface=""/>
+        <a:font script="Jpan" typeface="游ゴシック Light"/>
+        <a:font script="Hang" typeface="맑은 고딕"/>
+        <a:font script="Hans" typeface="等线 Light"/>
+        <a:font script="Hant" typeface="新細明體"/>
+        <a:font script="Arab" typeface="Times New Roman"/>
+        <a:font script="Hebr" typeface="Times New Roman"/>
+        <a:font script="Thai" typeface="Angsana New"/>
+        <a:font script="Ethi" typeface="Nyala"/>
+        <a:font script="Beng" typeface="Vrinda"/>
+        <a:font script="Gujr" typeface="Shruti"/>
+        <a:font script="Khmr" typeface="MoolBoran"/>
+        <a:font script="Knda" typeface="Tunga"/>
+        <a:font script="Guru" typeface="Raavi"/>
+        <a:font script="Cans" typeface="Euphemia"/>
+        <a:font script="Cher" typeface="Plantagenet Cherokee"/>
+        <a:font script="Yiii" typeface="Microsoft Yi Baiti"/>
+        <a:font script="Tibt" typeface="Microsoft Himalaya"/>
+        <a:font script="Thaa" typeface="MV Boli"/>
+        <a:font script="Deva" typeface="Mangal"/>
+        <a:font script="Telu" typeface="Gautami"/>
+        <a:font script="Taml" typeface="Latha"/>
+        <a:font script="Syrc" typeface="Estrangelo Edessa"/>
+        <a:font script="Orya" typeface="Kalinga"/>
+        <a:font script="Mlym" typeface="Kartika"/>
+        <a:font script="Laoo" typeface="DokChampa"/>
+        <a:font script="Sinh" typeface="Iskoola Pota"/>
+        <a:font script="Mong" typeface="Mongolian Baiti"/>
+        <a:font script="Viet" typeface="Times New Roman"/>
+        <a:font script="Uigh" typeface="Microsoft Uighur"/>
+        <a:font script="Geor" typeface="Sylfaen"/>
+      </a:majorFont>
+      <a:minorFont>
+        <a:latin typeface="Calibri" panose="020F0502020204030204"/>
+        <a:ea typeface=""/>
+        <a:cs typeface=""/>
+        <a:font script="Jpan" typeface="游ゴシック"/>
+        <a:font script="Hang" typeface="맑은 고딕"/>
+        <a:font script="Hans" typeface="等线"/>
+        <a:font script="Hant" typeface="新細明體"/>
+        <a:font script="Arab" typeface="Arial"/>
+        <a:font script="Hebr" typeface="Arial"/>
+        <a:font script="Thai" typeface="Cordia New"/>
+        <a:font script="Ethi" typeface="Nyala"/>
+        <a:font script="Beng" typeface="Vrinda"/>
+        <a:font script="Gujr" typeface="Shruti"/>
+        <a:font script="Khmr" typeface="DaunPenh"/>
+        <a:font script="Knda" typeface="Tunga"/>
+        <a:font script="Guru" typeface="Raavi"/>
+        <a:font script="Cans" typeface="Euphemia"/>
+        <a:font script="Cher" typeface="Plantagenet Cherokee"/>
+        <a:font script="Yiii" typeface="Microsoft Yi Baiti"/>
+        <a:font script="Tibt" typeface="Microsoft Himalaya"/>
+        <a:font script="Thaa" typeface="MV Boli"/>
+        <a:font script="Deva" typeface="Mangal"/>
+        <a:font script="Telu" typeface="Gautami"/>
+        <a:font script="Taml" typeface="Latha"/>
+        <a:font script="Syrc" typeface="Estrangelo Edessa"/>
+        <a:font script="Orya" typeface="Kalinga"/>
+        <a:font script="Mlym" typeface="Kartika"/>
+        <a:font script="Laoo" typeface="DokChampa"/>
+        <a:font script="Sinh" typeface="Iskoola Pota"/>
+        <a:font script="Mong" typeface="Mongolian Baiti"/>
+        <a:font script="Viet" typeface="Arial"/>
+        <a:font script="Uigh" typeface="Microsoft Uighur"/>
+        <a:font script="Geor" typeface="Sylfaen"/>
+      </a:minorFont>
+    </a:fontScheme>
+    <a:fmtScheme name="Office">
+      <a:fillStyleLst>
+        <a:solidFill>
+          <a:schemeClr val="phClr"/>
+        </a:solidFill>
+        <a:gradFill rotWithShape="1">
+          <a:gsLst>
+            <a:gs pos="0">
+              <a:schemeClr val="phClr">
+                <a:lumMod val="110000"/>
+                <a:satMod val="105000"/>
+                <a:tint val="67000"/>
+              </a:schemeClr>
+            </a:gs>
+            <a:gs pos="50000">
+              <a:schemeClr val="phClr">
+                <a:lumMod val="105000"/>
+                <a:satMod val="103000"/>
+                <a:tint val="73000"/>
+              </a:schemeClr>
+            </a:gs>
+            <a:gs pos="100000">
+              <a:schemeClr val="phClr">
+                <a:lumMod val="105000"/>
+                <a:satMod val="109000"/>
+                <a:tint val="81000"/>
+              </a:schemeClr>
+            </a:gs>
+          </a:gsLst>
+          <a:lin ang="5400000" scaled="0"/>
+        </a:gradFill>
+        <a:gradFill rotWithShape="1">
+          <a:gsLst>
+            <a:gs pos="0">
+              <a:schemeClr val="phClr">
+                <a:satMod val="103000"/>
+                <a:lumMod val="102000"/>
+                <a:tint val="94000"/>
+              </a:schemeClr>
+            </a:gs>
+            <a:gs pos="50000">
+              <a:schemeClr val="phClr">
+                <a:satMod val="110000"/>
+                <a:lumMod val="100000"/>
+                <a:shade val="100000"/>
+              </a:schemeClr>
+            </a:gs>
+            <a:gs pos="100000">
+              <a:schemeClr val="phClr">
+                <a:lumMod val="99000"/>
+                <a:satMod val="120000"/>
+                <a:shade val="78000"/>
+              </a:schemeClr>
+            </a:gs>
+          </a:gsLst>
+          <a:lin ang="5400000" scaled="0"/>
+        </a:gradFill>
+      </a:fillStyleLst>
+      <a:lnStyleLst>
+        <a:ln w="6350" cap="flat" cmpd="sng" algn="ctr">
+          <a:solidFill>
+            <a:schemeClr val="phClr"/>
+          </a:solidFill>
+          <a:prstDash val="solid"/>
+          <a:miter lim="800000"/>
+        </a:ln>
+        <a:ln w="12700" cap="flat" cmpd="sng" algn="ctr">
+          <a:solidFill>
+            <a:schemeClr val="phClr"/>
+          </a:solidFill>
+          <a:prstDash val="solid"/>
+          <a:miter lim="800000"/>
+        </a:ln>
+        <a:ln w="19050" cap="flat" cmpd="sng" algn="ctr">
+          <a:solidFill>
+            <a:schemeClr val="phClr"/>
+          </a:solidFill>
+          <a:prstDash val="solid"/>
+          <a:miter lim="800000"/>
+        </a:ln>
+      </a:lnStyleLst>
+      <a:effectStyleLst>
+        <a:effectStyle>
+          <a:effectLst/>
+        </a:effectStyle>
+        <a:effectStyle>
+          <a:effectLst/>
+        </a:effectStyle>
+        <a:effectStyle>
+          <a:effectLst>
+            <a:outerShdw blurRad="57150" dist="19050" dir="5400000" algn="ctr" rotWithShape="0">
+              <a:srgbClr val="000000">
+                <a:alpha val="63000"/>
+              </a:srgbClr>
+            </a:outerShdw>
+          </a:effectLst>
+        </a:effectStyle>
+      </a:effectStyleLst>
+      <a:bgFillStyleLst>
+        <a:solidFill>
+          <a:schemeClr val="phClr"/>
+        </a:solidFill>
+        <a:solidFill>
+          <a:schemeClr val="phClr">
+            <a:tint val="95000"/>
+            <a:satMod val="170000"/>
+          </a:schemeClr>
+        </a:solidFill>
+        <a:gradFill rotWithShape="1">
+          <a:gsLst>
+            <a:gs pos="0">
+              <a:schemeClr val="phClr">
+                <a:tint val="93000"/>
+                <a:satMod val="150000"/>
+                <a:shade val="98000"/>
+                <a:lumMod val="102000"/>
+              </a:schemeClr>
+            </a:gs>
+            <a:gs pos="50000">
+              <a:schemeClr val="phClr">
+                <a:tint val="98000"/>
+                <a:satMod val="130000"/>
+                <a:shade val="90000"/>
+                <a:lumMod val="103000"/>
+              </a:schemeClr>
+            </a:gs>
+            <a:gs pos="100000">
+              <a:schemeClr val="phClr">
+                <a:shade val="63000"/>
+                <a:satMod val="120000"/>
+              </a:schemeClr>
+            </a:gs>
+          </a:gsLst>
+          <a:lin ang="5400000" scaled="0"/>
+        </a:gradFill>
+      </a:bgFillStyleLst>
+    </a:fmtScheme>
+  </a:themeElements>
+  <a:objectDefaults/>
+  <a:extraClrSchemeLst/>
+  <a:extLst>
+    <a:ext uri="{05A4C25C-085E-4340-85A3-A5531E510DB2}">
+      <thm15:themeFamily xmlns:thm15="http://schemas.microsoft.com/office/thememl/2012/main" name="Office Theme" id="{62F939B6-93AF-4DB8-9C6B-D6C7DFDC589F}" vid="{4A3C46E8-61CC-4603-A589-7422A47A8E4A}"/>
+    </a:ext>
+  </a:extLst>
+</a:theme>
 </file>
--- a/TA/5112100036-PPT.pptx
+++ b/TA/5112100036-PPT.pptx
@@ -5,6 +5,9 @@
     <p:sldMasterId id="2147483648" r:id="rId1"/>
     <p:sldMasterId id="2147483665" r:id="rId2"/>
   </p:sldMasterIdLst>
+  <p:notesMasterIdLst>
+    <p:notesMasterId r:id="rId21"/>
+  </p:notesMasterIdLst>
   <p:sldIdLst>
     <p:sldId id="256" r:id="rId3"/>
     <p:sldId id="257" r:id="rId4"/>
@@ -12,16 +15,18 @@
     <p:sldId id="262" r:id="rId6"/>
     <p:sldId id="263" r:id="rId7"/>
     <p:sldId id="258" r:id="rId8"/>
-    <p:sldId id="265" r:id="rId9"/>
+    <p:sldId id="272" r:id="rId9"/>
     <p:sldId id="266" r:id="rId10"/>
     <p:sldId id="267" r:id="rId11"/>
     <p:sldId id="268" r:id="rId12"/>
     <p:sldId id="259" r:id="rId13"/>
     <p:sldId id="269" r:id="rId14"/>
     <p:sldId id="271" r:id="rId15"/>
-    <p:sldId id="270" r:id="rId16"/>
-    <p:sldId id="260" r:id="rId17"/>
-    <p:sldId id="264" r:id="rId18"/>
+    <p:sldId id="273" r:id="rId16"/>
+    <p:sldId id="270" r:id="rId17"/>
+    <p:sldId id="274" r:id="rId18"/>
+    <p:sldId id="260" r:id="rId19"/>
+    <p:sldId id="264" r:id="rId20"/>
   </p:sldIdLst>
   <p:sldSz cx="12192000" cy="6858000"/>
   <p:notesSz cx="6858000" cy="9144000"/>
@@ -1394,6 +1399,502 @@
 </c:chartSpace>
 </file>
 
+<file path=ppt/charts/chart3.xml><?xml version="1.0" encoding="utf-8"?>
+<c:chartSpace xmlns:c="http://schemas.openxmlformats.org/drawingml/2006/chart" xmlns:a="http://schemas.openxmlformats.org/drawingml/2006/main" xmlns:r="http://schemas.openxmlformats.org/officeDocument/2006/relationships" xmlns:c16r2="http://schemas.microsoft.com/office/drawing/2015/06/chart">
+  <c:date1904 val="0"/>
+  <c:lang val="en-US"/>
+  <c:roundedCorners val="0"/>
+  <mc:AlternateContent xmlns:mc="http://schemas.openxmlformats.org/markup-compatibility/2006">
+    <mc:Choice xmlns:c14="http://schemas.microsoft.com/office/drawing/2007/8/2/chart" Requires="c14">
+      <c14:style val="102"/>
+    </mc:Choice>
+    <mc:Fallback>
+      <c:style val="2"/>
+    </mc:Fallback>
+  </mc:AlternateContent>
+  <c:chart>
+    <c:title>
+      <c:tx>
+        <c:rich>
+          <a:bodyPr rot="0" spcFirstLastPara="1" vertOverflow="ellipsis" vert="horz" wrap="square" anchor="ctr" anchorCtr="1"/>
+          <a:lstStyle/>
+          <a:p>
+            <a:pPr>
+              <a:defRPr sz="1400" b="0" i="0" u="none" strike="noStrike" kern="1200" spc="0" baseline="0">
+                <a:solidFill>
+                  <a:schemeClr val="tx1">
+                    <a:lumMod val="65000"/>
+                    <a:lumOff val="35000"/>
+                  </a:schemeClr>
+                </a:solidFill>
+                <a:latin typeface="+mn-lt"/>
+                <a:ea typeface="+mn-ea"/>
+                <a:cs typeface="+mn-cs"/>
+              </a:defRPr>
+            </a:pPr>
+            <a:r>
+              <a:rPr lang="en-US" dirty="0" err="1"/>
+              <a:t>Waktu</a:t>
+            </a:r>
+            <a:r>
+              <a:rPr lang="en-US" dirty="0"/>
+              <a:t> </a:t>
+            </a:r>
+            <a:r>
+              <a:rPr lang="en-US" dirty="0" err="1"/>
+              <a:t>akses</a:t>
+            </a:r>
+            <a:r>
+              <a:rPr lang="en-US" dirty="0"/>
+              <a:t> </a:t>
+            </a:r>
+            <a:r>
+              <a:rPr lang="en-US" dirty="0" err="1"/>
+              <a:t>halaman</a:t>
+            </a:r>
+            <a:r>
+              <a:rPr lang="en-US" dirty="0"/>
+              <a:t> web</a:t>
+            </a:r>
+            <a:endParaRPr lang="id-ID" dirty="0"/>
+          </a:p>
+        </c:rich>
+      </c:tx>
+      <c:layout/>
+      <c:overlay val="0"/>
+      <c:spPr>
+        <a:noFill/>
+        <a:ln>
+          <a:noFill/>
+        </a:ln>
+        <a:effectLst/>
+      </c:spPr>
+      <c:txPr>
+        <a:bodyPr rot="0" spcFirstLastPara="1" vertOverflow="ellipsis" vert="horz" wrap="square" anchor="ctr" anchorCtr="1"/>
+        <a:lstStyle/>
+        <a:p>
+          <a:pPr>
+            <a:defRPr sz="1400" b="0" i="0" u="none" strike="noStrike" kern="1200" spc="0" baseline="0">
+              <a:solidFill>
+                <a:schemeClr val="tx1">
+                  <a:lumMod val="65000"/>
+                  <a:lumOff val="35000"/>
+                </a:schemeClr>
+              </a:solidFill>
+              <a:latin typeface="+mn-lt"/>
+              <a:ea typeface="+mn-ea"/>
+              <a:cs typeface="+mn-cs"/>
+            </a:defRPr>
+          </a:pPr>
+          <a:endParaRPr lang="id-ID"/>
+        </a:p>
+      </c:txPr>
+    </c:title>
+    <c:autoTitleDeleted val="0"/>
+    <c:plotArea>
+      <c:layout/>
+      <c:barChart>
+        <c:barDir val="col"/>
+        <c:grouping val="clustered"/>
+        <c:varyColors val="0"/>
+        <c:ser>
+          <c:idx val="0"/>
+          <c:order val="0"/>
+          <c:tx>
+            <c:strRef>
+              <c:f>Sheet1!$B$1</c:f>
+              <c:strCache>
+                <c:ptCount val="1"/>
+                <c:pt idx="0">
+                  <c:v>Series 1</c:v>
+                </c:pt>
+              </c:strCache>
+            </c:strRef>
+          </c:tx>
+          <c:spPr>
+            <a:solidFill>
+              <a:schemeClr val="accent1"/>
+            </a:solidFill>
+            <a:ln>
+              <a:noFill/>
+            </a:ln>
+            <a:effectLst/>
+          </c:spPr>
+          <c:invertIfNegative val="0"/>
+          <c:dLbls>
+            <c:spPr>
+              <a:noFill/>
+              <a:ln>
+                <a:noFill/>
+              </a:ln>
+              <a:effectLst/>
+            </c:spPr>
+            <c:txPr>
+              <a:bodyPr rot="0" spcFirstLastPara="1" vertOverflow="ellipsis" vert="horz" wrap="square" lIns="38100" tIns="19050" rIns="38100" bIns="19050" anchor="ctr" anchorCtr="1">
+                <a:spAutoFit/>
+              </a:bodyPr>
+              <a:lstStyle/>
+              <a:p>
+                <a:pPr>
+                  <a:defRPr sz="900" b="0" i="0" u="none" strike="noStrike" kern="1200" baseline="0">
+                    <a:solidFill>
+                      <a:schemeClr val="tx1">
+                        <a:lumMod val="75000"/>
+                        <a:lumOff val="25000"/>
+                      </a:schemeClr>
+                    </a:solidFill>
+                    <a:latin typeface="+mn-lt"/>
+                    <a:ea typeface="+mn-ea"/>
+                    <a:cs typeface="+mn-cs"/>
+                  </a:defRPr>
+                </a:pPr>
+                <a:endParaRPr lang="id-ID"/>
+              </a:p>
+            </c:txPr>
+            <c:dLblPos val="outEnd"/>
+            <c:showLegendKey val="0"/>
+            <c:showVal val="1"/>
+            <c:showCatName val="0"/>
+            <c:showSerName val="0"/>
+            <c:showPercent val="0"/>
+            <c:showBubbleSize val="0"/>
+            <c:showLeaderLines val="0"/>
+            <c:extLst>
+              <c:ext xmlns:c15="http://schemas.microsoft.com/office/drawing/2012/chart" uri="{CE6537A1-D6FC-4f65-9D91-7224C49458BB}">
+                <c15:layout/>
+                <c15:showLeaderLines val="1"/>
+                <c15:leaderLines>
+                  <c:spPr>
+                    <a:ln w="9525" cap="flat" cmpd="sng" algn="ctr">
+                      <a:solidFill>
+                        <a:schemeClr val="tx1">
+                          <a:lumMod val="35000"/>
+                          <a:lumOff val="65000"/>
+                        </a:schemeClr>
+                      </a:solidFill>
+                      <a:round/>
+                    </a:ln>
+                    <a:effectLst/>
+                  </c:spPr>
+                </c15:leaderLines>
+              </c:ext>
+            </c:extLst>
+          </c:dLbls>
+          <c:cat>
+            <c:strRef>
+              <c:f>Sheet1!$A$2:$A$4</c:f>
+              <c:strCache>
+                <c:ptCount val="3"/>
+                <c:pt idx="0">
+                  <c:v>Skenario 1</c:v>
+                </c:pt>
+                <c:pt idx="1">
+                  <c:v>Skenario 2</c:v>
+                </c:pt>
+                <c:pt idx="2">
+                  <c:v>Skenario 3</c:v>
+                </c:pt>
+              </c:strCache>
+            </c:strRef>
+          </c:cat>
+          <c:val>
+            <c:numRef>
+              <c:f>Sheet1!$B$2:$B$4</c:f>
+              <c:numCache>
+                <c:formatCode>General</c:formatCode>
+                <c:ptCount val="3"/>
+                <c:pt idx="0">
+                  <c:v>28.864999999999998</c:v>
+                </c:pt>
+                <c:pt idx="1">
+                  <c:v>30.719000000000001</c:v>
+                </c:pt>
+                <c:pt idx="2">
+                  <c:v>31.818999999999999</c:v>
+                </c:pt>
+              </c:numCache>
+            </c:numRef>
+          </c:val>
+          <c:extLst>
+            <c:ext xmlns:c16="http://schemas.microsoft.com/office/drawing/2014/chart" uri="{C3380CC4-5D6E-409C-BE32-E72D297353CC}">
+              <c16:uniqueId val="{00000000-A5D0-4899-B2F2-781AE2C17CBC}"/>
+            </c:ext>
+          </c:extLst>
+        </c:ser>
+        <c:dLbls>
+          <c:dLblPos val="outEnd"/>
+          <c:showLegendKey val="0"/>
+          <c:showVal val="1"/>
+          <c:showCatName val="0"/>
+          <c:showSerName val="0"/>
+          <c:showPercent val="0"/>
+          <c:showBubbleSize val="0"/>
+        </c:dLbls>
+        <c:gapWidth val="219"/>
+        <c:overlap val="-27"/>
+        <c:axId val="1846848207"/>
+        <c:axId val="1846845295"/>
+      </c:barChart>
+      <c:catAx>
+        <c:axId val="1846848207"/>
+        <c:scaling>
+          <c:orientation val="minMax"/>
+        </c:scaling>
+        <c:delete val="0"/>
+        <c:axPos val="b"/>
+        <c:title>
+          <c:tx>
+            <c:rich>
+              <a:bodyPr rot="0" spcFirstLastPara="1" vertOverflow="ellipsis" vert="horz" wrap="square" anchor="ctr" anchorCtr="1"/>
+              <a:lstStyle/>
+              <a:p>
+                <a:pPr>
+                  <a:defRPr sz="1000" b="0" i="0" u="none" strike="noStrike" kern="1200" baseline="0">
+                    <a:solidFill>
+                      <a:schemeClr val="tx1">
+                        <a:lumMod val="65000"/>
+                        <a:lumOff val="35000"/>
+                      </a:schemeClr>
+                    </a:solidFill>
+                    <a:latin typeface="+mn-lt"/>
+                    <a:ea typeface="+mn-ea"/>
+                    <a:cs typeface="+mn-cs"/>
+                  </a:defRPr>
+                </a:pPr>
+                <a:r>
+                  <a:rPr lang="en-US"/>
+                  <a:t>Skenario</a:t>
+                </a:r>
+                <a:endParaRPr lang="id-ID"/>
+              </a:p>
+            </c:rich>
+          </c:tx>
+          <c:layout/>
+          <c:overlay val="0"/>
+          <c:spPr>
+            <a:noFill/>
+            <a:ln>
+              <a:noFill/>
+            </a:ln>
+            <a:effectLst/>
+          </c:spPr>
+          <c:txPr>
+            <a:bodyPr rot="0" spcFirstLastPara="1" vertOverflow="ellipsis" vert="horz" wrap="square" anchor="ctr" anchorCtr="1"/>
+            <a:lstStyle/>
+            <a:p>
+              <a:pPr>
+                <a:defRPr sz="1000" b="0" i="0" u="none" strike="noStrike" kern="1200" baseline="0">
+                  <a:solidFill>
+                    <a:schemeClr val="tx1">
+                      <a:lumMod val="65000"/>
+                      <a:lumOff val="35000"/>
+                    </a:schemeClr>
+                  </a:solidFill>
+                  <a:latin typeface="+mn-lt"/>
+                  <a:ea typeface="+mn-ea"/>
+                  <a:cs typeface="+mn-cs"/>
+                </a:defRPr>
+              </a:pPr>
+              <a:endParaRPr lang="id-ID"/>
+            </a:p>
+          </c:txPr>
+        </c:title>
+        <c:numFmt formatCode="General" sourceLinked="1"/>
+        <c:majorTickMark val="out"/>
+        <c:minorTickMark val="none"/>
+        <c:tickLblPos val="nextTo"/>
+        <c:spPr>
+          <a:noFill/>
+          <a:ln w="9525" cap="flat" cmpd="sng" algn="ctr">
+            <a:solidFill>
+              <a:schemeClr val="tx1">
+                <a:lumMod val="15000"/>
+                <a:lumOff val="85000"/>
+              </a:schemeClr>
+            </a:solidFill>
+            <a:round/>
+          </a:ln>
+          <a:effectLst/>
+        </c:spPr>
+        <c:txPr>
+          <a:bodyPr rot="-60000000" spcFirstLastPara="1" vertOverflow="ellipsis" vert="horz" wrap="square" anchor="ctr" anchorCtr="1"/>
+          <a:lstStyle/>
+          <a:p>
+            <a:pPr>
+              <a:defRPr sz="900" b="0" i="0" u="none" strike="noStrike" kern="1200" baseline="0">
+                <a:solidFill>
+                  <a:schemeClr val="tx1">
+                    <a:lumMod val="65000"/>
+                    <a:lumOff val="35000"/>
+                  </a:schemeClr>
+                </a:solidFill>
+                <a:latin typeface="+mn-lt"/>
+                <a:ea typeface="+mn-ea"/>
+                <a:cs typeface="+mn-cs"/>
+              </a:defRPr>
+            </a:pPr>
+            <a:endParaRPr lang="id-ID"/>
+          </a:p>
+        </c:txPr>
+        <c:crossAx val="1846845295"/>
+        <c:crosses val="autoZero"/>
+        <c:auto val="1"/>
+        <c:lblAlgn val="ctr"/>
+        <c:lblOffset val="100"/>
+        <c:noMultiLvlLbl val="0"/>
+      </c:catAx>
+      <c:valAx>
+        <c:axId val="1846845295"/>
+        <c:scaling>
+          <c:orientation val="minMax"/>
+        </c:scaling>
+        <c:delete val="0"/>
+        <c:axPos val="l"/>
+        <c:majorGridlines>
+          <c:spPr>
+            <a:ln w="9525" cap="flat" cmpd="sng" algn="ctr">
+              <a:solidFill>
+                <a:schemeClr val="tx1">
+                  <a:lumMod val="15000"/>
+                  <a:lumOff val="85000"/>
+                </a:schemeClr>
+              </a:solidFill>
+              <a:round/>
+            </a:ln>
+            <a:effectLst/>
+          </c:spPr>
+        </c:majorGridlines>
+        <c:title>
+          <c:tx>
+            <c:rich>
+              <a:bodyPr rot="-5400000" spcFirstLastPara="1" vertOverflow="ellipsis" vert="horz" wrap="square" anchor="ctr" anchorCtr="1"/>
+              <a:lstStyle/>
+              <a:p>
+                <a:pPr>
+                  <a:defRPr sz="1000" b="0" i="0" u="none" strike="noStrike" kern="1200" baseline="0">
+                    <a:solidFill>
+                      <a:schemeClr val="tx1">
+                        <a:lumMod val="65000"/>
+                        <a:lumOff val="35000"/>
+                      </a:schemeClr>
+                    </a:solidFill>
+                    <a:latin typeface="+mn-lt"/>
+                    <a:ea typeface="+mn-ea"/>
+                    <a:cs typeface="+mn-cs"/>
+                  </a:defRPr>
+                </a:pPr>
+                <a:r>
+                  <a:rPr lang="en-US"/>
+                  <a:t>Waktu</a:t>
+                </a:r>
+                <a:r>
+                  <a:rPr lang="en-US" baseline="0"/>
+                  <a:t> akses (milidetik)</a:t>
+                </a:r>
+                <a:endParaRPr lang="id-ID"/>
+              </a:p>
+            </c:rich>
+          </c:tx>
+          <c:layout/>
+          <c:overlay val="0"/>
+          <c:spPr>
+            <a:noFill/>
+            <a:ln>
+              <a:noFill/>
+            </a:ln>
+            <a:effectLst/>
+          </c:spPr>
+          <c:txPr>
+            <a:bodyPr rot="-5400000" spcFirstLastPara="1" vertOverflow="ellipsis" vert="horz" wrap="square" anchor="ctr" anchorCtr="1"/>
+            <a:lstStyle/>
+            <a:p>
+              <a:pPr>
+                <a:defRPr sz="1000" b="0" i="0" u="none" strike="noStrike" kern="1200" baseline="0">
+                  <a:solidFill>
+                    <a:schemeClr val="tx1">
+                      <a:lumMod val="65000"/>
+                      <a:lumOff val="35000"/>
+                    </a:schemeClr>
+                  </a:solidFill>
+                  <a:latin typeface="+mn-lt"/>
+                  <a:ea typeface="+mn-ea"/>
+                  <a:cs typeface="+mn-cs"/>
+                </a:defRPr>
+              </a:pPr>
+              <a:endParaRPr lang="id-ID"/>
+            </a:p>
+          </c:txPr>
+        </c:title>
+        <c:numFmt formatCode="General" sourceLinked="1"/>
+        <c:majorTickMark val="out"/>
+        <c:minorTickMark val="none"/>
+        <c:tickLblPos val="nextTo"/>
+        <c:spPr>
+          <a:noFill/>
+          <a:ln>
+            <a:noFill/>
+          </a:ln>
+          <a:effectLst/>
+        </c:spPr>
+        <c:txPr>
+          <a:bodyPr rot="-60000000" spcFirstLastPara="1" vertOverflow="ellipsis" vert="horz" wrap="square" anchor="ctr" anchorCtr="1"/>
+          <a:lstStyle/>
+          <a:p>
+            <a:pPr>
+              <a:defRPr sz="900" b="0" i="0" u="none" strike="noStrike" kern="1200" baseline="0">
+                <a:solidFill>
+                  <a:schemeClr val="tx1">
+                    <a:lumMod val="65000"/>
+                    <a:lumOff val="35000"/>
+                  </a:schemeClr>
+                </a:solidFill>
+                <a:latin typeface="+mn-lt"/>
+                <a:ea typeface="+mn-ea"/>
+                <a:cs typeface="+mn-cs"/>
+              </a:defRPr>
+            </a:pPr>
+            <a:endParaRPr lang="id-ID"/>
+          </a:p>
+        </c:txPr>
+        <c:crossAx val="1846848207"/>
+        <c:crosses val="autoZero"/>
+        <c:crossBetween val="between"/>
+      </c:valAx>
+      <c:spPr>
+        <a:noFill/>
+        <a:ln>
+          <a:noFill/>
+        </a:ln>
+        <a:effectLst/>
+      </c:spPr>
+    </c:plotArea>
+    <c:plotVisOnly val="1"/>
+    <c:dispBlanksAs val="gap"/>
+    <c:showDLblsOverMax val="0"/>
+  </c:chart>
+  <c:spPr>
+    <a:noFill/>
+    <a:ln>
+      <a:noFill/>
+    </a:ln>
+    <a:effectLst/>
+  </c:spPr>
+  <c:txPr>
+    <a:bodyPr/>
+    <a:lstStyle/>
+    <a:p>
+      <a:pPr>
+        <a:defRPr/>
+      </a:pPr>
+      <a:endParaRPr lang="id-ID"/>
+    </a:p>
+  </c:txPr>
+  <c:externalData r:id="rId3">
+    <c:autoUpdate val="0"/>
+  </c:externalData>
+</c:chartSpace>
+</file>
+
 <file path=ppt/charts/colors1.xml><?xml version="1.0" encoding="utf-8"?>
 <cs:colorStyle xmlns:cs="http://schemas.microsoft.com/office/drawing/2012/chartStyle" xmlns:a="http://schemas.openxmlformats.org/drawingml/2006/main" meth="cycle" id="10">
   <a:schemeClr val="accent1"/>
@@ -1435,6 +1936,46 @@
 </file>
 
 <file path=ppt/charts/colors2.xml><?xml version="1.0" encoding="utf-8"?>
+<cs:colorStyle xmlns:cs="http://schemas.microsoft.com/office/drawing/2012/chartStyle" xmlns:a="http://schemas.openxmlformats.org/drawingml/2006/main" meth="cycle" id="10">
+  <a:schemeClr val="accent1"/>
+  <a:schemeClr val="accent2"/>
+  <a:schemeClr val="accent3"/>
+  <a:schemeClr val="accent4"/>
+  <a:schemeClr val="accent5"/>
+  <a:schemeClr val="accent6"/>
+  <cs:variation/>
+  <cs:variation>
+    <a:lumMod val="60000"/>
+  </cs:variation>
+  <cs:variation>
+    <a:lumMod val="80000"/>
+    <a:lumOff val="20000"/>
+  </cs:variation>
+  <cs:variation>
+    <a:lumMod val="80000"/>
+  </cs:variation>
+  <cs:variation>
+    <a:lumMod val="60000"/>
+    <a:lumOff val="40000"/>
+  </cs:variation>
+  <cs:variation>
+    <a:lumMod val="50000"/>
+  </cs:variation>
+  <cs:variation>
+    <a:lumMod val="70000"/>
+    <a:lumOff val="30000"/>
+  </cs:variation>
+  <cs:variation>
+    <a:lumMod val="70000"/>
+  </cs:variation>
+  <cs:variation>
+    <a:lumMod val="50000"/>
+    <a:lumOff val="50000"/>
+  </cs:variation>
+</cs:colorStyle>
+</file>
+
+<file path=ppt/charts/colors3.xml><?xml version="1.0" encoding="utf-8"?>
 <cs:colorStyle xmlns:cs="http://schemas.microsoft.com/office/drawing/2012/chartStyle" xmlns:a="http://schemas.openxmlformats.org/drawingml/2006/main" meth="cycle" id="10">
   <a:schemeClr val="accent1"/>
   <a:schemeClr val="accent2"/>
@@ -2480,6 +3021,1651 @@
 </cs:chartStyle>
 </file>
 
+<file path=ppt/charts/style3.xml><?xml version="1.0" encoding="utf-8"?>
+<cs:chartStyle xmlns:cs="http://schemas.microsoft.com/office/drawing/2012/chartStyle" xmlns:a="http://schemas.openxmlformats.org/drawingml/2006/main" id="201">
+  <cs:axisTitle>
+    <cs:lnRef idx="0"/>
+    <cs:fillRef idx="0"/>
+    <cs:effectRef idx="0"/>
+    <cs:fontRef idx="minor">
+      <a:schemeClr val="tx1">
+        <a:lumMod val="65000"/>
+        <a:lumOff val="35000"/>
+      </a:schemeClr>
+    </cs:fontRef>
+    <cs:defRPr sz="1000" kern="1200"/>
+  </cs:axisTitle>
+  <cs:categoryAxis>
+    <cs:lnRef idx="0"/>
+    <cs:fillRef idx="0"/>
+    <cs:effectRef idx="0"/>
+    <cs:fontRef idx="minor">
+      <a:schemeClr val="tx1">
+        <a:lumMod val="65000"/>
+        <a:lumOff val="35000"/>
+      </a:schemeClr>
+    </cs:fontRef>
+    <cs:spPr>
+      <a:ln w="9525" cap="flat" cmpd="sng" algn="ctr">
+        <a:solidFill>
+          <a:schemeClr val="tx1">
+            <a:lumMod val="15000"/>
+            <a:lumOff val="85000"/>
+          </a:schemeClr>
+        </a:solidFill>
+        <a:round/>
+      </a:ln>
+    </cs:spPr>
+    <cs:defRPr sz="900" kern="1200"/>
+  </cs:categoryAxis>
+  <cs:chartArea mods="allowNoFillOverride allowNoLineOverride">
+    <cs:lnRef idx="0"/>
+    <cs:fillRef idx="0"/>
+    <cs:effectRef idx="0"/>
+    <cs:fontRef idx="minor">
+      <a:schemeClr val="tx1"/>
+    </cs:fontRef>
+    <cs:spPr>
+      <a:solidFill>
+        <a:schemeClr val="bg1"/>
+      </a:solidFill>
+      <a:ln w="9525" cap="flat" cmpd="sng" algn="ctr">
+        <a:solidFill>
+          <a:schemeClr val="tx1">
+            <a:lumMod val="15000"/>
+            <a:lumOff val="85000"/>
+          </a:schemeClr>
+        </a:solidFill>
+        <a:round/>
+      </a:ln>
+    </cs:spPr>
+    <cs:defRPr sz="1000" kern="1200"/>
+  </cs:chartArea>
+  <cs:dataLabel>
+    <cs:lnRef idx="0"/>
+    <cs:fillRef idx="0"/>
+    <cs:effectRef idx="0"/>
+    <cs:fontRef idx="minor">
+      <a:schemeClr val="tx1">
+        <a:lumMod val="75000"/>
+        <a:lumOff val="25000"/>
+      </a:schemeClr>
+    </cs:fontRef>
+    <cs:defRPr sz="900" kern="1200"/>
+  </cs:dataLabel>
+  <cs:dataLabelCallout>
+    <cs:lnRef idx="0"/>
+    <cs:fillRef idx="0"/>
+    <cs:effectRef idx="0"/>
+    <cs:fontRef idx="minor">
+      <a:schemeClr val="dk1">
+        <a:lumMod val="65000"/>
+        <a:lumOff val="35000"/>
+      </a:schemeClr>
+    </cs:fontRef>
+    <cs:spPr>
+      <a:solidFill>
+        <a:schemeClr val="lt1"/>
+      </a:solidFill>
+      <a:ln>
+        <a:solidFill>
+          <a:schemeClr val="dk1">
+            <a:lumMod val="25000"/>
+            <a:lumOff val="75000"/>
+          </a:schemeClr>
+        </a:solidFill>
+      </a:ln>
+    </cs:spPr>
+    <cs:defRPr sz="900" kern="1200"/>
+    <cs:bodyPr rot="0" spcFirstLastPara="1" vertOverflow="clip" horzOverflow="clip" vert="horz" wrap="square" lIns="36576" tIns="18288" rIns="36576" bIns="18288" anchor="ctr" anchorCtr="1">
+      <a:spAutoFit/>
+    </cs:bodyPr>
+  </cs:dataLabelCallout>
+  <cs:dataPoint>
+    <cs:lnRef idx="0"/>
+    <cs:fillRef idx="1">
+      <cs:styleClr val="auto"/>
+    </cs:fillRef>
+    <cs:effectRef idx="0"/>
+    <cs:fontRef idx="minor">
+      <a:schemeClr val="tx1"/>
+    </cs:fontRef>
+  </cs:dataPoint>
+  <cs:dataPoint3D>
+    <cs:lnRef idx="0"/>
+    <cs:fillRef idx="1">
+      <cs:styleClr val="auto"/>
+    </cs:fillRef>
+    <cs:effectRef idx="0"/>
+    <cs:fontRef idx="minor">
+      <a:schemeClr val="tx1"/>
+    </cs:fontRef>
+  </cs:dataPoint3D>
+  <cs:dataPointLine>
+    <cs:lnRef idx="0">
+      <cs:styleClr val="auto"/>
+    </cs:lnRef>
+    <cs:fillRef idx="1"/>
+    <cs:effectRef idx="0"/>
+    <cs:fontRef idx="minor">
+      <a:schemeClr val="tx1"/>
+    </cs:fontRef>
+    <cs:spPr>
+      <a:ln w="28575" cap="rnd">
+        <a:solidFill>
+          <a:schemeClr val="phClr"/>
+        </a:solidFill>
+        <a:round/>
+      </a:ln>
+    </cs:spPr>
+  </cs:dataPointLine>
+  <cs:dataPointMarker>
+    <cs:lnRef idx="0">
+      <cs:styleClr val="auto"/>
+    </cs:lnRef>
+    <cs:fillRef idx="1">
+      <cs:styleClr val="auto"/>
+    </cs:fillRef>
+    <cs:effectRef idx="0"/>
+    <cs:fontRef idx="minor">
+      <a:schemeClr val="tx1"/>
+    </cs:fontRef>
+    <cs:spPr>
+      <a:ln w="9525">
+        <a:solidFill>
+          <a:schemeClr val="phClr"/>
+        </a:solidFill>
+      </a:ln>
+    </cs:spPr>
+  </cs:dataPointMarker>
+  <cs:dataPointMarkerLayout symbol="circle" size="5"/>
+  <cs:dataPointWireframe>
+    <cs:lnRef idx="0">
+      <cs:styleClr val="auto"/>
+    </cs:lnRef>
+    <cs:fillRef idx="1"/>
+    <cs:effectRef idx="0"/>
+    <cs:fontRef idx="minor">
+      <a:schemeClr val="tx1"/>
+    </cs:fontRef>
+    <cs:spPr>
+      <a:ln w="9525" cap="rnd">
+        <a:solidFill>
+          <a:schemeClr val="phClr"/>
+        </a:solidFill>
+        <a:round/>
+      </a:ln>
+    </cs:spPr>
+  </cs:dataPointWireframe>
+  <cs:dataTable>
+    <cs:lnRef idx="0"/>
+    <cs:fillRef idx="0"/>
+    <cs:effectRef idx="0"/>
+    <cs:fontRef idx="minor">
+      <a:schemeClr val="tx1">
+        <a:lumMod val="65000"/>
+        <a:lumOff val="35000"/>
+      </a:schemeClr>
+    </cs:fontRef>
+    <cs:spPr>
+      <a:noFill/>
+      <a:ln w="9525" cap="flat" cmpd="sng" algn="ctr">
+        <a:solidFill>
+          <a:schemeClr val="tx1">
+            <a:lumMod val="15000"/>
+            <a:lumOff val="85000"/>
+          </a:schemeClr>
+        </a:solidFill>
+        <a:round/>
+      </a:ln>
+    </cs:spPr>
+    <cs:defRPr sz="900" kern="1200"/>
+  </cs:dataTable>
+  <cs:downBar>
+    <cs:lnRef idx="0"/>
+    <cs:fillRef idx="0"/>
+    <cs:effectRef idx="0"/>
+    <cs:fontRef idx="minor">
+      <a:schemeClr val="dk1"/>
+    </cs:fontRef>
+    <cs:spPr>
+      <a:solidFill>
+        <a:schemeClr val="dk1">
+          <a:lumMod val="65000"/>
+          <a:lumOff val="35000"/>
+        </a:schemeClr>
+      </a:solidFill>
+      <a:ln w="9525">
+        <a:solidFill>
+          <a:schemeClr val="tx1">
+            <a:lumMod val="65000"/>
+            <a:lumOff val="35000"/>
+          </a:schemeClr>
+        </a:solidFill>
+      </a:ln>
+    </cs:spPr>
+  </cs:downBar>
+  <cs:dropLine>
+    <cs:lnRef idx="0"/>
+    <cs:fillRef idx="0"/>
+    <cs:effectRef idx="0"/>
+    <cs:fontRef idx="minor">
+      <a:schemeClr val="tx1"/>
+    </cs:fontRef>
+    <cs:spPr>
+      <a:ln w="9525" cap="flat" cmpd="sng" algn="ctr">
+        <a:solidFill>
+          <a:schemeClr val="tx1">
+            <a:lumMod val="35000"/>
+            <a:lumOff val="65000"/>
+          </a:schemeClr>
+        </a:solidFill>
+        <a:round/>
+      </a:ln>
+    </cs:spPr>
+  </cs:dropLine>
+  <cs:errorBar>
+    <cs:lnRef idx="0"/>
+    <cs:fillRef idx="0"/>
+    <cs:effectRef idx="0"/>
+    <cs:fontRef idx="minor">
+      <a:schemeClr val="tx1"/>
+    </cs:fontRef>
+    <cs:spPr>
+      <a:ln w="9525" cap="flat" cmpd="sng" algn="ctr">
+        <a:solidFill>
+          <a:schemeClr val="tx1">
+            <a:lumMod val="65000"/>
+            <a:lumOff val="35000"/>
+          </a:schemeClr>
+        </a:solidFill>
+        <a:round/>
+      </a:ln>
+    </cs:spPr>
+  </cs:errorBar>
+  <cs:floor>
+    <cs:lnRef idx="0"/>
+    <cs:fillRef idx="0"/>
+    <cs:effectRef idx="0"/>
+    <cs:fontRef idx="minor">
+      <a:schemeClr val="tx1"/>
+    </cs:fontRef>
+    <cs:spPr>
+      <a:noFill/>
+      <a:ln>
+        <a:noFill/>
+      </a:ln>
+    </cs:spPr>
+  </cs:floor>
+  <cs:gridlineMajor>
+    <cs:lnRef idx="0"/>
+    <cs:fillRef idx="0"/>
+    <cs:effectRef idx="0"/>
+    <cs:fontRef idx="minor">
+      <a:schemeClr val="tx1"/>
+    </cs:fontRef>
+    <cs:spPr>
+      <a:ln w="9525" cap="flat" cmpd="sng" algn="ctr">
+        <a:solidFill>
+          <a:schemeClr val="tx1">
+            <a:lumMod val="15000"/>
+            <a:lumOff val="85000"/>
+          </a:schemeClr>
+        </a:solidFill>
+        <a:round/>
+      </a:ln>
+    </cs:spPr>
+  </cs:gridlineMajor>
+  <cs:gridlineMinor>
+    <cs:lnRef idx="0"/>
+    <cs:fillRef idx="0"/>
+    <cs:effectRef idx="0"/>
+    <cs:fontRef idx="minor">
+      <a:schemeClr val="tx1"/>
+    </cs:fontRef>
+    <cs:spPr>
+      <a:ln w="9525" cap="flat" cmpd="sng" algn="ctr">
+        <a:solidFill>
+          <a:schemeClr val="tx1">
+            <a:lumMod val="5000"/>
+            <a:lumOff val="95000"/>
+          </a:schemeClr>
+        </a:solidFill>
+        <a:round/>
+      </a:ln>
+    </cs:spPr>
+  </cs:gridlineMinor>
+  <cs:hiLoLine>
+    <cs:lnRef idx="0"/>
+    <cs:fillRef idx="0"/>
+    <cs:effectRef idx="0"/>
+    <cs:fontRef idx="minor">
+      <a:schemeClr val="tx1"/>
+    </cs:fontRef>
+    <cs:spPr>
+      <a:ln w="9525" cap="flat" cmpd="sng" algn="ctr">
+        <a:solidFill>
+          <a:schemeClr val="tx1">
+            <a:lumMod val="75000"/>
+            <a:lumOff val="25000"/>
+          </a:schemeClr>
+        </a:solidFill>
+        <a:round/>
+      </a:ln>
+    </cs:spPr>
+  </cs:hiLoLine>
+  <cs:leaderLine>
+    <cs:lnRef idx="0"/>
+    <cs:fillRef idx="0"/>
+    <cs:effectRef idx="0"/>
+    <cs:fontRef idx="minor">
+      <a:schemeClr val="tx1"/>
+    </cs:fontRef>
+    <cs:spPr>
+      <a:ln w="9525" cap="flat" cmpd="sng" algn="ctr">
+        <a:solidFill>
+          <a:schemeClr val="tx1">
+            <a:lumMod val="35000"/>
+            <a:lumOff val="65000"/>
+          </a:schemeClr>
+        </a:solidFill>
+        <a:round/>
+      </a:ln>
+    </cs:spPr>
+  </cs:leaderLine>
+  <cs:legend>
+    <cs:lnRef idx="0"/>
+    <cs:fillRef idx="0"/>
+    <cs:effectRef idx="0"/>
+    <cs:fontRef idx="minor">
+      <a:schemeClr val="tx1">
+        <a:lumMod val="65000"/>
+        <a:lumOff val="35000"/>
+      </a:schemeClr>
+    </cs:fontRef>
+    <cs:defRPr sz="900" kern="1200"/>
+  </cs:legend>
+  <cs:plotArea mods="allowNoFillOverride allowNoLineOverride">
+    <cs:lnRef idx="0"/>
+    <cs:fillRef idx="0"/>
+    <cs:effectRef idx="0"/>
+    <cs:fontRef idx="minor">
+      <a:schemeClr val="tx1"/>
+    </cs:fontRef>
+  </cs:plotArea>
+  <cs:plotArea3D mods="allowNoFillOverride allowNoLineOverride">
+    <cs:lnRef idx="0"/>
+    <cs:fillRef idx="0"/>
+    <cs:effectRef idx="0"/>
+    <cs:fontRef idx="minor">
+      <a:schemeClr val="tx1"/>
+    </cs:fontRef>
+  </cs:plotArea3D>
+  <cs:seriesAxis>
+    <cs:lnRef idx="0"/>
+    <cs:fillRef idx="0"/>
+    <cs:effectRef idx="0"/>
+    <cs:fontRef idx="minor">
+      <a:schemeClr val="tx1">
+        <a:lumMod val="65000"/>
+        <a:lumOff val="35000"/>
+      </a:schemeClr>
+    </cs:fontRef>
+    <cs:defRPr sz="900" kern="1200"/>
+  </cs:seriesAxis>
+  <cs:seriesLine>
+    <cs:lnRef idx="0"/>
+    <cs:fillRef idx="0"/>
+    <cs:effectRef idx="0"/>
+    <cs:fontRef idx="minor">
+      <a:schemeClr val="tx1"/>
+    </cs:fontRef>
+    <cs:spPr>
+      <a:ln w="9525" cap="flat" cmpd="sng" algn="ctr">
+        <a:solidFill>
+          <a:schemeClr val="tx1">
+            <a:lumMod val="35000"/>
+            <a:lumOff val="65000"/>
+          </a:schemeClr>
+        </a:solidFill>
+        <a:round/>
+      </a:ln>
+    </cs:spPr>
+  </cs:seriesLine>
+  <cs:title>
+    <cs:lnRef idx="0"/>
+    <cs:fillRef idx="0"/>
+    <cs:effectRef idx="0"/>
+    <cs:fontRef idx="minor">
+      <a:schemeClr val="tx1">
+        <a:lumMod val="65000"/>
+        <a:lumOff val="35000"/>
+      </a:schemeClr>
+    </cs:fontRef>
+    <cs:defRPr sz="1400" b="0" kern="1200" spc="0" baseline="0"/>
+  </cs:title>
+  <cs:trendline>
+    <cs:lnRef idx="0">
+      <cs:styleClr val="auto"/>
+    </cs:lnRef>
+    <cs:fillRef idx="0"/>
+    <cs:effectRef idx="0"/>
+    <cs:fontRef idx="minor">
+      <a:schemeClr val="tx1"/>
+    </cs:fontRef>
+    <cs:spPr>
+      <a:ln w="19050" cap="rnd">
+        <a:solidFill>
+          <a:schemeClr val="phClr"/>
+        </a:solidFill>
+        <a:prstDash val="sysDot"/>
+      </a:ln>
+    </cs:spPr>
+  </cs:trendline>
+  <cs:trendlineLabel>
+    <cs:lnRef idx="0"/>
+    <cs:fillRef idx="0"/>
+    <cs:effectRef idx="0"/>
+    <cs:fontRef idx="minor">
+      <a:schemeClr val="tx1">
+        <a:lumMod val="65000"/>
+        <a:lumOff val="35000"/>
+      </a:schemeClr>
+    </cs:fontRef>
+    <cs:defRPr sz="900" kern="1200"/>
+  </cs:trendlineLabel>
+  <cs:upBar>
+    <cs:lnRef idx="0"/>
+    <cs:fillRef idx="0"/>
+    <cs:effectRef idx="0"/>
+    <cs:fontRef idx="minor">
+      <a:schemeClr val="dk1"/>
+    </cs:fontRef>
+    <cs:spPr>
+      <a:solidFill>
+        <a:schemeClr val="lt1"/>
+      </a:solidFill>
+      <a:ln w="9525">
+        <a:solidFill>
+          <a:schemeClr val="tx1">
+            <a:lumMod val="15000"/>
+            <a:lumOff val="85000"/>
+          </a:schemeClr>
+        </a:solidFill>
+      </a:ln>
+    </cs:spPr>
+  </cs:upBar>
+  <cs:valueAxis>
+    <cs:lnRef idx="0"/>
+    <cs:fillRef idx="0"/>
+    <cs:effectRef idx="0"/>
+    <cs:fontRef idx="minor">
+      <a:schemeClr val="tx1">
+        <a:lumMod val="65000"/>
+        <a:lumOff val="35000"/>
+      </a:schemeClr>
+    </cs:fontRef>
+    <cs:defRPr sz="900" kern="1200"/>
+  </cs:valueAxis>
+  <cs:wall>
+    <cs:lnRef idx="0"/>
+    <cs:fillRef idx="0"/>
+    <cs:effectRef idx="0"/>
+    <cs:fontRef idx="minor">
+      <a:schemeClr val="tx1"/>
+    </cs:fontRef>
+    <cs:spPr>
+      <a:noFill/>
+      <a:ln>
+        <a:noFill/>
+      </a:ln>
+    </cs:spPr>
+  </cs:wall>
+</cs:chartStyle>
+</file>
+
+<file path=ppt/notesMasters/notesMaster1.xml><?xml version="1.0" encoding="utf-8"?>
+<p:notesMaster xmlns:a="http://schemas.openxmlformats.org/drawingml/2006/main" xmlns:r="http://schemas.openxmlformats.org/officeDocument/2006/relationships" xmlns:p="http://schemas.openxmlformats.org/presentationml/2006/main">
+  <p:cSld>
+    <p:bg>
+      <p:bgRef idx="1001">
+        <a:schemeClr val="bg1"/>
+      </p:bgRef>
+    </p:bg>
+    <p:spTree>
+      <p:nvGrpSpPr>
+        <p:cNvPr id="1" name=""/>
+        <p:cNvGrpSpPr/>
+        <p:nvPr/>
+      </p:nvGrpSpPr>
+      <p:grpSpPr>
+        <a:xfrm>
+          <a:off x="0" y="0"/>
+          <a:ext cx="0" cy="0"/>
+          <a:chOff x="0" y="0"/>
+          <a:chExt cx="0" cy="0"/>
+        </a:xfrm>
+      </p:grpSpPr>
+      <p:sp>
+        <p:nvSpPr>
+          <p:cNvPr id="2" name="Header Placeholder 1"/>
+          <p:cNvSpPr>
+            <a:spLocks noGrp="1"/>
+          </p:cNvSpPr>
+          <p:nvPr>
+            <p:ph type="hdr" sz="quarter"/>
+          </p:nvPr>
+        </p:nvSpPr>
+        <p:spPr>
+          <a:xfrm>
+            <a:off x="0" y="0"/>
+            <a:ext cx="2971800" cy="458788"/>
+          </a:xfrm>
+          <a:prstGeom prst="rect">
+            <a:avLst/>
+          </a:prstGeom>
+        </p:spPr>
+        <p:txBody>
+          <a:bodyPr vert="horz" lIns="91440" tIns="45720" rIns="91440" bIns="45720" rtlCol="0"/>
+          <a:lstStyle>
+            <a:lvl1pPr algn="l">
+              <a:defRPr sz="1200"/>
+            </a:lvl1pPr>
+          </a:lstStyle>
+          <a:p>
+            <a:endParaRPr lang="id-ID"/>
+          </a:p>
+        </p:txBody>
+      </p:sp>
+      <p:sp>
+        <p:nvSpPr>
+          <p:cNvPr id="3" name="Date Placeholder 2"/>
+          <p:cNvSpPr>
+            <a:spLocks noGrp="1"/>
+          </p:cNvSpPr>
+          <p:nvPr>
+            <p:ph type="dt" idx="1"/>
+          </p:nvPr>
+        </p:nvSpPr>
+        <p:spPr>
+          <a:xfrm>
+            <a:off x="3884613" y="0"/>
+            <a:ext cx="2971800" cy="458788"/>
+          </a:xfrm>
+          <a:prstGeom prst="rect">
+            <a:avLst/>
+          </a:prstGeom>
+        </p:spPr>
+        <p:txBody>
+          <a:bodyPr vert="horz" lIns="91440" tIns="45720" rIns="91440" bIns="45720" rtlCol="0"/>
+          <a:lstStyle>
+            <a:lvl1pPr algn="r">
+              <a:defRPr sz="1200"/>
+            </a:lvl1pPr>
+          </a:lstStyle>
+          <a:p>
+            <a:fld id="{9467BBC5-6EA7-4C97-989C-994532D7BCA7}" type="datetimeFigureOut">
+              <a:rPr lang="id-ID" smtClean="0"/>
+              <a:t>18/07/2016</a:t>
+            </a:fld>
+            <a:endParaRPr lang="id-ID"/>
+          </a:p>
+        </p:txBody>
+      </p:sp>
+      <p:sp>
+        <p:nvSpPr>
+          <p:cNvPr id="4" name="Slide Image Placeholder 3"/>
+          <p:cNvSpPr>
+            <a:spLocks noGrp="1" noRot="1" noChangeAspect="1"/>
+          </p:cNvSpPr>
+          <p:nvPr>
+            <p:ph type="sldImg" idx="2"/>
+          </p:nvPr>
+        </p:nvSpPr>
+        <p:spPr>
+          <a:xfrm>
+            <a:off x="685800" y="1143000"/>
+            <a:ext cx="5486400" cy="3086100"/>
+          </a:xfrm>
+          <a:prstGeom prst="rect">
+            <a:avLst/>
+          </a:prstGeom>
+          <a:noFill/>
+          <a:ln w="12700">
+            <a:solidFill>
+              <a:prstClr val="black"/>
+            </a:solidFill>
+          </a:ln>
+        </p:spPr>
+        <p:txBody>
+          <a:bodyPr vert="horz" lIns="91440" tIns="45720" rIns="91440" bIns="45720" rtlCol="0" anchor="ctr"/>
+          <a:lstStyle/>
+          <a:p>
+            <a:endParaRPr lang="id-ID"/>
+          </a:p>
+        </p:txBody>
+      </p:sp>
+      <p:sp>
+        <p:nvSpPr>
+          <p:cNvPr id="5" name="Notes Placeholder 4"/>
+          <p:cNvSpPr>
+            <a:spLocks noGrp="1"/>
+          </p:cNvSpPr>
+          <p:nvPr>
+            <p:ph type="body" sz="quarter" idx="3"/>
+          </p:nvPr>
+        </p:nvSpPr>
+        <p:spPr>
+          <a:xfrm>
+            <a:off x="685800" y="4400550"/>
+            <a:ext cx="5486400" cy="3600450"/>
+          </a:xfrm>
+          <a:prstGeom prst="rect">
+            <a:avLst/>
+          </a:prstGeom>
+        </p:spPr>
+        <p:txBody>
+          <a:bodyPr vert="horz" lIns="91440" tIns="45720" rIns="91440" bIns="45720" rtlCol="0"/>
+          <a:lstStyle/>
+          <a:p>
+            <a:pPr lvl="0"/>
+            <a:r>
+              <a:rPr lang="en-US" smtClean="0"/>
+              <a:t>Edit Master text styles</a:t>
+            </a:r>
+          </a:p>
+          <a:p>
+            <a:pPr lvl="1"/>
+            <a:r>
+              <a:rPr lang="en-US" smtClean="0"/>
+              <a:t>Second level</a:t>
+            </a:r>
+          </a:p>
+          <a:p>
+            <a:pPr lvl="2"/>
+            <a:r>
+              <a:rPr lang="en-US" smtClean="0"/>
+              <a:t>Third level</a:t>
+            </a:r>
+          </a:p>
+          <a:p>
+            <a:pPr lvl="3"/>
+            <a:r>
+              <a:rPr lang="en-US" smtClean="0"/>
+              <a:t>Fourth level</a:t>
+            </a:r>
+          </a:p>
+          <a:p>
+            <a:pPr lvl="4"/>
+            <a:r>
+              <a:rPr lang="en-US" smtClean="0"/>
+              <a:t>Fifth level</a:t>
+            </a:r>
+            <a:endParaRPr lang="id-ID"/>
+          </a:p>
+        </p:txBody>
+      </p:sp>
+      <p:sp>
+        <p:nvSpPr>
+          <p:cNvPr id="6" name="Footer Placeholder 5"/>
+          <p:cNvSpPr>
+            <a:spLocks noGrp="1"/>
+          </p:cNvSpPr>
+          <p:nvPr>
+            <p:ph type="ftr" sz="quarter" idx="4"/>
+          </p:nvPr>
+        </p:nvSpPr>
+        <p:spPr>
+          <a:xfrm>
+            <a:off x="0" y="8685213"/>
+            <a:ext cx="2971800" cy="458787"/>
+          </a:xfrm>
+          <a:prstGeom prst="rect">
+            <a:avLst/>
+          </a:prstGeom>
+        </p:spPr>
+        <p:txBody>
+          <a:bodyPr vert="horz" lIns="91440" tIns="45720" rIns="91440" bIns="45720" rtlCol="0" anchor="b"/>
+          <a:lstStyle>
+            <a:lvl1pPr algn="l">
+              <a:defRPr sz="1200"/>
+            </a:lvl1pPr>
+          </a:lstStyle>
+          <a:p>
+            <a:endParaRPr lang="id-ID"/>
+          </a:p>
+        </p:txBody>
+      </p:sp>
+      <p:sp>
+        <p:nvSpPr>
+          <p:cNvPr id="7" name="Slide Number Placeholder 6"/>
+          <p:cNvSpPr>
+            <a:spLocks noGrp="1"/>
+          </p:cNvSpPr>
+          <p:nvPr>
+            <p:ph type="sldNum" sz="quarter" idx="5"/>
+          </p:nvPr>
+        </p:nvSpPr>
+        <p:spPr>
+          <a:xfrm>
+            <a:off x="3884613" y="8685213"/>
+            <a:ext cx="2971800" cy="458787"/>
+          </a:xfrm>
+          <a:prstGeom prst="rect">
+            <a:avLst/>
+          </a:prstGeom>
+        </p:spPr>
+        <p:txBody>
+          <a:bodyPr vert="horz" lIns="91440" tIns="45720" rIns="91440" bIns="45720" rtlCol="0" anchor="b"/>
+          <a:lstStyle>
+            <a:lvl1pPr algn="r">
+              <a:defRPr sz="1200"/>
+            </a:lvl1pPr>
+          </a:lstStyle>
+          <a:p>
+            <a:fld id="{351B6650-50B9-4771-9139-DE76D2880F02}" type="slidenum">
+              <a:rPr lang="id-ID" smtClean="0"/>
+              <a:t>‹#›</a:t>
+            </a:fld>
+            <a:endParaRPr lang="id-ID"/>
+          </a:p>
+        </p:txBody>
+      </p:sp>
+    </p:spTree>
+    <p:extLst>
+      <p:ext uri="{BB962C8B-B14F-4D97-AF65-F5344CB8AC3E}">
+        <p14:creationId xmlns:p14="http://schemas.microsoft.com/office/powerpoint/2010/main" val="1746318283"/>
+      </p:ext>
+    </p:extLst>
+  </p:cSld>
+  <p:clrMap bg1="lt1" tx1="dk1" bg2="lt2" tx2="dk2" accent1="accent1" accent2="accent2" accent3="accent3" accent4="accent4" accent5="accent5" accent6="accent6" hlink="hlink" folHlink="folHlink"/>
+  <p:notesStyle>
+    <a:lvl1pPr marL="0" algn="l" defTabSz="914400" rtl="0" eaLnBrk="1" latinLnBrk="0" hangingPunct="1">
+      <a:defRPr sz="1200" kern="1200">
+        <a:solidFill>
+          <a:schemeClr val="tx1"/>
+        </a:solidFill>
+        <a:latin typeface="+mn-lt"/>
+        <a:ea typeface="+mn-ea"/>
+        <a:cs typeface="+mn-cs"/>
+      </a:defRPr>
+    </a:lvl1pPr>
+    <a:lvl2pPr marL="457200" algn="l" defTabSz="914400" rtl="0" eaLnBrk="1" latinLnBrk="0" hangingPunct="1">
+      <a:defRPr sz="1200" kern="1200">
+        <a:solidFill>
+          <a:schemeClr val="tx1"/>
+        </a:solidFill>
+        <a:latin typeface="+mn-lt"/>
+        <a:ea typeface="+mn-ea"/>
+        <a:cs typeface="+mn-cs"/>
+      </a:defRPr>
+    </a:lvl2pPr>
+    <a:lvl3pPr marL="914400" algn="l" defTabSz="914400" rtl="0" eaLnBrk="1" latinLnBrk="0" hangingPunct="1">
+      <a:defRPr sz="1200" kern="1200">
+        <a:solidFill>
+          <a:schemeClr val="tx1"/>
+        </a:solidFill>
+        <a:latin typeface="+mn-lt"/>
+        <a:ea typeface="+mn-ea"/>
+        <a:cs typeface="+mn-cs"/>
+      </a:defRPr>
+    </a:lvl3pPr>
+    <a:lvl4pPr marL="1371600" algn="l" defTabSz="914400" rtl="0" eaLnBrk="1" latinLnBrk="0" hangingPunct="1">
+      <a:defRPr sz="1200" kern="1200">
+        <a:solidFill>
+          <a:schemeClr val="tx1"/>
+        </a:solidFill>
+        <a:latin typeface="+mn-lt"/>
+        <a:ea typeface="+mn-ea"/>
+        <a:cs typeface="+mn-cs"/>
+      </a:defRPr>
+    </a:lvl4pPr>
+    <a:lvl5pPr marL="1828800" algn="l" defTabSz="914400" rtl="0" eaLnBrk="1" latinLnBrk="0" hangingPunct="1">
+      <a:defRPr sz="1200" kern="1200">
+        <a:solidFill>
+          <a:schemeClr val="tx1"/>
+        </a:solidFill>
+        <a:latin typeface="+mn-lt"/>
+        <a:ea typeface="+mn-ea"/>
+        <a:cs typeface="+mn-cs"/>
+      </a:defRPr>
+    </a:lvl5pPr>
+    <a:lvl6pPr marL="2286000" algn="l" defTabSz="914400" rtl="0" eaLnBrk="1" latinLnBrk="0" hangingPunct="1">
+      <a:defRPr sz="1200" kern="1200">
+        <a:solidFill>
+          <a:schemeClr val="tx1"/>
+        </a:solidFill>
+        <a:latin typeface="+mn-lt"/>
+        <a:ea typeface="+mn-ea"/>
+        <a:cs typeface="+mn-cs"/>
+      </a:defRPr>
+    </a:lvl6pPr>
+    <a:lvl7pPr marL="2743200" algn="l" defTabSz="914400" rtl="0" eaLnBrk="1" latinLnBrk="0" hangingPunct="1">
+      <a:defRPr sz="1200" kern="1200">
+        <a:solidFill>
+          <a:schemeClr val="tx1"/>
+        </a:solidFill>
+        <a:latin typeface="+mn-lt"/>
+        <a:ea typeface="+mn-ea"/>
+        <a:cs typeface="+mn-cs"/>
+      </a:defRPr>
+    </a:lvl7pPr>
+    <a:lvl8pPr marL="3200400" algn="l" defTabSz="914400" rtl="0" eaLnBrk="1" latinLnBrk="0" hangingPunct="1">
+      <a:defRPr sz="1200" kern="1200">
+        <a:solidFill>
+          <a:schemeClr val="tx1"/>
+        </a:solidFill>
+        <a:latin typeface="+mn-lt"/>
+        <a:ea typeface="+mn-ea"/>
+        <a:cs typeface="+mn-cs"/>
+      </a:defRPr>
+    </a:lvl8pPr>
+    <a:lvl9pPr marL="3657600" algn="l" defTabSz="914400" rtl="0" eaLnBrk="1" latinLnBrk="0" hangingPunct="1">
+      <a:defRPr sz="1200" kern="1200">
+        <a:solidFill>
+          <a:schemeClr val="tx1"/>
+        </a:solidFill>
+        <a:latin typeface="+mn-lt"/>
+        <a:ea typeface="+mn-ea"/>
+        <a:cs typeface="+mn-cs"/>
+      </a:defRPr>
+    </a:lvl9pPr>
+  </p:notesStyle>
+</p:notesMaster>
+</file>
+
+<file path=ppt/notesSlides/notesSlide1.xml><?xml version="1.0" encoding="utf-8"?>
+<p:notes xmlns:a="http://schemas.openxmlformats.org/drawingml/2006/main" xmlns:r="http://schemas.openxmlformats.org/officeDocument/2006/relationships" xmlns:p="http://schemas.openxmlformats.org/presentationml/2006/main">
+  <p:cSld>
+    <p:spTree>
+      <p:nvGrpSpPr>
+        <p:cNvPr id="1" name=""/>
+        <p:cNvGrpSpPr/>
+        <p:nvPr/>
+      </p:nvGrpSpPr>
+      <p:grpSpPr>
+        <a:xfrm>
+          <a:off x="0" y="0"/>
+          <a:ext cx="0" cy="0"/>
+          <a:chOff x="0" y="0"/>
+          <a:chExt cx="0" cy="0"/>
+        </a:xfrm>
+      </p:grpSpPr>
+      <p:sp>
+        <p:nvSpPr>
+          <p:cNvPr id="2" name="Slide Image Placeholder 1"/>
+          <p:cNvSpPr>
+            <a:spLocks noGrp="1" noRot="1" noChangeAspect="1"/>
+          </p:cNvSpPr>
+          <p:nvPr>
+            <p:ph type="sldImg"/>
+          </p:nvPr>
+        </p:nvSpPr>
+        <p:spPr/>
+      </p:sp>
+      <p:sp>
+        <p:nvSpPr>
+          <p:cNvPr id="3" name="Notes Placeholder 2"/>
+          <p:cNvSpPr>
+            <a:spLocks noGrp="1"/>
+          </p:cNvSpPr>
+          <p:nvPr>
+            <p:ph type="body" idx="1"/>
+          </p:nvPr>
+        </p:nvSpPr>
+        <p:spPr/>
+        <p:txBody>
+          <a:bodyPr/>
+          <a:lstStyle/>
+          <a:p>
+            <a:pPr lvl="0"/>
+            <a:r>
+              <a:rPr lang="en-US" sz="1200" kern="1200" dirty="0" err="1" smtClean="0">
+                <a:solidFill>
+                  <a:schemeClr val="tx1"/>
+                </a:solidFill>
+                <a:effectLst/>
+                <a:latin typeface="+mn-lt"/>
+                <a:ea typeface="+mn-ea"/>
+                <a:cs typeface="+mn-cs"/>
+              </a:rPr>
+              <a:t>Skenario</a:t>
+            </a:r>
+            <a:r>
+              <a:rPr lang="en-US" sz="1200" kern="1200" dirty="0" smtClean="0">
+                <a:solidFill>
+                  <a:schemeClr val="tx1"/>
+                </a:solidFill>
+                <a:effectLst/>
+                <a:latin typeface="+mn-lt"/>
+                <a:ea typeface="+mn-ea"/>
+                <a:cs typeface="+mn-cs"/>
+              </a:rPr>
+              <a:t> 1: </a:t>
+            </a:r>
+            <a:r>
+              <a:rPr lang="en-US" sz="1200" kern="1200" dirty="0" err="1" smtClean="0">
+                <a:solidFill>
+                  <a:schemeClr val="tx1"/>
+                </a:solidFill>
+                <a:effectLst/>
+                <a:latin typeface="+mn-lt"/>
+                <a:ea typeface="+mn-ea"/>
+                <a:cs typeface="+mn-cs"/>
+              </a:rPr>
+              <a:t>ApacheBench</a:t>
+            </a:r>
+            <a:r>
+              <a:rPr lang="en-US" sz="1200" kern="1200" dirty="0" smtClean="0">
+                <a:solidFill>
+                  <a:schemeClr val="tx1"/>
+                </a:solidFill>
+                <a:effectLst/>
+                <a:latin typeface="+mn-lt"/>
+                <a:ea typeface="+mn-ea"/>
+                <a:cs typeface="+mn-cs"/>
+              </a:rPr>
+              <a:t> </a:t>
+            </a:r>
+            <a:r>
+              <a:rPr lang="en-US" sz="1200" kern="1200" dirty="0" err="1" smtClean="0">
+                <a:solidFill>
+                  <a:schemeClr val="tx1"/>
+                </a:solidFill>
+                <a:effectLst/>
+                <a:latin typeface="+mn-lt"/>
+                <a:ea typeface="+mn-ea"/>
+                <a:cs typeface="+mn-cs"/>
+              </a:rPr>
+              <a:t>dijalankan</a:t>
+            </a:r>
+            <a:r>
+              <a:rPr lang="en-US" sz="1200" kern="1200" dirty="0" smtClean="0">
+                <a:solidFill>
+                  <a:schemeClr val="tx1"/>
+                </a:solidFill>
+                <a:effectLst/>
+                <a:latin typeface="+mn-lt"/>
+                <a:ea typeface="+mn-ea"/>
+                <a:cs typeface="+mn-cs"/>
+              </a:rPr>
+              <a:t> </a:t>
+            </a:r>
+            <a:r>
+              <a:rPr lang="en-US" sz="1200" kern="1200" dirty="0" err="1" smtClean="0">
+                <a:solidFill>
+                  <a:schemeClr val="tx1"/>
+                </a:solidFill>
+                <a:effectLst/>
+                <a:latin typeface="+mn-lt"/>
+                <a:ea typeface="+mn-ea"/>
+                <a:cs typeface="+mn-cs"/>
+              </a:rPr>
+              <a:t>ketika</a:t>
+            </a:r>
+            <a:r>
+              <a:rPr lang="en-US" sz="1200" kern="1200" dirty="0" smtClean="0">
+                <a:solidFill>
+                  <a:schemeClr val="tx1"/>
+                </a:solidFill>
+                <a:effectLst/>
+                <a:latin typeface="+mn-lt"/>
+                <a:ea typeface="+mn-ea"/>
+                <a:cs typeface="+mn-cs"/>
+              </a:rPr>
+              <a:t> </a:t>
+            </a:r>
+            <a:r>
+              <a:rPr lang="en-US" sz="1200" kern="1200" dirty="0" err="1" smtClean="0">
+                <a:solidFill>
+                  <a:schemeClr val="tx1"/>
+                </a:solidFill>
+                <a:effectLst/>
+                <a:latin typeface="+mn-lt"/>
+                <a:ea typeface="+mn-ea"/>
+                <a:cs typeface="+mn-cs"/>
+              </a:rPr>
+              <a:t>kondisi</a:t>
+            </a:r>
+            <a:r>
+              <a:rPr lang="en-US" sz="1200" kern="1200" dirty="0" smtClean="0">
+                <a:solidFill>
+                  <a:schemeClr val="tx1"/>
+                </a:solidFill>
+                <a:effectLst/>
+                <a:latin typeface="+mn-lt"/>
+                <a:ea typeface="+mn-ea"/>
+                <a:cs typeface="+mn-cs"/>
+              </a:rPr>
+              <a:t> </a:t>
+            </a:r>
+            <a:r>
+              <a:rPr lang="en-US" sz="1200" kern="1200" dirty="0" err="1" smtClean="0">
+                <a:solidFill>
+                  <a:schemeClr val="tx1"/>
+                </a:solidFill>
+                <a:effectLst/>
+                <a:latin typeface="+mn-lt"/>
+                <a:ea typeface="+mn-ea"/>
+                <a:cs typeface="+mn-cs"/>
+              </a:rPr>
+              <a:t>jaringan</a:t>
+            </a:r>
+            <a:r>
+              <a:rPr lang="en-US" sz="1200" kern="1200" dirty="0" smtClean="0">
+                <a:solidFill>
+                  <a:schemeClr val="tx1"/>
+                </a:solidFill>
+                <a:effectLst/>
+                <a:latin typeface="+mn-lt"/>
+                <a:ea typeface="+mn-ea"/>
+                <a:cs typeface="+mn-cs"/>
+              </a:rPr>
+              <a:t> normal </a:t>
+            </a:r>
+            <a:r>
+              <a:rPr lang="en-US" sz="1200" kern="1200" dirty="0" err="1" smtClean="0">
+                <a:solidFill>
+                  <a:schemeClr val="tx1"/>
+                </a:solidFill>
+                <a:effectLst/>
+                <a:latin typeface="+mn-lt"/>
+                <a:ea typeface="+mn-ea"/>
+                <a:cs typeface="+mn-cs"/>
+              </a:rPr>
+              <a:t>dan</a:t>
+            </a:r>
+            <a:r>
+              <a:rPr lang="en-US" sz="1200" kern="1200" dirty="0" smtClean="0">
+                <a:solidFill>
+                  <a:schemeClr val="tx1"/>
+                </a:solidFill>
+                <a:effectLst/>
+                <a:latin typeface="+mn-lt"/>
+                <a:ea typeface="+mn-ea"/>
+                <a:cs typeface="+mn-cs"/>
+              </a:rPr>
+              <a:t> </a:t>
+            </a:r>
+            <a:r>
+              <a:rPr lang="en-US" sz="1200" kern="1200" dirty="0" err="1" smtClean="0">
+                <a:solidFill>
+                  <a:schemeClr val="tx1"/>
+                </a:solidFill>
+                <a:effectLst/>
+                <a:latin typeface="+mn-lt"/>
+                <a:ea typeface="+mn-ea"/>
+                <a:cs typeface="+mn-cs"/>
+              </a:rPr>
+              <a:t>sistem</a:t>
+            </a:r>
+            <a:r>
+              <a:rPr lang="en-US" sz="1200" kern="1200" dirty="0" smtClean="0">
+                <a:solidFill>
+                  <a:schemeClr val="tx1"/>
+                </a:solidFill>
+                <a:effectLst/>
+                <a:latin typeface="+mn-lt"/>
+                <a:ea typeface="+mn-ea"/>
+                <a:cs typeface="+mn-cs"/>
+              </a:rPr>
+              <a:t> </a:t>
+            </a:r>
+            <a:r>
+              <a:rPr lang="en-US" sz="1200" kern="1200" dirty="0" err="1" smtClean="0">
+                <a:solidFill>
+                  <a:schemeClr val="tx1"/>
+                </a:solidFill>
+                <a:effectLst/>
+                <a:latin typeface="+mn-lt"/>
+                <a:ea typeface="+mn-ea"/>
+                <a:cs typeface="+mn-cs"/>
+              </a:rPr>
+              <a:t>tidak</a:t>
+            </a:r>
+            <a:r>
+              <a:rPr lang="en-US" sz="1200" kern="1200" dirty="0" smtClean="0">
+                <a:solidFill>
+                  <a:schemeClr val="tx1"/>
+                </a:solidFill>
+                <a:effectLst/>
+                <a:latin typeface="+mn-lt"/>
+                <a:ea typeface="+mn-ea"/>
+                <a:cs typeface="+mn-cs"/>
+              </a:rPr>
+              <a:t> </a:t>
+            </a:r>
+            <a:r>
+              <a:rPr lang="en-US" sz="1200" kern="1200" dirty="0" err="1" smtClean="0">
+                <a:solidFill>
+                  <a:schemeClr val="tx1"/>
+                </a:solidFill>
+                <a:effectLst/>
+                <a:latin typeface="+mn-lt"/>
+                <a:ea typeface="+mn-ea"/>
+                <a:cs typeface="+mn-cs"/>
+              </a:rPr>
+              <a:t>dijalankan</a:t>
+            </a:r>
+            <a:endParaRPr lang="id-ID" sz="1200" kern="1200" dirty="0" smtClean="0">
+              <a:solidFill>
+                <a:schemeClr val="tx1"/>
+              </a:solidFill>
+              <a:effectLst/>
+              <a:latin typeface="+mn-lt"/>
+              <a:ea typeface="+mn-ea"/>
+              <a:cs typeface="+mn-cs"/>
+            </a:endParaRPr>
+          </a:p>
+          <a:p>
+            <a:pPr lvl="0"/>
+            <a:r>
+              <a:rPr lang="en-US" sz="1200" kern="1200" dirty="0" err="1" smtClean="0">
+                <a:solidFill>
+                  <a:schemeClr val="tx1"/>
+                </a:solidFill>
+                <a:effectLst/>
+                <a:latin typeface="+mn-lt"/>
+                <a:ea typeface="+mn-ea"/>
+                <a:cs typeface="+mn-cs"/>
+              </a:rPr>
+              <a:t>Skenario</a:t>
+            </a:r>
+            <a:r>
+              <a:rPr lang="en-US" sz="1200" kern="1200" dirty="0" smtClean="0">
+                <a:solidFill>
+                  <a:schemeClr val="tx1"/>
+                </a:solidFill>
+                <a:effectLst/>
+                <a:latin typeface="+mn-lt"/>
+                <a:ea typeface="+mn-ea"/>
+                <a:cs typeface="+mn-cs"/>
+              </a:rPr>
+              <a:t> 2: </a:t>
+            </a:r>
+            <a:r>
+              <a:rPr lang="en-US" sz="1200" kern="1200" dirty="0" err="1" smtClean="0">
+                <a:solidFill>
+                  <a:schemeClr val="tx1"/>
+                </a:solidFill>
+                <a:effectLst/>
+                <a:latin typeface="+mn-lt"/>
+                <a:ea typeface="+mn-ea"/>
+                <a:cs typeface="+mn-cs"/>
+              </a:rPr>
+              <a:t>ApacheBench</a:t>
+            </a:r>
+            <a:r>
+              <a:rPr lang="en-US" sz="1200" kern="1200" dirty="0" smtClean="0">
+                <a:solidFill>
+                  <a:schemeClr val="tx1"/>
+                </a:solidFill>
+                <a:effectLst/>
+                <a:latin typeface="+mn-lt"/>
+                <a:ea typeface="+mn-ea"/>
+                <a:cs typeface="+mn-cs"/>
+              </a:rPr>
+              <a:t> </a:t>
+            </a:r>
+            <a:r>
+              <a:rPr lang="en-US" sz="1200" kern="1200" dirty="0" err="1" smtClean="0">
+                <a:solidFill>
+                  <a:schemeClr val="tx1"/>
+                </a:solidFill>
+                <a:effectLst/>
+                <a:latin typeface="+mn-lt"/>
+                <a:ea typeface="+mn-ea"/>
+                <a:cs typeface="+mn-cs"/>
+              </a:rPr>
+              <a:t>dijalakan</a:t>
+            </a:r>
+            <a:r>
+              <a:rPr lang="en-US" sz="1200" kern="1200" dirty="0" smtClean="0">
+                <a:solidFill>
+                  <a:schemeClr val="tx1"/>
+                </a:solidFill>
+                <a:effectLst/>
+                <a:latin typeface="+mn-lt"/>
+                <a:ea typeface="+mn-ea"/>
+                <a:cs typeface="+mn-cs"/>
+              </a:rPr>
+              <a:t> </a:t>
+            </a:r>
+            <a:r>
+              <a:rPr lang="en-US" sz="1200" kern="1200" dirty="0" err="1" smtClean="0">
+                <a:solidFill>
+                  <a:schemeClr val="tx1"/>
+                </a:solidFill>
+                <a:effectLst/>
+                <a:latin typeface="+mn-lt"/>
+                <a:ea typeface="+mn-ea"/>
+                <a:cs typeface="+mn-cs"/>
+              </a:rPr>
+              <a:t>ketika</a:t>
+            </a:r>
+            <a:r>
+              <a:rPr lang="en-US" sz="1200" kern="1200" dirty="0" smtClean="0">
+                <a:solidFill>
+                  <a:schemeClr val="tx1"/>
+                </a:solidFill>
+                <a:effectLst/>
+                <a:latin typeface="+mn-lt"/>
+                <a:ea typeface="+mn-ea"/>
+                <a:cs typeface="+mn-cs"/>
+              </a:rPr>
+              <a:t> </a:t>
+            </a:r>
+            <a:r>
+              <a:rPr lang="en-US" sz="1200" kern="1200" dirty="0" err="1" smtClean="0">
+                <a:solidFill>
+                  <a:schemeClr val="tx1"/>
+                </a:solidFill>
+                <a:effectLst/>
+                <a:latin typeface="+mn-lt"/>
+                <a:ea typeface="+mn-ea"/>
+                <a:cs typeface="+mn-cs"/>
+              </a:rPr>
+              <a:t>kondisi</a:t>
+            </a:r>
+            <a:r>
+              <a:rPr lang="en-US" sz="1200" kern="1200" dirty="0" smtClean="0">
+                <a:solidFill>
+                  <a:schemeClr val="tx1"/>
+                </a:solidFill>
+                <a:effectLst/>
+                <a:latin typeface="+mn-lt"/>
+                <a:ea typeface="+mn-ea"/>
+                <a:cs typeface="+mn-cs"/>
+              </a:rPr>
+              <a:t> </a:t>
+            </a:r>
+            <a:r>
+              <a:rPr lang="en-US" sz="1200" kern="1200" dirty="0" err="1" smtClean="0">
+                <a:solidFill>
+                  <a:schemeClr val="tx1"/>
+                </a:solidFill>
+                <a:effectLst/>
+                <a:latin typeface="+mn-lt"/>
+                <a:ea typeface="+mn-ea"/>
+                <a:cs typeface="+mn-cs"/>
+              </a:rPr>
+              <a:t>jaringan</a:t>
+            </a:r>
+            <a:r>
+              <a:rPr lang="en-US" sz="1200" kern="1200" dirty="0" smtClean="0">
+                <a:solidFill>
+                  <a:schemeClr val="tx1"/>
+                </a:solidFill>
+                <a:effectLst/>
+                <a:latin typeface="+mn-lt"/>
+                <a:ea typeface="+mn-ea"/>
+                <a:cs typeface="+mn-cs"/>
+              </a:rPr>
+              <a:t> normal </a:t>
+            </a:r>
+            <a:r>
+              <a:rPr lang="en-US" sz="1200" kern="1200" dirty="0" err="1" smtClean="0">
+                <a:solidFill>
+                  <a:schemeClr val="tx1"/>
+                </a:solidFill>
+                <a:effectLst/>
+                <a:latin typeface="+mn-lt"/>
+                <a:ea typeface="+mn-ea"/>
+                <a:cs typeface="+mn-cs"/>
+              </a:rPr>
+              <a:t>dan</a:t>
+            </a:r>
+            <a:r>
+              <a:rPr lang="en-US" sz="1200" kern="1200" dirty="0" smtClean="0">
+                <a:solidFill>
+                  <a:schemeClr val="tx1"/>
+                </a:solidFill>
+                <a:effectLst/>
+                <a:latin typeface="+mn-lt"/>
+                <a:ea typeface="+mn-ea"/>
+                <a:cs typeface="+mn-cs"/>
+              </a:rPr>
+              <a:t> </a:t>
+            </a:r>
+            <a:r>
+              <a:rPr lang="en-US" sz="1200" kern="1200" dirty="0" err="1" smtClean="0">
+                <a:solidFill>
+                  <a:schemeClr val="tx1"/>
+                </a:solidFill>
+                <a:effectLst/>
+                <a:latin typeface="+mn-lt"/>
+                <a:ea typeface="+mn-ea"/>
+                <a:cs typeface="+mn-cs"/>
+              </a:rPr>
+              <a:t>aplikasi</a:t>
+            </a:r>
+            <a:r>
+              <a:rPr lang="en-US" sz="1200" kern="1200" dirty="0" smtClean="0">
+                <a:solidFill>
+                  <a:schemeClr val="tx1"/>
+                </a:solidFill>
+                <a:effectLst/>
+                <a:latin typeface="+mn-lt"/>
+                <a:ea typeface="+mn-ea"/>
+                <a:cs typeface="+mn-cs"/>
+              </a:rPr>
+              <a:t> </a:t>
+            </a:r>
+            <a:r>
+              <a:rPr lang="en-US" sz="1200" kern="1200" dirty="0" err="1" smtClean="0">
+                <a:solidFill>
+                  <a:schemeClr val="tx1"/>
+                </a:solidFill>
+                <a:effectLst/>
+                <a:latin typeface="+mn-lt"/>
+                <a:ea typeface="+mn-ea"/>
+                <a:cs typeface="+mn-cs"/>
+              </a:rPr>
+              <a:t>pendeteksian</a:t>
+            </a:r>
+            <a:r>
+              <a:rPr lang="en-US" sz="1200" kern="1200" dirty="0" smtClean="0">
+                <a:solidFill>
+                  <a:schemeClr val="tx1"/>
+                </a:solidFill>
+                <a:effectLst/>
+                <a:latin typeface="+mn-lt"/>
+                <a:ea typeface="+mn-ea"/>
+                <a:cs typeface="+mn-cs"/>
+              </a:rPr>
+              <a:t> </a:t>
+            </a:r>
+            <a:r>
+              <a:rPr lang="en-US" sz="1200" kern="1200" dirty="0" err="1" smtClean="0">
+                <a:solidFill>
+                  <a:schemeClr val="tx1"/>
+                </a:solidFill>
+                <a:effectLst/>
+                <a:latin typeface="+mn-lt"/>
+                <a:ea typeface="+mn-ea"/>
+                <a:cs typeface="+mn-cs"/>
+              </a:rPr>
+              <a:t>dijalankan</a:t>
+            </a:r>
+            <a:endParaRPr lang="id-ID" sz="1200" kern="1200" dirty="0" smtClean="0">
+              <a:solidFill>
+                <a:schemeClr val="tx1"/>
+              </a:solidFill>
+              <a:effectLst/>
+              <a:latin typeface="+mn-lt"/>
+              <a:ea typeface="+mn-ea"/>
+              <a:cs typeface="+mn-cs"/>
+            </a:endParaRPr>
+          </a:p>
+          <a:p>
+            <a:r>
+              <a:rPr lang="en-US" sz="1200" kern="1200" dirty="0" err="1" smtClean="0">
+                <a:solidFill>
+                  <a:schemeClr val="tx1"/>
+                </a:solidFill>
+                <a:effectLst/>
+                <a:latin typeface="+mn-lt"/>
+                <a:ea typeface="+mn-ea"/>
+                <a:cs typeface="+mn-cs"/>
+              </a:rPr>
+              <a:t>Skenario</a:t>
+            </a:r>
+            <a:r>
+              <a:rPr lang="en-US" sz="1200" kern="1200" dirty="0" smtClean="0">
+                <a:solidFill>
+                  <a:schemeClr val="tx1"/>
+                </a:solidFill>
+                <a:effectLst/>
+                <a:latin typeface="+mn-lt"/>
+                <a:ea typeface="+mn-ea"/>
+                <a:cs typeface="+mn-cs"/>
+              </a:rPr>
+              <a:t> 3: </a:t>
+            </a:r>
+            <a:r>
+              <a:rPr lang="en-US" sz="1200" kern="1200" dirty="0" err="1" smtClean="0">
+                <a:solidFill>
+                  <a:schemeClr val="tx1"/>
+                </a:solidFill>
+                <a:effectLst/>
+                <a:latin typeface="+mn-lt"/>
+                <a:ea typeface="+mn-ea"/>
+                <a:cs typeface="+mn-cs"/>
+              </a:rPr>
+              <a:t>ApacheBench</a:t>
+            </a:r>
+            <a:r>
+              <a:rPr lang="en-US" sz="1200" kern="1200" dirty="0" smtClean="0">
+                <a:solidFill>
+                  <a:schemeClr val="tx1"/>
+                </a:solidFill>
+                <a:effectLst/>
+                <a:latin typeface="+mn-lt"/>
+                <a:ea typeface="+mn-ea"/>
+                <a:cs typeface="+mn-cs"/>
+              </a:rPr>
+              <a:t> </a:t>
+            </a:r>
+            <a:r>
+              <a:rPr lang="en-US" sz="1200" kern="1200" dirty="0" err="1" smtClean="0">
+                <a:solidFill>
+                  <a:schemeClr val="tx1"/>
+                </a:solidFill>
+                <a:effectLst/>
+                <a:latin typeface="+mn-lt"/>
+                <a:ea typeface="+mn-ea"/>
+                <a:cs typeface="+mn-cs"/>
+              </a:rPr>
+              <a:t>dijalankan</a:t>
+            </a:r>
+            <a:r>
+              <a:rPr lang="en-US" sz="1200" kern="1200" dirty="0" smtClean="0">
+                <a:solidFill>
+                  <a:schemeClr val="tx1"/>
+                </a:solidFill>
+                <a:effectLst/>
+                <a:latin typeface="+mn-lt"/>
+                <a:ea typeface="+mn-ea"/>
+                <a:cs typeface="+mn-cs"/>
+              </a:rPr>
+              <a:t> </a:t>
+            </a:r>
+            <a:r>
+              <a:rPr lang="en-US" sz="1200" kern="1200" dirty="0" err="1" smtClean="0">
+                <a:solidFill>
+                  <a:schemeClr val="tx1"/>
+                </a:solidFill>
+                <a:effectLst/>
+                <a:latin typeface="+mn-lt"/>
+                <a:ea typeface="+mn-ea"/>
+                <a:cs typeface="+mn-cs"/>
+              </a:rPr>
+              <a:t>ketika</a:t>
+            </a:r>
+            <a:r>
+              <a:rPr lang="en-US" sz="1200" kern="1200" dirty="0" smtClean="0">
+                <a:solidFill>
+                  <a:schemeClr val="tx1"/>
+                </a:solidFill>
+                <a:effectLst/>
+                <a:latin typeface="+mn-lt"/>
+                <a:ea typeface="+mn-ea"/>
+                <a:cs typeface="+mn-cs"/>
+              </a:rPr>
+              <a:t> </a:t>
+            </a:r>
+            <a:r>
+              <a:rPr lang="en-US" sz="1200" kern="1200" dirty="0" err="1" smtClean="0">
+                <a:solidFill>
+                  <a:schemeClr val="tx1"/>
+                </a:solidFill>
+                <a:effectLst/>
+                <a:latin typeface="+mn-lt"/>
+                <a:ea typeface="+mn-ea"/>
+                <a:cs typeface="+mn-cs"/>
+              </a:rPr>
+              <a:t>kondisi</a:t>
+            </a:r>
+            <a:r>
+              <a:rPr lang="en-US" sz="1200" kern="1200" dirty="0" smtClean="0">
+                <a:solidFill>
+                  <a:schemeClr val="tx1"/>
+                </a:solidFill>
+                <a:effectLst/>
+                <a:latin typeface="+mn-lt"/>
+                <a:ea typeface="+mn-ea"/>
+                <a:cs typeface="+mn-cs"/>
+              </a:rPr>
+              <a:t> di </a:t>
+            </a:r>
+            <a:r>
+              <a:rPr lang="en-US" sz="1200" kern="1200" dirty="0" err="1" smtClean="0">
+                <a:solidFill>
+                  <a:schemeClr val="tx1"/>
+                </a:solidFill>
+                <a:effectLst/>
+                <a:latin typeface="+mn-lt"/>
+                <a:ea typeface="+mn-ea"/>
+                <a:cs typeface="+mn-cs"/>
+              </a:rPr>
+              <a:t>atas</a:t>
+            </a:r>
+            <a:r>
+              <a:rPr lang="en-US" sz="1200" kern="1200" dirty="0" smtClean="0">
+                <a:solidFill>
+                  <a:schemeClr val="tx1"/>
+                </a:solidFill>
+                <a:effectLst/>
+                <a:latin typeface="+mn-lt"/>
+                <a:ea typeface="+mn-ea"/>
+                <a:cs typeface="+mn-cs"/>
+              </a:rPr>
+              <a:t> normal </a:t>
+            </a:r>
+            <a:r>
+              <a:rPr lang="en-US" sz="1200" kern="1200" dirty="0" err="1" smtClean="0">
+                <a:solidFill>
+                  <a:schemeClr val="tx1"/>
+                </a:solidFill>
+                <a:effectLst/>
+                <a:latin typeface="+mn-lt"/>
+                <a:ea typeface="+mn-ea"/>
+                <a:cs typeface="+mn-cs"/>
+              </a:rPr>
+              <a:t>dan</a:t>
+            </a:r>
+            <a:r>
+              <a:rPr lang="en-US" sz="1200" kern="1200" dirty="0" smtClean="0">
+                <a:solidFill>
+                  <a:schemeClr val="tx1"/>
+                </a:solidFill>
+                <a:effectLst/>
+                <a:latin typeface="+mn-lt"/>
+                <a:ea typeface="+mn-ea"/>
+                <a:cs typeface="+mn-cs"/>
+              </a:rPr>
+              <a:t> </a:t>
+            </a:r>
+            <a:r>
+              <a:rPr lang="en-US" sz="1200" kern="1200" dirty="0" err="1" smtClean="0">
+                <a:solidFill>
+                  <a:schemeClr val="tx1"/>
+                </a:solidFill>
+                <a:effectLst/>
+                <a:latin typeface="+mn-lt"/>
+                <a:ea typeface="+mn-ea"/>
+                <a:cs typeface="+mn-cs"/>
+              </a:rPr>
+              <a:t>aplikasi</a:t>
+            </a:r>
+            <a:r>
+              <a:rPr lang="en-US" sz="1200" kern="1200" dirty="0" smtClean="0">
+                <a:solidFill>
+                  <a:schemeClr val="tx1"/>
+                </a:solidFill>
+                <a:effectLst/>
+                <a:latin typeface="+mn-lt"/>
+                <a:ea typeface="+mn-ea"/>
+                <a:cs typeface="+mn-cs"/>
+              </a:rPr>
+              <a:t> </a:t>
+            </a:r>
+            <a:r>
+              <a:rPr lang="en-US" sz="1200" kern="1200" dirty="0" err="1" smtClean="0">
+                <a:solidFill>
+                  <a:schemeClr val="tx1"/>
+                </a:solidFill>
+                <a:effectLst/>
+                <a:latin typeface="+mn-lt"/>
+                <a:ea typeface="+mn-ea"/>
+                <a:cs typeface="+mn-cs"/>
+              </a:rPr>
+              <a:t>pendeteksian</a:t>
+            </a:r>
+            <a:r>
+              <a:rPr lang="en-US" sz="1200" kern="1200" dirty="0" smtClean="0">
+                <a:solidFill>
+                  <a:schemeClr val="tx1"/>
+                </a:solidFill>
+                <a:effectLst/>
+                <a:latin typeface="+mn-lt"/>
+                <a:ea typeface="+mn-ea"/>
+                <a:cs typeface="+mn-cs"/>
+              </a:rPr>
+              <a:t> </a:t>
+            </a:r>
+            <a:r>
+              <a:rPr lang="en-US" sz="1200" kern="1200" dirty="0" err="1" smtClean="0">
+                <a:solidFill>
+                  <a:schemeClr val="tx1"/>
+                </a:solidFill>
+                <a:effectLst/>
+                <a:latin typeface="+mn-lt"/>
+                <a:ea typeface="+mn-ea"/>
+                <a:cs typeface="+mn-cs"/>
+              </a:rPr>
+              <a:t>dijalankan</a:t>
+            </a:r>
+            <a:endParaRPr lang="id-ID" dirty="0"/>
+          </a:p>
+        </p:txBody>
+      </p:sp>
+      <p:sp>
+        <p:nvSpPr>
+          <p:cNvPr id="4" name="Slide Number Placeholder 3"/>
+          <p:cNvSpPr>
+            <a:spLocks noGrp="1"/>
+          </p:cNvSpPr>
+          <p:nvPr>
+            <p:ph type="sldNum" sz="quarter" idx="10"/>
+          </p:nvPr>
+        </p:nvSpPr>
+        <p:spPr/>
+        <p:txBody>
+          <a:bodyPr/>
+          <a:lstStyle/>
+          <a:p>
+            <a:fld id="{351B6650-50B9-4771-9139-DE76D2880F02}" type="slidenum">
+              <a:rPr lang="id-ID" smtClean="0"/>
+              <a:t>14</a:t>
+            </a:fld>
+            <a:endParaRPr lang="id-ID"/>
+          </a:p>
+        </p:txBody>
+      </p:sp>
+    </p:spTree>
+    <p:extLst>
+      <p:ext uri="{BB962C8B-B14F-4D97-AF65-F5344CB8AC3E}">
+        <p14:creationId xmlns:p14="http://schemas.microsoft.com/office/powerpoint/2010/main" val="1524119083"/>
+      </p:ext>
+    </p:extLst>
+  </p:cSld>
+  <p:clrMapOvr>
+    <a:masterClrMapping/>
+  </p:clrMapOvr>
+</p:notes>
+</file>
+
 <file path=ppt/slideLayouts/slideLayout1.xml><?xml version="1.0" encoding="utf-8"?>
 <p:sldLayout xmlns:a="http://schemas.openxmlformats.org/drawingml/2006/main" xmlns:r="http://schemas.openxmlformats.org/officeDocument/2006/relationships" xmlns:p="http://schemas.openxmlformats.org/presentationml/2006/main" type="title" preserve="1">
   <p:cSld name="Title Slide">
@@ -2669,7 +4855,7 @@
             <a:fld id="{B61BEF0D-F0BB-DE4B-95CE-6DB70DBA9567}" type="datetimeFigureOut">
               <a:rPr lang="en-US" dirty="0"/>
               <a:pPr/>
-              <a:t>7/17/2016</a:t>
+              <a:t>7/18/2016</a:t>
             </a:fld>
             <a:endParaRPr lang="en-US" dirty="0"/>
           </a:p>
@@ -3004,7 +5190,7 @@
             <a:fld id="{B61BEF0D-F0BB-DE4B-95CE-6DB70DBA9567}" type="datetimeFigureOut">
               <a:rPr lang="en-US" dirty="0"/>
               <a:pPr/>
-              <a:t>7/17/2016</a:t>
+              <a:t>7/18/2016</a:t>
             </a:fld>
             <a:endParaRPr lang="en-US" dirty="0"/>
           </a:p>
@@ -3402,7 +5588,7 @@
             <a:fld id="{B61BEF0D-F0BB-DE4B-95CE-6DB70DBA9567}" type="datetimeFigureOut">
               <a:rPr lang="en-US" dirty="0"/>
               <a:pPr/>
-              <a:t>7/17/2016</a:t>
+              <a:t>7/18/2016</a:t>
             </a:fld>
             <a:endParaRPr lang="en-US" dirty="0"/>
           </a:p>
@@ -3735,7 +5921,7 @@
             <a:fld id="{B61BEF0D-F0BB-DE4B-95CE-6DB70DBA9567}" type="datetimeFigureOut">
               <a:rPr lang="en-US" dirty="0"/>
               <a:pPr/>
-              <a:t>7/17/2016</a:t>
+              <a:t>7/18/2016</a:t>
             </a:fld>
             <a:endParaRPr lang="en-US" dirty="0"/>
           </a:p>
@@ -4052,7 +6238,7 @@
             <a:fld id="{B61BEF0D-F0BB-DE4B-95CE-6DB70DBA9567}" type="datetimeFigureOut">
               <a:rPr lang="en-US" dirty="0"/>
               <a:pPr/>
-              <a:t>7/17/2016</a:t>
+              <a:t>7/18/2016</a:t>
             </a:fld>
             <a:endParaRPr lang="en-US" dirty="0"/>
           </a:p>
@@ -4445,7 +6631,7 @@
             <a:fld id="{B61BEF0D-F0BB-DE4B-95CE-6DB70DBA9567}" type="datetimeFigureOut">
               <a:rPr lang="en-US" dirty="0"/>
               <a:pPr/>
-              <a:t>7/17/2016</a:t>
+              <a:t>7/18/2016</a:t>
             </a:fld>
             <a:endParaRPr lang="en-US" dirty="0"/>
           </a:p>
@@ -4699,7 +6885,7 @@
             <a:fld id="{B61BEF0D-F0BB-DE4B-95CE-6DB70DBA9567}" type="datetimeFigureOut">
               <a:rPr lang="en-US" dirty="0"/>
               <a:pPr/>
-              <a:t>7/17/2016</a:t>
+              <a:t>7/18/2016</a:t>
             </a:fld>
             <a:endParaRPr lang="en-US" dirty="0"/>
           </a:p>
@@ -4958,7 +7144,7 @@
             <a:fld id="{B61BEF0D-F0BB-DE4B-95CE-6DB70DBA9567}" type="datetimeFigureOut">
               <a:rPr lang="en-US" dirty="0"/>
               <a:pPr/>
-              <a:t>7/17/2016</a:t>
+              <a:t>7/18/2016</a:t>
             </a:fld>
             <a:endParaRPr lang="en-US" dirty="0"/>
           </a:p>
@@ -5229,7 +7415,7 @@
             <a:fld id="{B61BEF0D-F0BB-DE4B-95CE-6DB70DBA9567}" type="datetimeFigureOut">
               <a:rPr lang="en-US" smtClean="0"/>
               <a:pPr/>
-              <a:t>7/17/2016</a:t>
+              <a:t>7/18/2016</a:t>
             </a:fld>
             <a:endParaRPr lang="en-US" dirty="0"/>
           </a:p>
@@ -5401,7 +7587,7 @@
             <a:fld id="{B61BEF0D-F0BB-DE4B-95CE-6DB70DBA9567}" type="datetimeFigureOut">
               <a:rPr lang="en-US" smtClean="0"/>
               <a:pPr/>
-              <a:t>7/17/2016</a:t>
+              <a:t>7/18/2016</a:t>
             </a:fld>
             <a:endParaRPr lang="en-US" dirty="0"/>
           </a:p>
@@ -5649,7 +7835,7 @@
             <a:fld id="{B61BEF0D-F0BB-DE4B-95CE-6DB70DBA9567}" type="datetimeFigureOut">
               <a:rPr lang="en-US" smtClean="0"/>
               <a:pPr/>
-              <a:t>7/17/2016</a:t>
+              <a:t>7/18/2016</a:t>
             </a:fld>
             <a:endParaRPr lang="en-US" dirty="0"/>
           </a:p>
@@ -5831,7 +8017,7 @@
             <a:fld id="{B61BEF0D-F0BB-DE4B-95CE-6DB70DBA9567}" type="datetimeFigureOut">
               <a:rPr lang="en-US" dirty="0"/>
               <a:pPr/>
-              <a:t>7/17/2016</a:t>
+              <a:t>7/18/2016</a:t>
             </a:fld>
             <a:endParaRPr lang="en-US" dirty="0"/>
           </a:p>
@@ -6142,7 +8328,7 @@
             <a:fld id="{B61BEF0D-F0BB-DE4B-95CE-6DB70DBA9567}" type="datetimeFigureOut">
               <a:rPr lang="en-US" smtClean="0"/>
               <a:pPr/>
-              <a:t>7/17/2016</a:t>
+              <a:t>7/18/2016</a:t>
             </a:fld>
             <a:endParaRPr lang="en-US" dirty="0"/>
           </a:p>
@@ -6511,7 +8697,7 @@
             <a:fld id="{B61BEF0D-F0BB-DE4B-95CE-6DB70DBA9567}" type="datetimeFigureOut">
               <a:rPr lang="en-US" smtClean="0"/>
               <a:pPr/>
-              <a:t>7/17/2016</a:t>
+              <a:t>7/18/2016</a:t>
             </a:fld>
             <a:endParaRPr lang="en-US" dirty="0"/>
           </a:p>
@@ -6631,7 +8817,7 @@
             <a:fld id="{B61BEF0D-F0BB-DE4B-95CE-6DB70DBA9567}" type="datetimeFigureOut">
               <a:rPr lang="en-US" smtClean="0"/>
               <a:pPr/>
-              <a:t>7/17/2016</a:t>
+              <a:t>7/18/2016</a:t>
             </a:fld>
             <a:endParaRPr lang="en-US" dirty="0"/>
           </a:p>
@@ -6728,7 +8914,7 @@
             <a:fld id="{B61BEF0D-F0BB-DE4B-95CE-6DB70DBA9567}" type="datetimeFigureOut">
               <a:rPr lang="en-US" smtClean="0"/>
               <a:pPr/>
-              <a:t>7/17/2016</a:t>
+              <a:t>7/18/2016</a:t>
             </a:fld>
             <a:endParaRPr lang="en-US" dirty="0"/>
           </a:p>
@@ -7007,7 +9193,7 @@
             <a:fld id="{B61BEF0D-F0BB-DE4B-95CE-6DB70DBA9567}" type="datetimeFigureOut">
               <a:rPr lang="en-US" smtClean="0"/>
               <a:pPr/>
-              <a:t>7/17/2016</a:t>
+              <a:t>7/18/2016</a:t>
             </a:fld>
             <a:endParaRPr lang="en-US" dirty="0"/>
           </a:p>
@@ -7262,7 +9448,7 @@
             <a:fld id="{B61BEF0D-F0BB-DE4B-95CE-6DB70DBA9567}" type="datetimeFigureOut">
               <a:rPr lang="en-US" smtClean="0"/>
               <a:pPr/>
-              <a:t>7/17/2016</a:t>
+              <a:t>7/18/2016</a:t>
             </a:fld>
             <a:endParaRPr lang="en-US" dirty="0"/>
           </a:p>
@@ -7434,7 +9620,7 @@
             <a:fld id="{B61BEF0D-F0BB-DE4B-95CE-6DB70DBA9567}" type="datetimeFigureOut">
               <a:rPr lang="en-US" smtClean="0"/>
               <a:pPr/>
-              <a:t>7/17/2016</a:t>
+              <a:t>7/18/2016</a:t>
             </a:fld>
             <a:endParaRPr lang="en-US" dirty="0"/>
           </a:p>
@@ -7616,7 +9802,7 @@
             <a:fld id="{B61BEF0D-F0BB-DE4B-95CE-6DB70DBA9567}" type="datetimeFigureOut">
               <a:rPr lang="en-US" smtClean="0"/>
               <a:pPr/>
-              <a:t>7/17/2016</a:t>
+              <a:t>7/18/2016</a:t>
             </a:fld>
             <a:endParaRPr lang="en-US" dirty="0"/>
           </a:p>
@@ -7865,7 +10051,7 @@
             <a:fld id="{B61BEF0D-F0BB-DE4B-95CE-6DB70DBA9567}" type="datetimeFigureOut">
               <a:rPr lang="en-US" dirty="0"/>
               <a:pPr/>
-              <a:t>7/17/2016</a:t>
+              <a:t>7/18/2016</a:t>
             </a:fld>
             <a:endParaRPr lang="en-US" dirty="0"/>
           </a:p>
@@ -8185,7 +10371,7 @@
             <a:fld id="{B61BEF0D-F0BB-DE4B-95CE-6DB70DBA9567}" type="datetimeFigureOut">
               <a:rPr lang="en-US" dirty="0"/>
               <a:pPr/>
-              <a:t>7/17/2016</a:t>
+              <a:t>7/18/2016</a:t>
             </a:fld>
             <a:endParaRPr lang="en-US" dirty="0"/>
           </a:p>
@@ -8639,7 +10825,7 @@
             <a:fld id="{B61BEF0D-F0BB-DE4B-95CE-6DB70DBA9567}" type="datetimeFigureOut">
               <a:rPr lang="en-US" dirty="0"/>
               <a:pPr/>
-              <a:t>7/17/2016</a:t>
+              <a:t>7/18/2016</a:t>
             </a:fld>
             <a:endParaRPr lang="en-US" dirty="0"/>
           </a:p>
@@ -8841,7 +11027,7 @@
             <a:fld id="{B61BEF0D-F0BB-DE4B-95CE-6DB70DBA9567}" type="datetimeFigureOut">
               <a:rPr lang="en-US" dirty="0"/>
               <a:pPr/>
-              <a:t>7/17/2016</a:t>
+              <a:t>7/18/2016</a:t>
             </a:fld>
             <a:endParaRPr lang="en-US" dirty="0"/>
           </a:p>
@@ -9015,7 +11201,7 @@
             <a:fld id="{B61BEF0D-F0BB-DE4B-95CE-6DB70DBA9567}" type="datetimeFigureOut">
               <a:rPr lang="en-US" dirty="0"/>
               <a:pPr/>
-              <a:t>7/17/2016</a:t>
+              <a:t>7/18/2016</a:t>
             </a:fld>
             <a:endParaRPr lang="en-US" dirty="0"/>
           </a:p>
@@ -9345,7 +11531,7 @@
             <a:fld id="{B61BEF0D-F0BB-DE4B-95CE-6DB70DBA9567}" type="datetimeFigureOut">
               <a:rPr lang="en-US" dirty="0"/>
               <a:pPr/>
-              <a:t>7/17/2016</a:t>
+              <a:t>7/18/2016</a:t>
             </a:fld>
             <a:endParaRPr lang="en-US" dirty="0"/>
           </a:p>
@@ -9687,7 +11873,7 @@
             <a:fld id="{B61BEF0D-F0BB-DE4B-95CE-6DB70DBA9567}" type="datetimeFigureOut">
               <a:rPr lang="en-US" dirty="0"/>
               <a:pPr/>
-              <a:t>7/17/2016</a:t>
+              <a:t>7/18/2016</a:t>
             </a:fld>
             <a:endParaRPr lang="en-US" dirty="0"/>
           </a:p>
@@ -11801,7 +13987,7 @@
             <a:fld id="{B61BEF0D-F0BB-DE4B-95CE-6DB70DBA9567}" type="datetimeFigureOut">
               <a:rPr lang="en-US" dirty="0"/>
               <a:pPr/>
-              <a:t>7/17/2016</a:t>
+              <a:t>7/18/2016</a:t>
             </a:fld>
             <a:endParaRPr lang="en-US" dirty="0"/>
           </a:p>
@@ -12450,7 +14636,7 @@
             <a:fld id="{B61BEF0D-F0BB-DE4B-95CE-6DB70DBA9567}" type="datetimeFigureOut">
               <a:rPr lang="en-US" smtClean="0"/>
               <a:pPr/>
-              <a:t>7/17/2016</a:t>
+              <a:t>7/18/2016</a:t>
             </a:fld>
             <a:endParaRPr lang="en-US" dirty="0"/>
           </a:p>
@@ -14345,7 +16531,7 @@
           <a:lstStyle/>
           <a:p>
             <a:r>
-              <a:rPr lang="en-US" b="1" dirty="0" err="1" smtClean="0">
+              <a:rPr lang="en-US" b="1" dirty="0" err="1">
                 <a:solidFill>
                   <a:schemeClr val="tx1"/>
                 </a:solidFill>
@@ -14355,6 +16541,36 @@
               <a:t>Uji</a:t>
             </a:r>
             <a:r>
+              <a:rPr lang="en-US" b="1" dirty="0">
+                <a:solidFill>
+                  <a:schemeClr val="tx1"/>
+                </a:solidFill>
+                <a:latin typeface="Helvetica" panose="020B0604020202020204" pitchFamily="34" charset="0"/>
+                <a:cs typeface="Helvetica" panose="020B0604020202020204" pitchFamily="34" charset="0"/>
+              </a:rPr>
+              <a:t> </a:t>
+            </a:r>
+            <a:r>
+              <a:rPr lang="en-US" b="1" dirty="0" err="1">
+                <a:solidFill>
+                  <a:schemeClr val="tx1"/>
+                </a:solidFill>
+                <a:latin typeface="Helvetica" panose="020B0604020202020204" pitchFamily="34" charset="0"/>
+                <a:cs typeface="Helvetica" panose="020B0604020202020204" pitchFamily="34" charset="0"/>
+              </a:rPr>
+              <a:t>Coba</a:t>
+            </a:r>
+            <a:r>
+              <a:rPr lang="en-US" b="1" dirty="0">
+                <a:solidFill>
+                  <a:schemeClr val="tx1"/>
+                </a:solidFill>
+                <a:latin typeface="Helvetica" panose="020B0604020202020204" pitchFamily="34" charset="0"/>
+                <a:cs typeface="Helvetica" panose="020B0604020202020204" pitchFamily="34" charset="0"/>
+              </a:rPr>
+              <a:t> Performa </a:t>
+            </a:r>
+            <a:r>
               <a:rPr lang="en-US" b="1" dirty="0" smtClean="0">
                 <a:solidFill>
                   <a:schemeClr val="tx1"/>
@@ -14362,81 +16578,36 @@
                 <a:latin typeface="Helvetica" panose="020B0604020202020204" pitchFamily="34" charset="0"/>
                 <a:cs typeface="Helvetica" panose="020B0604020202020204" pitchFamily="34" charset="0"/>
               </a:rPr>
-              <a:t> </a:t>
-            </a:r>
-            <a:r>
-              <a:rPr lang="en-US" b="1" dirty="0" err="1">
-                <a:solidFill>
-                  <a:schemeClr val="tx1"/>
-                </a:solidFill>
-                <a:latin typeface="Helvetica" panose="020B0604020202020204" pitchFamily="34" charset="0"/>
-                <a:cs typeface="Helvetica" panose="020B0604020202020204" pitchFamily="34" charset="0"/>
-              </a:rPr>
-              <a:t>C</a:t>
-            </a:r>
-            <a:r>
-              <a:rPr lang="en-US" b="1" dirty="0" err="1" smtClean="0">
-                <a:solidFill>
-                  <a:schemeClr val="tx1"/>
-                </a:solidFill>
-                <a:latin typeface="Helvetica" panose="020B0604020202020204" pitchFamily="34" charset="0"/>
-                <a:cs typeface="Helvetica" panose="020B0604020202020204" pitchFamily="34" charset="0"/>
-              </a:rPr>
-              <a:t>oba</a:t>
-            </a:r>
-            <a:r>
-              <a:rPr lang="en-US" b="1" dirty="0" smtClean="0">
-                <a:solidFill>
-                  <a:schemeClr val="tx1"/>
-                </a:solidFill>
-                <a:latin typeface="Helvetica" panose="020B0604020202020204" pitchFamily="34" charset="0"/>
-                <a:cs typeface="Helvetica" panose="020B0604020202020204" pitchFamily="34" charset="0"/>
-              </a:rPr>
-              <a:t> </a:t>
-            </a:r>
-            <a:r>
-              <a:rPr lang="en-US" b="1" dirty="0" err="1" smtClean="0">
-                <a:solidFill>
-                  <a:schemeClr val="tx1"/>
-                </a:solidFill>
-                <a:latin typeface="Helvetica" panose="020B0604020202020204" pitchFamily="34" charset="0"/>
-                <a:cs typeface="Helvetica" panose="020B0604020202020204" pitchFamily="34" charset="0"/>
-              </a:rPr>
-              <a:t>Akurasi</a:t>
-            </a:r>
-            <a:endParaRPr lang="id-ID" b="1" dirty="0">
-              <a:solidFill>
-                <a:schemeClr val="tx1"/>
-              </a:solidFill>
-              <a:latin typeface="Helvetica" panose="020B0604020202020204" pitchFamily="34" charset="0"/>
-              <a:cs typeface="Helvetica" panose="020B0604020202020204" pitchFamily="34" charset="0"/>
-            </a:endParaRPr>
+              <a:t>(3)</a:t>
+            </a:r>
+            <a:endParaRPr lang="id-ID" dirty="0"/>
           </a:p>
         </p:txBody>
       </p:sp>
-      <p:sp>
-        <p:nvSpPr>
-          <p:cNvPr id="3" name="Content Placeholder 2"/>
-          <p:cNvSpPr>
-            <a:spLocks noGrp="1"/>
-          </p:cNvSpPr>
+      <p:graphicFrame>
+        <p:nvGraphicFramePr>
+          <p:cNvPr id="4" name="Content Placeholder 3"/>
+          <p:cNvGraphicFramePr>
+            <a:graphicFrameLocks noGrp="1"/>
+          </p:cNvGraphicFramePr>
           <p:nvPr>
             <p:ph idx="1"/>
           </p:nvPr>
-        </p:nvSpPr>
-        <p:spPr/>
-        <p:txBody>
-          <a:bodyPr/>
-          <a:lstStyle/>
-          <a:p>
-            <a:endParaRPr lang="id-ID" dirty="0"/>
-          </a:p>
-        </p:txBody>
-      </p:sp>
+        </p:nvGraphicFramePr>
+        <p:xfrm>
+          <a:off x="2589213" y="2133600"/>
+          <a:ext cx="8915400" cy="3778250"/>
+        </p:xfrm>
+        <a:graphic>
+          <a:graphicData uri="http://schemas.openxmlformats.org/drawingml/2006/chart">
+            <c:chart xmlns:c="http://schemas.openxmlformats.org/drawingml/2006/chart" xmlns:r="http://schemas.openxmlformats.org/officeDocument/2006/relationships" r:id="rId3"/>
+          </a:graphicData>
+        </a:graphic>
+      </p:graphicFrame>
     </p:spTree>
     <p:extLst>
       <p:ext uri="{BB962C8B-B14F-4D97-AF65-F5344CB8AC3E}">
-        <p14:creationId xmlns:p14="http://schemas.microsoft.com/office/powerpoint/2010/main" val="2042707475"/>
+        <p14:creationId xmlns:p14="http://schemas.microsoft.com/office/powerpoint/2010/main" val="3237818137"/>
       </p:ext>
     </p:extLst>
   </p:cSld>
@@ -14486,6 +16657,222 @@
           <a:lstStyle/>
           <a:p>
             <a:r>
+              <a:rPr lang="en-US" b="1" dirty="0" err="1" smtClean="0">
+                <a:solidFill>
+                  <a:schemeClr val="tx1"/>
+                </a:solidFill>
+                <a:latin typeface="Helvetica" panose="020B0604020202020204" pitchFamily="34" charset="0"/>
+                <a:cs typeface="Helvetica" panose="020B0604020202020204" pitchFamily="34" charset="0"/>
+              </a:rPr>
+              <a:t>Uji</a:t>
+            </a:r>
+            <a:r>
+              <a:rPr lang="en-US" b="1" dirty="0" smtClean="0">
+                <a:solidFill>
+                  <a:schemeClr val="tx1"/>
+                </a:solidFill>
+                <a:latin typeface="Helvetica" panose="020B0604020202020204" pitchFamily="34" charset="0"/>
+                <a:cs typeface="Helvetica" panose="020B0604020202020204" pitchFamily="34" charset="0"/>
+              </a:rPr>
+              <a:t> </a:t>
+            </a:r>
+            <a:r>
+              <a:rPr lang="en-US" b="1" dirty="0" err="1">
+                <a:solidFill>
+                  <a:schemeClr val="tx1"/>
+                </a:solidFill>
+                <a:latin typeface="Helvetica" panose="020B0604020202020204" pitchFamily="34" charset="0"/>
+                <a:cs typeface="Helvetica" panose="020B0604020202020204" pitchFamily="34" charset="0"/>
+              </a:rPr>
+              <a:t>C</a:t>
+            </a:r>
+            <a:r>
+              <a:rPr lang="en-US" b="1" dirty="0" err="1" smtClean="0">
+                <a:solidFill>
+                  <a:schemeClr val="tx1"/>
+                </a:solidFill>
+                <a:latin typeface="Helvetica" panose="020B0604020202020204" pitchFamily="34" charset="0"/>
+                <a:cs typeface="Helvetica" panose="020B0604020202020204" pitchFamily="34" charset="0"/>
+              </a:rPr>
+              <a:t>oba</a:t>
+            </a:r>
+            <a:r>
+              <a:rPr lang="en-US" b="1" dirty="0" smtClean="0">
+                <a:solidFill>
+                  <a:schemeClr val="tx1"/>
+                </a:solidFill>
+                <a:latin typeface="Helvetica" panose="020B0604020202020204" pitchFamily="34" charset="0"/>
+                <a:cs typeface="Helvetica" panose="020B0604020202020204" pitchFamily="34" charset="0"/>
+              </a:rPr>
+              <a:t> </a:t>
+            </a:r>
+            <a:r>
+              <a:rPr lang="en-US" b="1" dirty="0" err="1" smtClean="0">
+                <a:solidFill>
+                  <a:schemeClr val="tx1"/>
+                </a:solidFill>
+                <a:latin typeface="Helvetica" panose="020B0604020202020204" pitchFamily="34" charset="0"/>
+                <a:cs typeface="Helvetica" panose="020B0604020202020204" pitchFamily="34" charset="0"/>
+              </a:rPr>
+              <a:t>Akurasi</a:t>
+            </a:r>
+            <a:endParaRPr lang="id-ID" b="1" dirty="0">
+              <a:solidFill>
+                <a:schemeClr val="tx1"/>
+              </a:solidFill>
+              <a:latin typeface="Helvetica" panose="020B0604020202020204" pitchFamily="34" charset="0"/>
+              <a:cs typeface="Helvetica" panose="020B0604020202020204" pitchFamily="34" charset="0"/>
+            </a:endParaRPr>
+          </a:p>
+        </p:txBody>
+      </p:sp>
+      <p:sp>
+        <p:nvSpPr>
+          <p:cNvPr id="3" name="Content Placeholder 2"/>
+          <p:cNvSpPr>
+            <a:spLocks noGrp="1"/>
+          </p:cNvSpPr>
+          <p:nvPr>
+            <p:ph idx="1"/>
+          </p:nvPr>
+        </p:nvSpPr>
+        <p:spPr/>
+        <p:txBody>
+          <a:bodyPr/>
+          <a:lstStyle/>
+          <a:p>
+            <a:endParaRPr lang="id-ID" dirty="0"/>
+          </a:p>
+        </p:txBody>
+      </p:sp>
+    </p:spTree>
+    <p:extLst>
+      <p:ext uri="{BB962C8B-B14F-4D97-AF65-F5344CB8AC3E}">
+        <p14:creationId xmlns:p14="http://schemas.microsoft.com/office/powerpoint/2010/main" val="2042707475"/>
+      </p:ext>
+    </p:extLst>
+  </p:cSld>
+  <p:clrMapOvr>
+    <a:masterClrMapping/>
+  </p:clrMapOvr>
+  <p:timing>
+    <p:tnLst>
+      <p:par>
+        <p:cTn id="1" dur="indefinite" restart="never" nodeType="tmRoot"/>
+      </p:par>
+    </p:tnLst>
+  </p:timing>
+</p:sld>
+</file>
+
+<file path=ppt/slides/slide16.xml><?xml version="1.0" encoding="utf-8"?>
+<p:sld xmlns:a="http://schemas.openxmlformats.org/drawingml/2006/main" xmlns:r="http://schemas.openxmlformats.org/officeDocument/2006/relationships" xmlns:p="http://schemas.openxmlformats.org/presentationml/2006/main">
+  <p:cSld>
+    <p:spTree>
+      <p:nvGrpSpPr>
+        <p:cNvPr id="1" name=""/>
+        <p:cNvGrpSpPr/>
+        <p:nvPr/>
+      </p:nvGrpSpPr>
+      <p:grpSpPr>
+        <a:xfrm>
+          <a:off x="0" y="0"/>
+          <a:ext cx="0" cy="0"/>
+          <a:chOff x="0" y="0"/>
+          <a:chExt cx="0" cy="0"/>
+        </a:xfrm>
+      </p:grpSpPr>
+      <p:sp>
+        <p:nvSpPr>
+          <p:cNvPr id="2" name="Title 1"/>
+          <p:cNvSpPr>
+            <a:spLocks noGrp="1"/>
+          </p:cNvSpPr>
+          <p:nvPr>
+            <p:ph type="title"/>
+          </p:nvPr>
+        </p:nvSpPr>
+        <p:spPr/>
+        <p:txBody>
+          <a:bodyPr/>
+          <a:lstStyle/>
+          <a:p>
+            <a:endParaRPr lang="id-ID"/>
+          </a:p>
+        </p:txBody>
+      </p:sp>
+      <p:sp>
+        <p:nvSpPr>
+          <p:cNvPr id="3" name="Content Placeholder 2"/>
+          <p:cNvSpPr>
+            <a:spLocks noGrp="1"/>
+          </p:cNvSpPr>
+          <p:nvPr>
+            <p:ph idx="1"/>
+          </p:nvPr>
+        </p:nvSpPr>
+        <p:spPr/>
+        <p:txBody>
+          <a:bodyPr/>
+          <a:lstStyle/>
+          <a:p>
+            <a:endParaRPr lang="id-ID"/>
+          </a:p>
+        </p:txBody>
+      </p:sp>
+    </p:spTree>
+    <p:extLst>
+      <p:ext uri="{BB962C8B-B14F-4D97-AF65-F5344CB8AC3E}">
+        <p14:creationId xmlns:p14="http://schemas.microsoft.com/office/powerpoint/2010/main" val="2038829"/>
+      </p:ext>
+    </p:extLst>
+  </p:cSld>
+  <p:clrMapOvr>
+    <a:masterClrMapping/>
+  </p:clrMapOvr>
+  <p:timing>
+    <p:tnLst>
+      <p:par>
+        <p:cTn id="1" dur="indefinite" restart="never" nodeType="tmRoot"/>
+      </p:par>
+    </p:tnLst>
+  </p:timing>
+</p:sld>
+</file>
+
+<file path=ppt/slides/slide17.xml><?xml version="1.0" encoding="utf-8"?>
+<p:sld xmlns:a="http://schemas.openxmlformats.org/drawingml/2006/main" xmlns:r="http://schemas.openxmlformats.org/officeDocument/2006/relationships" xmlns:p="http://schemas.openxmlformats.org/presentationml/2006/main">
+  <p:cSld>
+    <p:spTree>
+      <p:nvGrpSpPr>
+        <p:cNvPr id="1" name=""/>
+        <p:cNvGrpSpPr/>
+        <p:nvPr/>
+      </p:nvGrpSpPr>
+      <p:grpSpPr>
+        <a:xfrm>
+          <a:off x="0" y="0"/>
+          <a:ext cx="0" cy="0"/>
+          <a:chOff x="0" y="0"/>
+          <a:chExt cx="0" cy="0"/>
+        </a:xfrm>
+      </p:grpSpPr>
+      <p:sp>
+        <p:nvSpPr>
+          <p:cNvPr id="2" name="Title 1"/>
+          <p:cNvSpPr>
+            <a:spLocks noGrp="1"/>
+          </p:cNvSpPr>
+          <p:nvPr>
+            <p:ph type="title"/>
+          </p:nvPr>
+        </p:nvSpPr>
+        <p:spPr/>
+        <p:txBody>
+          <a:bodyPr/>
+          <a:lstStyle/>
+          <a:p>
+            <a:r>
               <a:rPr lang="en-US" b="1" dirty="0" smtClean="0">
                 <a:solidFill>
                   <a:schemeClr val="tx1"/>
@@ -14550,7 +16937,7 @@
 </p:sld>
 </file>
 
-<file path=ppt/slides/slide16.xml><?xml version="1.0" encoding="utf-8"?>
+<file path=ppt/slides/slide18.xml><?xml version="1.0" encoding="utf-8"?>
 <p:sld xmlns:a="http://schemas.openxmlformats.org/drawingml/2006/main" xmlns:r="http://schemas.openxmlformats.org/officeDocument/2006/relationships" xmlns:p="http://schemas.openxmlformats.org/presentationml/2006/main">
   <p:cSld>
     <p:bg>
@@ -16109,6 +18496,9 @@
           </a:bodyPr>
           <a:lstStyle/>
           <a:p>
+            <a:pPr marL="0" indent="0">
+              <a:buNone/>
+            </a:pPr>
             <a:r>
               <a:rPr lang="en-US" sz="2400" dirty="0" err="1" smtClean="0">
                 <a:solidFill>
@@ -16786,7 +19176,7 @@
           <a:lstStyle/>
           <a:p>
             <a:r>
-              <a:rPr lang="en-US" b="1" dirty="0" err="1" smtClean="0">
+              <a:rPr lang="en-US" b="1" dirty="0" err="1">
                 <a:solidFill>
                   <a:schemeClr val="tx1"/>
                 </a:solidFill>
@@ -16796,7 +19186,7 @@
               <a:t>Desain</a:t>
             </a:r>
             <a:r>
-              <a:rPr lang="en-US" b="1" dirty="0" smtClean="0">
+              <a:rPr lang="en-US" b="1" dirty="0">
                 <a:solidFill>
                   <a:schemeClr val="tx1"/>
                 </a:solidFill>
@@ -16806,7 +19196,7 @@
               <a:t> </a:t>
             </a:r>
             <a:r>
-              <a:rPr lang="en-US" b="1" dirty="0" err="1" smtClean="0">
+              <a:rPr lang="en-US" b="1" dirty="0" err="1">
                 <a:solidFill>
                   <a:schemeClr val="tx1"/>
                 </a:solidFill>
@@ -16816,7 +19206,7 @@
               <a:t>Arsitektur</a:t>
             </a:r>
             <a:r>
-              <a:rPr lang="en-US" b="1" dirty="0" smtClean="0">
+              <a:rPr lang="en-US" b="1" dirty="0">
                 <a:solidFill>
                   <a:schemeClr val="tx1"/>
                 </a:solidFill>
@@ -16826,7 +19216,7 @@
               <a:t> </a:t>
             </a:r>
             <a:r>
-              <a:rPr lang="en-US" b="1" dirty="0" err="1" smtClean="0">
+              <a:rPr lang="en-US" b="1" dirty="0" err="1">
                 <a:solidFill>
                   <a:schemeClr val="tx1"/>
                 </a:solidFill>
@@ -16835,25 +19225,219 @@
               </a:rPr>
               <a:t>Jaringan</a:t>
             </a:r>
-            <a:endParaRPr lang="id-ID" b="1" dirty="0">
-              <a:solidFill>
-                <a:schemeClr val="tx1"/>
-              </a:solidFill>
+            <a:endParaRPr lang="id-ID" dirty="0"/>
+          </a:p>
+        </p:txBody>
+      </p:sp>
+      <p:sp>
+        <p:nvSpPr>
+          <p:cNvPr id="3" name="Content Placeholder 2"/>
+          <p:cNvSpPr>
+            <a:spLocks noGrp="1"/>
+          </p:cNvSpPr>
+          <p:nvPr>
+            <p:ph idx="1"/>
+          </p:nvPr>
+        </p:nvSpPr>
+        <p:spPr>
+          <a:xfrm>
+            <a:off x="2589212" y="2133600"/>
+            <a:ext cx="8915400" cy="3777622"/>
+          </a:xfrm>
+        </p:spPr>
+        <p:txBody>
+          <a:bodyPr numCol="2">
+            <a:normAutofit/>
+          </a:bodyPr>
+          <a:lstStyle/>
+          <a:p>
+            <a:pPr>
+              <a:buFont typeface="Arial" panose="020B0604020202020204" pitchFamily="34" charset="0"/>
+              <a:buChar char="•"/>
+            </a:pPr>
+            <a:r>
+              <a:rPr lang="en-US" sz="2000" dirty="0" smtClean="0">
+                <a:latin typeface="Helvetica" panose="020B0604020202020204" pitchFamily="34" charset="0"/>
+                <a:cs typeface="Helvetica" panose="020B0604020202020204" pitchFamily="34" charset="0"/>
+              </a:rPr>
+              <a:t>1 router </a:t>
+            </a:r>
+          </a:p>
+          <a:p>
+            <a:pPr>
+              <a:buFont typeface="Arial" panose="020B0604020202020204" pitchFamily="34" charset="0"/>
+              <a:buChar char="•"/>
+            </a:pPr>
+            <a:r>
+              <a:rPr lang="en-US" sz="2000" dirty="0" smtClean="0">
+                <a:latin typeface="Helvetica" panose="020B0604020202020204" pitchFamily="34" charset="0"/>
+                <a:cs typeface="Helvetica" panose="020B0604020202020204" pitchFamily="34" charset="0"/>
+              </a:rPr>
+              <a:t>1 </a:t>
+            </a:r>
+            <a:r>
+              <a:rPr lang="en-US" sz="2000" dirty="0" err="1" smtClean="0">
+                <a:latin typeface="Helvetica" panose="020B0604020202020204" pitchFamily="34" charset="0"/>
+                <a:cs typeface="Helvetica" panose="020B0604020202020204" pitchFamily="34" charset="0"/>
+              </a:rPr>
+              <a:t>komputer</a:t>
+            </a:r>
+            <a:r>
+              <a:rPr lang="en-US" sz="2000" dirty="0" smtClean="0">
+                <a:latin typeface="Helvetica" panose="020B0604020202020204" pitchFamily="34" charset="0"/>
+                <a:cs typeface="Helvetica" panose="020B0604020202020204" pitchFamily="34" charset="0"/>
+              </a:rPr>
+              <a:t> target</a:t>
+            </a:r>
+          </a:p>
+          <a:p>
+            <a:pPr>
+              <a:buFont typeface="Arial" panose="020B0604020202020204" pitchFamily="34" charset="0"/>
+              <a:buChar char="•"/>
+            </a:pPr>
+            <a:endParaRPr lang="en-US" sz="2000" dirty="0">
               <a:latin typeface="Helvetica" panose="020B0604020202020204" pitchFamily="34" charset="0"/>
               <a:cs typeface="Helvetica" panose="020B0604020202020204" pitchFamily="34" charset="0"/>
             </a:endParaRPr>
           </a:p>
+          <a:p>
+            <a:pPr>
+              <a:buFont typeface="Arial" panose="020B0604020202020204" pitchFamily="34" charset="0"/>
+              <a:buChar char="•"/>
+            </a:pPr>
+            <a:endParaRPr lang="en-US" sz="2000" dirty="0" smtClean="0">
+              <a:latin typeface="Helvetica" panose="020B0604020202020204" pitchFamily="34" charset="0"/>
+              <a:cs typeface="Helvetica" panose="020B0604020202020204" pitchFamily="34" charset="0"/>
+            </a:endParaRPr>
+          </a:p>
+          <a:p>
+            <a:pPr>
+              <a:buFont typeface="Arial" panose="020B0604020202020204" pitchFamily="34" charset="0"/>
+              <a:buChar char="•"/>
+            </a:pPr>
+            <a:endParaRPr lang="en-US" sz="2000" dirty="0">
+              <a:latin typeface="Helvetica" panose="020B0604020202020204" pitchFamily="34" charset="0"/>
+              <a:cs typeface="Helvetica" panose="020B0604020202020204" pitchFamily="34" charset="0"/>
+            </a:endParaRPr>
+          </a:p>
+          <a:p>
+            <a:pPr>
+              <a:buFont typeface="Arial" panose="020B0604020202020204" pitchFamily="34" charset="0"/>
+              <a:buChar char="•"/>
+            </a:pPr>
+            <a:endParaRPr lang="en-US" sz="2000" dirty="0" smtClean="0">
+              <a:latin typeface="Helvetica" panose="020B0604020202020204" pitchFamily="34" charset="0"/>
+              <a:cs typeface="Helvetica" panose="020B0604020202020204" pitchFamily="34" charset="0"/>
+            </a:endParaRPr>
+          </a:p>
+          <a:p>
+            <a:pPr>
+              <a:buFont typeface="Arial" panose="020B0604020202020204" pitchFamily="34" charset="0"/>
+              <a:buChar char="•"/>
+            </a:pPr>
+            <a:endParaRPr lang="en-US" sz="2000" dirty="0">
+              <a:latin typeface="Helvetica" panose="020B0604020202020204" pitchFamily="34" charset="0"/>
+              <a:cs typeface="Helvetica" panose="020B0604020202020204" pitchFamily="34" charset="0"/>
+            </a:endParaRPr>
+          </a:p>
+          <a:p>
+            <a:pPr>
+              <a:buFont typeface="Arial" panose="020B0604020202020204" pitchFamily="34" charset="0"/>
+              <a:buChar char="•"/>
+            </a:pPr>
+            <a:endParaRPr lang="en-US" sz="2000" dirty="0" smtClean="0">
+              <a:latin typeface="Helvetica" panose="020B0604020202020204" pitchFamily="34" charset="0"/>
+              <a:cs typeface="Helvetica" panose="020B0604020202020204" pitchFamily="34" charset="0"/>
+            </a:endParaRPr>
+          </a:p>
+          <a:p>
+            <a:pPr>
+              <a:buFont typeface="Arial" panose="020B0604020202020204" pitchFamily="34" charset="0"/>
+              <a:buChar char="•"/>
+            </a:pPr>
+            <a:r>
+              <a:rPr lang="en-US" sz="2000" dirty="0" smtClean="0">
+                <a:latin typeface="Helvetica" panose="020B0604020202020204" pitchFamily="34" charset="0"/>
+                <a:cs typeface="Helvetica" panose="020B0604020202020204" pitchFamily="34" charset="0"/>
+              </a:rPr>
+              <a:t>1 </a:t>
+            </a:r>
+            <a:r>
+              <a:rPr lang="en-US" sz="2000" dirty="0" err="1" smtClean="0">
+                <a:latin typeface="Helvetica" panose="020B0604020202020204" pitchFamily="34" charset="0"/>
+                <a:cs typeface="Helvetica" panose="020B0604020202020204" pitchFamily="34" charset="0"/>
+              </a:rPr>
+              <a:t>komputer</a:t>
+            </a:r>
+            <a:r>
+              <a:rPr lang="en-US" sz="2000" dirty="0" smtClean="0">
+                <a:latin typeface="Helvetica" panose="020B0604020202020204" pitchFamily="34" charset="0"/>
+                <a:cs typeface="Helvetica" panose="020B0604020202020204" pitchFamily="34" charset="0"/>
+              </a:rPr>
+              <a:t> </a:t>
+            </a:r>
+            <a:r>
+              <a:rPr lang="en-US" sz="2000" dirty="0" err="1" smtClean="0">
+                <a:latin typeface="Helvetica" panose="020B0604020202020204" pitchFamily="34" charset="0"/>
+                <a:cs typeface="Helvetica" panose="020B0604020202020204" pitchFamily="34" charset="0"/>
+              </a:rPr>
+              <a:t>pengakses</a:t>
+            </a:r>
+            <a:r>
+              <a:rPr lang="en-US" sz="2000" dirty="0" smtClean="0">
+                <a:latin typeface="Helvetica" panose="020B0604020202020204" pitchFamily="34" charset="0"/>
+                <a:cs typeface="Helvetica" panose="020B0604020202020204" pitchFamily="34" charset="0"/>
+              </a:rPr>
+              <a:t> normal</a:t>
+            </a:r>
+          </a:p>
+          <a:p>
+            <a:pPr>
+              <a:buFont typeface="Arial" panose="020B0604020202020204" pitchFamily="34" charset="0"/>
+              <a:buChar char="•"/>
+            </a:pPr>
+            <a:r>
+              <a:rPr lang="en-US" sz="2000" dirty="0" smtClean="0">
+                <a:latin typeface="Helvetica" panose="020B0604020202020204" pitchFamily="34" charset="0"/>
+                <a:cs typeface="Helvetica" panose="020B0604020202020204" pitchFamily="34" charset="0"/>
+              </a:rPr>
+              <a:t>1 </a:t>
+            </a:r>
+            <a:r>
+              <a:rPr lang="en-US" sz="2000" dirty="0" err="1" smtClean="0">
+                <a:latin typeface="Helvetica" panose="020B0604020202020204" pitchFamily="34" charset="0"/>
+                <a:cs typeface="Helvetica" panose="020B0604020202020204" pitchFamily="34" charset="0"/>
+              </a:rPr>
+              <a:t>komputer</a:t>
+            </a:r>
+            <a:r>
+              <a:rPr lang="en-US" sz="2000" dirty="0" smtClean="0">
+                <a:latin typeface="Helvetica" panose="020B0604020202020204" pitchFamily="34" charset="0"/>
+                <a:cs typeface="Helvetica" panose="020B0604020202020204" pitchFamily="34" charset="0"/>
+              </a:rPr>
+              <a:t> </a:t>
+            </a:r>
+            <a:r>
+              <a:rPr lang="en-US" sz="2000" dirty="0" err="1" smtClean="0">
+                <a:latin typeface="Helvetica" panose="020B0604020202020204" pitchFamily="34" charset="0"/>
+                <a:cs typeface="Helvetica" panose="020B0604020202020204" pitchFamily="34" charset="0"/>
+              </a:rPr>
+              <a:t>penyerang</a:t>
+            </a:r>
+            <a:endParaRPr lang="id-ID" sz="2000" dirty="0">
+              <a:latin typeface="Helvetica" panose="020B0604020202020204" pitchFamily="34" charset="0"/>
+              <a:cs typeface="Helvetica" panose="020B0604020202020204" pitchFamily="34" charset="0"/>
+            </a:endParaRPr>
+          </a:p>
         </p:txBody>
       </p:sp>
       <p:pic>
         <p:nvPicPr>
-          <p:cNvPr id="4" name="Content Placeholder 3"/>
+          <p:cNvPr id="4" name="Picture 3"/>
           <p:cNvPicPr>
-            <a:picLocks noGrp="1" noChangeAspect="1"/>
+            <a:picLocks noChangeAspect="1"/>
           </p:cNvPicPr>
-          <p:nvPr>
-            <p:ph idx="1"/>
-          </p:nvPr>
+          <p:nvPr/>
         </p:nvPicPr>
         <p:blipFill>
           <a:blip r:embed="rId2">
@@ -16869,15 +19453,18 @@
         </p:blipFill>
         <p:spPr>
           <a:xfrm>
-            <a:off x="2592925" y="2477967"/>
-            <a:ext cx="6105525" cy="2847975"/>
+            <a:off x="3938496" y="3362354"/>
+            <a:ext cx="5464296" cy="2548868"/>
           </a:xfrm>
+          <a:prstGeom prst="rect">
+            <a:avLst/>
+          </a:prstGeom>
         </p:spPr>
       </p:pic>
     </p:spTree>
     <p:extLst>
       <p:ext uri="{BB962C8B-B14F-4D97-AF65-F5344CB8AC3E}">
-        <p14:creationId xmlns:p14="http://schemas.microsoft.com/office/powerpoint/2010/main" val="364868986"/>
+        <p14:creationId xmlns:p14="http://schemas.microsoft.com/office/powerpoint/2010/main" val="1903932583"/>
       </p:ext>
     </p:extLst>
   </p:cSld>
@@ -17180,7 +19767,7 @@
         <p:spPr>
           <a:xfrm>
             <a:off x="2589212" y="2133600"/>
-            <a:ext cx="5165935" cy="3777622"/>
+            <a:ext cx="5925059" cy="3777622"/>
           </a:xfrm>
         </p:spPr>
         <p:txBody>
@@ -17864,4 +20451,265 @@
     </a:ext>
   </a:extLst>
 </a:theme>
+</file>
+
+<file path=ppt/theme/theme3.xml><?xml version="1.0" encoding="utf-8"?>
+<a:theme xmlns:a="http://schemas.openxmlformats.org/drawingml/2006/main" name="Office Theme">
+  <a:themeElements>
+    <a:clrScheme name="Office">
+      <a:dk1>
+        <a:sysClr val="windowText" lastClr="000000"/>
+      </a:dk1>
+      <a:lt1>
+        <a:sysClr val="window" lastClr="FFFFFF"/>
+      </a:lt1>
+      <a:dk2>
+        <a:srgbClr val="44546A"/>
+      </a:dk2>
+      <a:lt2>
+        <a:srgbClr val="E7E6E6"/>
+      </a:lt2>
+      <a:accent1>
+        <a:srgbClr val="5B9BD5"/>
+      </a:accent1>
+      <a:accent2>
+        <a:srgbClr val="ED7D31"/>
+      </a:accent2>
+      <a:accent3>
+        <a:srgbClr val="A5A5A5"/>
+      </a:accent3>
+      <a:accent4>
+        <a:srgbClr val="FFC000"/>
+      </a:accent4>
+      <a:accent5>
+        <a:srgbClr val="4472C4"/>
+      </a:accent5>
+      <a:accent6>
+        <a:srgbClr val="70AD47"/>
+      </a:accent6>
+      <a:hlink>
+        <a:srgbClr val="0563C1"/>
+      </a:hlink>
+      <a:folHlink>
+        <a:srgbClr val="954F72"/>
+      </a:folHlink>
+    </a:clrScheme>
+    <a:fontScheme name="Office">
+      <a:majorFont>
+        <a:latin typeface="Calibri Light" panose="020F0302020204030204"/>
+        <a:ea typeface=""/>
+        <a:cs typeface=""/>
+        <a:font script="Jpan" typeface="游ゴシック Light"/>
+        <a:font script="Hang" typeface="맑은 고딕"/>
+        <a:font script="Hans" typeface="等线 Light"/>
+        <a:font script="Hant" typeface="新細明體"/>
+        <a:font script="Arab" typeface="Times New Roman"/>
+        <a:font script="Hebr" typeface="Times New Roman"/>
+        <a:font script="Thai" typeface="Angsana New"/>
+        <a:font script="Ethi" typeface="Nyala"/>
+        <a:font script="Beng" typeface="Vrinda"/>
+        <a:font script="Gujr" typeface="Shruti"/>
+        <a:font script="Khmr" typeface="MoolBoran"/>
+        <a:font script="Knda" typeface="Tunga"/>
+        <a:font script="Guru" typeface="Raavi"/>
+        <a:font script="Cans" typeface="Euphemia"/>
+        <a:font script="Cher" typeface="Plantagenet Cherokee"/>
+        <a:font script="Yiii" typeface="Microsoft Yi Baiti"/>
+        <a:font script="Tibt" typeface="Microsoft Himalaya"/>
+        <a:font script="Thaa" typeface="MV Boli"/>
+        <a:font script="Deva" typeface="Mangal"/>
+        <a:font script="Telu" typeface="Gautami"/>
+        <a:font script="Taml" typeface="Latha"/>
+        <a:font script="Syrc" typeface="Estrangelo Edessa"/>
+        <a:font script="Orya" typeface="Kalinga"/>
+        <a:font script="Mlym" typeface="Kartika"/>
+        <a:font script="Laoo" typeface="DokChampa"/>
+        <a:font script="Sinh" typeface="Iskoola Pota"/>
+        <a:font script="Mong" typeface="Mongolian Baiti"/>
+        <a:font script="Viet" typeface="Times New Roman"/>
+        <a:font script="Uigh" typeface="Microsoft Uighur"/>
+        <a:font script="Geor" typeface="Sylfaen"/>
+      </a:majorFont>
+      <a:minorFont>
+        <a:latin typeface="Calibri" panose="020F0502020204030204"/>
+        <a:ea typeface=""/>
+        <a:cs typeface=""/>
+        <a:font script="Jpan" typeface="游ゴシック"/>
+        <a:font script="Hang" typeface="맑은 고딕"/>
+        <a:font script="Hans" typeface="等线"/>
+        <a:font script="Hant" typeface="新細明體"/>
+        <a:font script="Arab" typeface="Arial"/>
+        <a:font script="Hebr" typeface="Arial"/>
+        <a:font script="Thai" typeface="Cordia New"/>
+        <a:font script="Ethi" typeface="Nyala"/>
+        <a:font script="Beng" typeface="Vrinda"/>
+        <a:font script="Gujr" typeface="Shruti"/>
+        <a:font script="Khmr" typeface="DaunPenh"/>
+        <a:font script="Knda" typeface="Tunga"/>
+        <a:font script="Guru" typeface="Raavi"/>
+        <a:font script="Cans" typeface="Euphemia"/>
+        <a:font script="Cher" typeface="Plantagenet Cherokee"/>
+        <a:font script="Yiii" typeface="Microsoft Yi Baiti"/>
+        <a:font script="Tibt" typeface="Microsoft Himalaya"/>
+        <a:font script="Thaa" typeface="MV Boli"/>
+        <a:font script="Deva" typeface="Mangal"/>
+        <a:font script="Telu" typeface="Gautami"/>
+        <a:font script="Taml" typeface="Latha"/>
+        <a:font script="Syrc" typeface="Estrangelo Edessa"/>
+        <a:font script="Orya" typeface="Kalinga"/>
+        <a:font script="Mlym" typeface="Kartika"/>
+        <a:font script="Laoo" typeface="DokChampa"/>
+        <a:font script="Sinh" typeface="Iskoola Pota"/>
+        <a:font script="Mong" typeface="Mongolian Baiti"/>
+        <a:font script="Viet" typeface="Arial"/>
+        <a:font script="Uigh" typeface="Microsoft Uighur"/>
+        <a:font script="Geor" typeface="Sylfaen"/>
+      </a:minorFont>
+    </a:fontScheme>
+    <a:fmtScheme name="Office">
+      <a:fillStyleLst>
+        <a:solidFill>
+          <a:schemeClr val="phClr"/>
+        </a:solidFill>
+        <a:gradFill rotWithShape="1">
+          <a:gsLst>
+            <a:gs pos="0">
+              <a:schemeClr val="phClr">
+                <a:lumMod val="110000"/>
+                <a:satMod val="105000"/>
+                <a:tint val="67000"/>
+              </a:schemeClr>
+            </a:gs>
+            <a:gs pos="50000">
+              <a:schemeClr val="phClr">
+                <a:lumMod val="105000"/>
+                <a:satMod val="103000"/>
+                <a:tint val="73000"/>
+              </a:schemeClr>
+            </a:gs>
+            <a:gs pos="100000">
+              <a:schemeClr val="phClr">
+                <a:lumMod val="105000"/>
+                <a:satMod val="109000"/>
+                <a:tint val="81000"/>
+              </a:schemeClr>
+            </a:gs>
+          </a:gsLst>
+          <a:lin ang="5400000" scaled="0"/>
+        </a:gradFill>
+        <a:gradFill rotWithShape="1">
+          <a:gsLst>
+            <a:gs pos="0">
+              <a:schemeClr val="phClr">
+                <a:satMod val="103000"/>
+                <a:lumMod val="102000"/>
+                <a:tint val="94000"/>
+              </a:schemeClr>
+            </a:gs>
+            <a:gs pos="50000">
+              <a:schemeClr val="phClr">
+                <a:satMod val="110000"/>
+                <a:lumMod val="100000"/>
+                <a:shade val="100000"/>
+              </a:schemeClr>
+            </a:gs>
+            <a:gs pos="100000">
+              <a:schemeClr val="phClr">
+                <a:lumMod val="99000"/>
+                <a:satMod val="120000"/>
+                <a:shade val="78000"/>
+              </a:schemeClr>
+            </a:gs>
+          </a:gsLst>
+          <a:lin ang="5400000" scaled="0"/>
+        </a:gradFill>
+      </a:fillStyleLst>
+      <a:lnStyleLst>
+        <a:ln w="6350" cap="flat" cmpd="sng" algn="ctr">
+          <a:solidFill>
+            <a:schemeClr val="phClr"/>
+          </a:solidFill>
+          <a:prstDash val="solid"/>
+          <a:miter lim="800000"/>
+        </a:ln>
+        <a:ln w="12700" cap="flat" cmpd="sng" algn="ctr">
+          <a:solidFill>
+            <a:schemeClr val="phClr"/>
+          </a:solidFill>
+          <a:prstDash val="solid"/>
+          <a:miter lim="800000"/>
+        </a:ln>
+        <a:ln w="19050" cap="flat" cmpd="sng" algn="ctr">
+          <a:solidFill>
+            <a:schemeClr val="phClr"/>
+          </a:solidFill>
+          <a:prstDash val="solid"/>
+          <a:miter lim="800000"/>
+        </a:ln>
+      </a:lnStyleLst>
+      <a:effectStyleLst>
+        <a:effectStyle>
+          <a:effectLst/>
+        </a:effectStyle>
+        <a:effectStyle>
+          <a:effectLst/>
+        </a:effectStyle>
+        <a:effectStyle>
+          <a:effectLst>
+            <a:outerShdw blurRad="57150" dist="19050" dir="5400000" algn="ctr" rotWithShape="0">
+              <a:srgbClr val="000000">
+                <a:alpha val="63000"/>
+              </a:srgbClr>
+            </a:outerShdw>
+          </a:effectLst>
+        </a:effectStyle>
+      </a:effectStyleLst>
+      <a:bgFillStyleLst>
+        <a:solidFill>
+          <a:schemeClr val="phClr"/>
+        </a:solidFill>
+        <a:solidFill>
+          <a:schemeClr val="phClr">
+            <a:tint val="95000"/>
+            <a:satMod val="170000"/>
+          </a:schemeClr>
+        </a:solidFill>
+        <a:gradFill rotWithShape="1">
+          <a:gsLst>
+            <a:gs pos="0">
+              <a:schemeClr val="phClr">
+                <a:tint val="93000"/>
+                <a:satMod val="150000"/>
+                <a:shade val="98000"/>
+                <a:lumMod val="102000"/>
+              </a:schemeClr>
+            </a:gs>
+            <a:gs pos="50000">
+              <a:schemeClr val="phClr">
+                <a:tint val="98000"/>
+                <a:satMod val="130000"/>
+                <a:shade val="90000"/>
+                <a:lumMod val="103000"/>
+              </a:schemeClr>
+            </a:gs>
+            <a:gs pos="100000">
+              <a:schemeClr val="phClr">
+                <a:shade val="63000"/>
+                <a:satMod val="120000"/>
+              </a:schemeClr>
+            </a:gs>
+          </a:gsLst>
+          <a:lin ang="5400000" scaled="0"/>
+        </a:gradFill>
+      </a:bgFillStyleLst>
+    </a:fmtScheme>
+  </a:themeElements>
+  <a:objectDefaults/>
+  <a:extraClrSchemeLst/>
+  <a:extLst>
+    <a:ext uri="{05A4C25C-085E-4340-85A3-A5531E510DB2}">
+      <thm15:themeFamily xmlns:thm15="http://schemas.microsoft.com/office/thememl/2012/main" name="Office Theme" id="{62F939B6-93AF-4DB8-9C6B-D6C7DFDC589F}" vid="{4A3C46E8-61CC-4603-A589-7422A47A8E4A}"/>
+    </a:ext>
+  </a:extLst>
+</a:theme>
 </file>